--- a/Lessons_Learned_ESRI_javascript_API.pptx
+++ b/Lessons_Learned_ESRI_javascript_API.pptx
@@ -2,27 +2,27 @@
 <file path=ppt/presentation.xml><?xml version="1.0" encoding="utf-8"?>
 <p:presentation xmlns:a="http://schemas.openxmlformats.org/drawingml/2006/main" xmlns:r="http://schemas.openxmlformats.org/officeDocument/2006/relationships" xmlns:p="http://schemas.openxmlformats.org/presentationml/2006/main" saveSubsetFonts="1">
   <p:sldMasterIdLst>
-    <p:sldMasterId id="2147483672" r:id="rId40"/>
+    <p:sldMasterId id="2147483672" r:id="rId42"/>
   </p:sldMasterIdLst>
   <p:notesMasterIdLst>
-    <p:notesMasterId r:id="rId56"/>
+    <p:notesMasterId r:id="rId58"/>
   </p:notesMasterIdLst>
   <p:sldIdLst>
-    <p:sldId id="258" r:id="rId41"/>
-    <p:sldId id="257" r:id="rId42"/>
-    <p:sldId id="264" r:id="rId43"/>
-    <p:sldId id="256" r:id="rId44"/>
-    <p:sldId id="259" r:id="rId45"/>
-    <p:sldId id="260" r:id="rId46"/>
-    <p:sldId id="261" r:id="rId47"/>
-    <p:sldId id="266" r:id="rId48"/>
-    <p:sldId id="269" r:id="rId49"/>
-    <p:sldId id="265" r:id="rId50"/>
-    <p:sldId id="267" r:id="rId51"/>
-    <p:sldId id="270" r:id="rId52"/>
-    <p:sldId id="263" r:id="rId53"/>
-    <p:sldId id="268" r:id="rId54"/>
-    <p:sldId id="262" r:id="rId55"/>
+    <p:sldId id="258" r:id="rId43"/>
+    <p:sldId id="257" r:id="rId44"/>
+    <p:sldId id="264" r:id="rId45"/>
+    <p:sldId id="256" r:id="rId46"/>
+    <p:sldId id="259" r:id="rId47"/>
+    <p:sldId id="260" r:id="rId48"/>
+    <p:sldId id="261" r:id="rId49"/>
+    <p:sldId id="266" r:id="rId50"/>
+    <p:sldId id="269" r:id="rId51"/>
+    <p:sldId id="265" r:id="rId52"/>
+    <p:sldId id="267" r:id="rId53"/>
+    <p:sldId id="270" r:id="rId54"/>
+    <p:sldId id="263" r:id="rId55"/>
+    <p:sldId id="268" r:id="rId56"/>
+    <p:sldId id="262" r:id="rId57"/>
   </p:sldIdLst>
   <p:sldSz cx="9144000" cy="6858000" type="screen4x3"/>
   <p:notesSz cx="6858000" cy="9144000"/>
@@ -206,7 +206,7 @@
           <a:p>
             <a:fld id="{03505E67-28AD-4078-B7F6-A6669198553D}" type="datetimeFigureOut">
               <a:rPr lang="en-US" smtClean="0"/>
-              <a:t>4/9/2015</a:t>
+              <a:t>4/10/2015</a:t>
             </a:fld>
             <a:endParaRPr lang="en-US"/>
           </a:p>
@@ -738,11 +738,7 @@
             </a:r>
             <a:r>
               <a:rPr lang="en-US" dirty="0" smtClean="0"/>
-              <a:t> API easy to use? Even </a:t>
-            </a:r>
-            <a:r>
-              <a:rPr lang="en-US" dirty="0" smtClean="0"/>
-              <a:t>a guy</a:t>
+              <a:t> API easy to use? Even a guy</a:t>
             </a:r>
             <a:r>
               <a:rPr lang="en-US" baseline="0" dirty="0" smtClean="0"/>
@@ -945,11 +941,7 @@
             </a:r>
             <a:r>
               <a:rPr lang="en-US" baseline="0" dirty="0" smtClean="0"/>
-              <a:t> API</a:t>
-            </a:r>
-            <a:r>
-              <a:rPr lang="en-US" baseline="0" dirty="0" smtClean="0"/>
-              <a:t>.</a:t>
+              <a:t> API.</a:t>
             </a:r>
           </a:p>
           <a:p>
@@ -1071,11 +1063,7 @@
             </a:r>
             <a:r>
               <a:rPr lang="en-US" dirty="0" smtClean="0"/>
-              <a:t> </a:t>
-            </a:r>
-            <a:r>
-              <a:rPr lang="en-US" dirty="0" smtClean="0"/>
-              <a:t>is picky but has lots of options</a:t>
+              <a:t> is picky but has lots of options</a:t>
             </a:r>
             <a:r>
               <a:rPr lang="en-US" baseline="0" dirty="0" smtClean="0"/>
@@ -1956,7 +1944,7 @@
           <a:p>
             <a:fld id="{E49CC300-CAEA-4B88-BD81-ACA25B4F5071}" type="datetime1">
               <a:rPr lang="en-US" smtClean="0"/>
-              <a:t>4/9/2015</a:t>
+              <a:t>4/10/2015</a:t>
             </a:fld>
             <a:endParaRPr lang="en-US"/>
           </a:p>
@@ -2125,7 +2113,7 @@
           <a:p>
             <a:fld id="{3745BE91-E42A-4AAF-BB26-D02BE510BB1B}" type="datetime1">
               <a:rPr lang="en-US" smtClean="0"/>
-              <a:t>4/9/2015</a:t>
+              <a:t>4/10/2015</a:t>
             </a:fld>
             <a:endParaRPr lang="en-US"/>
           </a:p>
@@ -2304,7 +2292,7 @@
           <a:p>
             <a:fld id="{85932754-6618-46E8-BDA5-0CBD3094D064}" type="datetime1">
               <a:rPr lang="en-US" smtClean="0"/>
-              <a:t>4/9/2015</a:t>
+              <a:t>4/10/2015</a:t>
             </a:fld>
             <a:endParaRPr lang="en-US"/>
           </a:p>
@@ -2473,7 +2461,7 @@
           <a:p>
             <a:fld id="{E403B45D-E03C-4404-9C98-312B8AD2E868}" type="datetime1">
               <a:rPr lang="en-US" smtClean="0"/>
-              <a:t>4/9/2015</a:t>
+              <a:t>4/10/2015</a:t>
             </a:fld>
             <a:endParaRPr lang="en-US"/>
           </a:p>
@@ -2718,7 +2706,7 @@
           <a:p>
             <a:fld id="{71F2BD76-C6AD-4172-8115-134A806DAA37}" type="datetime1">
               <a:rPr lang="en-US" smtClean="0"/>
-              <a:t>4/9/2015</a:t>
+              <a:t>4/10/2015</a:t>
             </a:fld>
             <a:endParaRPr lang="en-US"/>
           </a:p>
@@ -3005,7 +2993,7 @@
           <a:p>
             <a:fld id="{D914C391-1193-487A-A813-6955BCA06797}" type="datetime1">
               <a:rPr lang="en-US" smtClean="0"/>
-              <a:t>4/9/2015</a:t>
+              <a:t>4/10/2015</a:t>
             </a:fld>
             <a:endParaRPr lang="en-US"/>
           </a:p>
@@ -3438,7 +3426,7 @@
           <a:p>
             <a:fld id="{1D8BA7DB-370E-41B0-A40A-7B552FA471B6}" type="datetime1">
               <a:rPr lang="en-US" smtClean="0"/>
-              <a:t>4/9/2015</a:t>
+              <a:t>4/10/2015</a:t>
             </a:fld>
             <a:endParaRPr lang="en-US"/>
           </a:p>
@@ -3555,7 +3543,7 @@
           <a:p>
             <a:fld id="{7DA98626-2BFD-45F5-9D52-62A2F09880E2}" type="datetime1">
               <a:rPr lang="en-US" smtClean="0"/>
-              <a:t>4/9/2015</a:t>
+              <a:t>4/10/2015</a:t>
             </a:fld>
             <a:endParaRPr lang="en-US"/>
           </a:p>
@@ -3649,7 +3637,7 @@
           <a:p>
             <a:fld id="{22B55C7B-319A-4FF3-AAF4-39360E58F7A1}" type="datetime1">
               <a:rPr lang="en-US" smtClean="0"/>
-              <a:t>4/9/2015</a:t>
+              <a:t>4/10/2015</a:t>
             </a:fld>
             <a:endParaRPr lang="en-US"/>
           </a:p>
@@ -3842,7 +3830,7 @@
           <a:p>
             <a:fld id="{0D367370-D750-4432-AC66-D72C14545BDF}" type="datetime1">
               <a:rPr lang="en-US" smtClean="0"/>
-              <a:t>4/9/2015</a:t>
+              <a:t>4/10/2015</a:t>
             </a:fld>
             <a:endParaRPr lang="en-US"/>
           </a:p>
@@ -4164,7 +4152,7 @@
           <a:p>
             <a:fld id="{EF417AFC-C7AB-4C08-885D-2ACAE3399F5D}" type="datetime1">
               <a:rPr lang="en-US" smtClean="0"/>
-              <a:t>4/9/2015</a:t>
+              <a:t>4/10/2015</a:t>
             </a:fld>
             <a:endParaRPr lang="en-US"/>
           </a:p>
@@ -4551,7 +4539,7 @@
           <a:p>
             <a:fld id="{34B9A30A-8FAE-4300-9C2E-8702CB66E234}" type="datetime1">
               <a:rPr lang="en-US" smtClean="0"/>
-              <a:t>4/9/2015</a:t>
+              <a:t>4/10/2015</a:t>
             </a:fld>
             <a:endParaRPr lang="en-US"/>
           </a:p>
@@ -5034,7 +5022,7 @@
           <a:p>
             <a:fld id="{0302782C-87D0-4478-85B8-4E9C8400ABB7}" type="datetime1">
               <a:rPr lang="en-US" smtClean="0"/>
-              <a:t>4/9/2015</a:t>
+              <a:t>4/10/2015</a:t>
             </a:fld>
             <a:endParaRPr lang="en-US" dirty="0"/>
           </a:p>
@@ -5277,7 +5265,7 @@
           <a:p>
             <a:fld id="{E403B45D-E03C-4404-9C98-312B8AD2E868}" type="datetime1">
               <a:rPr lang="en-US" smtClean="0"/>
-              <a:t>4/9/2015</a:t>
+              <a:t>4/10/2015</a:t>
             </a:fld>
             <a:endParaRPr lang="en-US"/>
           </a:p>
@@ -5509,13 +5497,8 @@
           <a:p>
             <a:r>
               <a:rPr lang="en-US" dirty="0" smtClean="0"/>
-              <a:t>I have done this sort of thing with </a:t>
-            </a:r>
-            <a:r>
-              <a:rPr lang="en-US" dirty="0" smtClean="0"/>
-              <a:t>PHP and $_GET.</a:t>
-            </a:r>
-            <a:endParaRPr lang="en-US" dirty="0" smtClean="0"/>
+              <a:t>I have done this sort of thing with PHP and $_GET.</a:t>
+            </a:r>
           </a:p>
           <a:p>
             <a:endParaRPr lang="en-US" dirty="0"/>
@@ -5539,7 +5522,7 @@
           <a:p>
             <a:fld id="{E403B45D-E03C-4404-9C98-312B8AD2E868}" type="datetime1">
               <a:rPr lang="en-US" smtClean="0"/>
-              <a:t>4/9/2015</a:t>
+              <a:t>4/10/2015</a:t>
             </a:fld>
             <a:endParaRPr lang="en-US"/>
           </a:p>
@@ -5748,7 +5731,7 @@
           <a:p>
             <a:fld id="{E403B45D-E03C-4404-9C98-312B8AD2E868}" type="datetime1">
               <a:rPr lang="en-US" smtClean="0"/>
-              <a:t>4/9/2015</a:t>
+              <a:t>4/10/2015</a:t>
             </a:fld>
             <a:endParaRPr lang="en-US"/>
           </a:p>
@@ -6243,7 +6226,7 @@
           <a:p>
             <a:fld id="{E403B45D-E03C-4404-9C98-312B8AD2E868}" type="datetime1">
               <a:rPr lang="en-US" smtClean="0"/>
-              <a:t>4/9/2015</a:t>
+              <a:t>4/10/2015</a:t>
             </a:fld>
             <a:endParaRPr lang="en-US"/>
           </a:p>
@@ -6425,11 +6408,7 @@
             </a:r>
             <a:r>
               <a:rPr lang="en-US" dirty="0"/>
-              <a:t> offers?).</a:t>
-            </a:r>
-            <a:r>
-              <a:rPr lang="en-US" dirty="0"/>
-              <a:t> </a:t>
+              <a:t> offers?). </a:t>
             </a:r>
             <a:endParaRPr lang="en-US" dirty="0" smtClean="0"/>
           </a:p>
@@ -6469,11 +6448,7 @@
             </a:r>
             <a:r>
               <a:rPr lang="en-US" dirty="0"/>
-              <a:t>).</a:t>
-            </a:r>
-            <a:r>
-              <a:rPr lang="en-US" dirty="0"/>
-              <a:t>  </a:t>
+              <a:t>).  </a:t>
             </a:r>
             <a:endParaRPr lang="en-US" dirty="0" smtClean="0"/>
           </a:p>
@@ -6505,7 +6480,7 @@
           <a:p>
             <a:fld id="{E403B45D-E03C-4404-9C98-312B8AD2E868}" type="datetime1">
               <a:rPr lang="en-US" smtClean="0"/>
-              <a:t>4/9/2015</a:t>
+              <a:t>4/10/2015</a:t>
             </a:fld>
             <a:endParaRPr lang="en-US"/>
           </a:p>
@@ -6642,7 +6617,11 @@
           <a:p>
             <a:r>
               <a:rPr lang="en-US" dirty="0" smtClean="0"/>
-              <a:t>Easy ?</a:t>
+              <a:t>Easy </a:t>
+            </a:r>
+            <a:r>
+              <a:rPr lang="en-US" dirty="0" smtClean="0"/>
+              <a:t>? …</a:t>
             </a:r>
             <a:endParaRPr lang="en-US" dirty="0"/>
           </a:p>
@@ -6665,7 +6644,7 @@
           <a:p>
             <a:fld id="{E403B45D-E03C-4404-9C98-312B8AD2E868}" type="datetime1">
               <a:rPr lang="en-US" smtClean="0"/>
-              <a:t>4/9/2015</a:t>
+              <a:t>4/10/2015</a:t>
             </a:fld>
             <a:endParaRPr lang="en-US"/>
           </a:p>
@@ -6742,7 +6721,7 @@
         </p:blipFill>
         <p:spPr bwMode="auto">
           <a:xfrm>
-            <a:off x="3699510" y="3246120"/>
+            <a:off x="3429000" y="2590800"/>
             <a:ext cx="1135380" cy="1508760"/>
           </a:xfrm>
           <a:prstGeom prst="rect">
@@ -6809,6 +6788,318 @@
               </a:schemeClr>
             </a:solidFill>
           </a:ln>
+        </p:spPr>
+      </p:pic>
+      <p:grpSp>
+        <p:nvGrpSpPr>
+          <p:cNvPr id="10" name="Group 9"/>
+          <p:cNvGrpSpPr/>
+          <p:nvPr/>
+        </p:nvGrpSpPr>
+        <p:grpSpPr>
+          <a:xfrm>
+            <a:off x="523875" y="5562600"/>
+            <a:ext cx="2524125" cy="369332"/>
+            <a:chOff x="523875" y="5562600"/>
+            <a:chExt cx="2524125" cy="369332"/>
+          </a:xfrm>
+        </p:grpSpPr>
+        <p:sp>
+          <p:nvSpPr>
+            <p:cNvPr id="3" name="TextBox 2"/>
+            <p:cNvSpPr txBox="1"/>
+            <p:nvPr/>
+          </p:nvSpPr>
+          <p:spPr>
+            <a:xfrm>
+              <a:off x="914400" y="5562600"/>
+              <a:ext cx="2133600" cy="369332"/>
+            </a:xfrm>
+            <a:prstGeom prst="rect">
+              <a:avLst/>
+            </a:prstGeom>
+            <a:noFill/>
+          </p:spPr>
+          <p:txBody>
+            <a:bodyPr wrap="square" rtlCol="0">
+              <a:spAutoFit/>
+            </a:bodyPr>
+            <a:lstStyle/>
+            <a:p>
+              <a:r>
+                <a:rPr lang="en-US" dirty="0" smtClean="0"/>
+                <a:t>@</a:t>
+              </a:r>
+              <a:r>
+                <a:rPr lang="en-US" dirty="0" err="1" smtClean="0"/>
+                <a:t>jbchurchill</a:t>
+              </a:r>
+              <a:endParaRPr lang="en-US" dirty="0"/>
+            </a:p>
+          </p:txBody>
+        </p:sp>
+        <p:pic>
+          <p:nvPicPr>
+            <p:cNvPr id="1026" name="Picture 2"/>
+            <p:cNvPicPr>
+              <a:picLocks noChangeAspect="1" noChangeArrowheads="1"/>
+            </p:cNvPicPr>
+            <p:nvPr/>
+          </p:nvPicPr>
+          <p:blipFill>
+            <a:blip r:embed="rId5">
+              <a:extLst>
+                <a:ext uri="{28A0092B-C50C-407E-A947-70E740481C1C}">
+                  <a14:useLocalDpi xmlns:a14="http://schemas.microsoft.com/office/drawing/2010/main" val="0"/>
+                </a:ext>
+              </a:extLst>
+            </a:blip>
+            <a:srcRect/>
+            <a:stretch>
+              <a:fillRect/>
+            </a:stretch>
+          </p:blipFill>
+          <p:spPr bwMode="auto">
+            <a:xfrm>
+              <a:off x="523875" y="5646182"/>
+              <a:ext cx="390525" cy="285750"/>
+            </a:xfrm>
+            <a:prstGeom prst="rect">
+              <a:avLst/>
+            </a:prstGeom>
+            <a:noFill/>
+            <a:ln>
+              <a:noFill/>
+            </a:ln>
+            <a:extLst>
+              <a:ext uri="{909E8E84-426E-40DD-AFC4-6F175D3DCCD1}">
+                <a14:hiddenFill xmlns:a14="http://schemas.microsoft.com/office/drawing/2010/main">
+                  <a:solidFill>
+                    <a:schemeClr val="accent1"/>
+                  </a:solidFill>
+                </a14:hiddenFill>
+              </a:ext>
+              <a:ext uri="{91240B29-F687-4F45-9708-019B960494DF}">
+                <a14:hiddenLine xmlns:a14="http://schemas.microsoft.com/office/drawing/2010/main" w="9525">
+                  <a:solidFill>
+                    <a:schemeClr val="tx1"/>
+                  </a:solidFill>
+                  <a:miter lim="800000"/>
+                  <a:headEnd/>
+                  <a:tailEnd/>
+                </a14:hiddenLine>
+              </a:ext>
+            </a:extLst>
+          </p:spPr>
+        </p:pic>
+      </p:grpSp>
+      <p:sp>
+        <p:nvSpPr>
+          <p:cNvPr id="9" name="Rectangle 8"/>
+          <p:cNvSpPr/>
+          <p:nvPr/>
+        </p:nvSpPr>
+        <p:spPr>
+          <a:xfrm>
+            <a:off x="1038224" y="5965984"/>
+            <a:ext cx="5660834" cy="369332"/>
+          </a:xfrm>
+          <a:prstGeom prst="rect">
+            <a:avLst/>
+          </a:prstGeom>
+        </p:spPr>
+        <p:txBody>
+          <a:bodyPr wrap="square">
+            <a:spAutoFit/>
+          </a:bodyPr>
+          <a:lstStyle/>
+          <a:p>
+            <a:r>
+              <a:rPr lang="en-US" dirty="0"/>
+              <a:t>http://gis.stackexchange.com/users/31115/jbchurchill</a:t>
+            </a:r>
+          </a:p>
+        </p:txBody>
+      </p:sp>
+      <p:pic>
+        <p:nvPicPr>
+          <p:cNvPr id="1027" name="Picture 3"/>
+          <p:cNvPicPr>
+            <a:picLocks noChangeAspect="1" noChangeArrowheads="1"/>
+          </p:cNvPicPr>
+          <p:nvPr/>
+        </p:nvPicPr>
+        <p:blipFill>
+          <a:blip r:embed="rId6">
+            <a:extLst>
+              <a:ext uri="{28A0092B-C50C-407E-A947-70E740481C1C}">
+                <a14:useLocalDpi xmlns:a14="http://schemas.microsoft.com/office/drawing/2010/main" val="0"/>
+              </a:ext>
+            </a:extLst>
+          </a:blip>
+          <a:srcRect/>
+          <a:stretch>
+            <a:fillRect/>
+          </a:stretch>
+        </p:blipFill>
+        <p:spPr bwMode="auto">
+          <a:xfrm>
+            <a:off x="400049" y="5931932"/>
+            <a:ext cx="638175" cy="628650"/>
+          </a:xfrm>
+          <a:prstGeom prst="rect">
+            <a:avLst/>
+          </a:prstGeom>
+          <a:noFill/>
+          <a:ln>
+            <a:noFill/>
+          </a:ln>
+          <a:extLst>
+            <a:ext uri="{909E8E84-426E-40DD-AFC4-6F175D3DCCD1}">
+              <a14:hiddenFill xmlns:a14="http://schemas.microsoft.com/office/drawing/2010/main">
+                <a:solidFill>
+                  <a:schemeClr val="accent1"/>
+                </a:solidFill>
+              </a14:hiddenFill>
+            </a:ext>
+            <a:ext uri="{91240B29-F687-4F45-9708-019B960494DF}">
+              <a14:hiddenLine xmlns:a14="http://schemas.microsoft.com/office/drawing/2010/main" w="9525">
+                <a:solidFill>
+                  <a:schemeClr val="tx1"/>
+                </a:solidFill>
+                <a:miter lim="800000"/>
+                <a:headEnd/>
+                <a:tailEnd/>
+              </a14:hiddenLine>
+            </a:ext>
+          </a:extLst>
+        </p:spPr>
+      </p:pic>
+      <p:sp>
+        <p:nvSpPr>
+          <p:cNvPr id="14" name="Title 1"/>
+          <p:cNvSpPr txBox="1">
+            <a:spLocks/>
+          </p:cNvSpPr>
+          <p:nvPr/>
+        </p:nvSpPr>
+        <p:spPr>
+          <a:xfrm>
+            <a:off x="5181600" y="4191000"/>
+            <a:ext cx="3116580" cy="1143000"/>
+          </a:xfrm>
+          <a:prstGeom prst="rect">
+            <a:avLst/>
+          </a:prstGeom>
+        </p:spPr>
+        <p:txBody>
+          <a:bodyPr vert="horz" lIns="91440" tIns="45720" rIns="91440" bIns="45720" rtlCol="0" anchor="ctr">
+            <a:noAutofit/>
+          </a:bodyPr>
+          <a:lstStyle>
+            <a:lvl1pPr algn="l" defTabSz="914400" rtl="0" eaLnBrk="1" latinLnBrk="0" hangingPunct="1">
+              <a:spcBef>
+                <a:spcPct val="0"/>
+              </a:spcBef>
+              <a:buNone/>
+              <a:defRPr sz="4600" kern="1200" cap="none" spc="-100" baseline="0">
+                <a:ln>
+                  <a:noFill/>
+                </a:ln>
+                <a:solidFill>
+                  <a:schemeClr val="tx2"/>
+                </a:solidFill>
+                <a:effectLst/>
+                <a:latin typeface="+mj-lt"/>
+                <a:ea typeface="+mj-ea"/>
+                <a:cs typeface="+mj-cs"/>
+              </a:defRPr>
+            </a:lvl1pPr>
+          </a:lstStyle>
+          <a:p>
+            <a:r>
+              <a:rPr lang="en-US" sz="3200" dirty="0" smtClean="0"/>
+              <a:t>Questions …</a:t>
+            </a:r>
+          </a:p>
+          <a:p>
+            <a:r>
+              <a:rPr lang="en-US" sz="3200" dirty="0" smtClean="0"/>
+              <a:t>for the caveman ?</a:t>
+            </a:r>
+            <a:endParaRPr lang="en-US" sz="3200" dirty="0"/>
+          </a:p>
+        </p:txBody>
+      </p:sp>
+      <p:sp>
+        <p:nvSpPr>
+          <p:cNvPr id="12" name="TextBox 11"/>
+          <p:cNvSpPr txBox="1"/>
+          <p:nvPr/>
+        </p:nvSpPr>
+        <p:spPr>
+          <a:xfrm>
+            <a:off x="1038224" y="5220176"/>
+            <a:ext cx="2037545" cy="369332"/>
+          </a:xfrm>
+          <a:prstGeom prst="rect">
+            <a:avLst/>
+          </a:prstGeom>
+          <a:noFill/>
+        </p:spPr>
+        <p:txBody>
+          <a:bodyPr wrap="none" rtlCol="0">
+            <a:spAutoFit/>
+          </a:bodyPr>
+          <a:lstStyle/>
+          <a:p>
+            <a:r>
+              <a:rPr lang="en-US" dirty="0" smtClean="0"/>
+              <a:t>John Churchill, GISP</a:t>
+            </a:r>
+            <a:endParaRPr lang="en-US" dirty="0"/>
+          </a:p>
+        </p:txBody>
+      </p:sp>
+      <p:pic>
+        <p:nvPicPr>
+          <p:cNvPr id="1029" name="Picture 5" descr="https://static.licdn.com/scds/common/u/img/icon/apple-touch-icon.png"/>
+          <p:cNvPicPr>
+            <a:picLocks noChangeAspect="1" noChangeArrowheads="1"/>
+          </p:cNvPicPr>
+          <p:nvPr/>
+        </p:nvPicPr>
+        <p:blipFill>
+          <a:blip r:embed="rId7">
+            <a:extLst>
+              <a:ext uri="{28A0092B-C50C-407E-A947-70E740481C1C}">
+                <a14:useLocalDpi xmlns:a14="http://schemas.microsoft.com/office/drawing/2010/main" val="0"/>
+              </a:ext>
+            </a:extLst>
+          </a:blip>
+          <a:srcRect/>
+          <a:stretch>
+            <a:fillRect/>
+          </a:stretch>
+        </p:blipFill>
+        <p:spPr bwMode="auto">
+          <a:xfrm>
+            <a:off x="571499" y="5220176"/>
+            <a:ext cx="342901" cy="342902"/>
+          </a:xfrm>
+          <a:prstGeom prst="rect">
+            <a:avLst/>
+          </a:prstGeom>
+          <a:noFill/>
+          <a:extLst>
+            <a:ext uri="{909E8E84-426E-40DD-AFC4-6F175D3DCCD1}">
+              <a14:hiddenFill xmlns:a14="http://schemas.microsoft.com/office/drawing/2010/main">
+                <a:solidFill>
+                  <a:srgbClr val="FFFFFF"/>
+                </a:solidFill>
+              </a14:hiddenFill>
+            </a:ext>
+          </a:extLst>
         </p:spPr>
       </p:pic>
     </p:spTree>
@@ -7040,7 +7331,6 @@
               <a:rPr lang="en-US" dirty="0" smtClean="0"/>
               <a:t>ACM, FSU, FCC</a:t>
             </a:r>
-            <a:endParaRPr lang="en-US" dirty="0" smtClean="0"/>
           </a:p>
           <a:p>
             <a:r>
@@ -7051,11 +7341,7 @@
           <a:p>
             <a:r>
               <a:rPr lang="en-US" dirty="0" smtClean="0"/>
-              <a:t>Garrett </a:t>
-            </a:r>
-            <a:r>
-              <a:rPr lang="en-US" dirty="0" smtClean="0"/>
-              <a:t>County</a:t>
+              <a:t>Garrett County</a:t>
             </a:r>
             <a:endParaRPr lang="en-US" dirty="0"/>
           </a:p>
@@ -7101,7 +7387,7 @@
           <a:p>
             <a:fld id="{8668D83A-7F5E-41DA-8AAA-3A38E79B858E}" type="datetime1">
               <a:rPr lang="en-US" smtClean="0"/>
-              <a:t>4/9/2015</a:t>
+              <a:t>4/10/2015</a:t>
             </a:fld>
             <a:endParaRPr lang="en-US"/>
           </a:p>
@@ -7418,14 +7704,12 @@
               <a:rPr lang="en-US" dirty="0" smtClean="0"/>
               <a:t>Perl</a:t>
             </a:r>
-            <a:endParaRPr lang="en-US" dirty="0" smtClean="0"/>
           </a:p>
           <a:p>
             <a:r>
               <a:rPr lang="en-US" dirty="0" smtClean="0"/>
               <a:t>Python </a:t>
             </a:r>
-            <a:endParaRPr lang="en-US" dirty="0" smtClean="0"/>
           </a:p>
           <a:p>
             <a:r>
@@ -7453,7 +7737,7 @@
           <a:p>
             <a:fld id="{E403B45D-E03C-4404-9C98-312B8AD2E868}" type="datetime1">
               <a:rPr lang="en-US" smtClean="0"/>
-              <a:t>4/9/2015</a:t>
+              <a:t>4/10/2015</a:t>
             </a:fld>
             <a:endParaRPr lang="en-US"/>
           </a:p>
@@ -7711,7 +7995,6 @@
               <a:rPr lang="en-US" dirty="0" smtClean="0"/>
               <a:t>Drupal</a:t>
             </a:r>
-            <a:endParaRPr lang="en-US" dirty="0" smtClean="0"/>
           </a:p>
           <a:p>
             <a:r>
@@ -8325,7 +8608,7 @@
           <a:p>
             <a:fld id="{F1145CE5-2D07-497F-B5A3-6DE6B12B2B46}" type="datetime1">
               <a:rPr lang="en-US" smtClean="0"/>
-              <a:t>4/9/2015</a:t>
+              <a:t>4/10/2015</a:t>
             </a:fld>
             <a:endParaRPr lang="en-US"/>
           </a:p>
@@ -8697,7 +8980,7 @@
           <a:p>
             <a:fld id="{E403B45D-E03C-4404-9C98-312B8AD2E868}" type="datetime1">
               <a:rPr lang="en-US" smtClean="0"/>
-              <a:t>4/9/2015</a:t>
+              <a:t>4/10/2015</a:t>
             </a:fld>
             <a:endParaRPr lang="en-US"/>
           </a:p>
@@ -9202,7 +9485,7 @@
           <a:p>
             <a:fld id="{E403B45D-E03C-4404-9C98-312B8AD2E868}" type="datetime1">
               <a:rPr lang="en-US" smtClean="0"/>
-              <a:t>4/9/2015</a:t>
+              <a:t>4/10/2015</a:t>
             </a:fld>
             <a:endParaRPr lang="en-US"/>
           </a:p>
@@ -9706,7 +9989,7 @@
           <a:p>
             <a:fld id="{E403B45D-E03C-4404-9C98-312B8AD2E868}" type="datetime1">
               <a:rPr lang="en-US" smtClean="0"/>
-              <a:t>4/9/2015</a:t>
+              <a:t>4/10/2015</a:t>
             </a:fld>
             <a:endParaRPr lang="en-US"/>
           </a:p>
@@ -10139,12 +10422,12 @@
               <a:t>Removes </a:t>
             </a:r>
             <a:r>
-              <a:rPr lang="en-US" dirty="0" err="1" smtClean="0"/>
-              <a:t>unneccesary</a:t>
-            </a:r>
-            <a:r>
               <a:rPr lang="en-US" dirty="0" smtClean="0"/>
-              <a:t> characters such as whitespace, newline characters, comments, and some block delimiters.</a:t>
+              <a:t>unnecessary </a:t>
+            </a:r>
+            <a:r>
+              <a:rPr lang="en-US" dirty="0" smtClean="0"/>
+              <a:t>characters such as whitespace, newline characters, comments, and some block delimiters.</a:t>
             </a:r>
           </a:p>
           <a:p>
@@ -10187,7 +10470,6 @@
               <a:rPr lang="en-US" sz="1600" dirty="0"/>
               <a:t>java -jar yuicompressor-2.4.8.jar C:\ms4w\Apache\htdocs\javascript\fema.js &gt; C:\ms4w\Apache\htdocs\javascript\fema.yui.js</a:t>
             </a:r>
-            <a:endParaRPr lang="en-US" sz="1600" dirty="0"/>
           </a:p>
         </p:txBody>
       </p:sp>
@@ -10208,7 +10490,7 @@
           <a:p>
             <a:fld id="{E403B45D-E03C-4404-9C98-312B8AD2E868}" type="datetime1">
               <a:rPr lang="en-US" smtClean="0"/>
-              <a:t>4/9/2015</a:t>
+              <a:t>4/10/2015</a:t>
             </a:fld>
             <a:endParaRPr lang="en-US"/>
           </a:p>
@@ -10368,7 +10650,7 @@
           <a:p>
             <a:fld id="{E403B45D-E03C-4404-9C98-312B8AD2E868}" type="datetime1">
               <a:rPr lang="en-US" smtClean="0"/>
-              <a:t>4/9/2015</a:t>
+              <a:t>4/10/2015</a:t>
             </a:fld>
             <a:endParaRPr lang="en-US"/>
           </a:p>
@@ -11318,6 +11600,20 @@
 </EsriMapsInfo>
 </file>
 
+<file path=customXml/item40.xml><?xml version="1.0" encoding="utf-8"?>
+<EsriMapsInfo xmlns="ESRI.ArcGIS.Mapping.OfficeIntegration.PowerPointInfo">
+  <Version>Version1</Version>
+  <RequiresSignIn>False</RequiresSignIn>
+</EsriMapsInfo>
+</file>
+
+<file path=customXml/item41.xml><?xml version="1.0" encoding="utf-8"?>
+<EsriMapsInfo xmlns="ESRI.ArcGIS.Mapping.OfficeIntegration.PowerPointInfo">
+  <Version>Version1</Version>
+  <RequiresSignIn>False</RequiresSignIn>
+</EsriMapsInfo>
+</file>
+
 <file path=customXml/item5.xml><?xml version="1.0" encoding="utf-8"?>
 <EsriMapsInfo xmlns="ESRI.ArcGIS.Mapping.OfficeIntegration.PowerPointInfo">
   <Version>Version1</Version>
@@ -11354,6 +11650,70 @@
 </file>
 
 <file path=customXml/itemProps1.xml><?xml version="1.0" encoding="utf-8"?>
+<ds:datastoreItem xmlns:ds="http://schemas.openxmlformats.org/officeDocument/2006/customXml" ds:itemID="{83974DC6-CB2F-4517-86F2-33E59245989F}">
+  <ds:schemaRefs>
+    <ds:schemaRef ds:uri="ESRI.ArcGIS.Mapping.OfficeIntegration.PowerPointInfo"/>
+  </ds:schemaRefs>
+</ds:datastoreItem>
+</file>
+
+<file path=customXml/itemProps10.xml><?xml version="1.0" encoding="utf-8"?>
+<ds:datastoreItem xmlns:ds="http://schemas.openxmlformats.org/officeDocument/2006/customXml" ds:itemID="{64669553-C2C7-4A05-BDE6-5784BDC500B9}">
+  <ds:schemaRefs>
+    <ds:schemaRef ds:uri="ESRI.ArcGIS.Mapping.OfficeIntegration.PowerPointInfo"/>
+  </ds:schemaRefs>
+</ds:datastoreItem>
+</file>
+
+<file path=customXml/itemProps11.xml><?xml version="1.0" encoding="utf-8"?>
+<ds:datastoreItem xmlns:ds="http://schemas.openxmlformats.org/officeDocument/2006/customXml" ds:itemID="{00E1C324-B4E4-4EE6-A30B-DC7DD5A0A3B3}">
+  <ds:schemaRefs>
+    <ds:schemaRef ds:uri="ESRI.ArcGIS.Mapping.OfficeIntegration.PowerPointInfo"/>
+  </ds:schemaRefs>
+</ds:datastoreItem>
+</file>
+
+<file path=customXml/itemProps12.xml><?xml version="1.0" encoding="utf-8"?>
+<ds:datastoreItem xmlns:ds="http://schemas.openxmlformats.org/officeDocument/2006/customXml" ds:itemID="{782AA18B-5D17-4AD0-8334-EE1CCEA13C31}">
+  <ds:schemaRefs>
+    <ds:schemaRef ds:uri="ESRI.ArcGIS.Mapping.OfficeIntegration.PowerPointInfo"/>
+  </ds:schemaRefs>
+</ds:datastoreItem>
+</file>
+
+<file path=customXml/itemProps13.xml><?xml version="1.0" encoding="utf-8"?>
+<ds:datastoreItem xmlns:ds="http://schemas.openxmlformats.org/officeDocument/2006/customXml" ds:itemID="{9730E0C9-5C74-48D1-84FA-FF9B0943B0F7}">
+  <ds:schemaRefs>
+    <ds:schemaRef ds:uri="ESRI.ArcGIS.Mapping.OfficeIntegration.PowerPointInfo"/>
+  </ds:schemaRefs>
+</ds:datastoreItem>
+</file>
+
+<file path=customXml/itemProps14.xml><?xml version="1.0" encoding="utf-8"?>
+<ds:datastoreItem xmlns:ds="http://schemas.openxmlformats.org/officeDocument/2006/customXml" ds:itemID="{B4DF1E66-6ACC-4157-9168-FDAC5054F24F}">
+  <ds:schemaRefs>
+    <ds:schemaRef ds:uri="ESRI.ArcGIS.Mapping.OfficeIntegration.PowerPointInfo"/>
+  </ds:schemaRefs>
+</ds:datastoreItem>
+</file>
+
+<file path=customXml/itemProps15.xml><?xml version="1.0" encoding="utf-8"?>
+<ds:datastoreItem xmlns:ds="http://schemas.openxmlformats.org/officeDocument/2006/customXml" ds:itemID="{96BCEFA7-7F62-4103-ABA4-659F062669D7}">
+  <ds:schemaRefs>
+    <ds:schemaRef ds:uri="ESRI.ArcGIS.Mapping.OfficeIntegration.PowerPointInfo"/>
+  </ds:schemaRefs>
+</ds:datastoreItem>
+</file>
+
+<file path=customXml/itemProps16.xml><?xml version="1.0" encoding="utf-8"?>
+<ds:datastoreItem xmlns:ds="http://schemas.openxmlformats.org/officeDocument/2006/customXml" ds:itemID="{56FE11E1-D6FB-43BB-B924-E2D84E8F5C1F}">
+  <ds:schemaRefs>
+    <ds:schemaRef ds:uri="ESRI.ArcGIS.Mapping.OfficeIntegration.PowerPointInfo"/>
+  </ds:schemaRefs>
+</ds:datastoreItem>
+</file>
+
+<file path=customXml/itemProps17.xml><?xml version="1.0" encoding="utf-8"?>
 <ds:datastoreItem xmlns:ds="http://schemas.openxmlformats.org/officeDocument/2006/customXml" ds:itemID="{A2D91898-2C69-4203-B96D-7244D52798AC}">
   <ds:schemaRefs>
     <ds:schemaRef ds:uri="ESRI.ArcGIS.Mapping.OfficeIntegration.PowerPointInfo"/>
@@ -11361,7 +11721,95 @@
 </ds:datastoreItem>
 </file>
 
-<file path=customXml/itemProps10.xml><?xml version="1.0" encoding="utf-8"?>
+<file path=customXml/itemProps18.xml><?xml version="1.0" encoding="utf-8"?>
+<ds:datastoreItem xmlns:ds="http://schemas.openxmlformats.org/officeDocument/2006/customXml" ds:itemID="{27F72A04-DC93-4420-B9AA-16544E1D787F}">
+  <ds:schemaRefs>
+    <ds:schemaRef ds:uri="ESRI.ArcGIS.Mapping.OfficeIntegration.PowerPointInfo"/>
+  </ds:schemaRefs>
+</ds:datastoreItem>
+</file>
+
+<file path=customXml/itemProps19.xml><?xml version="1.0" encoding="utf-8"?>
+<ds:datastoreItem xmlns:ds="http://schemas.openxmlformats.org/officeDocument/2006/customXml" ds:itemID="{0377085A-A759-4413-9BB8-639DE09D4BA4}">
+  <ds:schemaRefs>
+    <ds:schemaRef ds:uri="ESRI.ArcGIS.Mapping.OfficeIntegration.PowerPointInfo"/>
+  </ds:schemaRefs>
+</ds:datastoreItem>
+</file>
+
+<file path=customXml/itemProps2.xml><?xml version="1.0" encoding="utf-8"?>
+<ds:datastoreItem xmlns:ds="http://schemas.openxmlformats.org/officeDocument/2006/customXml" ds:itemID="{F8E7C3E6-C19D-42D0-B945-70D19F2AC60A}">
+  <ds:schemaRefs>
+    <ds:schemaRef ds:uri="ESRI.ArcGIS.Mapping.OfficeIntegration.PowerPointInfo"/>
+  </ds:schemaRefs>
+</ds:datastoreItem>
+</file>
+
+<file path=customXml/itemProps20.xml><?xml version="1.0" encoding="utf-8"?>
+<ds:datastoreItem xmlns:ds="http://schemas.openxmlformats.org/officeDocument/2006/customXml" ds:itemID="{4653446B-1A4F-4E6E-9E77-86F6CF5DFD82}">
+  <ds:schemaRefs>
+    <ds:schemaRef ds:uri="ESRI.ArcGIS.Mapping.OfficeIntegration.PowerPointInfo"/>
+  </ds:schemaRefs>
+</ds:datastoreItem>
+</file>
+
+<file path=customXml/itemProps21.xml><?xml version="1.0" encoding="utf-8"?>
+<ds:datastoreItem xmlns:ds="http://schemas.openxmlformats.org/officeDocument/2006/customXml" ds:itemID="{0B03EEBA-7331-46BB-A922-0167D17802B9}">
+  <ds:schemaRefs>
+    <ds:schemaRef ds:uri="ESRI.ArcGIS.Mapping.OfficeIntegration.PowerPointInfo"/>
+  </ds:schemaRefs>
+</ds:datastoreItem>
+</file>
+
+<file path=customXml/itemProps22.xml><?xml version="1.0" encoding="utf-8"?>
+<ds:datastoreItem xmlns:ds="http://schemas.openxmlformats.org/officeDocument/2006/customXml" ds:itemID="{8DD72995-77DA-4521-827B-4BD3BBB010F0}">
+  <ds:schemaRefs>
+    <ds:schemaRef ds:uri="ESRI.ArcGIS.Mapping.OfficeIntegration.PowerPointInfo"/>
+  </ds:schemaRefs>
+</ds:datastoreItem>
+</file>
+
+<file path=customXml/itemProps23.xml><?xml version="1.0" encoding="utf-8"?>
+<ds:datastoreItem xmlns:ds="http://schemas.openxmlformats.org/officeDocument/2006/customXml" ds:itemID="{540CCE14-1146-4215-A3E5-6738A9581ACF}">
+  <ds:schemaRefs>
+    <ds:schemaRef ds:uri="ESRI.ArcGIS.Mapping.OfficeIntegration.PowerPointInfo"/>
+  </ds:schemaRefs>
+</ds:datastoreItem>
+</file>
+
+<file path=customXml/itemProps24.xml><?xml version="1.0" encoding="utf-8"?>
+<ds:datastoreItem xmlns:ds="http://schemas.openxmlformats.org/officeDocument/2006/customXml" ds:itemID="{AD63EA22-DABD-41F1-A4E5-34B37D8534FF}">
+  <ds:schemaRefs>
+    <ds:schemaRef ds:uri="ESRI.ArcGIS.Mapping.OfficeIntegration.PowerPointInfo"/>
+  </ds:schemaRefs>
+</ds:datastoreItem>
+</file>
+
+<file path=customXml/itemProps25.xml><?xml version="1.0" encoding="utf-8"?>
+<ds:datastoreItem xmlns:ds="http://schemas.openxmlformats.org/officeDocument/2006/customXml" ds:itemID="{4D0FF0A2-5A08-4E00-8A6C-45A3FC7EC409}">
+  <ds:schemaRefs>
+    <ds:schemaRef ds:uri="ESRI.ArcGIS.Mapping.OfficeIntegration.PowerPointInfo"/>
+  </ds:schemaRefs>
+</ds:datastoreItem>
+</file>
+
+<file path=customXml/itemProps26.xml><?xml version="1.0" encoding="utf-8"?>
+<ds:datastoreItem xmlns:ds="http://schemas.openxmlformats.org/officeDocument/2006/customXml" ds:itemID="{CEEB83A3-0CE5-467C-97CC-85CF0B212256}">
+  <ds:schemaRefs>
+    <ds:schemaRef ds:uri="ESRI.ArcGIS.Mapping.OfficeIntegration.PowerPointInfo"/>
+  </ds:schemaRefs>
+</ds:datastoreItem>
+</file>
+
+<file path=customXml/itemProps27.xml><?xml version="1.0" encoding="utf-8"?>
+<ds:datastoreItem xmlns:ds="http://schemas.openxmlformats.org/officeDocument/2006/customXml" ds:itemID="{F23DD629-EDE2-45D7-B65A-1A52D83473FE}">
+  <ds:schemaRefs>
+    <ds:schemaRef ds:uri="ESRI.ArcGIS.Mapping.OfficeIntegration.PowerPointInfo"/>
+  </ds:schemaRefs>
+</ds:datastoreItem>
+</file>
+
+<file path=customXml/itemProps28.xml><?xml version="1.0" encoding="utf-8"?>
 <ds:datastoreItem xmlns:ds="http://schemas.openxmlformats.org/officeDocument/2006/customXml" ds:itemID="{23F09B40-FB7D-4EB2-86FC-27C42F6B3BAE}">
   <ds:schemaRefs>
     <ds:schemaRef ds:uri="ESRI.ArcGIS.Mapping.OfficeIntegration.PowerPointInfo"/>
@@ -11369,31 +11817,47 @@
 </ds:datastoreItem>
 </file>
 
-<file path=customXml/itemProps11.xml><?xml version="1.0" encoding="utf-8"?>
-<ds:datastoreItem xmlns:ds="http://schemas.openxmlformats.org/officeDocument/2006/customXml" ds:itemID="{0377085A-A759-4413-9BB8-639DE09D4BA4}">
+<file path=customXml/itemProps29.xml><?xml version="1.0" encoding="utf-8"?>
+<ds:datastoreItem xmlns:ds="http://schemas.openxmlformats.org/officeDocument/2006/customXml" ds:itemID="{928A6BAA-790D-4F1F-BECE-7C09BD898062}">
   <ds:schemaRefs>
     <ds:schemaRef ds:uri="ESRI.ArcGIS.Mapping.OfficeIntegration.PowerPointInfo"/>
   </ds:schemaRefs>
 </ds:datastoreItem>
 </file>
 
-<file path=customXml/itemProps12.xml><?xml version="1.0" encoding="utf-8"?>
-<ds:datastoreItem xmlns:ds="http://schemas.openxmlformats.org/officeDocument/2006/customXml" ds:itemID="{A9460852-5164-4FAC-8557-C35D5DB0B8FD}">
+<file path=customXml/itemProps3.xml><?xml version="1.0" encoding="utf-8"?>
+<ds:datastoreItem xmlns:ds="http://schemas.openxmlformats.org/officeDocument/2006/customXml" ds:itemID="{FA24E1D0-79A0-4D4F-BC2C-5ED533E69815}">
   <ds:schemaRefs>
     <ds:schemaRef ds:uri="ESRI.ArcGIS.Mapping.OfficeIntegration.PowerPointInfo"/>
   </ds:schemaRefs>
 </ds:datastoreItem>
 </file>
 
-<file path=customXml/itemProps13.xml><?xml version="1.0" encoding="utf-8"?>
-<ds:datastoreItem xmlns:ds="http://schemas.openxmlformats.org/officeDocument/2006/customXml" ds:itemID="{83974DC6-CB2F-4517-86F2-33E59245989F}">
+<file path=customXml/itemProps30.xml><?xml version="1.0" encoding="utf-8"?>
+<ds:datastoreItem xmlns:ds="http://schemas.openxmlformats.org/officeDocument/2006/customXml" ds:itemID="{7E7A34CD-1270-4891-901E-7EE49A903375}">
   <ds:schemaRefs>
     <ds:schemaRef ds:uri="ESRI.ArcGIS.Mapping.OfficeIntegration.PowerPointInfo"/>
   </ds:schemaRefs>
 </ds:datastoreItem>
 </file>
 
-<file path=customXml/itemProps14.xml><?xml version="1.0" encoding="utf-8"?>
+<file path=customXml/itemProps31.xml><?xml version="1.0" encoding="utf-8"?>
+<ds:datastoreItem xmlns:ds="http://schemas.openxmlformats.org/officeDocument/2006/customXml" ds:itemID="{87F8066A-C73F-4211-BBF8-2B75D61A5F4E}">
+  <ds:schemaRefs>
+    <ds:schemaRef ds:uri="ESRI.ArcGIS.Mapping.OfficeIntegration.PowerPointInfo"/>
+  </ds:schemaRefs>
+</ds:datastoreItem>
+</file>
+
+<file path=customXml/itemProps32.xml><?xml version="1.0" encoding="utf-8"?>
+<ds:datastoreItem xmlns:ds="http://schemas.openxmlformats.org/officeDocument/2006/customXml" ds:itemID="{0C0BFD7F-DBBE-403E-8CC3-D687E604BAAB}">
+  <ds:schemaRefs>
+    <ds:schemaRef ds:uri="ESRI.ArcGIS.Mapping.OfficeIntegration.PowerPointInfo"/>
+  </ds:schemaRefs>
+</ds:datastoreItem>
+</file>
+
+<file path=customXml/itemProps33.xml><?xml version="1.0" encoding="utf-8"?>
 <ds:datastoreItem xmlns:ds="http://schemas.openxmlformats.org/officeDocument/2006/customXml" ds:itemID="{24618B94-7520-442D-858F-D581437D99B4}">
   <ds:schemaRefs>
     <ds:schemaRef ds:uri="ESRI.ArcGIS.Mapping.OfficeIntegration.PowerPointInfo"/>
@@ -11401,63 +11865,79 @@
 </ds:datastoreItem>
 </file>
 
-<file path=customXml/itemProps15.xml><?xml version="1.0" encoding="utf-8"?>
-<ds:datastoreItem xmlns:ds="http://schemas.openxmlformats.org/officeDocument/2006/customXml" ds:itemID="{AD63EA22-DABD-41F1-A4E5-34B37D8534FF}">
+<file path=customXml/itemProps34.xml><?xml version="1.0" encoding="utf-8"?>
+<ds:datastoreItem xmlns:ds="http://schemas.openxmlformats.org/officeDocument/2006/customXml" ds:itemID="{04A8E672-C7F5-4701-83FF-060A750AB340}">
   <ds:schemaRefs>
     <ds:schemaRef ds:uri="ESRI.ArcGIS.Mapping.OfficeIntegration.PowerPointInfo"/>
   </ds:schemaRefs>
 </ds:datastoreItem>
 </file>
 
-<file path=customXml/itemProps16.xml><?xml version="1.0" encoding="utf-8"?>
-<ds:datastoreItem xmlns:ds="http://schemas.openxmlformats.org/officeDocument/2006/customXml" ds:itemID="{B4DF1E66-6ACC-4157-9168-FDAC5054F24F}">
+<file path=customXml/itemProps35.xml><?xml version="1.0" encoding="utf-8"?>
+<ds:datastoreItem xmlns:ds="http://schemas.openxmlformats.org/officeDocument/2006/customXml" ds:itemID="{AD4BFB44-6200-429A-A4FE-9B7752513BCC}">
   <ds:schemaRefs>
     <ds:schemaRef ds:uri="ESRI.ArcGIS.Mapping.OfficeIntegration.PowerPointInfo"/>
   </ds:schemaRefs>
 </ds:datastoreItem>
 </file>
 
-<file path=customXml/itemProps17.xml><?xml version="1.0" encoding="utf-8"?>
-<ds:datastoreItem xmlns:ds="http://schemas.openxmlformats.org/officeDocument/2006/customXml" ds:itemID="{FCA828EF-2A69-46C1-A149-8E968648AFCC}">
+<file path=customXml/itemProps36.xml><?xml version="1.0" encoding="utf-8"?>
+<ds:datastoreItem xmlns:ds="http://schemas.openxmlformats.org/officeDocument/2006/customXml" ds:itemID="{0431B50E-6780-4CC1-8294-54F8A3D2A2DA}">
   <ds:schemaRefs>
     <ds:schemaRef ds:uri="ESRI.ArcGIS.Mapping.OfficeIntegration.PowerPointInfo"/>
   </ds:schemaRefs>
 </ds:datastoreItem>
 </file>
 
-<file path=customXml/itemProps18.xml><?xml version="1.0" encoding="utf-8"?>
-<ds:datastoreItem xmlns:ds="http://schemas.openxmlformats.org/officeDocument/2006/customXml" ds:itemID="{F8E7C3E6-C19D-42D0-B945-70D19F2AC60A}">
+<file path=customXml/itemProps37.xml><?xml version="1.0" encoding="utf-8"?>
+<ds:datastoreItem xmlns:ds="http://schemas.openxmlformats.org/officeDocument/2006/customXml" ds:itemID="{9122C9B7-BB9E-425E-961E-A6F32BC00961}">
   <ds:schemaRefs>
     <ds:schemaRef ds:uri="ESRI.ArcGIS.Mapping.OfficeIntegration.PowerPointInfo"/>
   </ds:schemaRefs>
 </ds:datastoreItem>
 </file>
 
-<file path=customXml/itemProps19.xml><?xml version="1.0" encoding="utf-8"?>
-<ds:datastoreItem xmlns:ds="http://schemas.openxmlformats.org/officeDocument/2006/customXml" ds:itemID="{928A6BAA-790D-4F1F-BECE-7C09BD898062}">
+<file path=customXml/itemProps38.xml><?xml version="1.0" encoding="utf-8"?>
+<ds:datastoreItem xmlns:ds="http://schemas.openxmlformats.org/officeDocument/2006/customXml" ds:itemID="{F9DB48C3-E10F-4BA7-B8C2-A960DB87906F}">
   <ds:schemaRefs>
     <ds:schemaRef ds:uri="ESRI.ArcGIS.Mapping.OfficeIntegration.PowerPointInfo"/>
   </ds:schemaRefs>
 </ds:datastoreItem>
 </file>
 
-<file path=customXml/itemProps2.xml><?xml version="1.0" encoding="utf-8"?>
-<ds:datastoreItem xmlns:ds="http://schemas.openxmlformats.org/officeDocument/2006/customXml" ds:itemID="{9730E0C9-5C74-48D1-84FA-FF9B0943B0F7}">
+<file path=customXml/itemProps39.xml><?xml version="1.0" encoding="utf-8"?>
+<ds:datastoreItem xmlns:ds="http://schemas.openxmlformats.org/officeDocument/2006/customXml" ds:itemID="{C15A61A2-FD38-4F9C-9700-5BD05E348FBC}">
   <ds:schemaRefs>
     <ds:schemaRef ds:uri="ESRI.ArcGIS.Mapping.OfficeIntegration.PowerPointInfo"/>
   </ds:schemaRefs>
 </ds:datastoreItem>
 </file>
 
-<file path=customXml/itemProps20.xml><?xml version="1.0" encoding="utf-8"?>
-<ds:datastoreItem xmlns:ds="http://schemas.openxmlformats.org/officeDocument/2006/customXml" ds:itemID="{96BCEFA7-7F62-4103-ABA4-659F062669D7}">
+<file path=customXml/itemProps4.xml><?xml version="1.0" encoding="utf-8"?>
+<ds:datastoreItem xmlns:ds="http://schemas.openxmlformats.org/officeDocument/2006/customXml" ds:itemID="{58581E56-8E64-479C-BC10-3D52028645B6}">
   <ds:schemaRefs>
     <ds:schemaRef ds:uri="ESRI.ArcGIS.Mapping.OfficeIntegration.PowerPointInfo"/>
   </ds:schemaRefs>
 </ds:datastoreItem>
 </file>
 
-<file path=customXml/itemProps21.xml><?xml version="1.0" encoding="utf-8"?>
+<file path=customXml/itemProps40.xml><?xml version="1.0" encoding="utf-8"?>
+<ds:datastoreItem xmlns:ds="http://schemas.openxmlformats.org/officeDocument/2006/customXml" ds:itemID="{0952A776-CA14-47CA-8E8C-F3628B9BB702}">
+  <ds:schemaRefs>
+    <ds:schemaRef ds:uri="ESRI.ArcGIS.Mapping.OfficeIntegration.PowerPointInfo"/>
+  </ds:schemaRefs>
+</ds:datastoreItem>
+</file>
+
+<file path=customXml/itemProps41.xml><?xml version="1.0" encoding="utf-8"?>
+<ds:datastoreItem xmlns:ds="http://schemas.openxmlformats.org/officeDocument/2006/customXml" ds:itemID="{D8A32350-3CF1-48E4-99DC-93F6339304AC}">
+  <ds:schemaRefs>
+    <ds:schemaRef ds:uri="ESRI.ArcGIS.Mapping.OfficeIntegration.PowerPointInfo"/>
+  </ds:schemaRefs>
+</ds:datastoreItem>
+</file>
+
+<file path=customXml/itemProps5.xml><?xml version="1.0" encoding="utf-8"?>
 <ds:datastoreItem xmlns:ds="http://schemas.openxmlformats.org/officeDocument/2006/customXml" ds:itemID="{86DC43B7-A651-470F-9D9B-5DC681960331}">
   <ds:schemaRefs>
     <ds:schemaRef ds:uri="ESRI.ArcGIS.Mapping.OfficeIntegration.PowerPointInfo"/>
@@ -11465,176 +11945,8 @@
 </ds:datastoreItem>
 </file>
 
-<file path=customXml/itemProps22.xml><?xml version="1.0" encoding="utf-8"?>
-<ds:datastoreItem xmlns:ds="http://schemas.openxmlformats.org/officeDocument/2006/customXml" ds:itemID="{04A8E672-C7F5-4701-83FF-060A750AB340}">
-  <ds:schemaRefs>
-    <ds:schemaRef ds:uri="ESRI.ArcGIS.Mapping.OfficeIntegration.PowerPointInfo"/>
-  </ds:schemaRefs>
-</ds:datastoreItem>
-</file>
-
-<file path=customXml/itemProps23.xml><?xml version="1.0" encoding="utf-8"?>
-<ds:datastoreItem xmlns:ds="http://schemas.openxmlformats.org/officeDocument/2006/customXml" ds:itemID="{4D0FF0A2-5A08-4E00-8A6C-45A3FC7EC409}">
-  <ds:schemaRefs>
-    <ds:schemaRef ds:uri="ESRI.ArcGIS.Mapping.OfficeIntegration.PowerPointInfo"/>
-  </ds:schemaRefs>
-</ds:datastoreItem>
-</file>
-
-<file path=customXml/itemProps24.xml><?xml version="1.0" encoding="utf-8"?>
-<ds:datastoreItem xmlns:ds="http://schemas.openxmlformats.org/officeDocument/2006/customXml" ds:itemID="{4653446B-1A4F-4E6E-9E77-86F6CF5DFD82}">
-  <ds:schemaRefs>
-    <ds:schemaRef ds:uri="ESRI.ArcGIS.Mapping.OfficeIntegration.PowerPointInfo"/>
-  </ds:schemaRefs>
-</ds:datastoreItem>
-</file>
-
-<file path=customXml/itemProps25.xml><?xml version="1.0" encoding="utf-8"?>
-<ds:datastoreItem xmlns:ds="http://schemas.openxmlformats.org/officeDocument/2006/customXml" ds:itemID="{64669553-C2C7-4A05-BDE6-5784BDC500B9}">
-  <ds:schemaRefs>
-    <ds:schemaRef ds:uri="ESRI.ArcGIS.Mapping.OfficeIntegration.PowerPointInfo"/>
-  </ds:schemaRefs>
-</ds:datastoreItem>
-</file>
-
-<file path=customXml/itemProps26.xml><?xml version="1.0" encoding="utf-8"?>
-<ds:datastoreItem xmlns:ds="http://schemas.openxmlformats.org/officeDocument/2006/customXml" ds:itemID="{FA24E1D0-79A0-4D4F-BC2C-5ED533E69815}">
-  <ds:schemaRefs>
-    <ds:schemaRef ds:uri="ESRI.ArcGIS.Mapping.OfficeIntegration.PowerPointInfo"/>
-  </ds:schemaRefs>
-</ds:datastoreItem>
-</file>
-
-<file path=customXml/itemProps27.xml><?xml version="1.0" encoding="utf-8"?>
-<ds:datastoreItem xmlns:ds="http://schemas.openxmlformats.org/officeDocument/2006/customXml" ds:itemID="{AD4BFB44-6200-429A-A4FE-9B7752513BCC}">
-  <ds:schemaRefs>
-    <ds:schemaRef ds:uri="ESRI.ArcGIS.Mapping.OfficeIntegration.PowerPointInfo"/>
-  </ds:schemaRefs>
-</ds:datastoreItem>
-</file>
-
-<file path=customXml/itemProps28.xml><?xml version="1.0" encoding="utf-8"?>
-<ds:datastoreItem xmlns:ds="http://schemas.openxmlformats.org/officeDocument/2006/customXml" ds:itemID="{CEEB83A3-0CE5-467C-97CC-85CF0B212256}">
-  <ds:schemaRefs>
-    <ds:schemaRef ds:uri="ESRI.ArcGIS.Mapping.OfficeIntegration.PowerPointInfo"/>
-  </ds:schemaRefs>
-</ds:datastoreItem>
-</file>
-
-<file path=customXml/itemProps29.xml><?xml version="1.0" encoding="utf-8"?>
-<ds:datastoreItem xmlns:ds="http://schemas.openxmlformats.org/officeDocument/2006/customXml" ds:itemID="{56FE11E1-D6FB-43BB-B924-E2D84E8F5C1F}">
-  <ds:schemaRefs>
-    <ds:schemaRef ds:uri="ESRI.ArcGIS.Mapping.OfficeIntegration.PowerPointInfo"/>
-  </ds:schemaRefs>
-</ds:datastoreItem>
-</file>
-
-<file path=customXml/itemProps3.xml><?xml version="1.0" encoding="utf-8"?>
-<ds:datastoreItem xmlns:ds="http://schemas.openxmlformats.org/officeDocument/2006/customXml" ds:itemID="{40650A1C-39E0-487B-AF10-E3BD2D0FBF27}">
-  <ds:schemaRefs>
-    <ds:schemaRef ds:uri="ESRI.ArcGIS.Mapping.OfficeIntegration.PowerPointInfo"/>
-  </ds:schemaRefs>
-</ds:datastoreItem>
-</file>
-
-<file path=customXml/itemProps30.xml><?xml version="1.0" encoding="utf-8"?>
-<ds:datastoreItem xmlns:ds="http://schemas.openxmlformats.org/officeDocument/2006/customXml" ds:itemID="{0431B50E-6780-4CC1-8294-54F8A3D2A2DA}">
-  <ds:schemaRefs>
-    <ds:schemaRef ds:uri="ESRI.ArcGIS.Mapping.OfficeIntegration.PowerPointInfo"/>
-  </ds:schemaRefs>
-</ds:datastoreItem>
-</file>
-
-<file path=customXml/itemProps31.xml><?xml version="1.0" encoding="utf-8"?>
-<ds:datastoreItem xmlns:ds="http://schemas.openxmlformats.org/officeDocument/2006/customXml" ds:itemID="{7E7A34CD-1270-4891-901E-7EE49A903375}">
-  <ds:schemaRefs>
-    <ds:schemaRef ds:uri="ESRI.ArcGIS.Mapping.OfficeIntegration.PowerPointInfo"/>
-  </ds:schemaRefs>
-</ds:datastoreItem>
-</file>
-
-<file path=customXml/itemProps32.xml><?xml version="1.0" encoding="utf-8"?>
-<ds:datastoreItem xmlns:ds="http://schemas.openxmlformats.org/officeDocument/2006/customXml" ds:itemID="{0B03EEBA-7331-46BB-A922-0167D17802B9}">
-  <ds:schemaRefs>
-    <ds:schemaRef ds:uri="ESRI.ArcGIS.Mapping.OfficeIntegration.PowerPointInfo"/>
-  </ds:schemaRefs>
-</ds:datastoreItem>
-</file>
-
-<file path=customXml/itemProps33.xml><?xml version="1.0" encoding="utf-8"?>
-<ds:datastoreItem xmlns:ds="http://schemas.openxmlformats.org/officeDocument/2006/customXml" ds:itemID="{00E1C324-B4E4-4EE6-A30B-DC7DD5A0A3B3}">
-  <ds:schemaRefs>
-    <ds:schemaRef ds:uri="ESRI.ArcGIS.Mapping.OfficeIntegration.PowerPointInfo"/>
-  </ds:schemaRefs>
-</ds:datastoreItem>
-</file>
-
-<file path=customXml/itemProps34.xml><?xml version="1.0" encoding="utf-8"?>
+<file path=customXml/itemProps6.xml><?xml version="1.0" encoding="utf-8"?>
 <ds:datastoreItem xmlns:ds="http://schemas.openxmlformats.org/officeDocument/2006/customXml" ds:itemID="{F09F0585-C5E6-4468-9701-0744CD4F4932}">
-  <ds:schemaRefs>
-    <ds:schemaRef ds:uri="ESRI.ArcGIS.Mapping.OfficeIntegration.PowerPointInfo"/>
-  </ds:schemaRefs>
-</ds:datastoreItem>
-</file>
-
-<file path=customXml/itemProps35.xml><?xml version="1.0" encoding="utf-8"?>
-<ds:datastoreItem xmlns:ds="http://schemas.openxmlformats.org/officeDocument/2006/customXml" ds:itemID="{9122C9B7-BB9E-425E-961E-A6F32BC00961}">
-  <ds:schemaRefs>
-    <ds:schemaRef ds:uri="ESRI.ArcGIS.Mapping.OfficeIntegration.PowerPointInfo"/>
-  </ds:schemaRefs>
-</ds:datastoreItem>
-</file>
-
-<file path=customXml/itemProps36.xml><?xml version="1.0" encoding="utf-8"?>
-<ds:datastoreItem xmlns:ds="http://schemas.openxmlformats.org/officeDocument/2006/customXml" ds:itemID="{F23DD629-EDE2-45D7-B65A-1A52D83473FE}">
-  <ds:schemaRefs>
-    <ds:schemaRef ds:uri="ESRI.ArcGIS.Mapping.OfficeIntegration.PowerPointInfo"/>
-  </ds:schemaRefs>
-</ds:datastoreItem>
-</file>
-
-<file path=customXml/itemProps37.xml><?xml version="1.0" encoding="utf-8"?>
-<ds:datastoreItem xmlns:ds="http://schemas.openxmlformats.org/officeDocument/2006/customXml" ds:itemID="{8DD72995-77DA-4521-827B-4BD3BBB010F0}">
-  <ds:schemaRefs>
-    <ds:schemaRef ds:uri="ESRI.ArcGIS.Mapping.OfficeIntegration.PowerPointInfo"/>
-  </ds:schemaRefs>
-</ds:datastoreItem>
-</file>
-
-<file path=customXml/itemProps38.xml><?xml version="1.0" encoding="utf-8"?>
-<ds:datastoreItem xmlns:ds="http://schemas.openxmlformats.org/officeDocument/2006/customXml" ds:itemID="{782AA18B-5D17-4AD0-8334-EE1CCEA13C31}">
-  <ds:schemaRefs>
-    <ds:schemaRef ds:uri="ESRI.ArcGIS.Mapping.OfficeIntegration.PowerPointInfo"/>
-  </ds:schemaRefs>
-</ds:datastoreItem>
-</file>
-
-<file path=customXml/itemProps39.xml><?xml version="1.0" encoding="utf-8"?>
-<ds:datastoreItem xmlns:ds="http://schemas.openxmlformats.org/officeDocument/2006/customXml" ds:itemID="{58581E56-8E64-479C-BC10-3D52028645B6}">
-  <ds:schemaRefs>
-    <ds:schemaRef ds:uri="ESRI.ArcGIS.Mapping.OfficeIntegration.PowerPointInfo"/>
-  </ds:schemaRefs>
-</ds:datastoreItem>
-</file>
-
-<file path=customXml/itemProps4.xml><?xml version="1.0" encoding="utf-8"?>
-<ds:datastoreItem xmlns:ds="http://schemas.openxmlformats.org/officeDocument/2006/customXml" ds:itemID="{87F8066A-C73F-4211-BBF8-2B75D61A5F4E}">
-  <ds:schemaRefs>
-    <ds:schemaRef ds:uri="ESRI.ArcGIS.Mapping.OfficeIntegration.PowerPointInfo"/>
-  </ds:schemaRefs>
-</ds:datastoreItem>
-</file>
-
-<file path=customXml/itemProps5.xml><?xml version="1.0" encoding="utf-8"?>
-<ds:datastoreItem xmlns:ds="http://schemas.openxmlformats.org/officeDocument/2006/customXml" ds:itemID="{540CCE14-1146-4215-A3E5-6738A9581ACF}">
-  <ds:schemaRefs>
-    <ds:schemaRef ds:uri="ESRI.ArcGIS.Mapping.OfficeIntegration.PowerPointInfo"/>
-  </ds:schemaRefs>
-</ds:datastoreItem>
-</file>
-
-<file path=customXml/itemProps6.xml><?xml version="1.0" encoding="utf-8"?>
-<ds:datastoreItem xmlns:ds="http://schemas.openxmlformats.org/officeDocument/2006/customXml" ds:itemID="{27F72A04-DC93-4420-B9AA-16544E1D787F}">
   <ds:schemaRefs>
     <ds:schemaRef ds:uri="ESRI.ArcGIS.Mapping.OfficeIntegration.PowerPointInfo"/>
   </ds:schemaRefs>
@@ -11650,7 +11962,7 @@
 </file>
 
 <file path=customXml/itemProps8.xml><?xml version="1.0" encoding="utf-8"?>
-<ds:datastoreItem xmlns:ds="http://schemas.openxmlformats.org/officeDocument/2006/customXml" ds:itemID="{F9DB48C3-E10F-4BA7-B8C2-A960DB87906F}">
+<ds:datastoreItem xmlns:ds="http://schemas.openxmlformats.org/officeDocument/2006/customXml" ds:itemID="{A9460852-5164-4FAC-8557-C35D5DB0B8FD}">
   <ds:schemaRefs>
     <ds:schemaRef ds:uri="ESRI.ArcGIS.Mapping.OfficeIntegration.PowerPointInfo"/>
   </ds:schemaRefs>
@@ -11658,7 +11970,7 @@
 </file>
 
 <file path=customXml/itemProps9.xml><?xml version="1.0" encoding="utf-8"?>
-<ds:datastoreItem xmlns:ds="http://schemas.openxmlformats.org/officeDocument/2006/customXml" ds:itemID="{0C0BFD7F-DBBE-403E-8CC3-D687E604BAAB}">
+<ds:datastoreItem xmlns:ds="http://schemas.openxmlformats.org/officeDocument/2006/customXml" ds:itemID="{FCA828EF-2A69-46C1-A149-8E968648AFCC}">
   <ds:schemaRefs>
     <ds:schemaRef ds:uri="ESRI.ArcGIS.Mapping.OfficeIntegration.PowerPointInfo"/>
   </ds:schemaRefs>

--- a/Lessons_Learned_ESRI_javascript_API.pptx
+++ b/Lessons_Learned_ESRI_javascript_API.pptx
@@ -2,27 +2,27 @@
 <file path=ppt/presentation.xml><?xml version="1.0" encoding="utf-8"?>
 <p:presentation xmlns:a="http://schemas.openxmlformats.org/drawingml/2006/main" xmlns:r="http://schemas.openxmlformats.org/officeDocument/2006/relationships" xmlns:p="http://schemas.openxmlformats.org/presentationml/2006/main" saveSubsetFonts="1">
   <p:sldMasterIdLst>
-    <p:sldMasterId id="2147483672" r:id="rId42"/>
+    <p:sldMasterId id="2147483672" r:id="rId44"/>
   </p:sldMasterIdLst>
   <p:notesMasterIdLst>
-    <p:notesMasterId r:id="rId58"/>
+    <p:notesMasterId r:id="rId60"/>
   </p:notesMasterIdLst>
   <p:sldIdLst>
-    <p:sldId id="258" r:id="rId43"/>
-    <p:sldId id="257" r:id="rId44"/>
-    <p:sldId id="264" r:id="rId45"/>
-    <p:sldId id="256" r:id="rId46"/>
-    <p:sldId id="259" r:id="rId47"/>
-    <p:sldId id="260" r:id="rId48"/>
-    <p:sldId id="261" r:id="rId49"/>
-    <p:sldId id="266" r:id="rId50"/>
-    <p:sldId id="269" r:id="rId51"/>
-    <p:sldId id="265" r:id="rId52"/>
-    <p:sldId id="267" r:id="rId53"/>
-    <p:sldId id="270" r:id="rId54"/>
-    <p:sldId id="263" r:id="rId55"/>
-    <p:sldId id="268" r:id="rId56"/>
-    <p:sldId id="262" r:id="rId57"/>
+    <p:sldId id="258" r:id="rId45"/>
+    <p:sldId id="257" r:id="rId46"/>
+    <p:sldId id="264" r:id="rId47"/>
+    <p:sldId id="256" r:id="rId48"/>
+    <p:sldId id="259" r:id="rId49"/>
+    <p:sldId id="260" r:id="rId50"/>
+    <p:sldId id="261" r:id="rId51"/>
+    <p:sldId id="266" r:id="rId52"/>
+    <p:sldId id="269" r:id="rId53"/>
+    <p:sldId id="265" r:id="rId54"/>
+    <p:sldId id="267" r:id="rId55"/>
+    <p:sldId id="270" r:id="rId56"/>
+    <p:sldId id="263" r:id="rId57"/>
+    <p:sldId id="268" r:id="rId58"/>
+    <p:sldId id="262" r:id="rId59"/>
   </p:sldIdLst>
   <p:sldSz cx="9144000" cy="6858000" type="screen4x3"/>
   <p:notesSz cx="6858000" cy="9144000"/>
@@ -206,7 +206,7 @@
           <a:p>
             <a:fld id="{03505E67-28AD-4078-B7F6-A6669198553D}" type="datetimeFigureOut">
               <a:rPr lang="en-US" smtClean="0"/>
-              <a:t>4/10/2015</a:t>
+              <a:t>4/13/2015</a:t>
             </a:fld>
             <a:endParaRPr lang="en-US"/>
           </a:p>
@@ -524,13 +524,37 @@
             </a:r>
             <a:r>
               <a:rPr lang="en-US" baseline="0" dirty="0" smtClean="0"/>
-              <a:t> I took this stuff on largely on my own so there were setbacks (like launching w/o keeping IT in the loop).</a:t>
+              <a:t> </a:t>
+            </a:r>
+            <a:r>
+              <a:rPr lang="en-US" i="1" baseline="0" dirty="0" smtClean="0"/>
+              <a:t>Explain</a:t>
+            </a:r>
+            <a:r>
+              <a:rPr lang="en-US" i="1" dirty="0" smtClean="0"/>
+              <a:t> the title</a:t>
+            </a:r>
+            <a:r>
+              <a:rPr lang="en-US" dirty="0" smtClean="0"/>
+              <a:t>. </a:t>
+            </a:r>
+            <a:r>
+              <a:rPr lang="en-US" baseline="0" dirty="0" smtClean="0"/>
+              <a:t>I </a:t>
+            </a:r>
+            <a:r>
+              <a:rPr lang="en-US" baseline="0" dirty="0" smtClean="0"/>
+              <a:t>took this stuff on largely on my own so there were setbacks (like launching w/o keeping IT in the loop).</a:t>
             </a:r>
           </a:p>
           <a:p>
             <a:r>
               <a:rPr lang="en-US" baseline="0" dirty="0" smtClean="0"/>
               <a:t>My maps tend to look a lot like the samples they were taken from. </a:t>
+            </a:r>
+            <a:r>
+              <a:rPr lang="en-US" baseline="0" dirty="0" smtClean="0"/>
+              <a:t>Standardization needed.</a:t>
             </a:r>
             <a:endParaRPr lang="en-US" dirty="0"/>
           </a:p>
@@ -618,31 +642,11 @@
           <a:p>
             <a:r>
               <a:rPr lang="en-US" dirty="0" smtClean="0"/>
-              <a:t>I’ve seen samples that use a dojo</a:t>
+              <a:t>Code base was getting longer</a:t>
             </a:r>
             <a:r>
               <a:rPr lang="en-US" baseline="0" dirty="0" smtClean="0"/>
-              <a:t> “deferred” callback to split click events into two possible services. I was unable to get that to work.</a:t>
-            </a:r>
-          </a:p>
-          <a:p>
-            <a:r>
-              <a:rPr lang="en-US" baseline="0" dirty="0" smtClean="0"/>
-              <a:t>I don’t know if the </a:t>
-            </a:r>
-            <a:r>
-              <a:rPr lang="en-US" baseline="0" dirty="0" err="1" smtClean="0"/>
-              <a:t>iMap</a:t>
-            </a:r>
-            <a:r>
-              <a:rPr lang="en-US" baseline="0" dirty="0" smtClean="0"/>
-              <a:t> geocoder can be used like the one I use in the map?</a:t>
-            </a:r>
-          </a:p>
-          <a:p>
-            <a:r>
-              <a:rPr lang="en-US" baseline="0" dirty="0" smtClean="0"/>
-              <a:t>I’ve got the Print Service working (though it could be more customized) but have not made my own geometry service.</a:t>
+              <a:t> (line 850 ?) and more involved (code stops working). Also I didn’t need all functionality in one map. But I DID want a unified mapping experience.</a:t>
             </a:r>
             <a:endParaRPr lang="en-US" dirty="0"/>
           </a:p>
@@ -665,7 +669,7 @@
           <a:p>
             <a:fld id="{257A954F-A6B4-48E5-8D4A-B654F238FE53}" type="slidenum">
               <a:rPr lang="en-US" smtClean="0"/>
-              <a:t>14</a:t>
+              <a:t>10</a:t>
             </a:fld>
             <a:endParaRPr lang="en-US"/>
           </a:p>
@@ -674,7 +678,7 @@
     </p:spTree>
     <p:extLst>
       <p:ext uri="{BB962C8B-B14F-4D97-AF65-F5344CB8AC3E}">
-        <p14:creationId xmlns:p14="http://schemas.microsoft.com/office/powerpoint/2010/main" val="874592069"/>
+        <p14:creationId xmlns:p14="http://schemas.microsoft.com/office/powerpoint/2010/main" val="3959707575"/>
       </p:ext>
     </p:extLst>
   </p:cSld>
@@ -730,6 +734,555 @@
           <a:p>
             <a:r>
               <a:rPr lang="en-US" dirty="0" smtClean="0"/>
+              <a:t>I’ve passed</a:t>
+            </a:r>
+            <a:r>
+              <a:rPr lang="en-US" baseline="0" dirty="0" smtClean="0"/>
+              <a:t> in variables “across the wire” before with $_GET. Having one map that does only one thing could be an advantage and being able to access each map from the other maps enhances that “unified experience” that I mentioned.</a:t>
+            </a:r>
+            <a:endParaRPr lang="en-US" dirty="0"/>
+          </a:p>
+        </p:txBody>
+      </p:sp>
+      <p:sp>
+        <p:nvSpPr>
+          <p:cNvPr id="4" name="Slide Number Placeholder 3"/>
+          <p:cNvSpPr>
+            <a:spLocks noGrp="1"/>
+          </p:cNvSpPr>
+          <p:nvPr>
+            <p:ph type="sldNum" sz="quarter" idx="10"/>
+          </p:nvPr>
+        </p:nvSpPr>
+        <p:spPr/>
+        <p:txBody>
+          <a:bodyPr/>
+          <a:lstStyle/>
+          <a:p>
+            <a:fld id="{257A954F-A6B4-48E5-8D4A-B654F238FE53}" type="slidenum">
+              <a:rPr lang="en-US" smtClean="0"/>
+              <a:t>11</a:t>
+            </a:fld>
+            <a:endParaRPr lang="en-US"/>
+          </a:p>
+        </p:txBody>
+      </p:sp>
+    </p:spTree>
+    <p:extLst>
+      <p:ext uri="{BB962C8B-B14F-4D97-AF65-F5344CB8AC3E}">
+        <p14:creationId xmlns:p14="http://schemas.microsoft.com/office/powerpoint/2010/main" val="586872709"/>
+      </p:ext>
+    </p:extLst>
+  </p:cSld>
+  <p:clrMapOvr>
+    <a:masterClrMapping/>
+  </p:clrMapOvr>
+</p:notes>
+</file>
+
+<file path=ppt/notesSlides/notesSlide12.xml><?xml version="1.0" encoding="utf-8"?>
+<p:notes xmlns:a="http://schemas.openxmlformats.org/drawingml/2006/main" xmlns:r="http://schemas.openxmlformats.org/officeDocument/2006/relationships" xmlns:p="http://schemas.openxmlformats.org/presentationml/2006/main">
+  <p:cSld>
+    <p:spTree>
+      <p:nvGrpSpPr>
+        <p:cNvPr id="1" name=""/>
+        <p:cNvGrpSpPr/>
+        <p:nvPr/>
+      </p:nvGrpSpPr>
+      <p:grpSpPr>
+        <a:xfrm>
+          <a:off x="0" y="0"/>
+          <a:ext cx="0" cy="0"/>
+          <a:chOff x="0" y="0"/>
+          <a:chExt cx="0" cy="0"/>
+        </a:xfrm>
+      </p:grpSpPr>
+      <p:sp>
+        <p:nvSpPr>
+          <p:cNvPr id="2" name="Slide Image Placeholder 1"/>
+          <p:cNvSpPr>
+            <a:spLocks noGrp="1" noRot="1" noChangeAspect="1"/>
+          </p:cNvSpPr>
+          <p:nvPr>
+            <p:ph type="sldImg"/>
+          </p:nvPr>
+        </p:nvSpPr>
+        <p:spPr/>
+      </p:sp>
+      <p:sp>
+        <p:nvSpPr>
+          <p:cNvPr id="3" name="Notes Placeholder 2"/>
+          <p:cNvSpPr>
+            <a:spLocks noGrp="1"/>
+          </p:cNvSpPr>
+          <p:nvPr>
+            <p:ph type="body" idx="1"/>
+          </p:nvPr>
+        </p:nvSpPr>
+        <p:spPr/>
+        <p:txBody>
+          <a:bodyPr/>
+          <a:lstStyle/>
+          <a:p>
+            <a:endParaRPr lang="en-US"/>
+          </a:p>
+        </p:txBody>
+      </p:sp>
+      <p:sp>
+        <p:nvSpPr>
+          <p:cNvPr id="4" name="Slide Number Placeholder 3"/>
+          <p:cNvSpPr>
+            <a:spLocks noGrp="1"/>
+          </p:cNvSpPr>
+          <p:nvPr>
+            <p:ph type="sldNum" sz="quarter" idx="10"/>
+          </p:nvPr>
+        </p:nvSpPr>
+        <p:spPr/>
+        <p:txBody>
+          <a:bodyPr/>
+          <a:lstStyle/>
+          <a:p>
+            <a:fld id="{257A954F-A6B4-48E5-8D4A-B654F238FE53}" type="slidenum">
+              <a:rPr lang="en-US" smtClean="0"/>
+              <a:t>12</a:t>
+            </a:fld>
+            <a:endParaRPr lang="en-US"/>
+          </a:p>
+        </p:txBody>
+      </p:sp>
+    </p:spTree>
+    <p:extLst>
+      <p:ext uri="{BB962C8B-B14F-4D97-AF65-F5344CB8AC3E}">
+        <p14:creationId xmlns:p14="http://schemas.microsoft.com/office/powerpoint/2010/main" val="212390502"/>
+      </p:ext>
+    </p:extLst>
+  </p:cSld>
+  <p:clrMapOvr>
+    <a:masterClrMapping/>
+  </p:clrMapOvr>
+</p:notes>
+</file>
+
+<file path=ppt/notesSlides/notesSlide13.xml><?xml version="1.0" encoding="utf-8"?>
+<p:notes xmlns:a="http://schemas.openxmlformats.org/drawingml/2006/main" xmlns:r="http://schemas.openxmlformats.org/officeDocument/2006/relationships" xmlns:p="http://schemas.openxmlformats.org/presentationml/2006/main">
+  <p:cSld>
+    <p:spTree>
+      <p:nvGrpSpPr>
+        <p:cNvPr id="1" name=""/>
+        <p:cNvGrpSpPr/>
+        <p:nvPr/>
+      </p:nvGrpSpPr>
+      <p:grpSpPr>
+        <a:xfrm>
+          <a:off x="0" y="0"/>
+          <a:ext cx="0" cy="0"/>
+          <a:chOff x="0" y="0"/>
+          <a:chExt cx="0" cy="0"/>
+        </a:xfrm>
+      </p:grpSpPr>
+      <p:sp>
+        <p:nvSpPr>
+          <p:cNvPr id="2" name="Slide Image Placeholder 1"/>
+          <p:cNvSpPr>
+            <a:spLocks noGrp="1" noRot="1" noChangeAspect="1"/>
+          </p:cNvSpPr>
+          <p:nvPr>
+            <p:ph type="sldImg"/>
+          </p:nvPr>
+        </p:nvSpPr>
+        <p:spPr/>
+      </p:sp>
+      <p:sp>
+        <p:nvSpPr>
+          <p:cNvPr id="3" name="Notes Placeholder 2"/>
+          <p:cNvSpPr>
+            <a:spLocks noGrp="1"/>
+          </p:cNvSpPr>
+          <p:nvPr>
+            <p:ph type="body" idx="1"/>
+          </p:nvPr>
+        </p:nvSpPr>
+        <p:spPr/>
+        <p:txBody>
+          <a:bodyPr/>
+          <a:lstStyle/>
+          <a:p>
+            <a:r>
+              <a:rPr lang="en-US" sz="1200" b="0" i="0" kern="1200" dirty="0" smtClean="0">
+                <a:solidFill>
+                  <a:schemeClr val="tx1"/>
+                </a:solidFill>
+                <a:effectLst/>
+                <a:latin typeface="+mn-lt"/>
+                <a:ea typeface="+mn-ea"/>
+                <a:cs typeface="+mn-cs"/>
+              </a:rPr>
+              <a:t>Live Demo of the </a:t>
+            </a:r>
+            <a:r>
+              <a:rPr lang="en-US" sz="1200" b="0" i="0" kern="1200" dirty="0" err="1" smtClean="0">
+                <a:solidFill>
+                  <a:schemeClr val="tx1"/>
+                </a:solidFill>
+                <a:effectLst/>
+                <a:latin typeface="+mn-lt"/>
+                <a:ea typeface="+mn-ea"/>
+                <a:cs typeface="+mn-cs"/>
+              </a:rPr>
+              <a:t>Webmaps</a:t>
+            </a:r>
+            <a:r>
+              <a:rPr lang="en-US" sz="1200" b="0" i="0" kern="1200" dirty="0" smtClean="0">
+                <a:solidFill>
+                  <a:schemeClr val="tx1"/>
+                </a:solidFill>
+                <a:effectLst/>
+                <a:latin typeface="+mn-lt"/>
+                <a:ea typeface="+mn-ea"/>
+                <a:cs typeface="+mn-cs"/>
+              </a:rPr>
+              <a:t> covering Navigation between maps (showing the previously mentioned </a:t>
+            </a:r>
+            <a:r>
+              <a:rPr lang="en-US" sz="1200" b="0" i="0" kern="1200" dirty="0" err="1" smtClean="0">
+                <a:solidFill>
+                  <a:schemeClr val="tx1"/>
+                </a:solidFill>
+                <a:effectLst/>
+                <a:latin typeface="+mn-lt"/>
+                <a:ea typeface="+mn-ea"/>
+                <a:cs typeface="+mn-cs"/>
+              </a:rPr>
+              <a:t>php</a:t>
+            </a:r>
+            <a:r>
+              <a:rPr lang="en-US" sz="1200" b="0" i="0" kern="1200" dirty="0" smtClean="0">
+                <a:solidFill>
+                  <a:schemeClr val="tx1"/>
+                </a:solidFill>
+                <a:effectLst/>
+                <a:latin typeface="+mn-lt"/>
+                <a:ea typeface="+mn-ea"/>
+                <a:cs typeface="+mn-cs"/>
+              </a:rPr>
+              <a:t> variables).</a:t>
+            </a:r>
+          </a:p>
+          <a:p>
+            <a:r>
+              <a:rPr lang="en-US" sz="1200" b="0" i="0" kern="1200" dirty="0" smtClean="0">
+                <a:solidFill>
+                  <a:schemeClr val="tx1"/>
+                </a:solidFill>
+                <a:effectLst/>
+                <a:latin typeface="+mn-lt"/>
+                <a:ea typeface="+mn-ea"/>
+                <a:cs typeface="+mn-cs"/>
+              </a:rPr>
+              <a:t>     PZ Map - the most comprehensive map, with "additional layers".</a:t>
+            </a:r>
+          </a:p>
+          <a:p>
+            <a:r>
+              <a:rPr lang="en-US" sz="1200" b="0" i="0" kern="1200" dirty="0" smtClean="0">
+                <a:solidFill>
+                  <a:schemeClr val="tx1"/>
+                </a:solidFill>
+                <a:effectLst/>
+                <a:latin typeface="+mn-lt"/>
+                <a:ea typeface="+mn-ea"/>
+                <a:cs typeface="+mn-cs"/>
+              </a:rPr>
+              <a:t>     Measurement map - basically works just like the sample.</a:t>
+            </a:r>
+          </a:p>
+          <a:p>
+            <a:r>
+              <a:rPr lang="en-US" sz="1200" b="0" i="0" kern="1200" dirty="0" smtClean="0">
+                <a:solidFill>
+                  <a:schemeClr val="tx1"/>
+                </a:solidFill>
+                <a:effectLst/>
+                <a:latin typeface="+mn-lt"/>
+                <a:ea typeface="+mn-ea"/>
+                <a:cs typeface="+mn-cs"/>
+              </a:rPr>
+              <a:t>     Flood Hazard map - gives some basic information about the zones (informative legend).</a:t>
+            </a:r>
+          </a:p>
+          <a:p>
+            <a:r>
+              <a:rPr lang="en-US" sz="1200" b="0" i="0" kern="1200" dirty="0" smtClean="0">
+                <a:solidFill>
+                  <a:schemeClr val="tx1"/>
+                </a:solidFill>
+                <a:effectLst/>
+                <a:latin typeface="+mn-lt"/>
+                <a:ea typeface="+mn-ea"/>
+                <a:cs typeface="+mn-cs"/>
+              </a:rPr>
+              <a:t>     Sensitive Areas map - PFA's, </a:t>
+            </a:r>
+            <a:r>
+              <a:rPr lang="en-US" sz="1200" b="0" i="0" kern="1200" dirty="0" err="1" smtClean="0">
+                <a:solidFill>
+                  <a:schemeClr val="tx1"/>
+                </a:solidFill>
+                <a:effectLst/>
+                <a:latin typeface="+mn-lt"/>
+                <a:ea typeface="+mn-ea"/>
+                <a:cs typeface="+mn-cs"/>
+              </a:rPr>
+              <a:t>Sourcewater</a:t>
+            </a:r>
+            <a:r>
+              <a:rPr lang="en-US" sz="1200" b="0" i="0" kern="1200" dirty="0" smtClean="0">
+                <a:solidFill>
+                  <a:schemeClr val="tx1"/>
+                </a:solidFill>
+                <a:effectLst/>
+                <a:latin typeface="+mn-lt"/>
+                <a:ea typeface="+mn-ea"/>
+                <a:cs typeface="+mn-cs"/>
+              </a:rPr>
+              <a:t> Protection, Protected Species.</a:t>
+            </a:r>
+          </a:p>
+          <a:p>
+            <a:r>
+              <a:rPr lang="en-US" sz="1200" b="0" i="0" kern="1200" dirty="0" smtClean="0">
+                <a:solidFill>
+                  <a:schemeClr val="tx1"/>
+                </a:solidFill>
+                <a:effectLst/>
+                <a:latin typeface="+mn-lt"/>
+                <a:ea typeface="+mn-ea"/>
+                <a:cs typeface="+mn-cs"/>
+              </a:rPr>
+              <a:t>     Printable map - providing a way for someone to make a map using only the data that they want to include.</a:t>
+            </a:r>
+          </a:p>
+          <a:p>
+            <a:r>
+              <a:rPr lang="en-US" sz="1200" b="0" i="0" kern="1200" dirty="0" smtClean="0">
+                <a:solidFill>
+                  <a:schemeClr val="tx1"/>
+                </a:solidFill>
+                <a:effectLst/>
+                <a:latin typeface="+mn-lt"/>
+                <a:ea typeface="+mn-ea"/>
+                <a:cs typeface="+mn-cs"/>
+              </a:rPr>
+              <a:t>     Go Over the Help section.</a:t>
+            </a:r>
+          </a:p>
+          <a:p>
+            <a:r>
+              <a:rPr lang="en-US" dirty="0" smtClean="0"/>
+              <a:t/>
+            </a:r>
+            <a:br>
+              <a:rPr lang="en-US" dirty="0" smtClean="0"/>
+            </a:br>
+            <a:endParaRPr lang="en-US" dirty="0"/>
+          </a:p>
+        </p:txBody>
+      </p:sp>
+      <p:sp>
+        <p:nvSpPr>
+          <p:cNvPr id="4" name="Slide Number Placeholder 3"/>
+          <p:cNvSpPr>
+            <a:spLocks noGrp="1"/>
+          </p:cNvSpPr>
+          <p:nvPr>
+            <p:ph type="sldNum" sz="quarter" idx="10"/>
+          </p:nvPr>
+        </p:nvSpPr>
+        <p:spPr/>
+        <p:txBody>
+          <a:bodyPr/>
+          <a:lstStyle/>
+          <a:p>
+            <a:fld id="{257A954F-A6B4-48E5-8D4A-B654F238FE53}" type="slidenum">
+              <a:rPr lang="en-US" smtClean="0"/>
+              <a:t>13</a:t>
+            </a:fld>
+            <a:endParaRPr lang="en-US"/>
+          </a:p>
+        </p:txBody>
+      </p:sp>
+    </p:spTree>
+    <p:extLst>
+      <p:ext uri="{BB962C8B-B14F-4D97-AF65-F5344CB8AC3E}">
+        <p14:creationId xmlns:p14="http://schemas.microsoft.com/office/powerpoint/2010/main" val="1597644097"/>
+      </p:ext>
+    </p:extLst>
+  </p:cSld>
+  <p:clrMapOvr>
+    <a:masterClrMapping/>
+  </p:clrMapOvr>
+</p:notes>
+</file>
+
+<file path=ppt/notesSlides/notesSlide14.xml><?xml version="1.0" encoding="utf-8"?>
+<p:notes xmlns:a="http://schemas.openxmlformats.org/drawingml/2006/main" xmlns:r="http://schemas.openxmlformats.org/officeDocument/2006/relationships" xmlns:p="http://schemas.openxmlformats.org/presentationml/2006/main">
+  <p:cSld>
+    <p:spTree>
+      <p:nvGrpSpPr>
+        <p:cNvPr id="1" name=""/>
+        <p:cNvGrpSpPr/>
+        <p:nvPr/>
+      </p:nvGrpSpPr>
+      <p:grpSpPr>
+        <a:xfrm>
+          <a:off x="0" y="0"/>
+          <a:ext cx="0" cy="0"/>
+          <a:chOff x="0" y="0"/>
+          <a:chExt cx="0" cy="0"/>
+        </a:xfrm>
+      </p:grpSpPr>
+      <p:sp>
+        <p:nvSpPr>
+          <p:cNvPr id="2" name="Slide Image Placeholder 1"/>
+          <p:cNvSpPr>
+            <a:spLocks noGrp="1" noRot="1" noChangeAspect="1"/>
+          </p:cNvSpPr>
+          <p:nvPr>
+            <p:ph type="sldImg"/>
+          </p:nvPr>
+        </p:nvSpPr>
+        <p:spPr/>
+      </p:sp>
+      <p:sp>
+        <p:nvSpPr>
+          <p:cNvPr id="3" name="Notes Placeholder 2"/>
+          <p:cNvSpPr>
+            <a:spLocks noGrp="1"/>
+          </p:cNvSpPr>
+          <p:nvPr>
+            <p:ph type="body" idx="1"/>
+          </p:nvPr>
+        </p:nvSpPr>
+        <p:spPr/>
+        <p:txBody>
+          <a:bodyPr/>
+          <a:lstStyle/>
+          <a:p>
+            <a:r>
+              <a:rPr lang="en-US" dirty="0" smtClean="0"/>
+              <a:t>I’ve seen samples that use a dojo</a:t>
+            </a:r>
+            <a:r>
+              <a:rPr lang="en-US" baseline="0" dirty="0" smtClean="0"/>
+              <a:t> “deferred” callback to split click events into two possible services. I was unable to get that to work.</a:t>
+            </a:r>
+          </a:p>
+          <a:p>
+            <a:r>
+              <a:rPr lang="en-US" baseline="0" dirty="0" smtClean="0"/>
+              <a:t>I don’t know if the </a:t>
+            </a:r>
+            <a:r>
+              <a:rPr lang="en-US" baseline="0" dirty="0" err="1" smtClean="0"/>
+              <a:t>iMap</a:t>
+            </a:r>
+            <a:r>
+              <a:rPr lang="en-US" baseline="0" dirty="0" smtClean="0"/>
+              <a:t> geocoder can be used like the one I use in the map?</a:t>
+            </a:r>
+          </a:p>
+          <a:p>
+            <a:r>
+              <a:rPr lang="en-US" baseline="0" dirty="0" smtClean="0"/>
+              <a:t>I’ve got the Print Service working (though it could be more customized) but have not made my own geometry service.</a:t>
+            </a:r>
+            <a:endParaRPr lang="en-US" dirty="0"/>
+          </a:p>
+        </p:txBody>
+      </p:sp>
+      <p:sp>
+        <p:nvSpPr>
+          <p:cNvPr id="4" name="Slide Number Placeholder 3"/>
+          <p:cNvSpPr>
+            <a:spLocks noGrp="1"/>
+          </p:cNvSpPr>
+          <p:nvPr>
+            <p:ph type="sldNum" sz="quarter" idx="10"/>
+          </p:nvPr>
+        </p:nvSpPr>
+        <p:spPr/>
+        <p:txBody>
+          <a:bodyPr/>
+          <a:lstStyle/>
+          <a:p>
+            <a:fld id="{257A954F-A6B4-48E5-8D4A-B654F238FE53}" type="slidenum">
+              <a:rPr lang="en-US" smtClean="0"/>
+              <a:t>14</a:t>
+            </a:fld>
+            <a:endParaRPr lang="en-US"/>
+          </a:p>
+        </p:txBody>
+      </p:sp>
+    </p:spTree>
+    <p:extLst>
+      <p:ext uri="{BB962C8B-B14F-4D97-AF65-F5344CB8AC3E}">
+        <p14:creationId xmlns:p14="http://schemas.microsoft.com/office/powerpoint/2010/main" val="874592069"/>
+      </p:ext>
+    </p:extLst>
+  </p:cSld>
+  <p:clrMapOvr>
+    <a:masterClrMapping/>
+  </p:clrMapOvr>
+</p:notes>
+</file>
+
+<file path=ppt/notesSlides/notesSlide15.xml><?xml version="1.0" encoding="utf-8"?>
+<p:notes xmlns:a="http://schemas.openxmlformats.org/drawingml/2006/main" xmlns:r="http://schemas.openxmlformats.org/officeDocument/2006/relationships" xmlns:p="http://schemas.openxmlformats.org/presentationml/2006/main">
+  <p:cSld>
+    <p:spTree>
+      <p:nvGrpSpPr>
+        <p:cNvPr id="1" name=""/>
+        <p:cNvGrpSpPr/>
+        <p:nvPr/>
+      </p:nvGrpSpPr>
+      <p:grpSpPr>
+        <a:xfrm>
+          <a:off x="0" y="0"/>
+          <a:ext cx="0" cy="0"/>
+          <a:chOff x="0" y="0"/>
+          <a:chExt cx="0" cy="0"/>
+        </a:xfrm>
+      </p:grpSpPr>
+      <p:sp>
+        <p:nvSpPr>
+          <p:cNvPr id="2" name="Slide Image Placeholder 1"/>
+          <p:cNvSpPr>
+            <a:spLocks noGrp="1" noRot="1" noChangeAspect="1"/>
+          </p:cNvSpPr>
+          <p:nvPr>
+            <p:ph type="sldImg"/>
+          </p:nvPr>
+        </p:nvSpPr>
+        <p:spPr/>
+      </p:sp>
+      <p:sp>
+        <p:nvSpPr>
+          <p:cNvPr id="3" name="Notes Placeholder 2"/>
+          <p:cNvSpPr>
+            <a:spLocks noGrp="1"/>
+          </p:cNvSpPr>
+          <p:nvPr>
+            <p:ph type="body" idx="1"/>
+          </p:nvPr>
+        </p:nvSpPr>
+        <p:spPr/>
+        <p:txBody>
+          <a:bodyPr/>
+          <a:lstStyle/>
+          <a:p>
+            <a:r>
+              <a:rPr lang="en-US" dirty="0" smtClean="0"/>
               <a:t>Is the ESRI </a:t>
             </a:r>
             <a:r>
@@ -828,22 +1381,7 @@
           <a:bodyPr/>
           <a:lstStyle/>
           <a:p>
-            <a:r>
-              <a:rPr lang="en-US" dirty="0" smtClean="0"/>
-              <a:t>I</a:t>
-            </a:r>
-            <a:r>
-              <a:rPr lang="en-US" baseline="0" dirty="0" smtClean="0"/>
-              <a:t> learned that programming comes in handy when a Triangulation Program creates an output that is not exactly what is needed for input to a Home Range Program the creates output that is not exactly what is needed as input to GIS … and so on. I wrote QBASIC programs to help that workflow (stuff I would probably do with Perl or Python anymore). I really got into the programming and even wrote some extensions for ArcMap and did some cool Hydrologic Modeling stuff in Python for my contract with USGS.</a:t>
-            </a:r>
-            <a:endParaRPr lang="en-US" dirty="0" smtClean="0"/>
-          </a:p>
-          <a:p>
-            <a:r>
-              <a:rPr lang="en-US" dirty="0" smtClean="0"/>
-              <a:t>I also like wearing cool T-shirts.</a:t>
-            </a:r>
-            <a:endParaRPr lang="en-US" dirty="0"/>
+            <a:endParaRPr lang="en-US"/>
           </a:p>
         </p:txBody>
       </p:sp>
@@ -864,7 +1402,7 @@
           <a:p>
             <a:fld id="{257A954F-A6B4-48E5-8D4A-B654F238FE53}" type="slidenum">
               <a:rPr lang="en-US" smtClean="0"/>
-              <a:t>3</a:t>
+              <a:t>2</a:t>
             </a:fld>
             <a:endParaRPr lang="en-US"/>
           </a:p>
@@ -873,7 +1411,7 @@
     </p:spTree>
     <p:extLst>
       <p:ext uri="{BB962C8B-B14F-4D97-AF65-F5344CB8AC3E}">
-        <p14:creationId xmlns:p14="http://schemas.microsoft.com/office/powerpoint/2010/main" val="1541453130"/>
+        <p14:creationId xmlns:p14="http://schemas.microsoft.com/office/powerpoint/2010/main" val="2633888157"/>
       </p:ext>
     </p:extLst>
   </p:cSld>
@@ -929,41 +1467,18 @@
           <a:p>
             <a:r>
               <a:rPr lang="en-US" dirty="0" smtClean="0"/>
-              <a:t>A</a:t>
+              <a:t>I</a:t>
             </a:r>
             <a:r>
               <a:rPr lang="en-US" baseline="0" dirty="0" smtClean="0"/>
-              <a:t> few options – ArcGIS Server already installed – Lots of samples available for the ArcGIS </a:t>
-            </a:r>
-            <a:r>
-              <a:rPr lang="en-US" baseline="0" dirty="0" err="1" smtClean="0"/>
-              <a:t>javascript</a:t>
-            </a:r>
-            <a:r>
-              <a:rPr lang="en-US" baseline="0" dirty="0" smtClean="0"/>
-              <a:t> API.</a:t>
-            </a:r>
-          </a:p>
-          <a:p>
-            <a:r>
-              <a:rPr lang="en-US" baseline="0" dirty="0" smtClean="0"/>
-              <a:t>Leaflet is thought to be more lightweight (</a:t>
-            </a:r>
-            <a:r>
-              <a:rPr lang="en-US" baseline="0" dirty="0" err="1" smtClean="0"/>
-              <a:t>OpenLayers</a:t>
-            </a:r>
-            <a:r>
-              <a:rPr lang="en-US" baseline="0" dirty="0" smtClean="0"/>
-              <a:t> may be too). I have used </a:t>
-            </a:r>
-            <a:r>
-              <a:rPr lang="en-US" baseline="0" dirty="0" err="1" smtClean="0"/>
-              <a:t>MapServer</a:t>
-            </a:r>
-            <a:r>
-              <a:rPr lang="en-US" baseline="0" dirty="0" smtClean="0"/>
-              <a:t> and currently test my maps using MS4W.</a:t>
+              <a:t> learned that programming comes in handy when a Triangulation Program creates an output that is not exactly what is needed for input to a Home Range Program the creates output that is not exactly what is needed as input to GIS … and so on. I wrote QBASIC programs to help that workflow (stuff I would probably do with Perl or Python anymore). I really got into the programming and even wrote some extensions for ArcMap and did some cool Hydrologic Modeling stuff in Python for my contract with USGS.</a:t>
+            </a:r>
+            <a:endParaRPr lang="en-US" dirty="0" smtClean="0"/>
+          </a:p>
+          <a:p>
+            <a:r>
+              <a:rPr lang="en-US" dirty="0" smtClean="0"/>
+              <a:t>I also like wearing cool T-shirts.</a:t>
             </a:r>
             <a:endParaRPr lang="en-US" dirty="0"/>
           </a:p>
@@ -986,7 +1501,7 @@
           <a:p>
             <a:fld id="{257A954F-A6B4-48E5-8D4A-B654F238FE53}" type="slidenum">
               <a:rPr lang="en-US" smtClean="0"/>
-              <a:t>4</a:t>
+              <a:t>3</a:t>
             </a:fld>
             <a:endParaRPr lang="en-US"/>
           </a:p>
@@ -995,7 +1510,7 @@
     </p:spTree>
     <p:extLst>
       <p:ext uri="{BB962C8B-B14F-4D97-AF65-F5344CB8AC3E}">
-        <p14:creationId xmlns:p14="http://schemas.microsoft.com/office/powerpoint/2010/main" val="1229757218"/>
+        <p14:creationId xmlns:p14="http://schemas.microsoft.com/office/powerpoint/2010/main" val="1541453130"/>
       </p:ext>
     </p:extLst>
   </p:cSld>
@@ -1051,23 +1566,41 @@
           <a:p>
             <a:r>
               <a:rPr lang="en-US" dirty="0" smtClean="0"/>
-              <a:t>After create some code</a:t>
+              <a:t>A</a:t>
             </a:r>
             <a:r>
               <a:rPr lang="en-US" baseline="0" dirty="0" smtClean="0"/>
-              <a:t> in NP++, I want to check to see if it is good. </a:t>
-            </a:r>
-            <a:r>
-              <a:rPr lang="en-US" dirty="0" err="1" smtClean="0"/>
-              <a:t>Jslint</a:t>
-            </a:r>
-            <a:r>
-              <a:rPr lang="en-US" dirty="0" smtClean="0"/>
-              <a:t> is picky but has lots of options</a:t>
+              <a:t> few options – ArcGIS Server already installed – Lots of samples available for the ArcGIS </a:t>
+            </a:r>
+            <a:r>
+              <a:rPr lang="en-US" baseline="0" dirty="0" err="1" smtClean="0"/>
+              <a:t>javascript</a:t>
             </a:r>
             <a:r>
               <a:rPr lang="en-US" baseline="0" dirty="0" smtClean="0"/>
-              <a:t> for customization.</a:t>
+              <a:t> API.</a:t>
+            </a:r>
+          </a:p>
+          <a:p>
+            <a:r>
+              <a:rPr lang="en-US" baseline="0" dirty="0" smtClean="0"/>
+              <a:t>Leaflet is thought to be more lightweight (</a:t>
+            </a:r>
+            <a:r>
+              <a:rPr lang="en-US" baseline="0" dirty="0" err="1" smtClean="0"/>
+              <a:t>OpenLayers</a:t>
+            </a:r>
+            <a:r>
+              <a:rPr lang="en-US" baseline="0" dirty="0" smtClean="0"/>
+              <a:t> may be too). I have used </a:t>
+            </a:r>
+            <a:r>
+              <a:rPr lang="en-US" baseline="0" dirty="0" err="1" smtClean="0"/>
+              <a:t>MapServer</a:t>
+            </a:r>
+            <a:r>
+              <a:rPr lang="en-US" baseline="0" dirty="0" smtClean="0"/>
+              <a:t> and currently test my maps using MS4W.</a:t>
             </a:r>
             <a:endParaRPr lang="en-US" dirty="0"/>
           </a:p>
@@ -1090,7 +1623,7 @@
           <a:p>
             <a:fld id="{257A954F-A6B4-48E5-8D4A-B654F238FE53}" type="slidenum">
               <a:rPr lang="en-US" smtClean="0"/>
-              <a:t>7</a:t>
+              <a:t>4</a:t>
             </a:fld>
             <a:endParaRPr lang="en-US"/>
           </a:p>
@@ -1099,7 +1632,7 @@
     </p:spTree>
     <p:extLst>
       <p:ext uri="{BB962C8B-B14F-4D97-AF65-F5344CB8AC3E}">
-        <p14:creationId xmlns:p14="http://schemas.microsoft.com/office/powerpoint/2010/main" val="3749411674"/>
+        <p14:creationId xmlns:p14="http://schemas.microsoft.com/office/powerpoint/2010/main" val="1229757218"/>
       </p:ext>
     </p:extLst>
   </p:cSld>
@@ -1154,15 +1687,32 @@
           <a:lstStyle/>
           <a:p>
             <a:r>
-              <a:rPr lang="en-US" dirty="0" err="1" smtClean="0"/>
-              <a:t>Compressorator</a:t>
-            </a:r>
-            <a:r>
               <a:rPr lang="en-US" dirty="0" smtClean="0"/>
-              <a:t> asks “which tool is best?” which is a complicated question.</a:t>
-            </a:r>
+              <a:t>Allows you to go back if you totally destroy something.</a:t>
+            </a:r>
+          </a:p>
+          <a:p>
+            <a:r>
+              <a:rPr lang="en-US" dirty="0" smtClean="0"/>
+              <a:t>Allows you to stash changes if you think you were “on to something”.</a:t>
+            </a:r>
+          </a:p>
+          <a:p>
+            <a:r>
+              <a:rPr lang="en-US" dirty="0" smtClean="0"/>
+              <a:t>Creates a usable log of what was changed.</a:t>
+            </a:r>
+          </a:p>
+          <a:p>
             <a:endParaRPr lang="en-US" dirty="0"/>
           </a:p>
+          <a:p>
+            <a:r>
+              <a:rPr lang="en-US" dirty="0" smtClean="0"/>
+              <a:t>Took the lynda.com course, bought the pocket guide and often search for answers on online forums.</a:t>
+            </a:r>
+            <a:endParaRPr lang="en-US" dirty="0"/>
+          </a:p>
         </p:txBody>
       </p:sp>
       <p:sp>
@@ -1182,7 +1732,7 @@
           <a:p>
             <a:fld id="{257A954F-A6B4-48E5-8D4A-B654F238FE53}" type="slidenum">
               <a:rPr lang="en-US" smtClean="0"/>
-              <a:t>8</a:t>
+              <a:t>5</a:t>
             </a:fld>
             <a:endParaRPr lang="en-US"/>
           </a:p>
@@ -1191,7 +1741,7 @@
     </p:spTree>
     <p:extLst>
       <p:ext uri="{BB962C8B-B14F-4D97-AF65-F5344CB8AC3E}">
-        <p14:creationId xmlns:p14="http://schemas.microsoft.com/office/powerpoint/2010/main" val="1580621477"/>
+        <p14:creationId xmlns:p14="http://schemas.microsoft.com/office/powerpoint/2010/main" val="2090887514"/>
       </p:ext>
     </p:extLst>
   </p:cSld>
@@ -1245,27 +1795,7 @@
           <a:bodyPr/>
           <a:lstStyle/>
           <a:p>
-            <a:r>
-              <a:rPr lang="en-US" dirty="0" smtClean="0"/>
-              <a:t>Turn this into this (showing results of </a:t>
-            </a:r>
-            <a:r>
-              <a:rPr lang="en-US" dirty="0" err="1" smtClean="0"/>
-              <a:t>minification</a:t>
-            </a:r>
-            <a:r>
-              <a:rPr lang="en-US" dirty="0" smtClean="0"/>
-              <a:t>). You can see that it renames (or shortens) variables as a part of eliminating</a:t>
-            </a:r>
-            <a:r>
-              <a:rPr lang="en-US" baseline="0" dirty="0" smtClean="0"/>
-              <a:t> unneeded characters</a:t>
-            </a:r>
-            <a:r>
-              <a:rPr lang="en-US" dirty="0" smtClean="0"/>
-              <a:t>.</a:t>
-            </a:r>
-            <a:endParaRPr lang="en-US" dirty="0"/>
+            <a:endParaRPr lang="en-US"/>
           </a:p>
         </p:txBody>
       </p:sp>
@@ -1286,7 +1816,7 @@
           <a:p>
             <a:fld id="{257A954F-A6B4-48E5-8D4A-B654F238FE53}" type="slidenum">
               <a:rPr lang="en-US" smtClean="0"/>
-              <a:t>9</a:t>
+              <a:t>6</a:t>
             </a:fld>
             <a:endParaRPr lang="en-US"/>
           </a:p>
@@ -1295,7 +1825,7 @@
     </p:spTree>
     <p:extLst>
       <p:ext uri="{BB962C8B-B14F-4D97-AF65-F5344CB8AC3E}">
-        <p14:creationId xmlns:p14="http://schemas.microsoft.com/office/powerpoint/2010/main" val="2621390086"/>
+        <p14:creationId xmlns:p14="http://schemas.microsoft.com/office/powerpoint/2010/main" val="659031382"/>
       </p:ext>
     </p:extLst>
   </p:cSld>
@@ -1351,14 +1881,73 @@
           <a:p>
             <a:r>
               <a:rPr lang="en-US" dirty="0" smtClean="0"/>
-              <a:t>Code base was getting longer</a:t>
+              <a:t>After create some code</a:t>
             </a:r>
             <a:r>
               <a:rPr lang="en-US" baseline="0" dirty="0" smtClean="0"/>
-              <a:t> (line 850 ?) and more involved (code stops working). Also I didn’t need all functionality in one map. But I DID want a unified mapping experience.</a:t>
-            </a:r>
+              <a:t> in NP++, I want to check to see if it is good. </a:t>
+            </a:r>
+            <a:r>
+              <a:rPr lang="en-US" dirty="0" err="1" smtClean="0"/>
+              <a:t>Jslint</a:t>
+            </a:r>
+            <a:r>
+              <a:rPr lang="en-US" dirty="0" smtClean="0"/>
+              <a:t> is picky but has lots of options</a:t>
+            </a:r>
+            <a:r>
+              <a:rPr lang="en-US" baseline="0" dirty="0" smtClean="0"/>
+              <a:t> for customization</a:t>
+            </a:r>
+            <a:r>
+              <a:rPr lang="en-US" baseline="0" dirty="0" smtClean="0"/>
+              <a:t>.</a:t>
+            </a:r>
+          </a:p>
+          <a:p>
             <a:endParaRPr lang="en-US" dirty="0"/>
           </a:p>
+          <a:p>
+            <a:r>
+              <a:rPr lang="en-US" dirty="0" smtClean="0"/>
+              <a:t>It will let you know </a:t>
+            </a:r>
+            <a:r>
+              <a:rPr lang="en-US" dirty="0" smtClean="0"/>
+              <a:t>about …</a:t>
+            </a:r>
+          </a:p>
+          <a:p>
+            <a:endParaRPr lang="en-US" dirty="0"/>
+          </a:p>
+          <a:p>
+            <a:r>
+              <a:rPr lang="en-US" dirty="0" smtClean="0"/>
+              <a:t>Undefined variables (it even gets you to define them at the beginning).</a:t>
+            </a:r>
+          </a:p>
+          <a:p>
+            <a:r>
+              <a:rPr lang="en-US" dirty="0" smtClean="0"/>
+              <a:t>Unused variables</a:t>
+            </a:r>
+          </a:p>
+          <a:p>
+            <a:r>
+              <a:rPr lang="en-US" dirty="0" err="1" smtClean="0"/>
+              <a:t>Forgotton</a:t>
+            </a:r>
+            <a:r>
+              <a:rPr lang="en-US" dirty="0" smtClean="0"/>
+              <a:t> semicolons</a:t>
+            </a:r>
+          </a:p>
+          <a:p>
+            <a:endParaRPr lang="en-US" dirty="0" smtClean="0"/>
+          </a:p>
+          <a:p>
+            <a:endParaRPr lang="en-US" dirty="0" smtClean="0"/>
+          </a:p>
         </p:txBody>
       </p:sp>
       <p:sp>
@@ -1378,7 +1967,7 @@
           <a:p>
             <a:fld id="{257A954F-A6B4-48E5-8D4A-B654F238FE53}" type="slidenum">
               <a:rPr lang="en-US" smtClean="0"/>
-              <a:t>10</a:t>
+              <a:t>7</a:t>
             </a:fld>
             <a:endParaRPr lang="en-US"/>
           </a:p>
@@ -1387,7 +1976,7 @@
     </p:spTree>
     <p:extLst>
       <p:ext uri="{BB962C8B-B14F-4D97-AF65-F5344CB8AC3E}">
-        <p14:creationId xmlns:p14="http://schemas.microsoft.com/office/powerpoint/2010/main" val="3959707575"/>
+        <p14:creationId xmlns:p14="http://schemas.microsoft.com/office/powerpoint/2010/main" val="3749411674"/>
       </p:ext>
     </p:extLst>
   </p:cSld>
@@ -1442,12 +2031,12 @@
           <a:lstStyle/>
           <a:p>
             <a:r>
+              <a:rPr lang="en-US" dirty="0" err="1" smtClean="0"/>
+              <a:t>Compressorator</a:t>
+            </a:r>
+            <a:r>
               <a:rPr lang="en-US" dirty="0" smtClean="0"/>
-              <a:t>I’ve passed</a:t>
-            </a:r>
-            <a:r>
-              <a:rPr lang="en-US" baseline="0" dirty="0" smtClean="0"/>
-              <a:t> in variables “across the wire” before with $_GET. Having one map that does only one thing could be an advantage and being able to access each map from the other maps enhances that “unified experience” that I mentioned.</a:t>
+              <a:t> asks “which tool is best?” which is a complicated question.</a:t>
             </a:r>
             <a:endParaRPr lang="en-US" dirty="0"/>
           </a:p>
@@ -1470,7 +2059,7 @@
           <a:p>
             <a:fld id="{257A954F-A6B4-48E5-8D4A-B654F238FE53}" type="slidenum">
               <a:rPr lang="en-US" smtClean="0"/>
-              <a:t>11</a:t>
+              <a:t>8</a:t>
             </a:fld>
             <a:endParaRPr lang="en-US"/>
           </a:p>
@@ -1479,7 +2068,7 @@
     </p:spTree>
     <p:extLst>
       <p:ext uri="{BB962C8B-B14F-4D97-AF65-F5344CB8AC3E}">
-        <p14:creationId xmlns:p14="http://schemas.microsoft.com/office/powerpoint/2010/main" val="586872709"/>
+        <p14:creationId xmlns:p14="http://schemas.microsoft.com/office/powerpoint/2010/main" val="1580621477"/>
       </p:ext>
     </p:extLst>
   </p:cSld>
@@ -1534,182 +2123,25 @@
           <a:lstStyle/>
           <a:p>
             <a:r>
-              <a:rPr lang="en-US" sz="1200" b="0" i="0" kern="1200" dirty="0" smtClean="0">
-                <a:solidFill>
-                  <a:schemeClr val="tx1"/>
-                </a:solidFill>
-                <a:effectLst/>
-                <a:latin typeface="+mn-lt"/>
-                <a:ea typeface="+mn-ea"/>
-                <a:cs typeface="+mn-cs"/>
-              </a:rPr>
-              <a:t>Live Demo of the </a:t>
-            </a:r>
-            <a:r>
-              <a:rPr lang="en-US" sz="1200" b="0" i="0" kern="1200" dirty="0" err="1" smtClean="0">
-                <a:solidFill>
-                  <a:schemeClr val="tx1"/>
-                </a:solidFill>
-                <a:effectLst/>
-                <a:latin typeface="+mn-lt"/>
-                <a:ea typeface="+mn-ea"/>
-                <a:cs typeface="+mn-cs"/>
-              </a:rPr>
-              <a:t>Webmaps</a:t>
-            </a:r>
-            <a:r>
-              <a:rPr lang="en-US" sz="1200" b="0" i="0" kern="1200" dirty="0" smtClean="0">
-                <a:solidFill>
-                  <a:schemeClr val="tx1"/>
-                </a:solidFill>
-                <a:effectLst/>
-                <a:latin typeface="+mn-lt"/>
-                <a:ea typeface="+mn-ea"/>
-                <a:cs typeface="+mn-cs"/>
-              </a:rPr>
-              <a:t> covering Navigation between maps (showing the previously mentioned </a:t>
-            </a:r>
-            <a:r>
-              <a:rPr lang="en-US" sz="1200" b="0" i="0" kern="1200" dirty="0" err="1" smtClean="0">
-                <a:solidFill>
-                  <a:schemeClr val="tx1"/>
-                </a:solidFill>
-                <a:effectLst/>
-                <a:latin typeface="+mn-lt"/>
-                <a:ea typeface="+mn-ea"/>
-                <a:cs typeface="+mn-cs"/>
-              </a:rPr>
-              <a:t>php</a:t>
-            </a:r>
-            <a:r>
-              <a:rPr lang="en-US" sz="1200" b="0" i="0" kern="1200" dirty="0" smtClean="0">
-                <a:solidFill>
-                  <a:schemeClr val="tx1"/>
-                </a:solidFill>
-                <a:effectLst/>
-                <a:latin typeface="+mn-lt"/>
-                <a:ea typeface="+mn-ea"/>
-                <a:cs typeface="+mn-cs"/>
-              </a:rPr>
-              <a:t> variables).</a:t>
-            </a:r>
-          </a:p>
-          <a:p>
-            <a:r>
-              <a:rPr lang="en-US" sz="1200" b="0" i="0" kern="1200" dirty="0" smtClean="0">
-                <a:solidFill>
-                  <a:schemeClr val="tx1"/>
-                </a:solidFill>
-                <a:effectLst/>
-                <a:latin typeface="+mn-lt"/>
-                <a:ea typeface="+mn-ea"/>
-                <a:cs typeface="+mn-cs"/>
-              </a:rPr>
-              <a:t>     PZ Map - the most comprehensive map, with "additional layers".</a:t>
-            </a:r>
-          </a:p>
-          <a:p>
-            <a:r>
-              <a:rPr lang="en-US" sz="1200" b="0" i="0" kern="1200" dirty="0" smtClean="0">
-                <a:solidFill>
-                  <a:schemeClr val="tx1"/>
-                </a:solidFill>
-                <a:effectLst/>
-                <a:latin typeface="+mn-lt"/>
-                <a:ea typeface="+mn-ea"/>
-                <a:cs typeface="+mn-cs"/>
-              </a:rPr>
-              <a:t>     Measurement map - basically works just like the sample.</a:t>
-            </a:r>
-          </a:p>
-          <a:p>
-            <a:r>
-              <a:rPr lang="en-US" sz="1200" b="0" i="0" kern="1200" dirty="0" smtClean="0">
-                <a:solidFill>
-                  <a:schemeClr val="tx1"/>
-                </a:solidFill>
-                <a:effectLst/>
-                <a:latin typeface="+mn-lt"/>
-                <a:ea typeface="+mn-ea"/>
-                <a:cs typeface="+mn-cs"/>
-              </a:rPr>
-              <a:t>     Flood Hazard map - gives some basic information about the zones (informative legend).</a:t>
-            </a:r>
-          </a:p>
-          <a:p>
-            <a:r>
-              <a:rPr lang="en-US" sz="1200" b="0" i="0" kern="1200" dirty="0" smtClean="0">
-                <a:solidFill>
-                  <a:schemeClr val="tx1"/>
-                </a:solidFill>
-                <a:effectLst/>
-                <a:latin typeface="+mn-lt"/>
-                <a:ea typeface="+mn-ea"/>
-                <a:cs typeface="+mn-cs"/>
-              </a:rPr>
-              <a:t>     Sensitive Areas map - PFA's, </a:t>
-            </a:r>
-            <a:r>
-              <a:rPr lang="en-US" sz="1200" b="0" i="0" kern="1200" dirty="0" err="1" smtClean="0">
-                <a:solidFill>
-                  <a:schemeClr val="tx1"/>
-                </a:solidFill>
-                <a:effectLst/>
-                <a:latin typeface="+mn-lt"/>
-                <a:ea typeface="+mn-ea"/>
-                <a:cs typeface="+mn-cs"/>
-              </a:rPr>
-              <a:t>Sourcewater</a:t>
-            </a:r>
-            <a:r>
-              <a:rPr lang="en-US" sz="1200" b="0" i="0" kern="1200" dirty="0" smtClean="0">
-                <a:solidFill>
-                  <a:schemeClr val="tx1"/>
-                </a:solidFill>
-                <a:effectLst/>
-                <a:latin typeface="+mn-lt"/>
-                <a:ea typeface="+mn-ea"/>
-                <a:cs typeface="+mn-cs"/>
-              </a:rPr>
-              <a:t> Protection, Protected Species.</a:t>
-            </a:r>
-          </a:p>
-          <a:p>
-            <a:r>
-              <a:rPr lang="en-US" sz="1200" b="0" i="0" kern="1200" dirty="0" smtClean="0">
-                <a:solidFill>
-                  <a:schemeClr val="tx1"/>
-                </a:solidFill>
-                <a:effectLst/>
-                <a:latin typeface="+mn-lt"/>
-                <a:ea typeface="+mn-ea"/>
-                <a:cs typeface="+mn-cs"/>
-              </a:rPr>
-              <a:t>     Printable map - providing a way for someone to make a map using only the data that they want to include.</a:t>
-            </a:r>
-          </a:p>
-          <a:p>
-            <a:r>
-              <a:rPr lang="en-US" sz="1200" b="0" i="0" kern="1200" dirty="0" smtClean="0">
-                <a:solidFill>
-                  <a:schemeClr val="tx1"/>
-                </a:solidFill>
-                <a:effectLst/>
-                <a:latin typeface="+mn-lt"/>
-                <a:ea typeface="+mn-ea"/>
-                <a:cs typeface="+mn-cs"/>
-              </a:rPr>
-              <a:t>     Go Over the Help section.</a:t>
-            </a:r>
-          </a:p>
-          <a:p>
-            <a:r>
               <a:rPr lang="en-US" dirty="0" smtClean="0"/>
-              <a:t/>
-            </a:r>
-            <a:br>
+              <a:t>Turn this into this (showing results of </a:t>
+            </a:r>
+            <a:r>
+              <a:rPr lang="en-US" dirty="0" err="1" smtClean="0"/>
+              <a:t>minification</a:t>
+            </a:r>
+            <a:r>
               <a:rPr lang="en-US" dirty="0" smtClean="0"/>
-            </a:br>
+              <a:t>). You can see that it renames (or shortens) variables as a part of eliminating</a:t>
+            </a:r>
+            <a:r>
+              <a:rPr lang="en-US" baseline="0" dirty="0" smtClean="0"/>
+              <a:t> unneeded characters</a:t>
+            </a:r>
+            <a:r>
+              <a:rPr lang="en-US" dirty="0" smtClean="0"/>
+              <a:t>.</a:t>
+            </a:r>
             <a:endParaRPr lang="en-US" dirty="0"/>
           </a:p>
         </p:txBody>
@@ -1731,7 +2163,7 @@
           <a:p>
             <a:fld id="{257A954F-A6B4-48E5-8D4A-B654F238FE53}" type="slidenum">
               <a:rPr lang="en-US" smtClean="0"/>
-              <a:t>13</a:t>
+              <a:t>9</a:t>
             </a:fld>
             <a:endParaRPr lang="en-US"/>
           </a:p>
@@ -1740,7 +2172,7 @@
     </p:spTree>
     <p:extLst>
       <p:ext uri="{BB962C8B-B14F-4D97-AF65-F5344CB8AC3E}">
-        <p14:creationId xmlns:p14="http://schemas.microsoft.com/office/powerpoint/2010/main" val="1597644097"/>
+        <p14:creationId xmlns:p14="http://schemas.microsoft.com/office/powerpoint/2010/main" val="2621390086"/>
       </p:ext>
     </p:extLst>
   </p:cSld>
@@ -1944,7 +2376,7 @@
           <a:p>
             <a:fld id="{E49CC300-CAEA-4B88-BD81-ACA25B4F5071}" type="datetime1">
               <a:rPr lang="en-US" smtClean="0"/>
-              <a:t>4/10/2015</a:t>
+              <a:t>4/13/2015</a:t>
             </a:fld>
             <a:endParaRPr lang="en-US"/>
           </a:p>
@@ -2113,7 +2545,7 @@
           <a:p>
             <a:fld id="{3745BE91-E42A-4AAF-BB26-D02BE510BB1B}" type="datetime1">
               <a:rPr lang="en-US" smtClean="0"/>
-              <a:t>4/10/2015</a:t>
+              <a:t>4/13/2015</a:t>
             </a:fld>
             <a:endParaRPr lang="en-US"/>
           </a:p>
@@ -2292,7 +2724,7 @@
           <a:p>
             <a:fld id="{85932754-6618-46E8-BDA5-0CBD3094D064}" type="datetime1">
               <a:rPr lang="en-US" smtClean="0"/>
-              <a:t>4/10/2015</a:t>
+              <a:t>4/13/2015</a:t>
             </a:fld>
             <a:endParaRPr lang="en-US"/>
           </a:p>
@@ -2461,7 +2893,7 @@
           <a:p>
             <a:fld id="{E403B45D-E03C-4404-9C98-312B8AD2E868}" type="datetime1">
               <a:rPr lang="en-US" smtClean="0"/>
-              <a:t>4/10/2015</a:t>
+              <a:t>4/13/2015</a:t>
             </a:fld>
             <a:endParaRPr lang="en-US"/>
           </a:p>
@@ -2706,7 +3138,7 @@
           <a:p>
             <a:fld id="{71F2BD76-C6AD-4172-8115-134A806DAA37}" type="datetime1">
               <a:rPr lang="en-US" smtClean="0"/>
-              <a:t>4/10/2015</a:t>
+              <a:t>4/13/2015</a:t>
             </a:fld>
             <a:endParaRPr lang="en-US"/>
           </a:p>
@@ -2993,7 +3425,7 @@
           <a:p>
             <a:fld id="{D914C391-1193-487A-A813-6955BCA06797}" type="datetime1">
               <a:rPr lang="en-US" smtClean="0"/>
-              <a:t>4/10/2015</a:t>
+              <a:t>4/13/2015</a:t>
             </a:fld>
             <a:endParaRPr lang="en-US"/>
           </a:p>
@@ -3426,7 +3858,7 @@
           <a:p>
             <a:fld id="{1D8BA7DB-370E-41B0-A40A-7B552FA471B6}" type="datetime1">
               <a:rPr lang="en-US" smtClean="0"/>
-              <a:t>4/10/2015</a:t>
+              <a:t>4/13/2015</a:t>
             </a:fld>
             <a:endParaRPr lang="en-US"/>
           </a:p>
@@ -3543,7 +3975,7 @@
           <a:p>
             <a:fld id="{7DA98626-2BFD-45F5-9D52-62A2F09880E2}" type="datetime1">
               <a:rPr lang="en-US" smtClean="0"/>
-              <a:t>4/10/2015</a:t>
+              <a:t>4/13/2015</a:t>
             </a:fld>
             <a:endParaRPr lang="en-US"/>
           </a:p>
@@ -3637,7 +4069,7 @@
           <a:p>
             <a:fld id="{22B55C7B-319A-4FF3-AAF4-39360E58F7A1}" type="datetime1">
               <a:rPr lang="en-US" smtClean="0"/>
-              <a:t>4/10/2015</a:t>
+              <a:t>4/13/2015</a:t>
             </a:fld>
             <a:endParaRPr lang="en-US"/>
           </a:p>
@@ -3830,7 +4262,7 @@
           <a:p>
             <a:fld id="{0D367370-D750-4432-AC66-D72C14545BDF}" type="datetime1">
               <a:rPr lang="en-US" smtClean="0"/>
-              <a:t>4/10/2015</a:t>
+              <a:t>4/13/2015</a:t>
             </a:fld>
             <a:endParaRPr lang="en-US"/>
           </a:p>
@@ -4152,7 +4584,7 @@
           <a:p>
             <a:fld id="{EF417AFC-C7AB-4C08-885D-2ACAE3399F5D}" type="datetime1">
               <a:rPr lang="en-US" smtClean="0"/>
-              <a:t>4/10/2015</a:t>
+              <a:t>4/13/2015</a:t>
             </a:fld>
             <a:endParaRPr lang="en-US"/>
           </a:p>
@@ -4539,7 +4971,7 @@
           <a:p>
             <a:fld id="{34B9A30A-8FAE-4300-9C2E-8702CB66E234}" type="datetime1">
               <a:rPr lang="en-US" smtClean="0"/>
-              <a:t>4/10/2015</a:t>
+              <a:t>4/13/2015</a:t>
             </a:fld>
             <a:endParaRPr lang="en-US"/>
           </a:p>
@@ -5022,7 +5454,7 @@
           <a:p>
             <a:fld id="{0302782C-87D0-4478-85B8-4E9C8400ABB7}" type="datetime1">
               <a:rPr lang="en-US" smtClean="0"/>
-              <a:t>4/10/2015</a:t>
+              <a:t>4/13/2015</a:t>
             </a:fld>
             <a:endParaRPr lang="en-US" dirty="0"/>
           </a:p>
@@ -5265,7 +5697,7 @@
           <a:p>
             <a:fld id="{E403B45D-E03C-4404-9C98-312B8AD2E868}" type="datetime1">
               <a:rPr lang="en-US" smtClean="0"/>
-              <a:t>4/10/2015</a:t>
+              <a:t>4/13/2015</a:t>
             </a:fld>
             <a:endParaRPr lang="en-US"/>
           </a:p>
@@ -5414,6 +5846,13 @@
   <p:clrMapOvr>
     <a:masterClrMapping/>
   </p:clrMapOvr>
+  <p:timing>
+    <p:tnLst>
+      <p:par>
+        <p:cTn id="1" dur="indefinite" restart="never" nodeType="tmRoot"/>
+      </p:par>
+    </p:tnLst>
+  </p:timing>
 </p:sld>
 </file>
 
@@ -5522,7 +5961,7 @@
           <a:p>
             <a:fld id="{E403B45D-E03C-4404-9C98-312B8AD2E868}" type="datetime1">
               <a:rPr lang="en-US" smtClean="0"/>
-              <a:t>4/10/2015</a:t>
+              <a:t>4/13/2015</a:t>
             </a:fld>
             <a:endParaRPr lang="en-US"/>
           </a:p>
@@ -5671,6 +6110,13 @@
   <p:clrMapOvr>
     <a:masterClrMapping/>
   </p:clrMapOvr>
+  <p:timing>
+    <p:tnLst>
+      <p:par>
+        <p:cTn id="1" dur="indefinite" restart="never" nodeType="tmRoot"/>
+      </p:par>
+    </p:tnLst>
+  </p:timing>
 </p:sld>
 </file>
 
@@ -5731,7 +6177,7 @@
           <a:p>
             <a:fld id="{E403B45D-E03C-4404-9C98-312B8AD2E868}" type="datetime1">
               <a:rPr lang="en-US" smtClean="0"/>
-              <a:t>4/10/2015</a:t>
+              <a:t>4/13/2015</a:t>
             </a:fld>
             <a:endParaRPr lang="en-US"/>
           </a:p>
@@ -5831,7 +6277,7 @@
           <p:nvPr/>
         </p:nvPicPr>
         <p:blipFill>
-          <a:blip r:embed="rId2">
+          <a:blip r:embed="rId3">
             <a:extLst>
               <a:ext uri="{28A0092B-C50C-407E-A947-70E740481C1C}">
                 <a14:useLocalDpi xmlns:a14="http://schemas.microsoft.com/office/drawing/2010/main" val="0"/>
@@ -5880,7 +6326,7 @@
           <p:nvPr/>
         </p:nvPicPr>
         <p:blipFill>
-          <a:blip r:embed="rId3">
+          <a:blip r:embed="rId4">
             <a:extLst>
               <a:ext uri="{28A0092B-C50C-407E-A947-70E740481C1C}">
                 <a14:useLocalDpi xmlns:a14="http://schemas.microsoft.com/office/drawing/2010/main" val="0"/>
@@ -5929,7 +6375,7 @@
           <p:nvPr/>
         </p:nvPicPr>
         <p:blipFill>
-          <a:blip r:embed="rId4">
+          <a:blip r:embed="rId5">
             <a:extLst>
               <a:ext uri="{28A0092B-C50C-407E-A947-70E740481C1C}">
                 <a14:useLocalDpi xmlns:a14="http://schemas.microsoft.com/office/drawing/2010/main" val="0"/>
@@ -6147,6 +6593,13 @@
   <p:clrMapOvr>
     <a:masterClrMapping/>
   </p:clrMapOvr>
+  <p:timing>
+    <p:tnLst>
+      <p:par>
+        <p:cTn id="1" dur="indefinite" restart="never" nodeType="tmRoot"/>
+      </p:par>
+    </p:tnLst>
+  </p:timing>
 </p:sld>
 </file>
 
@@ -6226,7 +6679,7 @@
           <a:p>
             <a:fld id="{E403B45D-E03C-4404-9C98-312B8AD2E868}" type="datetime1">
               <a:rPr lang="en-US" smtClean="0"/>
-              <a:t>4/10/2015</a:t>
+              <a:t>4/13/2015</a:t>
             </a:fld>
             <a:endParaRPr lang="en-US"/>
           </a:p>
@@ -6326,6 +6779,13 @@
   <p:clrMapOvr>
     <a:masterClrMapping/>
   </p:clrMapOvr>
+  <p:timing>
+    <p:tnLst>
+      <p:par>
+        <p:cTn id="1" dur="indefinite" restart="never" nodeType="tmRoot"/>
+      </p:par>
+    </p:tnLst>
+  </p:timing>
 </p:sld>
 </file>
 
@@ -6480,7 +6940,7 @@
           <a:p>
             <a:fld id="{E403B45D-E03C-4404-9C98-312B8AD2E868}" type="datetime1">
               <a:rPr lang="en-US" smtClean="0"/>
-              <a:t>4/10/2015</a:t>
+              <a:t>4/13/2015</a:t>
             </a:fld>
             <a:endParaRPr lang="en-US"/>
           </a:p>
@@ -6580,6 +7040,13 @@
   <p:clrMapOvr>
     <a:masterClrMapping/>
   </p:clrMapOvr>
+  <p:timing>
+    <p:tnLst>
+      <p:par>
+        <p:cTn id="1" dur="indefinite" restart="never" nodeType="tmRoot"/>
+      </p:par>
+    </p:tnLst>
+  </p:timing>
 </p:sld>
 </file>
 
@@ -6617,11 +7084,7 @@
           <a:p>
             <a:r>
               <a:rPr lang="en-US" dirty="0" smtClean="0"/>
-              <a:t>Easy </a:t>
-            </a:r>
-            <a:r>
-              <a:rPr lang="en-US" dirty="0" smtClean="0"/>
-              <a:t>? …</a:t>
+              <a:t>Easy ? …</a:t>
             </a:r>
             <a:endParaRPr lang="en-US" dirty="0"/>
           </a:p>
@@ -6644,7 +7107,7 @@
           <a:p>
             <a:fld id="{E403B45D-E03C-4404-9C98-312B8AD2E868}" type="datetime1">
               <a:rPr lang="en-US" smtClean="0"/>
-              <a:t>4/10/2015</a:t>
+              <a:t>4/13/2015</a:t>
             </a:fld>
             <a:endParaRPr lang="en-US"/>
           </a:p>
@@ -7112,6 +7575,13 @@
   <p:clrMapOvr>
     <a:masterClrMapping/>
   </p:clrMapOvr>
+  <p:timing>
+    <p:tnLst>
+      <p:par>
+        <p:cTn id="1" dur="indefinite" restart="never" nodeType="tmRoot"/>
+      </p:par>
+    </p:tnLst>
+  </p:timing>
 </p:sld>
 </file>
 
@@ -7141,7 +7611,7 @@
           <p:nvPr/>
         </p:nvPicPr>
         <p:blipFill>
-          <a:blip r:embed="rId2" cstate="print">
+          <a:blip r:embed="rId3" cstate="print">
             <a:extLst>
               <a:ext uri="{28A0092B-C50C-407E-A947-70E740481C1C}">
                 <a14:useLocalDpi xmlns:a14="http://schemas.microsoft.com/office/drawing/2010/main" val="0"/>
@@ -7195,7 +7665,7 @@
           <p:nvPr/>
         </p:nvPicPr>
         <p:blipFill>
-          <a:blip r:embed="rId3" cstate="print">
+          <a:blip r:embed="rId4" cstate="print">
             <a:extLst>
               <a:ext uri="{28A0092B-C50C-407E-A947-70E740481C1C}">
                 <a14:useLocalDpi xmlns:a14="http://schemas.microsoft.com/office/drawing/2010/main" val="0"/>
@@ -7387,7 +7857,7 @@
           <a:p>
             <a:fld id="{8668D83A-7F5E-41DA-8AAA-3A38E79B858E}" type="datetime1">
               <a:rPr lang="en-US" smtClean="0"/>
-              <a:t>4/10/2015</a:t>
+              <a:t>4/13/2015</a:t>
             </a:fld>
             <a:endParaRPr lang="en-US"/>
           </a:p>
@@ -7402,7 +7872,7 @@
           <p:nvPr/>
         </p:nvPicPr>
         <p:blipFill>
-          <a:blip r:embed="rId4">
+          <a:blip r:embed="rId5">
             <a:extLst>
               <a:ext uri="{28A0092B-C50C-407E-A947-70E740481C1C}">
                 <a14:useLocalDpi xmlns:a14="http://schemas.microsoft.com/office/drawing/2010/main" val="0"/>
@@ -7469,7 +7939,7 @@
             <a:avLst/>
           </a:prstGeom>
           <a:blipFill dpi="0" rotWithShape="1">
-            <a:blip r:embed="rId5">
+            <a:blip r:embed="rId6">
               <a:alphaModFix amt="39000"/>
             </a:blip>
             <a:srcRect/>
@@ -7553,7 +8023,7 @@
           <p:nvPr/>
         </p:nvPicPr>
         <p:blipFill>
-          <a:blip r:embed="rId6">
+          <a:blip r:embed="rId7">
             <a:extLst>
               <a:ext uri="{28A0092B-C50C-407E-A947-70E740481C1C}">
                 <a14:useLocalDpi xmlns:a14="http://schemas.microsoft.com/office/drawing/2010/main" val="0"/>
@@ -7737,7 +8207,7 @@
           <a:p>
             <a:fld id="{E403B45D-E03C-4404-9C98-312B8AD2E868}" type="datetime1">
               <a:rPr lang="en-US" smtClean="0"/>
-              <a:t>4/10/2015</a:t>
+              <a:t>4/13/2015</a:t>
             </a:fld>
             <a:endParaRPr lang="en-US"/>
           </a:p>
@@ -8111,6 +8581,13 @@
   <p:clrMapOvr>
     <a:masterClrMapping/>
   </p:clrMapOvr>
+  <p:timing>
+    <p:tnLst>
+      <p:par>
+        <p:cTn id="1" dur="indefinite" restart="never" nodeType="tmRoot"/>
+      </p:par>
+    </p:tnLst>
+  </p:timing>
 </p:sld>
 </file>
 
@@ -8608,7 +9085,7 @@
           <a:p>
             <a:fld id="{F1145CE5-2D07-497F-B5A3-6DE6B12B2B46}" type="datetime1">
               <a:rPr lang="en-US" smtClean="0"/>
-              <a:t>4/10/2015</a:t>
+              <a:t>4/13/2015</a:t>
             </a:fld>
             <a:endParaRPr lang="en-US"/>
           </a:p>
@@ -8980,7 +9457,7 @@
           <a:p>
             <a:fld id="{E403B45D-E03C-4404-9C98-312B8AD2E868}" type="datetime1">
               <a:rPr lang="en-US" smtClean="0"/>
-              <a:t>4/10/2015</a:t>
+              <a:t>4/13/2015</a:t>
             </a:fld>
             <a:endParaRPr lang="en-US"/>
           </a:p>
@@ -9041,7 +9518,7 @@
           <p:nvPr/>
         </p:nvPicPr>
         <p:blipFill>
-          <a:blip r:embed="rId2">
+          <a:blip r:embed="rId3">
             <a:extLst>
               <a:ext uri="{28A0092B-C50C-407E-A947-70E740481C1C}">
                 <a14:useLocalDpi xmlns:a14="http://schemas.microsoft.com/office/drawing/2010/main" val="0"/>
@@ -9212,7 +9689,7 @@
           <p:nvPr/>
         </p:nvPicPr>
         <p:blipFill>
-          <a:blip r:embed="rId3">
+          <a:blip r:embed="rId4">
             <a:extLst>
               <a:ext uri="{28A0092B-C50C-407E-A947-70E740481C1C}">
                 <a14:useLocalDpi xmlns:a14="http://schemas.microsoft.com/office/drawing/2010/main" val="0"/>
@@ -9253,7 +9730,7 @@
             <a:avLst/>
           </a:prstGeom>
           <a:blipFill dpi="0" rotWithShape="0">
-            <a:blip r:embed="rId4">
+            <a:blip r:embed="rId5">
               <a:alphaModFix amt="49000"/>
             </a:blip>
             <a:srcRect/>
@@ -9296,7 +9773,7 @@
           <p:nvPr/>
         </p:nvPicPr>
         <p:blipFill>
-          <a:blip r:embed="rId5">
+          <a:blip r:embed="rId6">
             <a:extLst>
               <a:ext uri="{28A0092B-C50C-407E-A947-70E740481C1C}">
                 <a14:useLocalDpi xmlns:a14="http://schemas.microsoft.com/office/drawing/2010/main" val="0"/>
@@ -9350,7 +9827,7 @@
           <p:nvPr/>
         </p:nvPicPr>
         <p:blipFill>
-          <a:blip r:embed="rId6">
+          <a:blip r:embed="rId7">
             <a:extLst>
               <a:ext uri="{28A0092B-C50C-407E-A947-70E740481C1C}">
                 <a14:useLocalDpi xmlns:a14="http://schemas.microsoft.com/office/drawing/2010/main" val="0"/>
@@ -9450,7 +9927,7 @@
           </p:nvPr>
         </p:nvPicPr>
         <p:blipFill>
-          <a:blip r:embed="rId2">
+          <a:blip r:embed="rId3">
             <a:extLst>
               <a:ext uri="{28A0092B-C50C-407E-A947-70E740481C1C}">
                 <a14:useLocalDpi xmlns:a14="http://schemas.microsoft.com/office/drawing/2010/main" val="0"/>
@@ -9485,7 +9962,7 @@
           <a:p>
             <a:fld id="{E403B45D-E03C-4404-9C98-312B8AD2E868}" type="datetime1">
               <a:rPr lang="en-US" smtClean="0"/>
-              <a:t>4/10/2015</a:t>
+              <a:t>4/13/2015</a:t>
             </a:fld>
             <a:endParaRPr lang="en-US"/>
           </a:p>
@@ -9546,7 +10023,7 @@
           <p:nvPr/>
         </p:nvPicPr>
         <p:blipFill>
-          <a:blip r:embed="rId3">
+          <a:blip r:embed="rId4">
             <a:extLst>
               <a:ext uri="{28A0092B-C50C-407E-A947-70E740481C1C}">
                 <a14:useLocalDpi xmlns:a14="http://schemas.microsoft.com/office/drawing/2010/main" val="0"/>
@@ -9750,7 +10227,7 @@
           <p:nvPr/>
         </p:nvPicPr>
         <p:blipFill>
-          <a:blip r:embed="rId4">
+          <a:blip r:embed="rId5">
             <a:extLst>
               <a:ext uri="{28A0092B-C50C-407E-A947-70E740481C1C}">
                 <a14:useLocalDpi xmlns:a14="http://schemas.microsoft.com/office/drawing/2010/main" val="0"/>
@@ -9830,7 +10307,7 @@
           <p:nvPr/>
         </p:nvPicPr>
         <p:blipFill>
-          <a:blip r:embed="rId5">
+          <a:blip r:embed="rId6">
             <a:extLst>
               <a:ext uri="{28A0092B-C50C-407E-A947-70E740481C1C}">
                 <a14:useLocalDpi xmlns:a14="http://schemas.microsoft.com/office/drawing/2010/main" val="0"/>
@@ -9868,7 +10345,7 @@
           <p:nvPr/>
         </p:nvPicPr>
         <p:blipFill>
-          <a:blip r:embed="rId6">
+          <a:blip r:embed="rId7">
             <a:extLst>
               <a:ext uri="{28A0092B-C50C-407E-A947-70E740481C1C}">
                 <a14:useLocalDpi xmlns:a14="http://schemas.microsoft.com/office/drawing/2010/main" val="0"/>
@@ -9989,7 +10466,7 @@
           <a:p>
             <a:fld id="{E403B45D-E03C-4404-9C98-312B8AD2E868}" type="datetime1">
               <a:rPr lang="en-US" smtClean="0"/>
-              <a:t>4/10/2015</a:t>
+              <a:t>4/13/2015</a:t>
             </a:fld>
             <a:endParaRPr lang="en-US"/>
           </a:p>
@@ -10257,6 +10734,13 @@
   <p:clrMapOvr>
     <a:masterClrMapping/>
   </p:clrMapOvr>
+  <p:timing>
+    <p:tnLst>
+      <p:par>
+        <p:cTn id="1" dur="indefinite" restart="never" nodeType="tmRoot"/>
+      </p:par>
+    </p:tnLst>
+  </p:timing>
 </p:sld>
 </file>
 
@@ -10419,15 +10903,7 @@
           <a:p>
             <a:r>
               <a:rPr lang="en-US" dirty="0" smtClean="0"/>
-              <a:t>Removes </a:t>
-            </a:r>
-            <a:r>
-              <a:rPr lang="en-US" dirty="0" smtClean="0"/>
-              <a:t>unnecessary </a:t>
-            </a:r>
-            <a:r>
-              <a:rPr lang="en-US" dirty="0" smtClean="0"/>
-              <a:t>characters such as whitespace, newline characters, comments, and some block delimiters.</a:t>
+              <a:t>Removes unnecessary characters such as whitespace, newline characters, comments, and some block delimiters.</a:t>
             </a:r>
           </a:p>
           <a:p>
@@ -10490,7 +10966,7 @@
           <a:p>
             <a:fld id="{E403B45D-E03C-4404-9C98-312B8AD2E868}" type="datetime1">
               <a:rPr lang="en-US" smtClean="0"/>
-              <a:t>4/10/2015</a:t>
+              <a:t>4/13/2015</a:t>
             </a:fld>
             <a:endParaRPr lang="en-US"/>
           </a:p>
@@ -10590,6 +11066,13 @@
   <p:clrMapOvr>
     <a:masterClrMapping/>
   </p:clrMapOvr>
+  <p:timing>
+    <p:tnLst>
+      <p:par>
+        <p:cTn id="1" dur="indefinite" restart="never" nodeType="tmRoot"/>
+      </p:par>
+    </p:tnLst>
+  </p:timing>
 </p:sld>
 </file>
 
@@ -10650,7 +11133,7 @@
           <a:p>
             <a:fld id="{E403B45D-E03C-4404-9C98-312B8AD2E868}" type="datetime1">
               <a:rPr lang="en-US" smtClean="0"/>
-              <a:t>4/10/2015</a:t>
+              <a:t>4/13/2015</a:t>
             </a:fld>
             <a:endParaRPr lang="en-US"/>
           </a:p>
@@ -10841,6 +11324,13 @@
   <p:clrMapOvr>
     <a:masterClrMapping/>
   </p:clrMapOvr>
+  <p:timing>
+    <p:tnLst>
+      <p:par>
+        <p:cTn id="1" dur="indefinite" restart="never" nodeType="tmRoot"/>
+      </p:par>
+    </p:tnLst>
+  </p:timing>
 </p:sld>
 </file>
 
@@ -11614,6 +12104,20 @@
 </EsriMapsInfo>
 </file>
 
+<file path=customXml/item42.xml><?xml version="1.0" encoding="utf-8"?>
+<EsriMapsInfo xmlns="ESRI.ArcGIS.Mapping.OfficeIntegration.PowerPointInfo">
+  <Version>Version1</Version>
+  <RequiresSignIn>False</RequiresSignIn>
+</EsriMapsInfo>
+</file>
+
+<file path=customXml/item43.xml><?xml version="1.0" encoding="utf-8"?>
+<EsriMapsInfo xmlns="ESRI.ArcGIS.Mapping.OfficeIntegration.PowerPointInfo">
+  <Version>Version1</Version>
+  <RequiresSignIn>False</RequiresSignIn>
+</EsriMapsInfo>
+</file>
+
 <file path=customXml/item5.xml><?xml version="1.0" encoding="utf-8"?>
 <EsriMapsInfo xmlns="ESRI.ArcGIS.Mapping.OfficeIntegration.PowerPointInfo">
   <Version>Version1</Version>
@@ -11650,6 +12154,38 @@
 </file>
 
 <file path=customXml/itemProps1.xml><?xml version="1.0" encoding="utf-8"?>
+<ds:datastoreItem xmlns:ds="http://schemas.openxmlformats.org/officeDocument/2006/customXml" ds:itemID="{9730E0C9-5C74-48D1-84FA-FF9B0943B0F7}">
+  <ds:schemaRefs>
+    <ds:schemaRef ds:uri="ESRI.ArcGIS.Mapping.OfficeIntegration.PowerPointInfo"/>
+  </ds:schemaRefs>
+</ds:datastoreItem>
+</file>
+
+<file path=customXml/itemProps10.xml><?xml version="1.0" encoding="utf-8"?>
+<ds:datastoreItem xmlns:ds="http://schemas.openxmlformats.org/officeDocument/2006/customXml" ds:itemID="{4653446B-1A4F-4E6E-9E77-86F6CF5DFD82}">
+  <ds:schemaRefs>
+    <ds:schemaRef ds:uri="ESRI.ArcGIS.Mapping.OfficeIntegration.PowerPointInfo"/>
+  </ds:schemaRefs>
+</ds:datastoreItem>
+</file>
+
+<file path=customXml/itemProps11.xml><?xml version="1.0" encoding="utf-8"?>
+<ds:datastoreItem xmlns:ds="http://schemas.openxmlformats.org/officeDocument/2006/customXml" ds:itemID="{928A6BAA-790D-4F1F-BECE-7C09BD898062}">
+  <ds:schemaRefs>
+    <ds:schemaRef ds:uri="ESRI.ArcGIS.Mapping.OfficeIntegration.PowerPointInfo"/>
+  </ds:schemaRefs>
+</ds:datastoreItem>
+</file>
+
+<file path=customXml/itemProps12.xml><?xml version="1.0" encoding="utf-8"?>
+<ds:datastoreItem xmlns:ds="http://schemas.openxmlformats.org/officeDocument/2006/customXml" ds:itemID="{D8A32350-3CF1-48E4-99DC-93F6339304AC}">
+  <ds:schemaRefs>
+    <ds:schemaRef ds:uri="ESRI.ArcGIS.Mapping.OfficeIntegration.PowerPointInfo"/>
+  </ds:schemaRefs>
+</ds:datastoreItem>
+</file>
+
+<file path=customXml/itemProps13.xml><?xml version="1.0" encoding="utf-8"?>
 <ds:datastoreItem xmlns:ds="http://schemas.openxmlformats.org/officeDocument/2006/customXml" ds:itemID="{83974DC6-CB2F-4517-86F2-33E59245989F}">
   <ds:schemaRefs>
     <ds:schemaRef ds:uri="ESRI.ArcGIS.Mapping.OfficeIntegration.PowerPointInfo"/>
@@ -11657,7 +12193,103 @@
 </ds:datastoreItem>
 </file>
 
-<file path=customXml/itemProps10.xml><?xml version="1.0" encoding="utf-8"?>
+<file path=customXml/itemProps14.xml><?xml version="1.0" encoding="utf-8"?>
+<ds:datastoreItem xmlns:ds="http://schemas.openxmlformats.org/officeDocument/2006/customXml" ds:itemID="{F09F0585-C5E6-4468-9701-0744CD4F4932}">
+  <ds:schemaRefs>
+    <ds:schemaRef ds:uri="ESRI.ArcGIS.Mapping.OfficeIntegration.PowerPointInfo"/>
+  </ds:schemaRefs>
+</ds:datastoreItem>
+</file>
+
+<file path=customXml/itemProps15.xml><?xml version="1.0" encoding="utf-8"?>
+<ds:datastoreItem xmlns:ds="http://schemas.openxmlformats.org/officeDocument/2006/customXml" ds:itemID="{00E1C324-B4E4-4EE6-A30B-DC7DD5A0A3B3}">
+  <ds:schemaRefs>
+    <ds:schemaRef ds:uri="ESRI.ArcGIS.Mapping.OfficeIntegration.PowerPointInfo"/>
+  </ds:schemaRefs>
+</ds:datastoreItem>
+</file>
+
+<file path=customXml/itemProps16.xml><?xml version="1.0" encoding="utf-8"?>
+<ds:datastoreItem xmlns:ds="http://schemas.openxmlformats.org/officeDocument/2006/customXml" ds:itemID="{AD63EA22-DABD-41F1-A4E5-34B37D8534FF}">
+  <ds:schemaRefs>
+    <ds:schemaRef ds:uri="ESRI.ArcGIS.Mapping.OfficeIntegration.PowerPointInfo"/>
+  </ds:schemaRefs>
+</ds:datastoreItem>
+</file>
+
+<file path=customXml/itemProps17.xml><?xml version="1.0" encoding="utf-8"?>
+<ds:datastoreItem xmlns:ds="http://schemas.openxmlformats.org/officeDocument/2006/customXml" ds:itemID="{0C0BFD7F-DBBE-403E-8CC3-D687E604BAAB}">
+  <ds:schemaRefs>
+    <ds:schemaRef ds:uri="ESRI.ArcGIS.Mapping.OfficeIntegration.PowerPointInfo"/>
+  </ds:schemaRefs>
+</ds:datastoreItem>
+</file>
+
+<file path=customXml/itemProps18.xml><?xml version="1.0" encoding="utf-8"?>
+<ds:datastoreItem xmlns:ds="http://schemas.openxmlformats.org/officeDocument/2006/customXml" ds:itemID="{9122C9B7-BB9E-425E-961E-A6F32BC00961}">
+  <ds:schemaRefs>
+    <ds:schemaRef ds:uri="ESRI.ArcGIS.Mapping.OfficeIntegration.PowerPointInfo"/>
+  </ds:schemaRefs>
+</ds:datastoreItem>
+</file>
+
+<file path=customXml/itemProps19.xml><?xml version="1.0" encoding="utf-8"?>
+<ds:datastoreItem xmlns:ds="http://schemas.openxmlformats.org/officeDocument/2006/customXml" ds:itemID="{0952A776-CA14-47CA-8E8C-F3628B9BB702}">
+  <ds:schemaRefs>
+    <ds:schemaRef ds:uri="ESRI.ArcGIS.Mapping.OfficeIntegration.PowerPointInfo"/>
+  </ds:schemaRefs>
+</ds:datastoreItem>
+</file>
+
+<file path=customXml/itemProps2.xml><?xml version="1.0" encoding="utf-8"?>
+<ds:datastoreItem xmlns:ds="http://schemas.openxmlformats.org/officeDocument/2006/customXml" ds:itemID="{27F72A04-DC93-4420-B9AA-16544E1D787F}">
+  <ds:schemaRefs>
+    <ds:schemaRef ds:uri="ESRI.ArcGIS.Mapping.OfficeIntegration.PowerPointInfo"/>
+  </ds:schemaRefs>
+</ds:datastoreItem>
+</file>
+
+<file path=customXml/itemProps20.xml><?xml version="1.0" encoding="utf-8"?>
+<ds:datastoreItem xmlns:ds="http://schemas.openxmlformats.org/officeDocument/2006/customXml" ds:itemID="{86DC43B7-A651-470F-9D9B-5DC681960331}">
+  <ds:schemaRefs>
+    <ds:schemaRef ds:uri="ESRI.ArcGIS.Mapping.OfficeIntegration.PowerPointInfo"/>
+  </ds:schemaRefs>
+</ds:datastoreItem>
+</file>
+
+<file path=customXml/itemProps21.xml><?xml version="1.0" encoding="utf-8"?>
+<ds:datastoreItem xmlns:ds="http://schemas.openxmlformats.org/officeDocument/2006/customXml" ds:itemID="{96BCEFA7-7F62-4103-ABA4-659F062669D7}">
+  <ds:schemaRefs>
+    <ds:schemaRef ds:uri="ESRI.ArcGIS.Mapping.OfficeIntegration.PowerPointInfo"/>
+  </ds:schemaRefs>
+</ds:datastoreItem>
+</file>
+
+<file path=customXml/itemProps22.xml><?xml version="1.0" encoding="utf-8"?>
+<ds:datastoreItem xmlns:ds="http://schemas.openxmlformats.org/officeDocument/2006/customXml" ds:itemID="{540CCE14-1146-4215-A3E5-6738A9581ACF}">
+  <ds:schemaRefs>
+    <ds:schemaRef ds:uri="ESRI.ArcGIS.Mapping.OfficeIntegration.PowerPointInfo"/>
+  </ds:schemaRefs>
+</ds:datastoreItem>
+</file>
+
+<file path=customXml/itemProps23.xml><?xml version="1.0" encoding="utf-8"?>
+<ds:datastoreItem xmlns:ds="http://schemas.openxmlformats.org/officeDocument/2006/customXml" ds:itemID="{23F09B40-FB7D-4EB2-86FC-27C42F6B3BAE}">
+  <ds:schemaRefs>
+    <ds:schemaRef ds:uri="ESRI.ArcGIS.Mapping.OfficeIntegration.PowerPointInfo"/>
+  </ds:schemaRefs>
+</ds:datastoreItem>
+</file>
+
+<file path=customXml/itemProps24.xml><?xml version="1.0" encoding="utf-8"?>
+<ds:datastoreItem xmlns:ds="http://schemas.openxmlformats.org/officeDocument/2006/customXml" ds:itemID="{0431B50E-6780-4CC1-8294-54F8A3D2A2DA}">
+  <ds:schemaRefs>
+    <ds:schemaRef ds:uri="ESRI.ArcGIS.Mapping.OfficeIntegration.PowerPointInfo"/>
+  </ds:schemaRefs>
+</ds:datastoreItem>
+</file>
+
+<file path=customXml/itemProps25.xml><?xml version="1.0" encoding="utf-8"?>
 <ds:datastoreItem xmlns:ds="http://schemas.openxmlformats.org/officeDocument/2006/customXml" ds:itemID="{64669553-C2C7-4A05-BDE6-5784BDC500B9}">
   <ds:schemaRefs>
     <ds:schemaRef ds:uri="ESRI.ArcGIS.Mapping.OfficeIntegration.PowerPointInfo"/>
@@ -11665,15 +12297,103 @@
 </ds:datastoreItem>
 </file>
 
-<file path=customXml/itemProps11.xml><?xml version="1.0" encoding="utf-8"?>
-<ds:datastoreItem xmlns:ds="http://schemas.openxmlformats.org/officeDocument/2006/customXml" ds:itemID="{00E1C324-B4E4-4EE6-A30B-DC7DD5A0A3B3}">
+<file path=customXml/itemProps26.xml><?xml version="1.0" encoding="utf-8"?>
+<ds:datastoreItem xmlns:ds="http://schemas.openxmlformats.org/officeDocument/2006/customXml" ds:itemID="{0377085A-A759-4413-9BB8-639DE09D4BA4}">
   <ds:schemaRefs>
     <ds:schemaRef ds:uri="ESRI.ArcGIS.Mapping.OfficeIntegration.PowerPointInfo"/>
   </ds:schemaRefs>
 </ds:datastoreItem>
 </file>
 
-<file path=customXml/itemProps12.xml><?xml version="1.0" encoding="utf-8"?>
+<file path=customXml/itemProps27.xml><?xml version="1.0" encoding="utf-8"?>
+<ds:datastoreItem xmlns:ds="http://schemas.openxmlformats.org/officeDocument/2006/customXml" ds:itemID="{87F8066A-C73F-4211-BBF8-2B75D61A5F4E}">
+  <ds:schemaRefs>
+    <ds:schemaRef ds:uri="ESRI.ArcGIS.Mapping.OfficeIntegration.PowerPointInfo"/>
+  </ds:schemaRefs>
+</ds:datastoreItem>
+</file>
+
+<file path=customXml/itemProps28.xml><?xml version="1.0" encoding="utf-8"?>
+<ds:datastoreItem xmlns:ds="http://schemas.openxmlformats.org/officeDocument/2006/customXml" ds:itemID="{58581E56-8E64-479C-BC10-3D52028645B6}">
+  <ds:schemaRefs>
+    <ds:schemaRef ds:uri="ESRI.ArcGIS.Mapping.OfficeIntegration.PowerPointInfo"/>
+  </ds:schemaRefs>
+</ds:datastoreItem>
+</file>
+
+<file path=customXml/itemProps29.xml><?xml version="1.0" encoding="utf-8"?>
+<ds:datastoreItem xmlns:ds="http://schemas.openxmlformats.org/officeDocument/2006/customXml" ds:itemID="{FCA828EF-2A69-46C1-A149-8E968648AFCC}">
+  <ds:schemaRefs>
+    <ds:schemaRef ds:uri="ESRI.ArcGIS.Mapping.OfficeIntegration.PowerPointInfo"/>
+  </ds:schemaRefs>
+</ds:datastoreItem>
+</file>
+
+<file path=customXml/itemProps3.xml><?xml version="1.0" encoding="utf-8"?>
+<ds:datastoreItem xmlns:ds="http://schemas.openxmlformats.org/officeDocument/2006/customXml" ds:itemID="{CEEB83A3-0CE5-467C-97CC-85CF0B212256}">
+  <ds:schemaRefs>
+    <ds:schemaRef ds:uri="ESRI.ArcGIS.Mapping.OfficeIntegration.PowerPointInfo"/>
+  </ds:schemaRefs>
+</ds:datastoreItem>
+</file>
+
+<file path=customXml/itemProps30.xml><?xml version="1.0" encoding="utf-8"?>
+<ds:datastoreItem xmlns:ds="http://schemas.openxmlformats.org/officeDocument/2006/customXml" ds:itemID="{B4DF1E66-6ACC-4157-9168-FDAC5054F24F}">
+  <ds:schemaRefs>
+    <ds:schemaRef ds:uri="ESRI.ArcGIS.Mapping.OfficeIntegration.PowerPointInfo"/>
+  </ds:schemaRefs>
+</ds:datastoreItem>
+</file>
+
+<file path=customXml/itemProps31.xml><?xml version="1.0" encoding="utf-8"?>
+<ds:datastoreItem xmlns:ds="http://schemas.openxmlformats.org/officeDocument/2006/customXml" ds:itemID="{8DD72995-77DA-4521-827B-4BD3BBB010F0}">
+  <ds:schemaRefs>
+    <ds:schemaRef ds:uri="ESRI.ArcGIS.Mapping.OfficeIntegration.PowerPointInfo"/>
+  </ds:schemaRefs>
+</ds:datastoreItem>
+</file>
+
+<file path=customXml/itemProps32.xml><?xml version="1.0" encoding="utf-8"?>
+<ds:datastoreItem xmlns:ds="http://schemas.openxmlformats.org/officeDocument/2006/customXml" ds:itemID="{F23DD629-EDE2-45D7-B65A-1A52D83473FE}">
+  <ds:schemaRefs>
+    <ds:schemaRef ds:uri="ESRI.ArcGIS.Mapping.OfficeIntegration.PowerPointInfo"/>
+  </ds:schemaRefs>
+</ds:datastoreItem>
+</file>
+
+<file path=customXml/itemProps33.xml><?xml version="1.0" encoding="utf-8"?>
+<ds:datastoreItem xmlns:ds="http://schemas.openxmlformats.org/officeDocument/2006/customXml" ds:itemID="{7E7A34CD-1270-4891-901E-7EE49A903375}">
+  <ds:schemaRefs>
+    <ds:schemaRef ds:uri="ESRI.ArcGIS.Mapping.OfficeIntegration.PowerPointInfo"/>
+  </ds:schemaRefs>
+</ds:datastoreItem>
+</file>
+
+<file path=customXml/itemProps34.xml><?xml version="1.0" encoding="utf-8"?>
+<ds:datastoreItem xmlns:ds="http://schemas.openxmlformats.org/officeDocument/2006/customXml" ds:itemID="{AD4BFB44-6200-429A-A4FE-9B7752513BCC}">
+  <ds:schemaRefs>
+    <ds:schemaRef ds:uri="ESRI.ArcGIS.Mapping.OfficeIntegration.PowerPointInfo"/>
+  </ds:schemaRefs>
+</ds:datastoreItem>
+</file>
+
+<file path=customXml/itemProps35.xml><?xml version="1.0" encoding="utf-8"?>
+<ds:datastoreItem xmlns:ds="http://schemas.openxmlformats.org/officeDocument/2006/customXml" ds:itemID="{A9460852-5164-4FAC-8557-C35D5DB0B8FD}">
+  <ds:schemaRefs>
+    <ds:schemaRef ds:uri="ESRI.ArcGIS.Mapping.OfficeIntegration.PowerPointInfo"/>
+  </ds:schemaRefs>
+</ds:datastoreItem>
+</file>
+
+<file path=customXml/itemProps36.xml><?xml version="1.0" encoding="utf-8"?>
+<ds:datastoreItem xmlns:ds="http://schemas.openxmlformats.org/officeDocument/2006/customXml" ds:itemID="{FA24E1D0-79A0-4D4F-BC2C-5ED533E69815}">
+  <ds:schemaRefs>
+    <ds:schemaRef ds:uri="ESRI.ArcGIS.Mapping.OfficeIntegration.PowerPointInfo"/>
+  </ds:schemaRefs>
+</ds:datastoreItem>
+</file>
+
+<file path=customXml/itemProps37.xml><?xml version="1.0" encoding="utf-8"?>
 <ds:datastoreItem xmlns:ds="http://schemas.openxmlformats.org/officeDocument/2006/customXml" ds:itemID="{782AA18B-5D17-4AD0-8334-EE1CCEA13C31}">
   <ds:schemaRefs>
     <ds:schemaRef ds:uri="ESRI.ArcGIS.Mapping.OfficeIntegration.PowerPointInfo"/>
@@ -11681,39 +12401,7 @@
 </ds:datastoreItem>
 </file>
 
-<file path=customXml/itemProps13.xml><?xml version="1.0" encoding="utf-8"?>
-<ds:datastoreItem xmlns:ds="http://schemas.openxmlformats.org/officeDocument/2006/customXml" ds:itemID="{9730E0C9-5C74-48D1-84FA-FF9B0943B0F7}">
-  <ds:schemaRefs>
-    <ds:schemaRef ds:uri="ESRI.ArcGIS.Mapping.OfficeIntegration.PowerPointInfo"/>
-  </ds:schemaRefs>
-</ds:datastoreItem>
-</file>
-
-<file path=customXml/itemProps14.xml><?xml version="1.0" encoding="utf-8"?>
-<ds:datastoreItem xmlns:ds="http://schemas.openxmlformats.org/officeDocument/2006/customXml" ds:itemID="{B4DF1E66-6ACC-4157-9168-FDAC5054F24F}">
-  <ds:schemaRefs>
-    <ds:schemaRef ds:uri="ESRI.ArcGIS.Mapping.OfficeIntegration.PowerPointInfo"/>
-  </ds:schemaRefs>
-</ds:datastoreItem>
-</file>
-
-<file path=customXml/itemProps15.xml><?xml version="1.0" encoding="utf-8"?>
-<ds:datastoreItem xmlns:ds="http://schemas.openxmlformats.org/officeDocument/2006/customXml" ds:itemID="{96BCEFA7-7F62-4103-ABA4-659F062669D7}">
-  <ds:schemaRefs>
-    <ds:schemaRef ds:uri="ESRI.ArcGIS.Mapping.OfficeIntegration.PowerPointInfo"/>
-  </ds:schemaRefs>
-</ds:datastoreItem>
-</file>
-
-<file path=customXml/itemProps16.xml><?xml version="1.0" encoding="utf-8"?>
-<ds:datastoreItem xmlns:ds="http://schemas.openxmlformats.org/officeDocument/2006/customXml" ds:itemID="{56FE11E1-D6FB-43BB-B924-E2D84E8F5C1F}">
-  <ds:schemaRefs>
-    <ds:schemaRef ds:uri="ESRI.ArcGIS.Mapping.OfficeIntegration.PowerPointInfo"/>
-  </ds:schemaRefs>
-</ds:datastoreItem>
-</file>
-
-<file path=customXml/itemProps17.xml><?xml version="1.0" encoding="utf-8"?>
+<file path=customXml/itemProps38.xml><?xml version="1.0" encoding="utf-8"?>
 <ds:datastoreItem xmlns:ds="http://schemas.openxmlformats.org/officeDocument/2006/customXml" ds:itemID="{A2D91898-2C69-4203-B96D-7244D52798AC}">
   <ds:schemaRefs>
     <ds:schemaRef ds:uri="ESRI.ArcGIS.Mapping.OfficeIntegration.PowerPointInfo"/>
@@ -11721,39 +12409,55 @@
 </ds:datastoreItem>
 </file>
 
-<file path=customXml/itemProps18.xml><?xml version="1.0" encoding="utf-8"?>
-<ds:datastoreItem xmlns:ds="http://schemas.openxmlformats.org/officeDocument/2006/customXml" ds:itemID="{27F72A04-DC93-4420-B9AA-16544E1D787F}">
+<file path=customXml/itemProps39.xml><?xml version="1.0" encoding="utf-8"?>
+<ds:datastoreItem xmlns:ds="http://schemas.openxmlformats.org/officeDocument/2006/customXml" ds:itemID="{4D0FF0A2-5A08-4E00-8A6C-45A3FC7EC409}">
   <ds:schemaRefs>
     <ds:schemaRef ds:uri="ESRI.ArcGIS.Mapping.OfficeIntegration.PowerPointInfo"/>
   </ds:schemaRefs>
 </ds:datastoreItem>
 </file>
 
-<file path=customXml/itemProps19.xml><?xml version="1.0" encoding="utf-8"?>
-<ds:datastoreItem xmlns:ds="http://schemas.openxmlformats.org/officeDocument/2006/customXml" ds:itemID="{0377085A-A759-4413-9BB8-639DE09D4BA4}">
+<file path=customXml/itemProps4.xml><?xml version="1.0" encoding="utf-8"?>
+<ds:datastoreItem xmlns:ds="http://schemas.openxmlformats.org/officeDocument/2006/customXml" ds:itemID="{C15A61A2-FD38-4F9C-9700-5BD05E348FBC}">
   <ds:schemaRefs>
     <ds:schemaRef ds:uri="ESRI.ArcGIS.Mapping.OfficeIntegration.PowerPointInfo"/>
   </ds:schemaRefs>
 </ds:datastoreItem>
 </file>
 
-<file path=customXml/itemProps2.xml><?xml version="1.0" encoding="utf-8"?>
-<ds:datastoreItem xmlns:ds="http://schemas.openxmlformats.org/officeDocument/2006/customXml" ds:itemID="{F8E7C3E6-C19D-42D0-B945-70D19F2AC60A}">
+<file path=customXml/itemProps40.xml><?xml version="1.0" encoding="utf-8"?>
+<ds:datastoreItem xmlns:ds="http://schemas.openxmlformats.org/officeDocument/2006/customXml" ds:itemID="{24618B94-7520-442D-858F-D581437D99B4}">
   <ds:schemaRefs>
     <ds:schemaRef ds:uri="ESRI.ArcGIS.Mapping.OfficeIntegration.PowerPointInfo"/>
   </ds:schemaRefs>
 </ds:datastoreItem>
 </file>
 
-<file path=customXml/itemProps20.xml><?xml version="1.0" encoding="utf-8"?>
-<ds:datastoreItem xmlns:ds="http://schemas.openxmlformats.org/officeDocument/2006/customXml" ds:itemID="{4653446B-1A4F-4E6E-9E77-86F6CF5DFD82}">
+<file path=customXml/itemProps41.xml><?xml version="1.0" encoding="utf-8"?>
+<ds:datastoreItem xmlns:ds="http://schemas.openxmlformats.org/officeDocument/2006/customXml" ds:itemID="{839FF567-9385-4072-BE8E-5A95B5D2DB22}">
   <ds:schemaRefs>
     <ds:schemaRef ds:uri="ESRI.ArcGIS.Mapping.OfficeIntegration.PowerPointInfo"/>
   </ds:schemaRefs>
 </ds:datastoreItem>
 </file>
 
-<file path=customXml/itemProps21.xml><?xml version="1.0" encoding="utf-8"?>
+<file path=customXml/itemProps42.xml><?xml version="1.0" encoding="utf-8"?>
+<ds:datastoreItem xmlns:ds="http://schemas.openxmlformats.org/officeDocument/2006/customXml" ds:itemID="{5FF9A27B-6208-4E08-B8E9-D7B065964FA8}">
+  <ds:schemaRefs>
+    <ds:schemaRef ds:uri="ESRI.ArcGIS.Mapping.OfficeIntegration.PowerPointInfo"/>
+  </ds:schemaRefs>
+</ds:datastoreItem>
+</file>
+
+<file path=customXml/itemProps43.xml><?xml version="1.0" encoding="utf-8"?>
+<ds:datastoreItem xmlns:ds="http://schemas.openxmlformats.org/officeDocument/2006/customXml" ds:itemID="{D8775224-10B5-4B78-86A0-52415DB4EC1D}">
+  <ds:schemaRefs>
+    <ds:schemaRef ds:uri="ESRI.ArcGIS.Mapping.OfficeIntegration.PowerPointInfo"/>
+  </ds:schemaRefs>
+</ds:datastoreItem>
+</file>
+
+<file path=customXml/itemProps5.xml><?xml version="1.0" encoding="utf-8"?>
 <ds:datastoreItem xmlns:ds="http://schemas.openxmlformats.org/officeDocument/2006/customXml" ds:itemID="{0B03EEBA-7331-46BB-A922-0167D17802B9}">
   <ds:schemaRefs>
     <ds:schemaRef ds:uri="ESRI.ArcGIS.Mapping.OfficeIntegration.PowerPointInfo"/>
@@ -11761,192 +12465,8 @@
 </ds:datastoreItem>
 </file>
 
-<file path=customXml/itemProps22.xml><?xml version="1.0" encoding="utf-8"?>
-<ds:datastoreItem xmlns:ds="http://schemas.openxmlformats.org/officeDocument/2006/customXml" ds:itemID="{8DD72995-77DA-4521-827B-4BD3BBB010F0}">
-  <ds:schemaRefs>
-    <ds:schemaRef ds:uri="ESRI.ArcGIS.Mapping.OfficeIntegration.PowerPointInfo"/>
-  </ds:schemaRefs>
-</ds:datastoreItem>
-</file>
-
-<file path=customXml/itemProps23.xml><?xml version="1.0" encoding="utf-8"?>
-<ds:datastoreItem xmlns:ds="http://schemas.openxmlformats.org/officeDocument/2006/customXml" ds:itemID="{540CCE14-1146-4215-A3E5-6738A9581ACF}">
-  <ds:schemaRefs>
-    <ds:schemaRef ds:uri="ESRI.ArcGIS.Mapping.OfficeIntegration.PowerPointInfo"/>
-  </ds:schemaRefs>
-</ds:datastoreItem>
-</file>
-
-<file path=customXml/itemProps24.xml><?xml version="1.0" encoding="utf-8"?>
-<ds:datastoreItem xmlns:ds="http://schemas.openxmlformats.org/officeDocument/2006/customXml" ds:itemID="{AD63EA22-DABD-41F1-A4E5-34B37D8534FF}">
-  <ds:schemaRefs>
-    <ds:schemaRef ds:uri="ESRI.ArcGIS.Mapping.OfficeIntegration.PowerPointInfo"/>
-  </ds:schemaRefs>
-</ds:datastoreItem>
-</file>
-
-<file path=customXml/itemProps25.xml><?xml version="1.0" encoding="utf-8"?>
-<ds:datastoreItem xmlns:ds="http://schemas.openxmlformats.org/officeDocument/2006/customXml" ds:itemID="{4D0FF0A2-5A08-4E00-8A6C-45A3FC7EC409}">
-  <ds:schemaRefs>
-    <ds:schemaRef ds:uri="ESRI.ArcGIS.Mapping.OfficeIntegration.PowerPointInfo"/>
-  </ds:schemaRefs>
-</ds:datastoreItem>
-</file>
-
-<file path=customXml/itemProps26.xml><?xml version="1.0" encoding="utf-8"?>
-<ds:datastoreItem xmlns:ds="http://schemas.openxmlformats.org/officeDocument/2006/customXml" ds:itemID="{CEEB83A3-0CE5-467C-97CC-85CF0B212256}">
-  <ds:schemaRefs>
-    <ds:schemaRef ds:uri="ESRI.ArcGIS.Mapping.OfficeIntegration.PowerPointInfo"/>
-  </ds:schemaRefs>
-</ds:datastoreItem>
-</file>
-
-<file path=customXml/itemProps27.xml><?xml version="1.0" encoding="utf-8"?>
-<ds:datastoreItem xmlns:ds="http://schemas.openxmlformats.org/officeDocument/2006/customXml" ds:itemID="{F23DD629-EDE2-45D7-B65A-1A52D83473FE}">
-  <ds:schemaRefs>
-    <ds:schemaRef ds:uri="ESRI.ArcGIS.Mapping.OfficeIntegration.PowerPointInfo"/>
-  </ds:schemaRefs>
-</ds:datastoreItem>
-</file>
-
-<file path=customXml/itemProps28.xml><?xml version="1.0" encoding="utf-8"?>
-<ds:datastoreItem xmlns:ds="http://schemas.openxmlformats.org/officeDocument/2006/customXml" ds:itemID="{23F09B40-FB7D-4EB2-86FC-27C42F6B3BAE}">
-  <ds:schemaRefs>
-    <ds:schemaRef ds:uri="ESRI.ArcGIS.Mapping.OfficeIntegration.PowerPointInfo"/>
-  </ds:schemaRefs>
-</ds:datastoreItem>
-</file>
-
-<file path=customXml/itemProps29.xml><?xml version="1.0" encoding="utf-8"?>
-<ds:datastoreItem xmlns:ds="http://schemas.openxmlformats.org/officeDocument/2006/customXml" ds:itemID="{928A6BAA-790D-4F1F-BECE-7C09BD898062}">
-  <ds:schemaRefs>
-    <ds:schemaRef ds:uri="ESRI.ArcGIS.Mapping.OfficeIntegration.PowerPointInfo"/>
-  </ds:schemaRefs>
-</ds:datastoreItem>
-</file>
-
-<file path=customXml/itemProps3.xml><?xml version="1.0" encoding="utf-8"?>
-<ds:datastoreItem xmlns:ds="http://schemas.openxmlformats.org/officeDocument/2006/customXml" ds:itemID="{FA24E1D0-79A0-4D4F-BC2C-5ED533E69815}">
-  <ds:schemaRefs>
-    <ds:schemaRef ds:uri="ESRI.ArcGIS.Mapping.OfficeIntegration.PowerPointInfo"/>
-  </ds:schemaRefs>
-</ds:datastoreItem>
-</file>
-
-<file path=customXml/itemProps30.xml><?xml version="1.0" encoding="utf-8"?>
-<ds:datastoreItem xmlns:ds="http://schemas.openxmlformats.org/officeDocument/2006/customXml" ds:itemID="{7E7A34CD-1270-4891-901E-7EE49A903375}">
-  <ds:schemaRefs>
-    <ds:schemaRef ds:uri="ESRI.ArcGIS.Mapping.OfficeIntegration.PowerPointInfo"/>
-  </ds:schemaRefs>
-</ds:datastoreItem>
-</file>
-
-<file path=customXml/itemProps31.xml><?xml version="1.0" encoding="utf-8"?>
-<ds:datastoreItem xmlns:ds="http://schemas.openxmlformats.org/officeDocument/2006/customXml" ds:itemID="{87F8066A-C73F-4211-BBF8-2B75D61A5F4E}">
-  <ds:schemaRefs>
-    <ds:schemaRef ds:uri="ESRI.ArcGIS.Mapping.OfficeIntegration.PowerPointInfo"/>
-  </ds:schemaRefs>
-</ds:datastoreItem>
-</file>
-
-<file path=customXml/itemProps32.xml><?xml version="1.0" encoding="utf-8"?>
-<ds:datastoreItem xmlns:ds="http://schemas.openxmlformats.org/officeDocument/2006/customXml" ds:itemID="{0C0BFD7F-DBBE-403E-8CC3-D687E604BAAB}">
-  <ds:schemaRefs>
-    <ds:schemaRef ds:uri="ESRI.ArcGIS.Mapping.OfficeIntegration.PowerPointInfo"/>
-  </ds:schemaRefs>
-</ds:datastoreItem>
-</file>
-
-<file path=customXml/itemProps33.xml><?xml version="1.0" encoding="utf-8"?>
-<ds:datastoreItem xmlns:ds="http://schemas.openxmlformats.org/officeDocument/2006/customXml" ds:itemID="{24618B94-7520-442D-858F-D581437D99B4}">
-  <ds:schemaRefs>
-    <ds:schemaRef ds:uri="ESRI.ArcGIS.Mapping.OfficeIntegration.PowerPointInfo"/>
-  </ds:schemaRefs>
-</ds:datastoreItem>
-</file>
-
-<file path=customXml/itemProps34.xml><?xml version="1.0" encoding="utf-8"?>
+<file path=customXml/itemProps6.xml><?xml version="1.0" encoding="utf-8"?>
 <ds:datastoreItem xmlns:ds="http://schemas.openxmlformats.org/officeDocument/2006/customXml" ds:itemID="{04A8E672-C7F5-4701-83FF-060A750AB340}">
-  <ds:schemaRefs>
-    <ds:schemaRef ds:uri="ESRI.ArcGIS.Mapping.OfficeIntegration.PowerPointInfo"/>
-  </ds:schemaRefs>
-</ds:datastoreItem>
-</file>
-
-<file path=customXml/itemProps35.xml><?xml version="1.0" encoding="utf-8"?>
-<ds:datastoreItem xmlns:ds="http://schemas.openxmlformats.org/officeDocument/2006/customXml" ds:itemID="{AD4BFB44-6200-429A-A4FE-9B7752513BCC}">
-  <ds:schemaRefs>
-    <ds:schemaRef ds:uri="ESRI.ArcGIS.Mapping.OfficeIntegration.PowerPointInfo"/>
-  </ds:schemaRefs>
-</ds:datastoreItem>
-</file>
-
-<file path=customXml/itemProps36.xml><?xml version="1.0" encoding="utf-8"?>
-<ds:datastoreItem xmlns:ds="http://schemas.openxmlformats.org/officeDocument/2006/customXml" ds:itemID="{0431B50E-6780-4CC1-8294-54F8A3D2A2DA}">
-  <ds:schemaRefs>
-    <ds:schemaRef ds:uri="ESRI.ArcGIS.Mapping.OfficeIntegration.PowerPointInfo"/>
-  </ds:schemaRefs>
-</ds:datastoreItem>
-</file>
-
-<file path=customXml/itemProps37.xml><?xml version="1.0" encoding="utf-8"?>
-<ds:datastoreItem xmlns:ds="http://schemas.openxmlformats.org/officeDocument/2006/customXml" ds:itemID="{9122C9B7-BB9E-425E-961E-A6F32BC00961}">
-  <ds:schemaRefs>
-    <ds:schemaRef ds:uri="ESRI.ArcGIS.Mapping.OfficeIntegration.PowerPointInfo"/>
-  </ds:schemaRefs>
-</ds:datastoreItem>
-</file>
-
-<file path=customXml/itemProps38.xml><?xml version="1.0" encoding="utf-8"?>
-<ds:datastoreItem xmlns:ds="http://schemas.openxmlformats.org/officeDocument/2006/customXml" ds:itemID="{F9DB48C3-E10F-4BA7-B8C2-A960DB87906F}">
-  <ds:schemaRefs>
-    <ds:schemaRef ds:uri="ESRI.ArcGIS.Mapping.OfficeIntegration.PowerPointInfo"/>
-  </ds:schemaRefs>
-</ds:datastoreItem>
-</file>
-
-<file path=customXml/itemProps39.xml><?xml version="1.0" encoding="utf-8"?>
-<ds:datastoreItem xmlns:ds="http://schemas.openxmlformats.org/officeDocument/2006/customXml" ds:itemID="{C15A61A2-FD38-4F9C-9700-5BD05E348FBC}">
-  <ds:schemaRefs>
-    <ds:schemaRef ds:uri="ESRI.ArcGIS.Mapping.OfficeIntegration.PowerPointInfo"/>
-  </ds:schemaRefs>
-</ds:datastoreItem>
-</file>
-
-<file path=customXml/itemProps4.xml><?xml version="1.0" encoding="utf-8"?>
-<ds:datastoreItem xmlns:ds="http://schemas.openxmlformats.org/officeDocument/2006/customXml" ds:itemID="{58581E56-8E64-479C-BC10-3D52028645B6}">
-  <ds:schemaRefs>
-    <ds:schemaRef ds:uri="ESRI.ArcGIS.Mapping.OfficeIntegration.PowerPointInfo"/>
-  </ds:schemaRefs>
-</ds:datastoreItem>
-</file>
-
-<file path=customXml/itemProps40.xml><?xml version="1.0" encoding="utf-8"?>
-<ds:datastoreItem xmlns:ds="http://schemas.openxmlformats.org/officeDocument/2006/customXml" ds:itemID="{0952A776-CA14-47CA-8E8C-F3628B9BB702}">
-  <ds:schemaRefs>
-    <ds:schemaRef ds:uri="ESRI.ArcGIS.Mapping.OfficeIntegration.PowerPointInfo"/>
-  </ds:schemaRefs>
-</ds:datastoreItem>
-</file>
-
-<file path=customXml/itemProps41.xml><?xml version="1.0" encoding="utf-8"?>
-<ds:datastoreItem xmlns:ds="http://schemas.openxmlformats.org/officeDocument/2006/customXml" ds:itemID="{D8A32350-3CF1-48E4-99DC-93F6339304AC}">
-  <ds:schemaRefs>
-    <ds:schemaRef ds:uri="ESRI.ArcGIS.Mapping.OfficeIntegration.PowerPointInfo"/>
-  </ds:schemaRefs>
-</ds:datastoreItem>
-</file>
-
-<file path=customXml/itemProps5.xml><?xml version="1.0" encoding="utf-8"?>
-<ds:datastoreItem xmlns:ds="http://schemas.openxmlformats.org/officeDocument/2006/customXml" ds:itemID="{86DC43B7-A651-470F-9D9B-5DC681960331}">
-  <ds:schemaRefs>
-    <ds:schemaRef ds:uri="ESRI.ArcGIS.Mapping.OfficeIntegration.PowerPointInfo"/>
-  </ds:schemaRefs>
-</ds:datastoreItem>
-</file>
-
-<file path=customXml/itemProps6.xml><?xml version="1.0" encoding="utf-8"?>
-<ds:datastoreItem xmlns:ds="http://schemas.openxmlformats.org/officeDocument/2006/customXml" ds:itemID="{F09F0585-C5E6-4468-9701-0744CD4F4932}">
   <ds:schemaRefs>
     <ds:schemaRef ds:uri="ESRI.ArcGIS.Mapping.OfficeIntegration.PowerPointInfo"/>
   </ds:schemaRefs>
@@ -11962,7 +12482,7 @@
 </file>
 
 <file path=customXml/itemProps8.xml><?xml version="1.0" encoding="utf-8"?>
-<ds:datastoreItem xmlns:ds="http://schemas.openxmlformats.org/officeDocument/2006/customXml" ds:itemID="{A9460852-5164-4FAC-8557-C35D5DB0B8FD}">
+<ds:datastoreItem xmlns:ds="http://schemas.openxmlformats.org/officeDocument/2006/customXml" ds:itemID="{F8E7C3E6-C19D-42D0-B945-70D19F2AC60A}">
   <ds:schemaRefs>
     <ds:schemaRef ds:uri="ESRI.ArcGIS.Mapping.OfficeIntegration.PowerPointInfo"/>
   </ds:schemaRefs>
@@ -11970,7 +12490,7 @@
 </file>
 
 <file path=customXml/itemProps9.xml><?xml version="1.0" encoding="utf-8"?>
-<ds:datastoreItem xmlns:ds="http://schemas.openxmlformats.org/officeDocument/2006/customXml" ds:itemID="{FCA828EF-2A69-46C1-A149-8E968648AFCC}">
+<ds:datastoreItem xmlns:ds="http://schemas.openxmlformats.org/officeDocument/2006/customXml" ds:itemID="{56FE11E1-D6FB-43BB-B924-E2D84E8F5C1F}">
   <ds:schemaRefs>
     <ds:schemaRef ds:uri="ESRI.ArcGIS.Mapping.OfficeIntegration.PowerPointInfo"/>
   </ds:schemaRefs>

--- a/Lessons_Learned_ESRI_javascript_API.pptx
+++ b/Lessons_Learned_ESRI_javascript_API.pptx
@@ -1,11 +1,11 @@
 
 <file path=ppt/presentation.xml><?xml version="1.0" encoding="utf-8"?>
-<p:presentation xmlns:a="http://schemas.openxmlformats.org/drawingml/2006/main" xmlns:r="http://schemas.openxmlformats.org/officeDocument/2006/relationships" xmlns:p="http://schemas.openxmlformats.org/presentationml/2006/main" saveSubsetFonts="1">
+<p:presentation xmlns:a="http://schemas.openxmlformats.org/drawingml/2006/main" xmlns:r="http://schemas.openxmlformats.org/officeDocument/2006/relationships" xmlns:mc="http://schemas.openxmlformats.org/markup-compatibility/2006" xmlns:mv="urn:schemas-microsoft-com:mac:vml" xmlns:p="http://schemas.openxmlformats.org/presentationml/2006/main" mc:Ignorable="mv" mc:PreserveAttributes="mv:*" saveSubsetFonts="1">
   <p:sldMasterIdLst>
     <p:sldMasterId id="2147483672" r:id="rId44"/>
   </p:sldMasterIdLst>
   <p:notesMasterIdLst>
-    <p:notesMasterId r:id="rId60"/>
+    <p:notesMasterId r:id="rId61"/>
   </p:notesMasterIdLst>
   <p:sldIdLst>
     <p:sldId id="258" r:id="rId45"/>
@@ -14,15 +14,16 @@
     <p:sldId id="256" r:id="rId48"/>
     <p:sldId id="259" r:id="rId49"/>
     <p:sldId id="260" r:id="rId50"/>
-    <p:sldId id="261" r:id="rId51"/>
-    <p:sldId id="266" r:id="rId52"/>
-    <p:sldId id="269" r:id="rId53"/>
-    <p:sldId id="265" r:id="rId54"/>
-    <p:sldId id="267" r:id="rId55"/>
-    <p:sldId id="270" r:id="rId56"/>
-    <p:sldId id="263" r:id="rId57"/>
-    <p:sldId id="268" r:id="rId58"/>
-    <p:sldId id="262" r:id="rId59"/>
+    <p:sldId id="271" r:id="rId51"/>
+    <p:sldId id="261" r:id="rId52"/>
+    <p:sldId id="266" r:id="rId53"/>
+    <p:sldId id="269" r:id="rId54"/>
+    <p:sldId id="265" r:id="rId55"/>
+    <p:sldId id="267" r:id="rId56"/>
+    <p:sldId id="270" r:id="rId57"/>
+    <p:sldId id="263" r:id="rId58"/>
+    <p:sldId id="268" r:id="rId59"/>
+    <p:sldId id="262" r:id="rId60"/>
   </p:sldIdLst>
   <p:sldSz cx="9144000" cy="6858000" type="screen4x3"/>
   <p:notesSz cx="6858000" cy="9144000"/>
@@ -125,7 +126,7 @@
 </file>
 
 <file path=ppt/notesMasters/notesMaster1.xml><?xml version="1.0" encoding="utf-8"?>
-<p:notesMaster xmlns:a="http://schemas.openxmlformats.org/drawingml/2006/main" xmlns:r="http://schemas.openxmlformats.org/officeDocument/2006/relationships" xmlns:p="http://schemas.openxmlformats.org/presentationml/2006/main">
+<p:notesMaster xmlns:a="http://schemas.openxmlformats.org/drawingml/2006/main" xmlns:r="http://schemas.openxmlformats.org/officeDocument/2006/relationships" xmlns:mc="http://schemas.openxmlformats.org/markup-compatibility/2006" xmlns:mv="urn:schemas-microsoft-com:mac:vml" xmlns:p="http://schemas.openxmlformats.org/presentationml/2006/main" mc:Ignorable="mv" mc:PreserveAttributes="mv:*">
   <p:cSld>
     <p:bg>
       <p:bgRef idx="1001">
@@ -206,7 +207,8 @@
           <a:p>
             <a:fld id="{03505E67-28AD-4078-B7F6-A6669198553D}" type="datetimeFigureOut">
               <a:rPr lang="en-US" smtClean="0"/>
-              <a:t>4/13/2015</a:t>
+              <a:pPr/>
+              <a:t>4/13/15</a:t>
             </a:fld>
             <a:endParaRPr lang="en-US"/>
           </a:p>
@@ -365,6 +367,7 @@
           <a:p>
             <a:fld id="{257A954F-A6B4-48E5-8D4A-B654F238FE53}" type="slidenum">
               <a:rPr lang="en-US" smtClean="0"/>
+              <a:pPr/>
               <a:t>‹#›</a:t>
             </a:fld>
             <a:endParaRPr lang="en-US"/>
@@ -374,7 +377,7 @@
     </p:spTree>
     <p:extLst>
       <p:ext uri="{BB962C8B-B14F-4D97-AF65-F5344CB8AC3E}">
-        <p14:creationId xmlns:p14="http://schemas.microsoft.com/office/powerpoint/2010/main" val="2541927091"/>
+        <p14:creationId xmlns:p14="http://schemas.microsoft.com/office/powerpoint/2010/main" xmlns:p="http://schemas.openxmlformats.org/presentationml/2006/main" xmlns:r="http://schemas.openxmlformats.org/officeDocument/2006/relationships" xmlns:a="http://schemas.openxmlformats.org/drawingml/2006/main" xmlns="" val="2541927091"/>
       </p:ext>
     </p:extLst>
   </p:cSld>
@@ -475,7 +478,7 @@
 </file>
 
 <file path=ppt/notesSlides/notesSlide1.xml><?xml version="1.0" encoding="utf-8"?>
-<p:notes xmlns:a="http://schemas.openxmlformats.org/drawingml/2006/main" xmlns:r="http://schemas.openxmlformats.org/officeDocument/2006/relationships" xmlns:p="http://schemas.openxmlformats.org/presentationml/2006/main">
+<p:notes xmlns:a="http://schemas.openxmlformats.org/drawingml/2006/main" xmlns:r="http://schemas.openxmlformats.org/officeDocument/2006/relationships" xmlns:mc="http://schemas.openxmlformats.org/markup-compatibility/2006" xmlns:mv="urn:schemas-microsoft-com:mac:vml" xmlns:p="http://schemas.openxmlformats.org/presentationml/2006/main" mc:Ignorable="mv" mc:PreserveAttributes="mv:*">
   <p:cSld>
     <p:spTree>
       <p:nvGrpSpPr>
@@ -540,21 +543,13 @@
             </a:r>
             <a:r>
               <a:rPr lang="en-US" baseline="0" dirty="0" smtClean="0"/>
-              <a:t>I </a:t>
-            </a:r>
+              <a:t>I took this stuff on largely on my own so there were setbacks (like launching w/o keeping IT in the loop).</a:t>
+            </a:r>
+          </a:p>
+          <a:p>
             <a:r>
               <a:rPr lang="en-US" baseline="0" dirty="0" smtClean="0"/>
-              <a:t>took this stuff on largely on my own so there were setbacks (like launching w/o keeping IT in the loop).</a:t>
-            </a:r>
-          </a:p>
-          <a:p>
-            <a:r>
-              <a:rPr lang="en-US" baseline="0" dirty="0" smtClean="0"/>
-              <a:t>My maps tend to look a lot like the samples they were taken from. </a:t>
-            </a:r>
-            <a:r>
-              <a:rPr lang="en-US" baseline="0" dirty="0" smtClean="0"/>
-              <a:t>Standardization needed.</a:t>
+              <a:t>My maps tend to look a lot like the samples they were taken from. Standardization needed.</a:t>
             </a:r>
             <a:endParaRPr lang="en-US" dirty="0"/>
           </a:p>
@@ -577,6 +572,7 @@
           <a:p>
             <a:fld id="{257A954F-A6B4-48E5-8D4A-B654F238FE53}" type="slidenum">
               <a:rPr lang="en-US" smtClean="0"/>
+              <a:pPr/>
               <a:t>1</a:t>
             </a:fld>
             <a:endParaRPr lang="en-US"/>
@@ -586,7 +582,7 @@
     </p:spTree>
     <p:extLst>
       <p:ext uri="{BB962C8B-B14F-4D97-AF65-F5344CB8AC3E}">
-        <p14:creationId xmlns:p14="http://schemas.microsoft.com/office/powerpoint/2010/main" val="1633802504"/>
+        <p14:creationId xmlns:p14="http://schemas.microsoft.com/office/powerpoint/2010/main" xmlns:p="http://schemas.openxmlformats.org/presentationml/2006/main" xmlns:r="http://schemas.openxmlformats.org/officeDocument/2006/relationships" xmlns:a="http://schemas.openxmlformats.org/drawingml/2006/main" xmlns="" val="1633802504"/>
       </p:ext>
     </p:extLst>
   </p:cSld>
@@ -597,7 +593,7 @@
 </file>
 
 <file path=ppt/notesSlides/notesSlide10.xml><?xml version="1.0" encoding="utf-8"?>
-<p:notes xmlns:a="http://schemas.openxmlformats.org/drawingml/2006/main" xmlns:r="http://schemas.openxmlformats.org/officeDocument/2006/relationships" xmlns:p="http://schemas.openxmlformats.org/presentationml/2006/main">
+<p:notes xmlns:a="http://schemas.openxmlformats.org/drawingml/2006/main" xmlns:r="http://schemas.openxmlformats.org/officeDocument/2006/relationships" xmlns:mc="http://schemas.openxmlformats.org/markup-compatibility/2006" xmlns:mv="urn:schemas-microsoft-com:mac:vml" xmlns:p="http://schemas.openxmlformats.org/presentationml/2006/main" mc:Ignorable="mv" mc:PreserveAttributes="mv:*">
   <p:cSld>
     <p:spTree>
       <p:nvGrpSpPr>
@@ -642,11 +638,23 @@
           <a:p>
             <a:r>
               <a:rPr lang="en-US" dirty="0" smtClean="0"/>
-              <a:t>Code base was getting longer</a:t>
+              <a:t>Turn this into this (showing results of </a:t>
+            </a:r>
+            <a:r>
+              <a:rPr lang="en-US" dirty="0" err="1" smtClean="0"/>
+              <a:t>minification</a:t>
+            </a:r>
+            <a:r>
+              <a:rPr lang="en-US" dirty="0" smtClean="0"/>
+              <a:t>). You can see that it renames (or shortens) variables as a part of eliminating</a:t>
             </a:r>
             <a:r>
               <a:rPr lang="en-US" baseline="0" dirty="0" smtClean="0"/>
-              <a:t> (line 850 ?) and more involved (code stops working). Also I didn’t need all functionality in one map. But I DID want a unified mapping experience.</a:t>
+              <a:t> unneeded characters</a:t>
+            </a:r>
+            <a:r>
+              <a:rPr lang="en-US" dirty="0" smtClean="0"/>
+              <a:t>.</a:t>
             </a:r>
             <a:endParaRPr lang="en-US" dirty="0"/>
           </a:p>
@@ -669,6 +677,7 @@
           <a:p>
             <a:fld id="{257A954F-A6B4-48E5-8D4A-B654F238FE53}" type="slidenum">
               <a:rPr lang="en-US" smtClean="0"/>
+              <a:pPr/>
               <a:t>10</a:t>
             </a:fld>
             <a:endParaRPr lang="en-US"/>
@@ -678,7 +687,7 @@
     </p:spTree>
     <p:extLst>
       <p:ext uri="{BB962C8B-B14F-4D97-AF65-F5344CB8AC3E}">
-        <p14:creationId xmlns:p14="http://schemas.microsoft.com/office/powerpoint/2010/main" val="3959707575"/>
+        <p14:creationId xmlns:p14="http://schemas.microsoft.com/office/powerpoint/2010/main" xmlns:p="http://schemas.openxmlformats.org/presentationml/2006/main" xmlns:r="http://schemas.openxmlformats.org/officeDocument/2006/relationships" xmlns:a="http://schemas.openxmlformats.org/drawingml/2006/main" xmlns="" val="2621390086"/>
       </p:ext>
     </p:extLst>
   </p:cSld>
@@ -689,7 +698,7 @@
 </file>
 
 <file path=ppt/notesSlides/notesSlide11.xml><?xml version="1.0" encoding="utf-8"?>
-<p:notes xmlns:a="http://schemas.openxmlformats.org/drawingml/2006/main" xmlns:r="http://schemas.openxmlformats.org/officeDocument/2006/relationships" xmlns:p="http://schemas.openxmlformats.org/presentationml/2006/main">
+<p:notes xmlns:a="http://schemas.openxmlformats.org/drawingml/2006/main" xmlns:r="http://schemas.openxmlformats.org/officeDocument/2006/relationships" xmlns:mc="http://schemas.openxmlformats.org/markup-compatibility/2006" xmlns:mv="urn:schemas-microsoft-com:mac:vml" xmlns:p="http://schemas.openxmlformats.org/presentationml/2006/main" mc:Ignorable="mv" mc:PreserveAttributes="mv:*">
   <p:cSld>
     <p:spTree>
       <p:nvGrpSpPr>
@@ -734,11 +743,11 @@
           <a:p>
             <a:r>
               <a:rPr lang="en-US" dirty="0" smtClean="0"/>
-              <a:t>I’ve passed</a:t>
+              <a:t>Code base was getting longer</a:t>
             </a:r>
             <a:r>
               <a:rPr lang="en-US" baseline="0" dirty="0" smtClean="0"/>
-              <a:t> in variables “across the wire” before with $_GET. Having one map that does only one thing could be an advantage and being able to access each map from the other maps enhances that “unified experience” that I mentioned.</a:t>
+              <a:t> (line 850 ?) and more involved (code stops working). Also I didn’t need all functionality in one map. But I DID want a unified mapping experience.</a:t>
             </a:r>
             <a:endParaRPr lang="en-US" dirty="0"/>
           </a:p>
@@ -761,6 +770,7 @@
           <a:p>
             <a:fld id="{257A954F-A6B4-48E5-8D4A-B654F238FE53}" type="slidenum">
               <a:rPr lang="en-US" smtClean="0"/>
+              <a:pPr/>
               <a:t>11</a:t>
             </a:fld>
             <a:endParaRPr lang="en-US"/>
@@ -770,7 +780,7 @@
     </p:spTree>
     <p:extLst>
       <p:ext uri="{BB962C8B-B14F-4D97-AF65-F5344CB8AC3E}">
-        <p14:creationId xmlns:p14="http://schemas.microsoft.com/office/powerpoint/2010/main" val="586872709"/>
+        <p14:creationId xmlns:p14="http://schemas.microsoft.com/office/powerpoint/2010/main" xmlns:p="http://schemas.openxmlformats.org/presentationml/2006/main" xmlns:r="http://schemas.openxmlformats.org/officeDocument/2006/relationships" xmlns:a="http://schemas.openxmlformats.org/drawingml/2006/main" xmlns="" val="3959707575"/>
       </p:ext>
     </p:extLst>
   </p:cSld>
@@ -781,7 +791,7 @@
 </file>
 
 <file path=ppt/notesSlides/notesSlide12.xml><?xml version="1.0" encoding="utf-8"?>
-<p:notes xmlns:a="http://schemas.openxmlformats.org/drawingml/2006/main" xmlns:r="http://schemas.openxmlformats.org/officeDocument/2006/relationships" xmlns:p="http://schemas.openxmlformats.org/presentationml/2006/main">
+<p:notes xmlns:a="http://schemas.openxmlformats.org/drawingml/2006/main" xmlns:r="http://schemas.openxmlformats.org/officeDocument/2006/relationships" xmlns:mc="http://schemas.openxmlformats.org/markup-compatibility/2006" xmlns:mv="urn:schemas-microsoft-com:mac:vml" xmlns:p="http://schemas.openxmlformats.org/presentationml/2006/main" mc:Ignorable="mv" mc:PreserveAttributes="mv:*">
   <p:cSld>
     <p:spTree>
       <p:nvGrpSpPr>
@@ -824,7 +834,15 @@
           <a:bodyPr/>
           <a:lstStyle/>
           <a:p>
-            <a:endParaRPr lang="en-US"/>
+            <a:r>
+              <a:rPr lang="en-US" dirty="0" smtClean="0"/>
+              <a:t>I’ve passed</a:t>
+            </a:r>
+            <a:r>
+              <a:rPr lang="en-US" baseline="0" dirty="0" smtClean="0"/>
+              <a:t> in variables “across the wire” before with $_GET. Having one map that does only one thing could be an advantage and being able to access each map from the other maps enhances that “unified experience” that I mentioned.</a:t>
+            </a:r>
+            <a:endParaRPr lang="en-US" dirty="0"/>
           </a:p>
         </p:txBody>
       </p:sp>
@@ -845,6 +863,7 @@
           <a:p>
             <a:fld id="{257A954F-A6B4-48E5-8D4A-B654F238FE53}" type="slidenum">
               <a:rPr lang="en-US" smtClean="0"/>
+              <a:pPr/>
               <a:t>12</a:t>
             </a:fld>
             <a:endParaRPr lang="en-US"/>
@@ -854,7 +873,7 @@
     </p:spTree>
     <p:extLst>
       <p:ext uri="{BB962C8B-B14F-4D97-AF65-F5344CB8AC3E}">
-        <p14:creationId xmlns:p14="http://schemas.microsoft.com/office/powerpoint/2010/main" val="212390502"/>
+        <p14:creationId xmlns:p14="http://schemas.microsoft.com/office/powerpoint/2010/main" xmlns:p="http://schemas.openxmlformats.org/presentationml/2006/main" xmlns:r="http://schemas.openxmlformats.org/officeDocument/2006/relationships" xmlns:a="http://schemas.openxmlformats.org/drawingml/2006/main" xmlns="" val="586872709"/>
       </p:ext>
     </p:extLst>
   </p:cSld>
@@ -865,7 +884,7 @@
 </file>
 
 <file path=ppt/notesSlides/notesSlide13.xml><?xml version="1.0" encoding="utf-8"?>
-<p:notes xmlns:a="http://schemas.openxmlformats.org/drawingml/2006/main" xmlns:r="http://schemas.openxmlformats.org/officeDocument/2006/relationships" xmlns:p="http://schemas.openxmlformats.org/presentationml/2006/main">
+<p:notes xmlns:a="http://schemas.openxmlformats.org/drawingml/2006/main" xmlns:r="http://schemas.openxmlformats.org/officeDocument/2006/relationships" xmlns:mc="http://schemas.openxmlformats.org/markup-compatibility/2006" xmlns:mv="urn:schemas-microsoft-com:mac:vml" xmlns:p="http://schemas.openxmlformats.org/presentationml/2006/main" mc:Ignorable="mv" mc:PreserveAttributes="mv:*">
   <p:cSld>
     <p:spTree>
       <p:nvGrpSpPr>
@@ -909,182 +928,49 @@
           <a:lstStyle/>
           <a:p>
             <a:r>
-              <a:rPr lang="en-US" sz="1200" b="0" i="0" kern="1200" dirty="0" smtClean="0">
-                <a:solidFill>
-                  <a:schemeClr val="tx1"/>
-                </a:solidFill>
-                <a:effectLst/>
-                <a:latin typeface="+mn-lt"/>
-                <a:ea typeface="+mn-ea"/>
-                <a:cs typeface="+mn-cs"/>
-              </a:rPr>
-              <a:t>Live Demo of the </a:t>
-            </a:r>
-            <a:r>
-              <a:rPr lang="en-US" sz="1200" b="0" i="0" kern="1200" dirty="0" err="1" smtClean="0">
-                <a:solidFill>
-                  <a:schemeClr val="tx1"/>
-                </a:solidFill>
-                <a:effectLst/>
-                <a:latin typeface="+mn-lt"/>
-                <a:ea typeface="+mn-ea"/>
-                <a:cs typeface="+mn-cs"/>
-              </a:rPr>
-              <a:t>Webmaps</a:t>
-            </a:r>
-            <a:r>
-              <a:rPr lang="en-US" sz="1200" b="0" i="0" kern="1200" dirty="0" smtClean="0">
-                <a:solidFill>
-                  <a:schemeClr val="tx1"/>
-                </a:solidFill>
-                <a:effectLst/>
-                <a:latin typeface="+mn-lt"/>
-                <a:ea typeface="+mn-ea"/>
-                <a:cs typeface="+mn-cs"/>
-              </a:rPr>
-              <a:t> covering Navigation between maps (showing the previously mentioned </a:t>
-            </a:r>
-            <a:r>
-              <a:rPr lang="en-US" sz="1200" b="0" i="0" kern="1200" dirty="0" err="1" smtClean="0">
-                <a:solidFill>
-                  <a:schemeClr val="tx1"/>
-                </a:solidFill>
-                <a:effectLst/>
-                <a:latin typeface="+mn-lt"/>
-                <a:ea typeface="+mn-ea"/>
-                <a:cs typeface="+mn-cs"/>
-              </a:rPr>
+              <a:rPr lang="en-US" dirty="0" smtClean="0"/>
+              <a:t>As an environment PHP and HTML work together very well (you write html in the </a:t>
+            </a:r>
+            <a:r>
+              <a:rPr lang="en-US" dirty="0" err="1" smtClean="0"/>
               <a:t>php</a:t>
             </a:r>
             <a:r>
-              <a:rPr lang="en-US" sz="1200" b="0" i="0" kern="1200" dirty="0" smtClean="0">
-                <a:solidFill>
-                  <a:schemeClr val="tx1"/>
-                </a:solidFill>
-                <a:effectLst/>
-                <a:latin typeface="+mn-lt"/>
-                <a:ea typeface="+mn-ea"/>
-                <a:cs typeface="+mn-cs"/>
-              </a:rPr>
-              <a:t> variables).</a:t>
-            </a:r>
-          </a:p>
-          <a:p>
-            <a:r>
-              <a:rPr lang="en-US" sz="1200" b="0" i="0" kern="1200" dirty="0" smtClean="0">
-                <a:solidFill>
-                  <a:schemeClr val="tx1"/>
-                </a:solidFill>
-                <a:effectLst/>
-                <a:latin typeface="+mn-lt"/>
-                <a:ea typeface="+mn-ea"/>
-                <a:cs typeface="+mn-cs"/>
-              </a:rPr>
-              <a:t>     PZ Map - the most comprehensive map, with "additional layers".</a:t>
-            </a:r>
-          </a:p>
-          <a:p>
-            <a:r>
-              <a:rPr lang="en-US" sz="1200" b="0" i="0" kern="1200" dirty="0" smtClean="0">
-                <a:solidFill>
-                  <a:schemeClr val="tx1"/>
-                </a:solidFill>
-                <a:effectLst/>
-                <a:latin typeface="+mn-lt"/>
-                <a:ea typeface="+mn-ea"/>
-                <a:cs typeface="+mn-cs"/>
-              </a:rPr>
-              <a:t>     Measurement map - basically works just like the sample.</a:t>
-            </a:r>
-          </a:p>
-          <a:p>
-            <a:r>
-              <a:rPr lang="en-US" sz="1200" b="0" i="0" kern="1200" dirty="0" smtClean="0">
-                <a:solidFill>
-                  <a:schemeClr val="tx1"/>
-                </a:solidFill>
-                <a:effectLst/>
-                <a:latin typeface="+mn-lt"/>
-                <a:ea typeface="+mn-ea"/>
-                <a:cs typeface="+mn-cs"/>
-              </a:rPr>
-              <a:t>     Flood Hazard map - gives some basic information about the zones (informative legend).</a:t>
-            </a:r>
-          </a:p>
-          <a:p>
-            <a:r>
-              <a:rPr lang="en-US" sz="1200" b="0" i="0" kern="1200" dirty="0" smtClean="0">
-                <a:solidFill>
-                  <a:schemeClr val="tx1"/>
-                </a:solidFill>
-                <a:effectLst/>
-                <a:latin typeface="+mn-lt"/>
-                <a:ea typeface="+mn-ea"/>
-                <a:cs typeface="+mn-cs"/>
-              </a:rPr>
-              <a:t>     Sensitive Areas map - PFA's, </a:t>
-            </a:r>
-            <a:r>
-              <a:rPr lang="en-US" sz="1200" b="0" i="0" kern="1200" dirty="0" err="1" smtClean="0">
-                <a:solidFill>
-                  <a:schemeClr val="tx1"/>
-                </a:solidFill>
-                <a:effectLst/>
-                <a:latin typeface="+mn-lt"/>
-                <a:ea typeface="+mn-ea"/>
-                <a:cs typeface="+mn-cs"/>
-              </a:rPr>
-              <a:t>Sourcewater</a:t>
-            </a:r>
-            <a:r>
-              <a:rPr lang="en-US" sz="1200" b="0" i="0" kern="1200" dirty="0" smtClean="0">
-                <a:solidFill>
-                  <a:schemeClr val="tx1"/>
-                </a:solidFill>
-                <a:effectLst/>
-                <a:latin typeface="+mn-lt"/>
-                <a:ea typeface="+mn-ea"/>
-                <a:cs typeface="+mn-cs"/>
-              </a:rPr>
-              <a:t> Protection, Protected Species.</a:t>
-            </a:r>
-          </a:p>
-          <a:p>
-            <a:r>
-              <a:rPr lang="en-US" sz="1200" b="0" i="0" kern="1200" dirty="0" smtClean="0">
-                <a:solidFill>
-                  <a:schemeClr val="tx1"/>
-                </a:solidFill>
-                <a:effectLst/>
-                <a:latin typeface="+mn-lt"/>
-                <a:ea typeface="+mn-ea"/>
-                <a:cs typeface="+mn-cs"/>
-              </a:rPr>
-              <a:t>     Printable map - providing a way for someone to make a map using only the data that they want to include.</a:t>
-            </a:r>
-          </a:p>
-          <a:p>
-            <a:r>
-              <a:rPr lang="en-US" sz="1200" b="0" i="0" kern="1200" dirty="0" smtClean="0">
-                <a:solidFill>
-                  <a:schemeClr val="tx1"/>
-                </a:solidFill>
-                <a:effectLst/>
-                <a:latin typeface="+mn-lt"/>
-                <a:ea typeface="+mn-ea"/>
-                <a:cs typeface="+mn-cs"/>
-              </a:rPr>
-              <a:t>     Go Over the Help section.</a:t>
-            </a:r>
-          </a:p>
-          <a:p>
-            <a:r>
               <a:rPr lang="en-US" dirty="0" smtClean="0"/>
-              <a:t/>
-            </a:r>
-            <a:br>
+              <a:t> file).</a:t>
+            </a:r>
+          </a:p>
+          <a:p>
+            <a:r>
               <a:rPr lang="en-US" dirty="0" smtClean="0"/>
-            </a:br>
+              <a:t>The PHP at the top is where it intercepts</a:t>
+            </a:r>
+            <a:r>
+              <a:rPr lang="en-US" baseline="0" dirty="0" smtClean="0"/>
+              <a:t> the data in the address bar.</a:t>
+            </a:r>
+          </a:p>
+          <a:p>
+            <a:r>
+              <a:rPr lang="en-US" baseline="0" dirty="0" smtClean="0"/>
+              <a:t>The PHP at the bottom converts the </a:t>
+            </a:r>
+            <a:r>
+              <a:rPr lang="en-US" baseline="0" dirty="0" err="1" smtClean="0"/>
+              <a:t>php</a:t>
+            </a:r>
+            <a:r>
+              <a:rPr lang="en-US" baseline="0" dirty="0" smtClean="0"/>
+              <a:t> variables into </a:t>
+            </a:r>
+            <a:r>
+              <a:rPr lang="en-US" baseline="0" dirty="0" err="1" smtClean="0"/>
+              <a:t>javascript</a:t>
+            </a:r>
+            <a:r>
+              <a:rPr lang="en-US" baseline="0" dirty="0" smtClean="0"/>
+              <a:t> variables</a:t>
+            </a:r>
             <a:endParaRPr lang="en-US" dirty="0"/>
           </a:p>
         </p:txBody>
@@ -1106,6 +992,7 @@
           <a:p>
             <a:fld id="{257A954F-A6B4-48E5-8D4A-B654F238FE53}" type="slidenum">
               <a:rPr lang="en-US" smtClean="0"/>
+              <a:pPr/>
               <a:t>13</a:t>
             </a:fld>
             <a:endParaRPr lang="en-US"/>
@@ -1115,7 +1002,7 @@
     </p:spTree>
     <p:extLst>
       <p:ext uri="{BB962C8B-B14F-4D97-AF65-F5344CB8AC3E}">
-        <p14:creationId xmlns:p14="http://schemas.microsoft.com/office/powerpoint/2010/main" val="1597644097"/>
+        <p14:creationId xmlns:p14="http://schemas.microsoft.com/office/powerpoint/2010/main" xmlns:p="http://schemas.openxmlformats.org/presentationml/2006/main" xmlns:r="http://schemas.openxmlformats.org/officeDocument/2006/relationships" xmlns:a="http://schemas.openxmlformats.org/drawingml/2006/main" xmlns="" val="212390502"/>
       </p:ext>
     </p:extLst>
   </p:cSld>
@@ -1126,7 +1013,7 @@
 </file>
 
 <file path=ppt/notesSlides/notesSlide14.xml><?xml version="1.0" encoding="utf-8"?>
-<p:notes xmlns:a="http://schemas.openxmlformats.org/drawingml/2006/main" xmlns:r="http://schemas.openxmlformats.org/officeDocument/2006/relationships" xmlns:p="http://schemas.openxmlformats.org/presentationml/2006/main">
+<p:notes xmlns:a="http://schemas.openxmlformats.org/drawingml/2006/main" xmlns:r="http://schemas.openxmlformats.org/officeDocument/2006/relationships" xmlns:mc="http://schemas.openxmlformats.org/markup-compatibility/2006" xmlns:mv="urn:schemas-microsoft-com:mac:vml" xmlns:p="http://schemas.openxmlformats.org/presentationml/2006/main" mc:Ignorable="mv" mc:PreserveAttributes="mv:*">
   <p:cSld>
     <p:spTree>
       <p:nvGrpSpPr>
@@ -1170,33 +1057,182 @@
           <a:lstStyle/>
           <a:p>
             <a:r>
+              <a:rPr lang="en-US" sz="1200" b="0" i="0" kern="1200" dirty="0" smtClean="0">
+                <a:solidFill>
+                  <a:schemeClr val="tx1"/>
+                </a:solidFill>
+                <a:effectLst/>
+                <a:latin typeface="+mn-lt"/>
+                <a:ea typeface="+mn-ea"/>
+                <a:cs typeface="+mn-cs"/>
+              </a:rPr>
+              <a:t>Live Demo of the </a:t>
+            </a:r>
+            <a:r>
+              <a:rPr lang="en-US" sz="1200" b="0" i="0" kern="1200" dirty="0" err="1" smtClean="0">
+                <a:solidFill>
+                  <a:schemeClr val="tx1"/>
+                </a:solidFill>
+                <a:effectLst/>
+                <a:latin typeface="+mn-lt"/>
+                <a:ea typeface="+mn-ea"/>
+                <a:cs typeface="+mn-cs"/>
+              </a:rPr>
+              <a:t>Webmaps</a:t>
+            </a:r>
+            <a:r>
+              <a:rPr lang="en-US" sz="1200" b="0" i="0" kern="1200" dirty="0" smtClean="0">
+                <a:solidFill>
+                  <a:schemeClr val="tx1"/>
+                </a:solidFill>
+                <a:effectLst/>
+                <a:latin typeface="+mn-lt"/>
+                <a:ea typeface="+mn-ea"/>
+                <a:cs typeface="+mn-cs"/>
+              </a:rPr>
+              <a:t> covering Navigation between maps (showing the previously mentioned </a:t>
+            </a:r>
+            <a:r>
+              <a:rPr lang="en-US" sz="1200" b="0" i="0" kern="1200" dirty="0" err="1" smtClean="0">
+                <a:solidFill>
+                  <a:schemeClr val="tx1"/>
+                </a:solidFill>
+                <a:effectLst/>
+                <a:latin typeface="+mn-lt"/>
+                <a:ea typeface="+mn-ea"/>
+                <a:cs typeface="+mn-cs"/>
+              </a:rPr>
+              <a:t>php</a:t>
+            </a:r>
+            <a:r>
+              <a:rPr lang="en-US" sz="1200" b="0" i="0" kern="1200" dirty="0" smtClean="0">
+                <a:solidFill>
+                  <a:schemeClr val="tx1"/>
+                </a:solidFill>
+                <a:effectLst/>
+                <a:latin typeface="+mn-lt"/>
+                <a:ea typeface="+mn-ea"/>
+                <a:cs typeface="+mn-cs"/>
+              </a:rPr>
+              <a:t> variables).</a:t>
+            </a:r>
+          </a:p>
+          <a:p>
+            <a:r>
+              <a:rPr lang="en-US" sz="1200" b="0" i="0" kern="1200" dirty="0" smtClean="0">
+                <a:solidFill>
+                  <a:schemeClr val="tx1"/>
+                </a:solidFill>
+                <a:effectLst/>
+                <a:latin typeface="+mn-lt"/>
+                <a:ea typeface="+mn-ea"/>
+                <a:cs typeface="+mn-cs"/>
+              </a:rPr>
+              <a:t>     PZ Map - the most comprehensive map, with "additional layers".</a:t>
+            </a:r>
+          </a:p>
+          <a:p>
+            <a:r>
+              <a:rPr lang="en-US" sz="1200" b="0" i="0" kern="1200" dirty="0" smtClean="0">
+                <a:solidFill>
+                  <a:schemeClr val="tx1"/>
+                </a:solidFill>
+                <a:effectLst/>
+                <a:latin typeface="+mn-lt"/>
+                <a:ea typeface="+mn-ea"/>
+                <a:cs typeface="+mn-cs"/>
+              </a:rPr>
+              <a:t>     Measurement map - basically works just like the sample.</a:t>
+            </a:r>
+          </a:p>
+          <a:p>
+            <a:r>
+              <a:rPr lang="en-US" sz="1200" b="0" i="0" kern="1200" dirty="0" smtClean="0">
+                <a:solidFill>
+                  <a:schemeClr val="tx1"/>
+                </a:solidFill>
+                <a:effectLst/>
+                <a:latin typeface="+mn-lt"/>
+                <a:ea typeface="+mn-ea"/>
+                <a:cs typeface="+mn-cs"/>
+              </a:rPr>
+              <a:t>     Flood Hazard map - gives some basic information about the zones (informative legend).</a:t>
+            </a:r>
+          </a:p>
+          <a:p>
+            <a:r>
+              <a:rPr lang="en-US" sz="1200" b="0" i="0" kern="1200" dirty="0" smtClean="0">
+                <a:solidFill>
+                  <a:schemeClr val="tx1"/>
+                </a:solidFill>
+                <a:effectLst/>
+                <a:latin typeface="+mn-lt"/>
+                <a:ea typeface="+mn-ea"/>
+                <a:cs typeface="+mn-cs"/>
+              </a:rPr>
+              <a:t>     Sensitive Areas map - PFA's, </a:t>
+            </a:r>
+            <a:r>
+              <a:rPr lang="en-US" sz="1200" b="0" i="0" kern="1200" dirty="0" err="1" smtClean="0">
+                <a:solidFill>
+                  <a:schemeClr val="tx1"/>
+                </a:solidFill>
+                <a:effectLst/>
+                <a:latin typeface="+mn-lt"/>
+                <a:ea typeface="+mn-ea"/>
+                <a:cs typeface="+mn-cs"/>
+              </a:rPr>
+              <a:t>Sourcewater</a:t>
+            </a:r>
+            <a:r>
+              <a:rPr lang="en-US" sz="1200" b="0" i="0" kern="1200" dirty="0" smtClean="0">
+                <a:solidFill>
+                  <a:schemeClr val="tx1"/>
+                </a:solidFill>
+                <a:effectLst/>
+                <a:latin typeface="+mn-lt"/>
+                <a:ea typeface="+mn-ea"/>
+                <a:cs typeface="+mn-cs"/>
+              </a:rPr>
+              <a:t> Protection, Protected Species.</a:t>
+            </a:r>
+          </a:p>
+          <a:p>
+            <a:r>
+              <a:rPr lang="en-US" sz="1200" b="0" i="0" kern="1200" dirty="0" smtClean="0">
+                <a:solidFill>
+                  <a:schemeClr val="tx1"/>
+                </a:solidFill>
+                <a:effectLst/>
+                <a:latin typeface="+mn-lt"/>
+                <a:ea typeface="+mn-ea"/>
+                <a:cs typeface="+mn-cs"/>
+              </a:rPr>
+              <a:t>     Printable map - providing a way for someone to make a map using only the data that they want to include.</a:t>
+            </a:r>
+          </a:p>
+          <a:p>
+            <a:r>
+              <a:rPr lang="en-US" sz="1200" b="0" i="0" kern="1200" dirty="0" smtClean="0">
+                <a:solidFill>
+                  <a:schemeClr val="tx1"/>
+                </a:solidFill>
+                <a:effectLst/>
+                <a:latin typeface="+mn-lt"/>
+                <a:ea typeface="+mn-ea"/>
+                <a:cs typeface="+mn-cs"/>
+              </a:rPr>
+              <a:t>     Go Over the Help section.</a:t>
+            </a:r>
+          </a:p>
+          <a:p>
+            <a:r>
               <a:rPr lang="en-US" dirty="0" smtClean="0"/>
-              <a:t>I’ve seen samples that use a dojo</a:t>
-            </a:r>
-            <a:r>
-              <a:rPr lang="en-US" baseline="0" dirty="0" smtClean="0"/>
-              <a:t> “deferred” callback to split click events into two possible services. I was unable to get that to work.</a:t>
-            </a:r>
-          </a:p>
-          <a:p>
-            <a:r>
-              <a:rPr lang="en-US" baseline="0" dirty="0" smtClean="0"/>
-              <a:t>I don’t know if the </a:t>
-            </a:r>
-            <a:r>
-              <a:rPr lang="en-US" baseline="0" dirty="0" err="1" smtClean="0"/>
-              <a:t>iMap</a:t>
-            </a:r>
-            <a:r>
-              <a:rPr lang="en-US" baseline="0" dirty="0" smtClean="0"/>
-              <a:t> geocoder can be used like the one I use in the map?</a:t>
-            </a:r>
-          </a:p>
-          <a:p>
-            <a:r>
-              <a:rPr lang="en-US" baseline="0" dirty="0" smtClean="0"/>
-              <a:t>I’ve got the Print Service working (though it could be more customized) but have not made my own geometry service.</a:t>
-            </a:r>
+              <a:t/>
+            </a:r>
+            <a:br>
+              <a:rPr lang="en-US" dirty="0" smtClean="0"/>
+            </a:br>
             <a:endParaRPr lang="en-US" dirty="0"/>
           </a:p>
         </p:txBody>
@@ -1218,6 +1254,7 @@
           <a:p>
             <a:fld id="{257A954F-A6B4-48E5-8D4A-B654F238FE53}" type="slidenum">
               <a:rPr lang="en-US" smtClean="0"/>
+              <a:pPr/>
               <a:t>14</a:t>
             </a:fld>
             <a:endParaRPr lang="en-US"/>
@@ -1227,7 +1264,7 @@
     </p:spTree>
     <p:extLst>
       <p:ext uri="{BB962C8B-B14F-4D97-AF65-F5344CB8AC3E}">
-        <p14:creationId xmlns:p14="http://schemas.microsoft.com/office/powerpoint/2010/main" val="874592069"/>
+        <p14:creationId xmlns:p14="http://schemas.microsoft.com/office/powerpoint/2010/main" xmlns:p="http://schemas.openxmlformats.org/presentationml/2006/main" xmlns:r="http://schemas.openxmlformats.org/officeDocument/2006/relationships" xmlns:a="http://schemas.openxmlformats.org/drawingml/2006/main" xmlns="" val="1597644097"/>
       </p:ext>
     </p:extLst>
   </p:cSld>
@@ -1238,7 +1275,7 @@
 </file>
 
 <file path=ppt/notesSlides/notesSlide15.xml><?xml version="1.0" encoding="utf-8"?>
-<p:notes xmlns:a="http://schemas.openxmlformats.org/drawingml/2006/main" xmlns:r="http://schemas.openxmlformats.org/officeDocument/2006/relationships" xmlns:p="http://schemas.openxmlformats.org/presentationml/2006/main">
+<p:notes xmlns:a="http://schemas.openxmlformats.org/drawingml/2006/main" xmlns:r="http://schemas.openxmlformats.org/officeDocument/2006/relationships" xmlns:mc="http://schemas.openxmlformats.org/markup-compatibility/2006" xmlns:mv="urn:schemas-microsoft-com:mac:vml" xmlns:p="http://schemas.openxmlformats.org/presentationml/2006/main" mc:Ignorable="mv" mc:PreserveAttributes="mv:*">
   <p:cSld>
     <p:spTree>
       <p:nvGrpSpPr>
@@ -1283,19 +1320,31 @@
           <a:p>
             <a:r>
               <a:rPr lang="en-US" dirty="0" smtClean="0"/>
-              <a:t>Is the ESRI </a:t>
-            </a:r>
-            <a:r>
-              <a:rPr lang="en-US" dirty="0" err="1" smtClean="0"/>
-              <a:t>javascript</a:t>
-            </a:r>
-            <a:r>
-              <a:rPr lang="en-US" dirty="0" smtClean="0"/>
-              <a:t> API easy to use? Even a guy</a:t>
+              <a:t>I’ve seen samples that use a dojo</a:t>
             </a:r>
             <a:r>
               <a:rPr lang="en-US" baseline="0" dirty="0" smtClean="0"/>
-              <a:t> from Garrett County can do it. So … draw your own conclusions.</a:t>
+              <a:t> “deferred” callback to split click events into two possible services. I was unable to get that to work.</a:t>
+            </a:r>
+          </a:p>
+          <a:p>
+            <a:r>
+              <a:rPr lang="en-US" baseline="0" dirty="0" smtClean="0"/>
+              <a:t>I don’t know if the </a:t>
+            </a:r>
+            <a:r>
+              <a:rPr lang="en-US" baseline="0" dirty="0" err="1" smtClean="0"/>
+              <a:t>iMap</a:t>
+            </a:r>
+            <a:r>
+              <a:rPr lang="en-US" baseline="0" dirty="0" smtClean="0"/>
+              <a:t> geocoder can be used like the one I use in the map?</a:t>
+            </a:r>
+          </a:p>
+          <a:p>
+            <a:r>
+              <a:rPr lang="en-US" baseline="0" dirty="0" smtClean="0"/>
+              <a:t>I’ve got the Print Service working (though it could be more customized) but have not made my own geometry service.</a:t>
             </a:r>
             <a:endParaRPr lang="en-US" dirty="0"/>
           </a:p>
@@ -1318,6 +1367,7 @@
           <a:p>
             <a:fld id="{257A954F-A6B4-48E5-8D4A-B654F238FE53}" type="slidenum">
               <a:rPr lang="en-US" smtClean="0"/>
+              <a:pPr/>
               <a:t>15</a:t>
             </a:fld>
             <a:endParaRPr lang="en-US"/>
@@ -1327,7 +1377,7 @@
     </p:spTree>
     <p:extLst>
       <p:ext uri="{BB962C8B-B14F-4D97-AF65-F5344CB8AC3E}">
-        <p14:creationId xmlns:p14="http://schemas.microsoft.com/office/powerpoint/2010/main" val="1165109697"/>
+        <p14:creationId xmlns:p14="http://schemas.microsoft.com/office/powerpoint/2010/main" xmlns:p="http://schemas.openxmlformats.org/presentationml/2006/main" xmlns:r="http://schemas.openxmlformats.org/officeDocument/2006/relationships" xmlns:a="http://schemas.openxmlformats.org/drawingml/2006/main" xmlns="" val="874592069"/>
       </p:ext>
     </p:extLst>
   </p:cSld>
@@ -1337,8 +1387,8 @@
 </p:notes>
 </file>
 
-<file path=ppt/notesSlides/notesSlide2.xml><?xml version="1.0" encoding="utf-8"?>
-<p:notes xmlns:a="http://schemas.openxmlformats.org/drawingml/2006/main" xmlns:r="http://schemas.openxmlformats.org/officeDocument/2006/relationships" xmlns:p="http://schemas.openxmlformats.org/presentationml/2006/main">
+<file path=ppt/notesSlides/notesSlide16.xml><?xml version="1.0" encoding="utf-8"?>
+<p:notes xmlns:a="http://schemas.openxmlformats.org/drawingml/2006/main" xmlns:r="http://schemas.openxmlformats.org/officeDocument/2006/relationships" xmlns:mc="http://schemas.openxmlformats.org/markup-compatibility/2006" xmlns:mv="urn:schemas-microsoft-com:mac:vml" xmlns:p="http://schemas.openxmlformats.org/presentationml/2006/main" mc:Ignorable="mv" mc:PreserveAttributes="mv:*">
   <p:cSld>
     <p:spTree>
       <p:nvGrpSpPr>
@@ -1381,7 +1431,47 @@
           <a:bodyPr/>
           <a:lstStyle/>
           <a:p>
-            <a:endParaRPr lang="en-US"/>
+            <a:r>
+              <a:rPr lang="en-US" dirty="0" smtClean="0"/>
+              <a:t>Is the ESRI </a:t>
+            </a:r>
+            <a:r>
+              <a:rPr lang="en-US" dirty="0" err="1" smtClean="0"/>
+              <a:t>javascript</a:t>
+            </a:r>
+            <a:r>
+              <a:rPr lang="en-US" dirty="0" smtClean="0"/>
+              <a:t> API easy to use? Even </a:t>
+            </a:r>
+            <a:r>
+              <a:rPr lang="en-US" dirty="0" smtClean="0"/>
+              <a:t>an old </a:t>
+            </a:r>
+            <a:r>
+              <a:rPr lang="en-US" dirty="0" smtClean="0"/>
+              <a:t>guy</a:t>
+            </a:r>
+            <a:r>
+              <a:rPr lang="en-US" baseline="0" dirty="0" smtClean="0"/>
+              <a:t> </a:t>
+            </a:r>
+            <a:r>
+              <a:rPr lang="en-US" baseline="0" dirty="0" smtClean="0"/>
+              <a:t>from the mountains of Western MD (in </a:t>
+            </a:r>
+            <a:r>
+              <a:rPr lang="en-US" baseline="0" dirty="0" smtClean="0"/>
+              <a:t>Garrett </a:t>
+            </a:r>
+            <a:r>
+              <a:rPr lang="en-US" baseline="0" dirty="0" smtClean="0"/>
+              <a:t>County) </a:t>
+            </a:r>
+            <a:r>
+              <a:rPr lang="en-US" baseline="0" dirty="0" smtClean="0"/>
+              <a:t>can do it. So … draw your own conclusions.</a:t>
+            </a:r>
+            <a:endParaRPr lang="en-US" dirty="0"/>
           </a:p>
         </p:txBody>
       </p:sp>
@@ -1402,7 +1492,8 @@
           <a:p>
             <a:fld id="{257A954F-A6B4-48E5-8D4A-B654F238FE53}" type="slidenum">
               <a:rPr lang="en-US" smtClean="0"/>
-              <a:t>2</a:t>
+              <a:pPr/>
+              <a:t>16</a:t>
             </a:fld>
             <a:endParaRPr lang="en-US"/>
           </a:p>
@@ -1411,7 +1502,7 @@
     </p:spTree>
     <p:extLst>
       <p:ext uri="{BB962C8B-B14F-4D97-AF65-F5344CB8AC3E}">
-        <p14:creationId xmlns:p14="http://schemas.microsoft.com/office/powerpoint/2010/main" val="2633888157"/>
+        <p14:creationId xmlns:p14="http://schemas.microsoft.com/office/powerpoint/2010/main" xmlns:p="http://schemas.openxmlformats.org/presentationml/2006/main" xmlns:r="http://schemas.openxmlformats.org/officeDocument/2006/relationships" xmlns:a="http://schemas.openxmlformats.org/drawingml/2006/main" xmlns="" val="1165109697"/>
       </p:ext>
     </p:extLst>
   </p:cSld>
@@ -1421,8 +1512,8 @@
 </p:notes>
 </file>
 
-<file path=ppt/notesSlides/notesSlide3.xml><?xml version="1.0" encoding="utf-8"?>
-<p:notes xmlns:a="http://schemas.openxmlformats.org/drawingml/2006/main" xmlns:r="http://schemas.openxmlformats.org/officeDocument/2006/relationships" xmlns:p="http://schemas.openxmlformats.org/presentationml/2006/main">
+<file path=ppt/notesSlides/notesSlide2.xml><?xml version="1.0" encoding="utf-8"?>
+<p:notes xmlns:a="http://schemas.openxmlformats.org/drawingml/2006/main" xmlns:r="http://schemas.openxmlformats.org/officeDocument/2006/relationships" xmlns:mc="http://schemas.openxmlformats.org/markup-compatibility/2006" xmlns:mv="urn:schemas-microsoft-com:mac:vml" xmlns:p="http://schemas.openxmlformats.org/presentationml/2006/main" mc:Ignorable="mv" mc:PreserveAttributes="mv:*">
   <p:cSld>
     <p:spTree>
       <p:nvGrpSpPr>
@@ -1465,22 +1556,7 @@
           <a:bodyPr/>
           <a:lstStyle/>
           <a:p>
-            <a:r>
-              <a:rPr lang="en-US" dirty="0" smtClean="0"/>
-              <a:t>I</a:t>
-            </a:r>
-            <a:r>
-              <a:rPr lang="en-US" baseline="0" dirty="0" smtClean="0"/>
-              <a:t> learned that programming comes in handy when a Triangulation Program creates an output that is not exactly what is needed for input to a Home Range Program the creates output that is not exactly what is needed as input to GIS … and so on. I wrote QBASIC programs to help that workflow (stuff I would probably do with Perl or Python anymore). I really got into the programming and even wrote some extensions for ArcMap and did some cool Hydrologic Modeling stuff in Python for my contract with USGS.</a:t>
-            </a:r>
-            <a:endParaRPr lang="en-US" dirty="0" smtClean="0"/>
-          </a:p>
-          <a:p>
-            <a:r>
-              <a:rPr lang="en-US" dirty="0" smtClean="0"/>
-              <a:t>I also like wearing cool T-shirts.</a:t>
-            </a:r>
-            <a:endParaRPr lang="en-US" dirty="0"/>
+            <a:endParaRPr lang="en-US"/>
           </a:p>
         </p:txBody>
       </p:sp>
@@ -1501,7 +1577,8 @@
           <a:p>
             <a:fld id="{257A954F-A6B4-48E5-8D4A-B654F238FE53}" type="slidenum">
               <a:rPr lang="en-US" smtClean="0"/>
-              <a:t>3</a:t>
+              <a:pPr/>
+              <a:t>2</a:t>
             </a:fld>
             <a:endParaRPr lang="en-US"/>
           </a:p>
@@ -1510,7 +1587,7 @@
     </p:spTree>
     <p:extLst>
       <p:ext uri="{BB962C8B-B14F-4D97-AF65-F5344CB8AC3E}">
-        <p14:creationId xmlns:p14="http://schemas.microsoft.com/office/powerpoint/2010/main" val="1541453130"/>
+        <p14:creationId xmlns:p14="http://schemas.microsoft.com/office/powerpoint/2010/main" xmlns:p="http://schemas.openxmlformats.org/presentationml/2006/main" xmlns:r="http://schemas.openxmlformats.org/officeDocument/2006/relationships" xmlns:a="http://schemas.openxmlformats.org/drawingml/2006/main" xmlns="" val="2633888157"/>
       </p:ext>
     </p:extLst>
   </p:cSld>
@@ -1520,8 +1597,8 @@
 </p:notes>
 </file>
 
-<file path=ppt/notesSlides/notesSlide4.xml><?xml version="1.0" encoding="utf-8"?>
-<p:notes xmlns:a="http://schemas.openxmlformats.org/drawingml/2006/main" xmlns:r="http://schemas.openxmlformats.org/officeDocument/2006/relationships" xmlns:p="http://schemas.openxmlformats.org/presentationml/2006/main">
+<file path=ppt/notesSlides/notesSlide3.xml><?xml version="1.0" encoding="utf-8"?>
+<p:notes xmlns:a="http://schemas.openxmlformats.org/drawingml/2006/main" xmlns:r="http://schemas.openxmlformats.org/officeDocument/2006/relationships" xmlns:mc="http://schemas.openxmlformats.org/markup-compatibility/2006" xmlns:mv="urn:schemas-microsoft-com:mac:vml" xmlns:p="http://schemas.openxmlformats.org/presentationml/2006/main" mc:Ignorable="mv" mc:PreserveAttributes="mv:*">
   <p:cSld>
     <p:spTree>
       <p:nvGrpSpPr>
@@ -1566,41 +1643,26 @@
           <a:p>
             <a:r>
               <a:rPr lang="en-US" dirty="0" smtClean="0"/>
-              <a:t>A</a:t>
+              <a:t>I</a:t>
             </a:r>
             <a:r>
               <a:rPr lang="en-US" baseline="0" dirty="0" smtClean="0"/>
-              <a:t> few options – ArcGIS Server already installed – Lots of samples available for the ArcGIS </a:t>
-            </a:r>
-            <a:r>
-              <a:rPr lang="en-US" baseline="0" dirty="0" err="1" smtClean="0"/>
-              <a:t>javascript</a:t>
+              <a:t> learned that programming comes in handy when a Triangulation Program creates an output that is not exactly what is needed for input to a Home Range Program </a:t>
             </a:r>
             <a:r>
               <a:rPr lang="en-US" baseline="0" dirty="0" smtClean="0"/>
-              <a:t> API.</a:t>
-            </a:r>
-          </a:p>
-          <a:p>
+              <a:t>that </a:t>
+            </a:r>
             <a:r>
               <a:rPr lang="en-US" baseline="0" dirty="0" smtClean="0"/>
-              <a:t>Leaflet is thought to be more lightweight (</a:t>
-            </a:r>
-            <a:r>
-              <a:rPr lang="en-US" baseline="0" dirty="0" err="1" smtClean="0"/>
-              <a:t>OpenLayers</a:t>
-            </a:r>
-            <a:r>
-              <a:rPr lang="en-US" baseline="0" dirty="0" smtClean="0"/>
-              <a:t> may be too). I have used </a:t>
-            </a:r>
-            <a:r>
-              <a:rPr lang="en-US" baseline="0" dirty="0" err="1" smtClean="0"/>
-              <a:t>MapServer</a:t>
-            </a:r>
-            <a:r>
-              <a:rPr lang="en-US" baseline="0" dirty="0" smtClean="0"/>
-              <a:t> and currently test my maps using MS4W.</a:t>
+              <a:t>creates output that is not exactly what is needed as input to GIS … and so on. I wrote QBASIC programs to help that workflow (stuff I would probably do with Perl or Python anymore). I really got into the programming and even wrote some extensions for ArcMap and did some cool Hydrologic Modeling stuff in Python for my contract with USGS.</a:t>
+            </a:r>
+            <a:endParaRPr lang="en-US" dirty="0" smtClean="0"/>
+          </a:p>
+          <a:p>
+            <a:r>
+              <a:rPr lang="en-US" dirty="0" smtClean="0"/>
+              <a:t>I also like wearing cool T-shirts.</a:t>
             </a:r>
             <a:endParaRPr lang="en-US" dirty="0"/>
           </a:p>
@@ -1623,7 +1685,8 @@
           <a:p>
             <a:fld id="{257A954F-A6B4-48E5-8D4A-B654F238FE53}" type="slidenum">
               <a:rPr lang="en-US" smtClean="0"/>
-              <a:t>4</a:t>
+              <a:pPr/>
+              <a:t>3</a:t>
             </a:fld>
             <a:endParaRPr lang="en-US"/>
           </a:p>
@@ -1632,7 +1695,7 @@
     </p:spTree>
     <p:extLst>
       <p:ext uri="{BB962C8B-B14F-4D97-AF65-F5344CB8AC3E}">
-        <p14:creationId xmlns:p14="http://schemas.microsoft.com/office/powerpoint/2010/main" val="1229757218"/>
+        <p14:creationId xmlns:p14="http://schemas.microsoft.com/office/powerpoint/2010/main" xmlns:p="http://schemas.openxmlformats.org/presentationml/2006/main" xmlns:r="http://schemas.openxmlformats.org/officeDocument/2006/relationships" xmlns:a="http://schemas.openxmlformats.org/drawingml/2006/main" xmlns="" val="1541453130"/>
       </p:ext>
     </p:extLst>
   </p:cSld>
@@ -1642,8 +1705,8 @@
 </p:notes>
 </file>
 
-<file path=ppt/notesSlides/notesSlide5.xml><?xml version="1.0" encoding="utf-8"?>
-<p:notes xmlns:a="http://schemas.openxmlformats.org/drawingml/2006/main" xmlns:r="http://schemas.openxmlformats.org/officeDocument/2006/relationships" xmlns:p="http://schemas.openxmlformats.org/presentationml/2006/main">
+<file path=ppt/notesSlides/notesSlide4.xml><?xml version="1.0" encoding="utf-8"?>
+<p:notes xmlns:a="http://schemas.openxmlformats.org/drawingml/2006/main" xmlns:r="http://schemas.openxmlformats.org/officeDocument/2006/relationships" xmlns:mc="http://schemas.openxmlformats.org/markup-compatibility/2006" xmlns:mv="urn:schemas-microsoft-com:mac:vml" xmlns:p="http://schemas.openxmlformats.org/presentationml/2006/main" mc:Ignorable="mv" mc:PreserveAttributes="mv:*">
   <p:cSld>
     <p:spTree>
       <p:nvGrpSpPr>
@@ -1688,31 +1751,44 @@
           <a:p>
             <a:r>
               <a:rPr lang="en-US" dirty="0" smtClean="0"/>
-              <a:t>Allows you to go back if you totally destroy something.</a:t>
-            </a:r>
-          </a:p>
-          <a:p>
-            <a:r>
-              <a:rPr lang="en-US" dirty="0" smtClean="0"/>
-              <a:t>Allows you to stash changes if you think you were “on to something”.</a:t>
-            </a:r>
-          </a:p>
-          <a:p>
-            <a:r>
-              <a:rPr lang="en-US" dirty="0" smtClean="0"/>
-              <a:t>Creates a usable log of what was changed.</a:t>
-            </a:r>
-          </a:p>
-          <a:p>
+              <a:t>A</a:t>
+            </a:r>
+            <a:r>
+              <a:rPr lang="en-US" baseline="0" dirty="0" smtClean="0"/>
+              <a:t> few options – ArcGIS Server already installed – Lots of samples available for the ArcGIS </a:t>
+            </a:r>
+            <a:r>
+              <a:rPr lang="en-US" baseline="0" dirty="0" err="1" smtClean="0"/>
+              <a:t>javascript</a:t>
+            </a:r>
+            <a:r>
+              <a:rPr lang="en-US" baseline="0" dirty="0" smtClean="0"/>
+              <a:t> API.</a:t>
+            </a:r>
+          </a:p>
+          <a:p>
+            <a:r>
+              <a:rPr lang="en-US" baseline="0" dirty="0" smtClean="0"/>
+              <a:t>Leaflet is thought to be more lightweight (</a:t>
+            </a:r>
+            <a:r>
+              <a:rPr lang="en-US" baseline="0" dirty="0" err="1" smtClean="0"/>
+              <a:t>OpenLayers</a:t>
+            </a:r>
+            <a:r>
+              <a:rPr lang="en-US" baseline="0" dirty="0" smtClean="0"/>
+              <a:t> may be too). I have used </a:t>
+            </a:r>
+            <a:r>
+              <a:rPr lang="en-US" baseline="0" dirty="0" err="1" smtClean="0"/>
+              <a:t>MapServer</a:t>
+            </a:r>
+            <a:r>
+              <a:rPr lang="en-US" baseline="0" dirty="0" smtClean="0"/>
+              <a:t> and currently test my maps using MS4W.</a:t>
+            </a:r>
             <a:endParaRPr lang="en-US" dirty="0"/>
           </a:p>
-          <a:p>
-            <a:r>
-              <a:rPr lang="en-US" dirty="0" smtClean="0"/>
-              <a:t>Took the lynda.com course, bought the pocket guide and often search for answers on online forums.</a:t>
-            </a:r>
-            <a:endParaRPr lang="en-US" dirty="0"/>
-          </a:p>
         </p:txBody>
       </p:sp>
       <p:sp>
@@ -1732,7 +1808,8 @@
           <a:p>
             <a:fld id="{257A954F-A6B4-48E5-8D4A-B654F238FE53}" type="slidenum">
               <a:rPr lang="en-US" smtClean="0"/>
-              <a:t>5</a:t>
+              <a:pPr/>
+              <a:t>4</a:t>
             </a:fld>
             <a:endParaRPr lang="en-US"/>
           </a:p>
@@ -1741,7 +1818,7 @@
     </p:spTree>
     <p:extLst>
       <p:ext uri="{BB962C8B-B14F-4D97-AF65-F5344CB8AC3E}">
-        <p14:creationId xmlns:p14="http://schemas.microsoft.com/office/powerpoint/2010/main" val="2090887514"/>
+        <p14:creationId xmlns:p14="http://schemas.microsoft.com/office/powerpoint/2010/main" xmlns:p="http://schemas.openxmlformats.org/presentationml/2006/main" xmlns:r="http://schemas.openxmlformats.org/officeDocument/2006/relationships" xmlns:a="http://schemas.openxmlformats.org/drawingml/2006/main" xmlns="" val="1229757218"/>
       </p:ext>
     </p:extLst>
   </p:cSld>
@@ -1751,8 +1828,8 @@
 </p:notes>
 </file>
 
-<file path=ppt/notesSlides/notesSlide6.xml><?xml version="1.0" encoding="utf-8"?>
-<p:notes xmlns:a="http://schemas.openxmlformats.org/drawingml/2006/main" xmlns:r="http://schemas.openxmlformats.org/officeDocument/2006/relationships" xmlns:p="http://schemas.openxmlformats.org/presentationml/2006/main">
+<file path=ppt/notesSlides/notesSlide5.xml><?xml version="1.0" encoding="utf-8"?>
+<p:notes xmlns:a="http://schemas.openxmlformats.org/drawingml/2006/main" xmlns:r="http://schemas.openxmlformats.org/officeDocument/2006/relationships" xmlns:mc="http://schemas.openxmlformats.org/markup-compatibility/2006" xmlns:mv="urn:schemas-microsoft-com:mac:vml" xmlns:p="http://schemas.openxmlformats.org/presentationml/2006/main" mc:Ignorable="mv" mc:PreserveAttributes="mv:*">
   <p:cSld>
     <p:spTree>
       <p:nvGrpSpPr>
@@ -1795,7 +1872,37 @@
           <a:bodyPr/>
           <a:lstStyle/>
           <a:p>
-            <a:endParaRPr lang="en-US"/>
+            <a:r>
+              <a:rPr lang="en-US" dirty="0" smtClean="0"/>
+              <a:t>Allows you to go back if you totally destroy something.</a:t>
+            </a:r>
+          </a:p>
+          <a:p>
+            <a:r>
+              <a:rPr lang="en-US" dirty="0" smtClean="0"/>
+              <a:t>Allows you to stash changes if you think you were “on to something”.</a:t>
+            </a:r>
+          </a:p>
+          <a:p>
+            <a:r>
+              <a:rPr lang="en-US" dirty="0" smtClean="0"/>
+              <a:t>Creates a usable log of what was </a:t>
+            </a:r>
+            <a:r>
+              <a:rPr lang="en-US" dirty="0" smtClean="0"/>
+              <a:t>changed and when.</a:t>
+            </a:r>
+            <a:endParaRPr lang="en-US" dirty="0" smtClean="0"/>
+          </a:p>
+          <a:p>
+            <a:endParaRPr lang="en-US" dirty="0"/>
+          </a:p>
+          <a:p>
+            <a:r>
+              <a:rPr lang="en-US" dirty="0" smtClean="0"/>
+              <a:t>Took the lynda.com course, bought the pocket guide and often search for answers on online forums.</a:t>
+            </a:r>
+            <a:endParaRPr lang="en-US" dirty="0"/>
           </a:p>
         </p:txBody>
       </p:sp>
@@ -1816,7 +1923,8 @@
           <a:p>
             <a:fld id="{257A954F-A6B4-48E5-8D4A-B654F238FE53}" type="slidenum">
               <a:rPr lang="en-US" smtClean="0"/>
-              <a:t>6</a:t>
+              <a:pPr/>
+              <a:t>5</a:t>
             </a:fld>
             <a:endParaRPr lang="en-US"/>
           </a:p>
@@ -1825,7 +1933,7 @@
     </p:spTree>
     <p:extLst>
       <p:ext uri="{BB962C8B-B14F-4D97-AF65-F5344CB8AC3E}">
-        <p14:creationId xmlns:p14="http://schemas.microsoft.com/office/powerpoint/2010/main" val="659031382"/>
+        <p14:creationId xmlns:p14="http://schemas.microsoft.com/office/powerpoint/2010/main" xmlns:p="http://schemas.openxmlformats.org/presentationml/2006/main" xmlns:r="http://schemas.openxmlformats.org/officeDocument/2006/relationships" xmlns:a="http://schemas.openxmlformats.org/drawingml/2006/main" xmlns="" val="2090887514"/>
       </p:ext>
     </p:extLst>
   </p:cSld>
@@ -1835,8 +1943,8 @@
 </p:notes>
 </file>
 
-<file path=ppt/notesSlides/notesSlide7.xml><?xml version="1.0" encoding="utf-8"?>
-<p:notes xmlns:a="http://schemas.openxmlformats.org/drawingml/2006/main" xmlns:r="http://schemas.openxmlformats.org/officeDocument/2006/relationships" xmlns:p="http://schemas.openxmlformats.org/presentationml/2006/main">
+<file path=ppt/notesSlides/notesSlide6.xml><?xml version="1.0" encoding="utf-8"?>
+<p:notes xmlns:a="http://schemas.openxmlformats.org/drawingml/2006/main" xmlns:r="http://schemas.openxmlformats.org/officeDocument/2006/relationships" xmlns:mc="http://schemas.openxmlformats.org/markup-compatibility/2006" xmlns:mv="urn:schemas-microsoft-com:mac:vml" xmlns:p="http://schemas.openxmlformats.org/presentationml/2006/main" mc:Ignorable="mv" mc:PreserveAttributes="mv:*">
   <p:cSld>
     <p:spTree>
       <p:nvGrpSpPr>
@@ -1881,73 +1989,48 @@
           <a:p>
             <a:r>
               <a:rPr lang="en-US" dirty="0" smtClean="0"/>
-              <a:t>After create some code</a:t>
+              <a:t>I tried </a:t>
+            </a:r>
+            <a:r>
+              <a:rPr lang="en-US" dirty="0" err="1" smtClean="0"/>
+              <a:t>Aptana</a:t>
+            </a:r>
+            <a:r>
+              <a:rPr lang="en-US" dirty="0" smtClean="0"/>
+              <a:t> as an Integrated Development Environment but</a:t>
             </a:r>
             <a:r>
               <a:rPr lang="en-US" baseline="0" dirty="0" smtClean="0"/>
-              <a:t> in NP++, I want to check to see if it is good. </a:t>
-            </a:r>
-            <a:r>
-              <a:rPr lang="en-US" dirty="0" err="1" smtClean="0"/>
-              <a:t>Jslint</a:t>
-            </a:r>
-            <a:r>
-              <a:rPr lang="en-US" dirty="0" smtClean="0"/>
-              <a:t> is picky but has lots of options</a:t>
-            </a:r>
+              <a:t> I prefer to use my MS4W installation as a testing environment.</a:t>
+            </a:r>
+          </a:p>
+          <a:p>
             <a:r>
               <a:rPr lang="en-US" baseline="0" dirty="0" smtClean="0"/>
-              <a:t> for customization</a:t>
-            </a:r>
+              <a:t>I’m not a VIM Ninja</a:t>
+            </a:r>
+          </a:p>
+          <a:p>
             <a:r>
               <a:rPr lang="en-US" baseline="0" dirty="0" smtClean="0"/>
-              <a:t>.</a:t>
-            </a:r>
-          </a:p>
-          <a:p>
+              <a:t>I really like Notepad++</a:t>
+            </a:r>
+          </a:p>
+          <a:p>
+            <a:r>
+              <a:rPr lang="en-US" baseline="0" dirty="0" smtClean="0"/>
+              <a:t>BBEdit is my editor of choice when working at home on my </a:t>
+            </a:r>
+            <a:r>
+              <a:rPr lang="en-US" baseline="0" dirty="0" err="1" smtClean="0"/>
+              <a:t>mac</a:t>
+            </a:r>
+            <a:r>
+              <a:rPr lang="en-US" baseline="0" dirty="0" smtClean="0"/>
+              <a:t> (not free).</a:t>
+            </a:r>
             <a:endParaRPr lang="en-US" dirty="0"/>
           </a:p>
-          <a:p>
-            <a:r>
-              <a:rPr lang="en-US" dirty="0" smtClean="0"/>
-              <a:t>It will let you know </a:t>
-            </a:r>
-            <a:r>
-              <a:rPr lang="en-US" dirty="0" smtClean="0"/>
-              <a:t>about …</a:t>
-            </a:r>
-          </a:p>
-          <a:p>
-            <a:endParaRPr lang="en-US" dirty="0"/>
-          </a:p>
-          <a:p>
-            <a:r>
-              <a:rPr lang="en-US" dirty="0" smtClean="0"/>
-              <a:t>Undefined variables (it even gets you to define them at the beginning).</a:t>
-            </a:r>
-          </a:p>
-          <a:p>
-            <a:r>
-              <a:rPr lang="en-US" dirty="0" smtClean="0"/>
-              <a:t>Unused variables</a:t>
-            </a:r>
-          </a:p>
-          <a:p>
-            <a:r>
-              <a:rPr lang="en-US" dirty="0" err="1" smtClean="0"/>
-              <a:t>Forgotton</a:t>
-            </a:r>
-            <a:r>
-              <a:rPr lang="en-US" dirty="0" smtClean="0"/>
-              <a:t> semicolons</a:t>
-            </a:r>
-          </a:p>
-          <a:p>
-            <a:endParaRPr lang="en-US" dirty="0" smtClean="0"/>
-          </a:p>
-          <a:p>
-            <a:endParaRPr lang="en-US" dirty="0" smtClean="0"/>
-          </a:p>
         </p:txBody>
       </p:sp>
       <p:sp>
@@ -1967,7 +2050,8 @@
           <a:p>
             <a:fld id="{257A954F-A6B4-48E5-8D4A-B654F238FE53}" type="slidenum">
               <a:rPr lang="en-US" smtClean="0"/>
-              <a:t>7</a:t>
+              <a:pPr/>
+              <a:t>6</a:t>
             </a:fld>
             <a:endParaRPr lang="en-US"/>
           </a:p>
@@ -1976,7 +2060,7 @@
     </p:spTree>
     <p:extLst>
       <p:ext uri="{BB962C8B-B14F-4D97-AF65-F5344CB8AC3E}">
-        <p14:creationId xmlns:p14="http://schemas.microsoft.com/office/powerpoint/2010/main" val="3749411674"/>
+        <p14:creationId xmlns:p14="http://schemas.microsoft.com/office/powerpoint/2010/main" xmlns:p="http://schemas.openxmlformats.org/presentationml/2006/main" xmlns:r="http://schemas.openxmlformats.org/officeDocument/2006/relationships" xmlns:a="http://schemas.openxmlformats.org/drawingml/2006/main" xmlns="" val="659031382"/>
       </p:ext>
     </p:extLst>
   </p:cSld>
@@ -1986,8 +2070,8 @@
 </p:notes>
 </file>
 
-<file path=ppt/notesSlides/notesSlide8.xml><?xml version="1.0" encoding="utf-8"?>
-<p:notes xmlns:a="http://schemas.openxmlformats.org/drawingml/2006/main" xmlns:r="http://schemas.openxmlformats.org/officeDocument/2006/relationships" xmlns:p="http://schemas.openxmlformats.org/presentationml/2006/main">
+<file path=ppt/notesSlides/notesSlide7.xml><?xml version="1.0" encoding="utf-8"?>
+<p:notes xmlns:a="http://schemas.openxmlformats.org/drawingml/2006/main" xmlns:r="http://schemas.openxmlformats.org/officeDocument/2006/relationships" xmlns:mc="http://schemas.openxmlformats.org/markup-compatibility/2006" xmlns:mv="urn:schemas-microsoft-com:mac:vml" xmlns:p="http://schemas.openxmlformats.org/presentationml/2006/main" mc:Ignorable="mv" mc:PreserveAttributes="mv:*">
   <p:cSld>
     <p:spTree>
       <p:nvGrpSpPr>
@@ -2027,16 +2111,33 @@
         </p:nvSpPr>
         <p:spPr/>
         <p:txBody>
-          <a:bodyPr/>
-          <a:lstStyle/>
-          <a:p>
-            <a:r>
-              <a:rPr lang="en-US" dirty="0" err="1" smtClean="0"/>
-              <a:t>Compressorator</a:t>
-            </a:r>
+          <a:bodyPr>
+            <a:normAutofit/>
+          </a:bodyPr>
+          <a:lstStyle/>
+          <a:p>
             <a:r>
               <a:rPr lang="en-US" dirty="0" smtClean="0"/>
-              <a:t> asks “which tool is best?” which is a complicated question.</a:t>
+              <a:t>Some kind</a:t>
+            </a:r>
+            <a:r>
+              <a:rPr lang="en-US" baseline="0" dirty="0" smtClean="0"/>
+              <a:t> of developer tool that allows you to </a:t>
+            </a:r>
+            <a:r>
+              <a:rPr lang="en-US" baseline="0" smtClean="0"/>
+              <a:t>debug is ESSENTIAL!</a:t>
+            </a:r>
+            <a:endParaRPr lang="en-US" smtClean="0"/>
+          </a:p>
+          <a:p>
+            <a:r>
+              <a:rPr lang="en-US" dirty="0" smtClean="0"/>
+              <a:t>All the browsers should have something that you can use or at</a:t>
+            </a:r>
+            <a:r>
+              <a:rPr lang="en-US" baseline="0" dirty="0" smtClean="0"/>
+              <a:t> least a plug-in that you can get.</a:t>
             </a:r>
             <a:endParaRPr lang="en-US" dirty="0"/>
           </a:p>
@@ -2059,18 +2160,14 @@
           <a:p>
             <a:fld id="{257A954F-A6B4-48E5-8D4A-B654F238FE53}" type="slidenum">
               <a:rPr lang="en-US" smtClean="0"/>
-              <a:t>8</a:t>
+              <a:pPr/>
+              <a:t>7</a:t>
             </a:fld>
             <a:endParaRPr lang="en-US"/>
           </a:p>
         </p:txBody>
       </p:sp>
     </p:spTree>
-    <p:extLst>
-      <p:ext uri="{BB962C8B-B14F-4D97-AF65-F5344CB8AC3E}">
-        <p14:creationId xmlns:p14="http://schemas.microsoft.com/office/powerpoint/2010/main" val="1580621477"/>
-      </p:ext>
-    </p:extLst>
   </p:cSld>
   <p:clrMapOvr>
     <a:masterClrMapping/>
@@ -2078,8 +2175,8 @@
 </p:notes>
 </file>
 
-<file path=ppt/notesSlides/notesSlide9.xml><?xml version="1.0" encoding="utf-8"?>
-<p:notes xmlns:a="http://schemas.openxmlformats.org/drawingml/2006/main" xmlns:r="http://schemas.openxmlformats.org/officeDocument/2006/relationships" xmlns:p="http://schemas.openxmlformats.org/presentationml/2006/main">
+<file path=ppt/notesSlides/notesSlide8.xml><?xml version="1.0" encoding="utf-8"?>
+<p:notes xmlns:a="http://schemas.openxmlformats.org/drawingml/2006/main" xmlns:r="http://schemas.openxmlformats.org/officeDocument/2006/relationships" xmlns:mc="http://schemas.openxmlformats.org/markup-compatibility/2006" xmlns:mv="urn:schemas-microsoft-com:mac:vml" xmlns:p="http://schemas.openxmlformats.org/presentationml/2006/main" mc:Ignorable="mv" mc:PreserveAttributes="mv:*">
   <p:cSld>
     <p:spTree>
       <p:nvGrpSpPr>
@@ -2124,26 +2221,65 @@
           <a:p>
             <a:r>
               <a:rPr lang="en-US" dirty="0" smtClean="0"/>
-              <a:t>Turn this into this (showing results of </a:t>
+              <a:t>After create some code</a:t>
+            </a:r>
+            <a:r>
+              <a:rPr lang="en-US" baseline="0" dirty="0" smtClean="0"/>
+              <a:t> in NP++, I want to check to see if it is good. </a:t>
             </a:r>
             <a:r>
               <a:rPr lang="en-US" dirty="0" err="1" smtClean="0"/>
-              <a:t>minification</a:t>
+              <a:t>Jslint</a:t>
             </a:r>
             <a:r>
               <a:rPr lang="en-US" dirty="0" smtClean="0"/>
-              <a:t>). You can see that it renames (or shortens) variables as a part of eliminating</a:t>
+              <a:t> is picky but has lots of options</a:t>
             </a:r>
             <a:r>
               <a:rPr lang="en-US" baseline="0" dirty="0" smtClean="0"/>
-              <a:t> unneeded characters</a:t>
-            </a:r>
+              <a:t> for customization.</a:t>
+            </a:r>
+          </a:p>
+          <a:p>
+            <a:endParaRPr lang="en-US" dirty="0"/>
+          </a:p>
+          <a:p>
             <a:r>
               <a:rPr lang="en-US" dirty="0" smtClean="0"/>
-              <a:t>.</a:t>
-            </a:r>
+              <a:t>It will let you know about …</a:t>
+            </a:r>
+          </a:p>
+          <a:p>
             <a:endParaRPr lang="en-US" dirty="0"/>
           </a:p>
+          <a:p>
+            <a:r>
+              <a:rPr lang="en-US" dirty="0" smtClean="0"/>
+              <a:t>Undefined variables (it even gets you to define them at the beginning).</a:t>
+            </a:r>
+          </a:p>
+          <a:p>
+            <a:r>
+              <a:rPr lang="en-US" dirty="0" smtClean="0"/>
+              <a:t>Unused variables</a:t>
+            </a:r>
+          </a:p>
+          <a:p>
+            <a:r>
+              <a:rPr lang="en-US" dirty="0" err="1" smtClean="0"/>
+              <a:t>Forgotton</a:t>
+            </a:r>
+            <a:r>
+              <a:rPr lang="en-US" dirty="0" smtClean="0"/>
+              <a:t> semicolons</a:t>
+            </a:r>
+          </a:p>
+          <a:p>
+            <a:endParaRPr lang="en-US" dirty="0" smtClean="0"/>
+          </a:p>
+          <a:p>
+            <a:endParaRPr lang="en-US" dirty="0" smtClean="0"/>
+          </a:p>
         </p:txBody>
       </p:sp>
       <p:sp>
@@ -2163,7 +2299,8 @@
           <a:p>
             <a:fld id="{257A954F-A6B4-48E5-8D4A-B654F238FE53}" type="slidenum">
               <a:rPr lang="en-US" smtClean="0"/>
-              <a:t>9</a:t>
+              <a:pPr/>
+              <a:t>8</a:t>
             </a:fld>
             <a:endParaRPr lang="en-US"/>
           </a:p>
@@ -2172,7 +2309,7 @@
     </p:spTree>
     <p:extLst>
       <p:ext uri="{BB962C8B-B14F-4D97-AF65-F5344CB8AC3E}">
-        <p14:creationId xmlns:p14="http://schemas.microsoft.com/office/powerpoint/2010/main" val="2621390086"/>
+        <p14:creationId xmlns:p14="http://schemas.microsoft.com/office/powerpoint/2010/main" xmlns:p="http://schemas.openxmlformats.org/presentationml/2006/main" xmlns:r="http://schemas.openxmlformats.org/officeDocument/2006/relationships" xmlns:a="http://schemas.openxmlformats.org/drawingml/2006/main" xmlns="" val="3749411674"/>
       </p:ext>
     </p:extLst>
   </p:cSld>
@@ -2182,8 +2319,101 @@
 </p:notes>
 </file>
 
+<file path=ppt/notesSlides/notesSlide9.xml><?xml version="1.0" encoding="utf-8"?>
+<p:notes xmlns:a="http://schemas.openxmlformats.org/drawingml/2006/main" xmlns:r="http://schemas.openxmlformats.org/officeDocument/2006/relationships" xmlns:mc="http://schemas.openxmlformats.org/markup-compatibility/2006" xmlns:mv="urn:schemas-microsoft-com:mac:vml" xmlns:p="http://schemas.openxmlformats.org/presentationml/2006/main" mc:Ignorable="mv" mc:PreserveAttributes="mv:*">
+  <p:cSld>
+    <p:spTree>
+      <p:nvGrpSpPr>
+        <p:cNvPr id="1" name=""/>
+        <p:cNvGrpSpPr/>
+        <p:nvPr/>
+      </p:nvGrpSpPr>
+      <p:grpSpPr>
+        <a:xfrm>
+          <a:off x="0" y="0"/>
+          <a:ext cx="0" cy="0"/>
+          <a:chOff x="0" y="0"/>
+          <a:chExt cx="0" cy="0"/>
+        </a:xfrm>
+      </p:grpSpPr>
+      <p:sp>
+        <p:nvSpPr>
+          <p:cNvPr id="2" name="Slide Image Placeholder 1"/>
+          <p:cNvSpPr>
+            <a:spLocks noGrp="1" noRot="1" noChangeAspect="1"/>
+          </p:cNvSpPr>
+          <p:nvPr>
+            <p:ph type="sldImg"/>
+          </p:nvPr>
+        </p:nvSpPr>
+        <p:spPr/>
+      </p:sp>
+      <p:sp>
+        <p:nvSpPr>
+          <p:cNvPr id="3" name="Notes Placeholder 2"/>
+          <p:cNvSpPr>
+            <a:spLocks noGrp="1"/>
+          </p:cNvSpPr>
+          <p:nvPr>
+            <p:ph type="body" idx="1"/>
+          </p:nvPr>
+        </p:nvSpPr>
+        <p:spPr/>
+        <p:txBody>
+          <a:bodyPr/>
+          <a:lstStyle/>
+          <a:p>
+            <a:r>
+              <a:rPr lang="en-US" dirty="0" err="1" smtClean="0"/>
+              <a:t>Compressorator</a:t>
+            </a:r>
+            <a:r>
+              <a:rPr lang="en-US" dirty="0" smtClean="0"/>
+              <a:t> asks “which tool is best?” which is a complicated question.</a:t>
+            </a:r>
+            <a:endParaRPr lang="en-US" dirty="0"/>
+          </a:p>
+        </p:txBody>
+      </p:sp>
+      <p:sp>
+        <p:nvSpPr>
+          <p:cNvPr id="4" name="Slide Number Placeholder 3"/>
+          <p:cNvSpPr>
+            <a:spLocks noGrp="1"/>
+          </p:cNvSpPr>
+          <p:nvPr>
+            <p:ph type="sldNum" sz="quarter" idx="10"/>
+          </p:nvPr>
+        </p:nvSpPr>
+        <p:spPr/>
+        <p:txBody>
+          <a:bodyPr/>
+          <a:lstStyle/>
+          <a:p>
+            <a:fld id="{257A954F-A6B4-48E5-8D4A-B654F238FE53}" type="slidenum">
+              <a:rPr lang="en-US" smtClean="0"/>
+              <a:pPr/>
+              <a:t>9</a:t>
+            </a:fld>
+            <a:endParaRPr lang="en-US"/>
+          </a:p>
+        </p:txBody>
+      </p:sp>
+    </p:spTree>
+    <p:extLst>
+      <p:ext uri="{BB962C8B-B14F-4D97-AF65-F5344CB8AC3E}">
+        <p14:creationId xmlns:p14="http://schemas.microsoft.com/office/powerpoint/2010/main" xmlns:p="http://schemas.openxmlformats.org/presentationml/2006/main" xmlns:r="http://schemas.openxmlformats.org/officeDocument/2006/relationships" xmlns:a="http://schemas.openxmlformats.org/drawingml/2006/main" xmlns="" val="1580621477"/>
+      </p:ext>
+    </p:extLst>
+  </p:cSld>
+  <p:clrMapOvr>
+    <a:masterClrMapping/>
+  </p:clrMapOvr>
+</p:notes>
+</file>
+
 <file path=ppt/slideLayouts/slideLayout1.xml><?xml version="1.0" encoding="utf-8"?>
-<p:sldLayout xmlns:a="http://schemas.openxmlformats.org/drawingml/2006/main" xmlns:r="http://schemas.openxmlformats.org/officeDocument/2006/relationships" xmlns:p="http://schemas.openxmlformats.org/presentationml/2006/main" type="title" preserve="1">
+<p:sldLayout xmlns:a="http://schemas.openxmlformats.org/drawingml/2006/main" xmlns:r="http://schemas.openxmlformats.org/officeDocument/2006/relationships" xmlns:mc="http://schemas.openxmlformats.org/markup-compatibility/2006" xmlns:mv="urn:schemas-microsoft-com:mac:vml" xmlns:p="http://schemas.openxmlformats.org/presentationml/2006/main" mc:Ignorable="mv" mc:PreserveAttributes="mv:*" type="title" preserve="1">
   <p:cSld name="Title Slide">
     <p:spTree>
       <p:nvGrpSpPr>
@@ -2376,7 +2606,8 @@
           <a:p>
             <a:fld id="{E49CC300-CAEA-4B88-BD81-ACA25B4F5071}" type="datetime1">
               <a:rPr lang="en-US" smtClean="0"/>
-              <a:t>4/13/2015</a:t>
+              <a:pPr/>
+              <a:t>4/13/15</a:t>
             </a:fld>
             <a:endParaRPr lang="en-US"/>
           </a:p>
@@ -2422,6 +2653,7 @@
           <a:p>
             <a:fld id="{A247F51C-6885-4705-B1ED-C00AAEF6CB3D}" type="slidenum">
               <a:rPr lang="en-US" smtClean="0"/>
+              <a:pPr/>
               <a:t>‹#›</a:t>
             </a:fld>
             <a:endParaRPr lang="en-US"/>
@@ -2437,7 +2669,7 @@
 </file>
 
 <file path=ppt/slideLayouts/slideLayout10.xml><?xml version="1.0" encoding="utf-8"?>
-<p:sldLayout xmlns:a="http://schemas.openxmlformats.org/drawingml/2006/main" xmlns:r="http://schemas.openxmlformats.org/officeDocument/2006/relationships" xmlns:p="http://schemas.openxmlformats.org/presentationml/2006/main" type="vertTx" preserve="1">
+<p:sldLayout xmlns:a="http://schemas.openxmlformats.org/drawingml/2006/main" xmlns:r="http://schemas.openxmlformats.org/officeDocument/2006/relationships" xmlns:mc="http://schemas.openxmlformats.org/markup-compatibility/2006" xmlns:mv="urn:schemas-microsoft-com:mac:vml" xmlns:p="http://schemas.openxmlformats.org/presentationml/2006/main" mc:Ignorable="mv" mc:PreserveAttributes="mv:*" type="vertTx" preserve="1">
   <p:cSld name="Title and Vertical Text">
     <p:spTree>
       <p:nvGrpSpPr>
@@ -2545,7 +2777,8 @@
           <a:p>
             <a:fld id="{3745BE91-E42A-4AAF-BB26-D02BE510BB1B}" type="datetime1">
               <a:rPr lang="en-US" smtClean="0"/>
-              <a:t>4/13/2015</a:t>
+              <a:pPr/>
+              <a:t>4/13/15</a:t>
             </a:fld>
             <a:endParaRPr lang="en-US"/>
           </a:p>
@@ -2591,6 +2824,7 @@
           <a:p>
             <a:fld id="{A247F51C-6885-4705-B1ED-C00AAEF6CB3D}" type="slidenum">
               <a:rPr lang="en-US" smtClean="0"/>
+              <a:pPr/>
               <a:t>‹#›</a:t>
             </a:fld>
             <a:endParaRPr lang="en-US"/>
@@ -2606,7 +2840,7 @@
 </file>
 
 <file path=ppt/slideLayouts/slideLayout11.xml><?xml version="1.0" encoding="utf-8"?>
-<p:sldLayout xmlns:a="http://schemas.openxmlformats.org/drawingml/2006/main" xmlns:r="http://schemas.openxmlformats.org/officeDocument/2006/relationships" xmlns:p="http://schemas.openxmlformats.org/presentationml/2006/main" type="vertTitleAndTx" preserve="1">
+<p:sldLayout xmlns:a="http://schemas.openxmlformats.org/drawingml/2006/main" xmlns:r="http://schemas.openxmlformats.org/officeDocument/2006/relationships" xmlns:mc="http://schemas.openxmlformats.org/markup-compatibility/2006" xmlns:mv="urn:schemas-microsoft-com:mac:vml" xmlns:p="http://schemas.openxmlformats.org/presentationml/2006/main" mc:Ignorable="mv" mc:PreserveAttributes="mv:*" type="vertTitleAndTx" preserve="1">
   <p:cSld name="Vertical Title and Text">
     <p:spTree>
       <p:nvGrpSpPr>
@@ -2724,7 +2958,8 @@
           <a:p>
             <a:fld id="{85932754-6618-46E8-BDA5-0CBD3094D064}" type="datetime1">
               <a:rPr lang="en-US" smtClean="0"/>
-              <a:t>4/13/2015</a:t>
+              <a:pPr/>
+              <a:t>4/13/15</a:t>
             </a:fld>
             <a:endParaRPr lang="en-US"/>
           </a:p>
@@ -2770,6 +3005,7 @@
           <a:p>
             <a:fld id="{A247F51C-6885-4705-B1ED-C00AAEF6CB3D}" type="slidenum">
               <a:rPr lang="en-US" smtClean="0"/>
+              <a:pPr/>
               <a:t>‹#›</a:t>
             </a:fld>
             <a:endParaRPr lang="en-US"/>
@@ -2785,7 +3021,7 @@
 </file>
 
 <file path=ppt/slideLayouts/slideLayout2.xml><?xml version="1.0" encoding="utf-8"?>
-<p:sldLayout xmlns:a="http://schemas.openxmlformats.org/drawingml/2006/main" xmlns:r="http://schemas.openxmlformats.org/officeDocument/2006/relationships" xmlns:p="http://schemas.openxmlformats.org/presentationml/2006/main" type="obj" preserve="1">
+<p:sldLayout xmlns:a="http://schemas.openxmlformats.org/drawingml/2006/main" xmlns:r="http://schemas.openxmlformats.org/officeDocument/2006/relationships" xmlns:mc="http://schemas.openxmlformats.org/markup-compatibility/2006" xmlns:mv="urn:schemas-microsoft-com:mac:vml" xmlns:p="http://schemas.openxmlformats.org/presentationml/2006/main" mc:Ignorable="mv" mc:PreserveAttributes="mv:*" type="obj" preserve="1">
   <p:cSld name="Title and Content">
     <p:spTree>
       <p:nvGrpSpPr>
@@ -2893,7 +3129,8 @@
           <a:p>
             <a:fld id="{E403B45D-E03C-4404-9C98-312B8AD2E868}" type="datetime1">
               <a:rPr lang="en-US" smtClean="0"/>
-              <a:t>4/13/2015</a:t>
+              <a:pPr/>
+              <a:t>4/13/15</a:t>
             </a:fld>
             <a:endParaRPr lang="en-US"/>
           </a:p>
@@ -2939,6 +3176,7 @@
           <a:p>
             <a:fld id="{A247F51C-6885-4705-B1ED-C00AAEF6CB3D}" type="slidenum">
               <a:rPr lang="en-US" smtClean="0"/>
+              <a:pPr/>
               <a:t>‹#›</a:t>
             </a:fld>
             <a:endParaRPr lang="en-US"/>
@@ -2954,7 +3192,7 @@
 </file>
 
 <file path=ppt/slideLayouts/slideLayout3.xml><?xml version="1.0" encoding="utf-8"?>
-<p:sldLayout xmlns:a="http://schemas.openxmlformats.org/drawingml/2006/main" xmlns:r="http://schemas.openxmlformats.org/officeDocument/2006/relationships" xmlns:p="http://schemas.openxmlformats.org/presentationml/2006/main" type="secHead" preserve="1">
+<p:sldLayout xmlns:a="http://schemas.openxmlformats.org/drawingml/2006/main" xmlns:r="http://schemas.openxmlformats.org/officeDocument/2006/relationships" xmlns:mc="http://schemas.openxmlformats.org/markup-compatibility/2006" xmlns:mv="urn:schemas-microsoft-com:mac:vml" xmlns:p="http://schemas.openxmlformats.org/presentationml/2006/main" mc:Ignorable="mv" mc:PreserveAttributes="mv:*" type="secHead" preserve="1">
   <p:cSld name="Section Header">
     <p:spTree>
       <p:nvGrpSpPr>
@@ -3138,7 +3376,8 @@
           <a:p>
             <a:fld id="{71F2BD76-C6AD-4172-8115-134A806DAA37}" type="datetime1">
               <a:rPr lang="en-US" smtClean="0"/>
-              <a:t>4/13/2015</a:t>
+              <a:pPr/>
+              <a:t>4/13/15</a:t>
             </a:fld>
             <a:endParaRPr lang="en-US"/>
           </a:p>
@@ -3184,6 +3423,7 @@
           <a:p>
             <a:fld id="{A247F51C-6885-4705-B1ED-C00AAEF6CB3D}" type="slidenum">
               <a:rPr lang="en-US" smtClean="0"/>
+              <a:pPr/>
               <a:t>‹#›</a:t>
             </a:fld>
             <a:endParaRPr lang="en-US"/>
@@ -3199,7 +3439,7 @@
 </file>
 
 <file path=ppt/slideLayouts/slideLayout4.xml><?xml version="1.0" encoding="utf-8"?>
-<p:sldLayout xmlns:a="http://schemas.openxmlformats.org/drawingml/2006/main" xmlns:r="http://schemas.openxmlformats.org/officeDocument/2006/relationships" xmlns:p="http://schemas.openxmlformats.org/presentationml/2006/main" type="twoObj" preserve="1">
+<p:sldLayout xmlns:a="http://schemas.openxmlformats.org/drawingml/2006/main" xmlns:r="http://schemas.openxmlformats.org/officeDocument/2006/relationships" xmlns:mc="http://schemas.openxmlformats.org/markup-compatibility/2006" xmlns:mv="urn:schemas-microsoft-com:mac:vml" xmlns:p="http://schemas.openxmlformats.org/presentationml/2006/main" mc:Ignorable="mv" mc:PreserveAttributes="mv:*" type="twoObj" preserve="1">
   <p:cSld name="Two Content">
     <p:spTree>
       <p:nvGrpSpPr>
@@ -3425,7 +3665,8 @@
           <a:p>
             <a:fld id="{D914C391-1193-487A-A813-6955BCA06797}" type="datetime1">
               <a:rPr lang="en-US" smtClean="0"/>
-              <a:t>4/13/2015</a:t>
+              <a:pPr/>
+              <a:t>4/13/15</a:t>
             </a:fld>
             <a:endParaRPr lang="en-US"/>
           </a:p>
@@ -3471,6 +3712,7 @@
           <a:p>
             <a:fld id="{A247F51C-6885-4705-B1ED-C00AAEF6CB3D}" type="slidenum">
               <a:rPr lang="en-US" smtClean="0"/>
+              <a:pPr/>
               <a:t>‹#›</a:t>
             </a:fld>
             <a:endParaRPr lang="en-US"/>
@@ -3486,7 +3728,7 @@
 </file>
 
 <file path=ppt/slideLayouts/slideLayout5.xml><?xml version="1.0" encoding="utf-8"?>
-<p:sldLayout xmlns:a="http://schemas.openxmlformats.org/drawingml/2006/main" xmlns:r="http://schemas.openxmlformats.org/officeDocument/2006/relationships" xmlns:p="http://schemas.openxmlformats.org/presentationml/2006/main" type="twoTxTwoObj" preserve="1">
+<p:sldLayout xmlns:a="http://schemas.openxmlformats.org/drawingml/2006/main" xmlns:r="http://schemas.openxmlformats.org/officeDocument/2006/relationships" xmlns:mc="http://schemas.openxmlformats.org/markup-compatibility/2006" xmlns:mv="urn:schemas-microsoft-com:mac:vml" xmlns:p="http://schemas.openxmlformats.org/presentationml/2006/main" mc:Ignorable="mv" mc:PreserveAttributes="mv:*" type="twoTxTwoObj" preserve="1">
   <p:cSld name="Comparison">
     <p:spTree>
       <p:nvGrpSpPr>
@@ -3858,7 +4100,8 @@
           <a:p>
             <a:fld id="{1D8BA7DB-370E-41B0-A40A-7B552FA471B6}" type="datetime1">
               <a:rPr lang="en-US" smtClean="0"/>
-              <a:t>4/13/2015</a:t>
+              <a:pPr/>
+              <a:t>4/13/15</a:t>
             </a:fld>
             <a:endParaRPr lang="en-US"/>
           </a:p>
@@ -3904,6 +4147,7 @@
           <a:p>
             <a:fld id="{A247F51C-6885-4705-B1ED-C00AAEF6CB3D}" type="slidenum">
               <a:rPr lang="en-US" smtClean="0"/>
+              <a:pPr/>
               <a:t>‹#›</a:t>
             </a:fld>
             <a:endParaRPr lang="en-US"/>
@@ -3919,7 +4163,7 @@
 </file>
 
 <file path=ppt/slideLayouts/slideLayout6.xml><?xml version="1.0" encoding="utf-8"?>
-<p:sldLayout xmlns:a="http://schemas.openxmlformats.org/drawingml/2006/main" xmlns:r="http://schemas.openxmlformats.org/officeDocument/2006/relationships" xmlns:p="http://schemas.openxmlformats.org/presentationml/2006/main" type="titleOnly" preserve="1">
+<p:sldLayout xmlns:a="http://schemas.openxmlformats.org/drawingml/2006/main" xmlns:r="http://schemas.openxmlformats.org/officeDocument/2006/relationships" xmlns:mc="http://schemas.openxmlformats.org/markup-compatibility/2006" xmlns:mv="urn:schemas-microsoft-com:mac:vml" xmlns:p="http://schemas.openxmlformats.org/presentationml/2006/main" mc:Ignorable="mv" mc:PreserveAttributes="mv:*" type="titleOnly" preserve="1">
   <p:cSld name="Title Only">
     <p:spTree>
       <p:nvGrpSpPr>
@@ -3975,7 +4219,8 @@
           <a:p>
             <a:fld id="{7DA98626-2BFD-45F5-9D52-62A2F09880E2}" type="datetime1">
               <a:rPr lang="en-US" smtClean="0"/>
-              <a:t>4/13/2015</a:t>
+              <a:pPr/>
+              <a:t>4/13/15</a:t>
             </a:fld>
             <a:endParaRPr lang="en-US"/>
           </a:p>
@@ -4021,6 +4266,7 @@
           <a:p>
             <a:fld id="{A247F51C-6885-4705-B1ED-C00AAEF6CB3D}" type="slidenum">
               <a:rPr lang="en-US" smtClean="0"/>
+              <a:pPr/>
               <a:t>‹#›</a:t>
             </a:fld>
             <a:endParaRPr lang="en-US"/>
@@ -4036,7 +4282,7 @@
 </file>
 
 <file path=ppt/slideLayouts/slideLayout7.xml><?xml version="1.0" encoding="utf-8"?>
-<p:sldLayout xmlns:a="http://schemas.openxmlformats.org/drawingml/2006/main" xmlns:r="http://schemas.openxmlformats.org/officeDocument/2006/relationships" xmlns:p="http://schemas.openxmlformats.org/presentationml/2006/main" type="blank" preserve="1">
+<p:sldLayout xmlns:a="http://schemas.openxmlformats.org/drawingml/2006/main" xmlns:r="http://schemas.openxmlformats.org/officeDocument/2006/relationships" xmlns:mc="http://schemas.openxmlformats.org/markup-compatibility/2006" xmlns:mv="urn:schemas-microsoft-com:mac:vml" xmlns:p="http://schemas.openxmlformats.org/presentationml/2006/main" mc:Ignorable="mv" mc:PreserveAttributes="mv:*" type="blank" preserve="1">
   <p:cSld name="Blank">
     <p:spTree>
       <p:nvGrpSpPr>
@@ -4069,7 +4315,8 @@
           <a:p>
             <a:fld id="{22B55C7B-319A-4FF3-AAF4-39360E58F7A1}" type="datetime1">
               <a:rPr lang="en-US" smtClean="0"/>
-              <a:t>4/13/2015</a:t>
+              <a:pPr/>
+              <a:t>4/13/15</a:t>
             </a:fld>
             <a:endParaRPr lang="en-US"/>
           </a:p>
@@ -4115,6 +4362,7 @@
           <a:p>
             <a:fld id="{A247F51C-6885-4705-B1ED-C00AAEF6CB3D}" type="slidenum">
               <a:rPr lang="en-US" smtClean="0"/>
+              <a:pPr/>
               <a:t>‹#›</a:t>
             </a:fld>
             <a:endParaRPr lang="en-US"/>
@@ -4130,7 +4378,7 @@
 </file>
 
 <file path=ppt/slideLayouts/slideLayout8.xml><?xml version="1.0" encoding="utf-8"?>
-<p:sldLayout xmlns:a="http://schemas.openxmlformats.org/drawingml/2006/main" xmlns:r="http://schemas.openxmlformats.org/officeDocument/2006/relationships" xmlns:p="http://schemas.openxmlformats.org/presentationml/2006/main" type="objTx" preserve="1">
+<p:sldLayout xmlns:a="http://schemas.openxmlformats.org/drawingml/2006/main" xmlns:r="http://schemas.openxmlformats.org/officeDocument/2006/relationships" xmlns:mc="http://schemas.openxmlformats.org/markup-compatibility/2006" xmlns:mv="urn:schemas-microsoft-com:mac:vml" xmlns:p="http://schemas.openxmlformats.org/presentationml/2006/main" mc:Ignorable="mv" mc:PreserveAttributes="mv:*" type="objTx" preserve="1">
   <p:cSld name="Content with Caption">
     <p:spTree>
       <p:nvGrpSpPr>
@@ -4262,7 +4510,8 @@
           <a:p>
             <a:fld id="{0D367370-D750-4432-AC66-D72C14545BDF}" type="datetime1">
               <a:rPr lang="en-US" smtClean="0"/>
-              <a:t>4/13/2015</a:t>
+              <a:pPr/>
+              <a:t>4/13/15</a:t>
             </a:fld>
             <a:endParaRPr lang="en-US"/>
           </a:p>
@@ -4308,6 +4557,7 @@
           <a:p>
             <a:fld id="{A247F51C-6885-4705-B1ED-C00AAEF6CB3D}" type="slidenum">
               <a:rPr lang="en-US" smtClean="0"/>
+              <a:pPr/>
               <a:t>‹#›</a:t>
             </a:fld>
             <a:endParaRPr lang="en-US"/>
@@ -4380,7 +4630,7 @@
 </file>
 
 <file path=ppt/slideLayouts/slideLayout9.xml><?xml version="1.0" encoding="utf-8"?>
-<p:sldLayout xmlns:a="http://schemas.openxmlformats.org/drawingml/2006/main" xmlns:r="http://schemas.openxmlformats.org/officeDocument/2006/relationships" xmlns:p="http://schemas.openxmlformats.org/presentationml/2006/main" type="picTx" preserve="1">
+<p:sldLayout xmlns:a="http://schemas.openxmlformats.org/drawingml/2006/main" xmlns:r="http://schemas.openxmlformats.org/officeDocument/2006/relationships" xmlns:mc="http://schemas.openxmlformats.org/markup-compatibility/2006" xmlns:mv="urn:schemas-microsoft-com:mac:vml" xmlns:p="http://schemas.openxmlformats.org/presentationml/2006/main" mc:Ignorable="mv" mc:PreserveAttributes="mv:*" type="picTx" preserve="1">
   <p:cSld name="Picture with Caption">
     <p:spTree>
       <p:nvGrpSpPr>
@@ -4584,7 +4834,8 @@
           <a:p>
             <a:fld id="{EF417AFC-C7AB-4C08-885D-2ACAE3399F5D}" type="datetime1">
               <a:rPr lang="en-US" smtClean="0"/>
-              <a:t>4/13/2015</a:t>
+              <a:pPr/>
+              <a:t>4/13/15</a:t>
             </a:fld>
             <a:endParaRPr lang="en-US"/>
           </a:p>
@@ -4607,6 +4858,7 @@
           <a:p>
             <a:fld id="{A247F51C-6885-4705-B1ED-C00AAEF6CB3D}" type="slidenum">
               <a:rPr lang="en-US" smtClean="0"/>
+              <a:pPr/>
               <a:t>‹#›</a:t>
             </a:fld>
             <a:endParaRPr lang="en-US"/>
@@ -4645,7 +4897,7 @@
 </file>
 
 <file path=ppt/slideMasters/slideMaster1.xml><?xml version="1.0" encoding="utf-8"?>
-<p:sldMaster xmlns:a="http://schemas.openxmlformats.org/drawingml/2006/main" xmlns:r="http://schemas.openxmlformats.org/officeDocument/2006/relationships" xmlns:p="http://schemas.openxmlformats.org/presentationml/2006/main">
+<p:sldMaster xmlns:a="http://schemas.openxmlformats.org/drawingml/2006/main" xmlns:r="http://schemas.openxmlformats.org/officeDocument/2006/relationships" xmlns:mc="http://schemas.openxmlformats.org/markup-compatibility/2006" xmlns:mv="urn:schemas-microsoft-com:mac:vml" xmlns:p="http://schemas.openxmlformats.org/presentationml/2006/main" mc:Ignorable="mv" mc:PreserveAttributes="mv:*">
   <p:cSld>
     <p:bg>
       <p:bgRef idx="1002">
@@ -4893,6 +5145,7 @@
           <a:p>
             <a:fld id="{A247F51C-6885-4705-B1ED-C00AAEF6CB3D}" type="slidenum">
               <a:rPr lang="en-US" smtClean="0"/>
+              <a:pPr/>
               <a:t>‹#›</a:t>
             </a:fld>
             <a:endParaRPr lang="en-US"/>
@@ -4971,7 +5224,8 @@
           <a:p>
             <a:fld id="{34B9A30A-8FAE-4300-9C2E-8702CB66E234}" type="datetime1">
               <a:rPr lang="en-US" smtClean="0"/>
-              <a:t>4/13/2015</a:t>
+              <a:pPr/>
+              <a:t>4/13/15</a:t>
             </a:fld>
             <a:endParaRPr lang="en-US"/>
           </a:p>
@@ -5279,7 +5533,7 @@
 </file>
 
 <file path=ppt/slides/slide1.xml><?xml version="1.0" encoding="utf-8"?>
-<p:sld xmlns:a="http://schemas.openxmlformats.org/drawingml/2006/main" xmlns:r="http://schemas.openxmlformats.org/officeDocument/2006/relationships" xmlns:p="http://schemas.openxmlformats.org/presentationml/2006/main">
+<p:sld xmlns:a="http://schemas.openxmlformats.org/drawingml/2006/main" xmlns:r="http://schemas.openxmlformats.org/officeDocument/2006/relationships" xmlns:mc="http://schemas.openxmlformats.org/markup-compatibility/2006" xmlns:mv="urn:schemas-microsoft-com:mac:vml" xmlns:p="http://schemas.openxmlformats.org/presentationml/2006/main" mc:Ignorable="mv" mc:PreserveAttributes="mv:*">
   <p:cSld>
     <p:spTree>
       <p:nvGrpSpPr>
@@ -5431,6 +5685,7 @@
           <a:p>
             <a:fld id="{A247F51C-6885-4705-B1ED-C00AAEF6CB3D}" type="slidenum">
               <a:rPr lang="en-US" smtClean="0"/>
+              <a:pPr/>
               <a:t>1</a:t>
             </a:fld>
             <a:endParaRPr lang="en-US"/>
@@ -5454,7 +5709,8 @@
           <a:p>
             <a:fld id="{0302782C-87D0-4478-85B8-4E9C8400ABB7}" type="datetime1">
               <a:rPr lang="en-US" smtClean="0"/>
-              <a:t>4/13/2015</a:t>
+              <a:pPr/>
+              <a:t>4/13/15</a:t>
             </a:fld>
             <a:endParaRPr lang="en-US" dirty="0"/>
           </a:p>
@@ -5472,7 +5728,7 @@
           <a:blip r:embed="rId3">
             <a:extLst>
               <a:ext uri="{28A0092B-C50C-407E-A947-70E740481C1C}">
-                <a14:useLocalDpi xmlns:a14="http://schemas.microsoft.com/office/drawing/2010/main" val="0"/>
+                <a14:useLocalDpi xmlns:a14="http://schemas.microsoft.com/office/drawing/2010/main" xmlns:p="http://schemas.openxmlformats.org/presentationml/2006/main" xmlns:r="http://schemas.openxmlformats.org/officeDocument/2006/relationships" xmlns:a="http://schemas.openxmlformats.org/drawingml/2006/main" xmlns="" val="0"/>
               </a:ext>
             </a:extLst>
           </a:blip>
@@ -5576,7 +5832,7 @@
     </p:spTree>
     <p:extLst>
       <p:ext uri="{BB962C8B-B14F-4D97-AF65-F5344CB8AC3E}">
-        <p14:creationId xmlns:p14="http://schemas.microsoft.com/office/powerpoint/2010/main" val="8537612"/>
+        <p14:creationId xmlns:p14="http://schemas.microsoft.com/office/powerpoint/2010/main" xmlns:p="http://schemas.openxmlformats.org/presentationml/2006/main" xmlns:r="http://schemas.openxmlformats.org/officeDocument/2006/relationships" xmlns:a="http://schemas.openxmlformats.org/drawingml/2006/main" xmlns="" val="8537612"/>
       </p:ext>
     </p:extLst>
   </p:cSld>
@@ -5594,7 +5850,7 @@
 </file>
 
 <file path=ppt/slides/slide10.xml><?xml version="1.0" encoding="utf-8"?>
-<p:sld xmlns:a="http://schemas.openxmlformats.org/drawingml/2006/main" xmlns:r="http://schemas.openxmlformats.org/officeDocument/2006/relationships" xmlns:p="http://schemas.openxmlformats.org/presentationml/2006/main">
+<p:sld xmlns:a="http://schemas.openxmlformats.org/drawingml/2006/main" xmlns:r="http://schemas.openxmlformats.org/officeDocument/2006/relationships" xmlns:mc="http://schemas.openxmlformats.org/markup-compatibility/2006" xmlns:mv="urn:schemas-microsoft-com:mac:vml" xmlns:p="http://schemas.openxmlformats.org/presentationml/2006/main" mc:Ignorable="mv" mc:PreserveAttributes="mv:*">
   <p:cSld>
     <p:spTree>
       <p:nvGrpSpPr>
@@ -5626,8 +5882,8 @@
           <a:lstStyle/>
           <a:p>
             <a:r>
-              <a:rPr lang="en-US" dirty="0" smtClean="0"/>
-              <a:t>Code Bloat</a:t>
+              <a:rPr lang="en-US" dirty="0" err="1" smtClean="0"/>
+              <a:t>Minification</a:t>
             </a:r>
             <a:endParaRPr lang="en-US" dirty="0"/>
           </a:p>
@@ -5635,53 +5891,6 @@
       </p:sp>
       <p:sp>
         <p:nvSpPr>
-          <p:cNvPr id="3" name="Content Placeholder 2"/>
-          <p:cNvSpPr>
-            <a:spLocks noGrp="1"/>
-          </p:cNvSpPr>
-          <p:nvPr>
-            <p:ph idx="1"/>
-          </p:nvPr>
-        </p:nvSpPr>
-        <p:spPr>
-          <a:xfrm>
-            <a:off x="457200" y="1447800"/>
-            <a:ext cx="7620000" cy="4800600"/>
-          </a:xfrm>
-        </p:spPr>
-        <p:txBody>
-          <a:bodyPr/>
-          <a:lstStyle/>
-          <a:p>
-            <a:pPr marL="114300" indent="0">
-              <a:buNone/>
-            </a:pPr>
-            <a:r>
-              <a:rPr lang="en-US" dirty="0" smtClean="0"/>
-              <a:t>How to make things work without making it over-complicated?</a:t>
-            </a:r>
-          </a:p>
-          <a:p>
-            <a:pPr marL="114300" indent="0">
-              <a:buNone/>
-            </a:pPr>
-            <a:r>
-              <a:rPr lang="en-US" dirty="0" smtClean="0"/>
-              <a:t/>
-            </a:r>
-            <a:br>
-              <a:rPr lang="en-US" dirty="0" smtClean="0"/>
-            </a:br>
-            <a:r>
-              <a:rPr lang="en-US" dirty="0" smtClean="0"/>
-              <a:t>This led to a Unique Solution …</a:t>
-            </a:r>
-            <a:endParaRPr lang="en-US" dirty="0"/>
-          </a:p>
-        </p:txBody>
-      </p:sp>
-      <p:sp>
-        <p:nvSpPr>
           <p:cNvPr id="4" name="Date Placeholder 3"/>
           <p:cNvSpPr>
             <a:spLocks noGrp="1"/>
@@ -5697,7 +5906,8 @@
           <a:p>
             <a:fld id="{E403B45D-E03C-4404-9C98-312B8AD2E868}" type="datetime1">
               <a:rPr lang="en-US" smtClean="0"/>
-              <a:t>4/13/2015</a:t>
+              <a:pPr/>
+              <a:t>4/13/15</a:t>
             </a:fld>
             <a:endParaRPr lang="en-US"/>
           </a:p>
@@ -5743,6 +5953,7 @@
           <a:p>
             <a:fld id="{A247F51C-6885-4705-B1ED-C00AAEF6CB3D}" type="slidenum">
               <a:rPr lang="en-US" smtClean="0"/>
+              <a:pPr/>
               <a:t>10</a:t>
             </a:fld>
             <a:endParaRPr lang="en-US"/>
@@ -5751,7 +5962,7 @@
       </p:sp>
       <p:pic>
         <p:nvPicPr>
-          <p:cNvPr id="1026" name="Picture 2"/>
+          <p:cNvPr id="7" name="Picture 2"/>
           <p:cNvPicPr>
             <a:picLocks noChangeAspect="1" noChangeArrowheads="1"/>
           </p:cNvPicPr>
@@ -5761,7 +5972,7 @@
           <a:blip r:embed="rId3">
             <a:extLst>
               <a:ext uri="{28A0092B-C50C-407E-A947-70E740481C1C}">
-                <a14:useLocalDpi xmlns:a14="http://schemas.microsoft.com/office/drawing/2010/main" val="0"/>
+                <a14:useLocalDpi xmlns:a14="http://schemas.microsoft.com/office/drawing/2010/main" xmlns:p="http://schemas.openxmlformats.org/presentationml/2006/main" xmlns:r="http://schemas.openxmlformats.org/officeDocument/2006/relationships" xmlns:a="http://schemas.openxmlformats.org/drawingml/2006/main" xmlns="" val="0"/>
               </a:ext>
             </a:extLst>
           </a:blip>
@@ -5772,14 +5983,14 @@
         </p:blipFill>
         <p:spPr bwMode="auto">
           <a:xfrm>
-            <a:off x="1219200" y="2971800"/>
-            <a:ext cx="6246756" cy="3495675"/>
+            <a:off x="847726" y="1371600"/>
+            <a:ext cx="6057900" cy="2381990"/>
           </a:xfrm>
           <a:prstGeom prst="rect">
             <a:avLst/>
           </a:prstGeom>
           <a:noFill/>
-          <a:ln w="19050">
+          <a:ln w="15875">
             <a:solidFill>
               <a:schemeClr val="tx1"/>
             </a:solidFill>
@@ -5789,7 +6000,7 @@
           </a:ln>
           <a:extLst>
             <a:ext uri="{909E8E84-426E-40DD-AFC4-6F175D3DCCD1}">
-              <a14:hiddenFill xmlns:a14="http://schemas.microsoft.com/office/drawing/2010/main">
+              <a14:hiddenFill xmlns:a14="http://schemas.microsoft.com/office/drawing/2010/main" xmlns:p="http://schemas.openxmlformats.org/presentationml/2006/main" xmlns:r="http://schemas.openxmlformats.org/officeDocument/2006/relationships" xmlns:a="http://schemas.openxmlformats.org/drawingml/2006/main" xmlns="">
                 <a:solidFill>
                   <a:schemeClr val="accent1"/>
                 </a:solidFill>
@@ -5800,9 +6011,9 @@
       </p:pic>
       <p:pic>
         <p:nvPicPr>
-          <p:cNvPr id="8" name="Picture 7"/>
+          <p:cNvPr id="8" name="Picture 3"/>
           <p:cNvPicPr>
-            <a:picLocks noChangeAspect="1"/>
+            <a:picLocks noChangeAspect="1" noChangeArrowheads="1"/>
           </p:cNvPicPr>
           <p:nvPr/>
         </p:nvPicPr>
@@ -5810,7 +6021,49 @@
           <a:blip r:embed="rId4">
             <a:extLst>
               <a:ext uri="{28A0092B-C50C-407E-A947-70E740481C1C}">
-                <a14:useLocalDpi xmlns:a14="http://schemas.microsoft.com/office/drawing/2010/main" val="0"/>
+                <a14:useLocalDpi xmlns:a14="http://schemas.microsoft.com/office/drawing/2010/main" xmlns:p="http://schemas.openxmlformats.org/presentationml/2006/main" xmlns:r="http://schemas.openxmlformats.org/officeDocument/2006/relationships" xmlns:a="http://schemas.openxmlformats.org/drawingml/2006/main" xmlns="" val="0"/>
+              </a:ext>
+            </a:extLst>
+          </a:blip>
+          <a:srcRect/>
+          <a:stretch>
+            <a:fillRect/>
+          </a:stretch>
+        </p:blipFill>
+        <p:spPr bwMode="auto">
+          <a:xfrm>
+            <a:off x="838200" y="3976529"/>
+            <a:ext cx="6067426" cy="2500471"/>
+          </a:xfrm>
+          <a:prstGeom prst="rect">
+            <a:avLst/>
+          </a:prstGeom>
+          <a:solidFill>
+            <a:schemeClr val="accent1"/>
+          </a:solidFill>
+          <a:ln w="15875">
+            <a:solidFill>
+              <a:schemeClr val="tx1"/>
+            </a:solidFill>
+            <a:miter lim="800000"/>
+            <a:headEnd/>
+            <a:tailEnd/>
+          </a:ln>
+        </p:spPr>
+      </p:pic>
+      <p:pic>
+        <p:nvPicPr>
+          <p:cNvPr id="9" name="Picture 8"/>
+          <p:cNvPicPr>
+            <a:picLocks noChangeAspect="1"/>
+          </p:cNvPicPr>
+          <p:nvPr/>
+        </p:nvPicPr>
+        <p:blipFill>
+          <a:blip r:embed="rId5">
+            <a:extLst>
+              <a:ext uri="{28A0092B-C50C-407E-A947-70E740481C1C}">
+                <a14:useLocalDpi xmlns:a14="http://schemas.microsoft.com/office/drawing/2010/main" xmlns:p="http://schemas.openxmlformats.org/presentationml/2006/main" xmlns:r="http://schemas.openxmlformats.org/officeDocument/2006/relationships" xmlns:a="http://schemas.openxmlformats.org/drawingml/2006/main" xmlns="" val="0"/>
               </a:ext>
             </a:extLst>
           </a:blip>
@@ -5839,7 +6092,7 @@
     </p:spTree>
     <p:extLst>
       <p:ext uri="{BB962C8B-B14F-4D97-AF65-F5344CB8AC3E}">
-        <p14:creationId xmlns:p14="http://schemas.microsoft.com/office/powerpoint/2010/main" val="3683446191"/>
+        <p14:creationId xmlns:p14="http://schemas.microsoft.com/office/powerpoint/2010/main" xmlns:p="http://schemas.openxmlformats.org/presentationml/2006/main" xmlns:r="http://schemas.openxmlformats.org/officeDocument/2006/relationships" xmlns:a="http://schemas.openxmlformats.org/drawingml/2006/main" xmlns="" val="72292095"/>
       </p:ext>
     </p:extLst>
   </p:cSld>
@@ -5857,7 +6110,7 @@
 </file>
 
 <file path=ppt/slides/slide11.xml><?xml version="1.0" encoding="utf-8"?>
-<p:sld xmlns:a="http://schemas.openxmlformats.org/drawingml/2006/main" xmlns:r="http://schemas.openxmlformats.org/officeDocument/2006/relationships" xmlns:p="http://schemas.openxmlformats.org/presentationml/2006/main">
+<p:sld xmlns:a="http://schemas.openxmlformats.org/drawingml/2006/main" xmlns:r="http://schemas.openxmlformats.org/officeDocument/2006/relationships" xmlns:mc="http://schemas.openxmlformats.org/markup-compatibility/2006" xmlns:mv="urn:schemas-microsoft-com:mac:vml" xmlns:p="http://schemas.openxmlformats.org/presentationml/2006/main" mc:Ignorable="mv" mc:PreserveAttributes="mv:*">
   <p:cSld>
     <p:spTree>
       <p:nvGrpSpPr>
@@ -5890,7 +6143,7 @@
           <a:p>
             <a:r>
               <a:rPr lang="en-US" dirty="0" smtClean="0"/>
-              <a:t>A Unique Solution</a:t>
+              <a:t>Code Bloat</a:t>
             </a:r>
             <a:endParaRPr lang="en-US" dirty="0"/>
           </a:p>
@@ -5916,30 +6169,29 @@
           <a:bodyPr/>
           <a:lstStyle/>
           <a:p>
-            <a:r>
-              <a:rPr lang="en-US" dirty="0"/>
-              <a:t>I</a:t>
-            </a:r>
+            <a:pPr marL="114300" indent="0">
+              <a:buNone/>
+            </a:pPr>
             <a:r>
               <a:rPr lang="en-US" dirty="0" smtClean="0"/>
-              <a:t>f I can pass in variables like X, Y, and Z, I can keep my </a:t>
-            </a:r>
-            <a:r>
-              <a:rPr lang="en-US" b="1" i="1" dirty="0" smtClean="0"/>
-              <a:t>place</a:t>
-            </a:r>
+              <a:t>How to make things work without making it over-complicated?</a:t>
+            </a:r>
+          </a:p>
+          <a:p>
+            <a:pPr marL="114300" indent="0">
+              <a:buNone/>
+            </a:pPr>
             <a:r>
               <a:rPr lang="en-US" dirty="0" smtClean="0"/>
-              <a:t> and continue with a new workflow.</a:t>
-            </a:r>
-          </a:p>
-          <a:p>
-            <a:r>
+              <a:t/>
+            </a:r>
+            <a:br>
               <a:rPr lang="en-US" dirty="0" smtClean="0"/>
-              <a:t>I have done this sort of thing with PHP and $_GET.</a:t>
-            </a:r>
-          </a:p>
-          <a:p>
+            </a:br>
+            <a:r>
+              <a:rPr lang="en-US" dirty="0" smtClean="0"/>
+              <a:t>This led to a Unique Solution …</a:t>
+            </a:r>
             <a:endParaRPr lang="en-US" dirty="0"/>
           </a:p>
         </p:txBody>
@@ -5961,7 +6213,8 @@
           <a:p>
             <a:fld id="{E403B45D-E03C-4404-9C98-312B8AD2E868}" type="datetime1">
               <a:rPr lang="en-US" smtClean="0"/>
-              <a:t>4/13/2015</a:t>
+              <a:pPr/>
+              <a:t>4/13/15</a:t>
             </a:fld>
             <a:endParaRPr lang="en-US"/>
           </a:p>
@@ -6007,6 +6260,7 @@
           <a:p>
             <a:fld id="{A247F51C-6885-4705-B1ED-C00AAEF6CB3D}" type="slidenum">
               <a:rPr lang="en-US" smtClean="0"/>
+              <a:pPr/>
               <a:t>11</a:t>
             </a:fld>
             <a:endParaRPr lang="en-US"/>
@@ -6015,7 +6269,7 @@
       </p:sp>
       <p:pic>
         <p:nvPicPr>
-          <p:cNvPr id="2050" name="Picture 2"/>
+          <p:cNvPr id="1026" name="Picture 2"/>
           <p:cNvPicPr>
             <a:picLocks noChangeAspect="1" noChangeArrowheads="1"/>
           </p:cNvPicPr>
@@ -6025,7 +6279,7 @@
           <a:blip r:embed="rId3">
             <a:extLst>
               <a:ext uri="{28A0092B-C50C-407E-A947-70E740481C1C}">
-                <a14:useLocalDpi xmlns:a14="http://schemas.microsoft.com/office/drawing/2010/main" val="0"/>
+                <a14:useLocalDpi xmlns:a14="http://schemas.microsoft.com/office/drawing/2010/main" xmlns:p="http://schemas.openxmlformats.org/presentationml/2006/main" xmlns:r="http://schemas.openxmlformats.org/officeDocument/2006/relationships" xmlns:a="http://schemas.openxmlformats.org/drawingml/2006/main" xmlns="" val="0"/>
               </a:ext>
             </a:extLst>
           </a:blip>
@@ -6036,8 +6290,8 @@
         </p:blipFill>
         <p:spPr bwMode="auto">
           <a:xfrm>
-            <a:off x="2619375" y="2819400"/>
-            <a:ext cx="4772025" cy="3616620"/>
+            <a:off x="1219200" y="2971800"/>
+            <a:ext cx="6246756" cy="3495675"/>
           </a:xfrm>
           <a:prstGeom prst="rect">
             <a:avLst/>
@@ -6053,7 +6307,7 @@
           </a:ln>
           <a:extLst>
             <a:ext uri="{909E8E84-426E-40DD-AFC4-6F175D3DCCD1}">
-              <a14:hiddenFill xmlns:a14="http://schemas.microsoft.com/office/drawing/2010/main">
+              <a14:hiddenFill xmlns:a14="http://schemas.microsoft.com/office/drawing/2010/main" xmlns:p="http://schemas.openxmlformats.org/presentationml/2006/main" xmlns:r="http://schemas.openxmlformats.org/officeDocument/2006/relationships" xmlns:a="http://schemas.openxmlformats.org/drawingml/2006/main" xmlns="">
                 <a:solidFill>
                   <a:schemeClr val="accent1"/>
                 </a:solidFill>
@@ -6074,7 +6328,7 @@
           <a:blip r:embed="rId4">
             <a:extLst>
               <a:ext uri="{28A0092B-C50C-407E-A947-70E740481C1C}">
-                <a14:useLocalDpi xmlns:a14="http://schemas.microsoft.com/office/drawing/2010/main" val="0"/>
+                <a14:useLocalDpi xmlns:a14="http://schemas.microsoft.com/office/drawing/2010/main" xmlns:p="http://schemas.openxmlformats.org/presentationml/2006/main" xmlns:r="http://schemas.openxmlformats.org/officeDocument/2006/relationships" xmlns:a="http://schemas.openxmlformats.org/drawingml/2006/main" xmlns="" val="0"/>
               </a:ext>
             </a:extLst>
           </a:blip>
@@ -6103,7 +6357,7 @@
     </p:spTree>
     <p:extLst>
       <p:ext uri="{BB962C8B-B14F-4D97-AF65-F5344CB8AC3E}">
-        <p14:creationId xmlns:p14="http://schemas.microsoft.com/office/powerpoint/2010/main" val="3401016301"/>
+        <p14:creationId xmlns:p14="http://schemas.microsoft.com/office/powerpoint/2010/main" xmlns:p="http://schemas.openxmlformats.org/presentationml/2006/main" xmlns:r="http://schemas.openxmlformats.org/officeDocument/2006/relationships" xmlns:a="http://schemas.openxmlformats.org/drawingml/2006/main" xmlns="" val="3683446191"/>
       </p:ext>
     </p:extLst>
   </p:cSld>
@@ -6121,7 +6375,7 @@
 </file>
 
 <file path=ppt/slides/slide12.xml><?xml version="1.0" encoding="utf-8"?>
-<p:sld xmlns:a="http://schemas.openxmlformats.org/drawingml/2006/main" xmlns:r="http://schemas.openxmlformats.org/officeDocument/2006/relationships" xmlns:p="http://schemas.openxmlformats.org/presentationml/2006/main">
+<p:sld xmlns:a="http://schemas.openxmlformats.org/drawingml/2006/main" xmlns:r="http://schemas.openxmlformats.org/officeDocument/2006/relationships" xmlns:mc="http://schemas.openxmlformats.org/markup-compatibility/2006" xmlns:mv="urn:schemas-microsoft-com:mac:vml" xmlns:p="http://schemas.openxmlformats.org/presentationml/2006/main" mc:Ignorable="mv" mc:PreserveAttributes="mv:*">
   <p:cSld>
     <p:spTree>
       <p:nvGrpSpPr>
@@ -6154,7 +6408,7 @@
           <a:p>
             <a:r>
               <a:rPr lang="en-US" dirty="0" smtClean="0"/>
-              <a:t>PHP and $_GET</a:t>
+              <a:t>A Unique Solution</a:t>
             </a:r>
             <a:endParaRPr lang="en-US" dirty="0"/>
           </a:p>
@@ -6162,6 +6416,54 @@
       </p:sp>
       <p:sp>
         <p:nvSpPr>
+          <p:cNvPr id="3" name="Content Placeholder 2"/>
+          <p:cNvSpPr>
+            <a:spLocks noGrp="1"/>
+          </p:cNvSpPr>
+          <p:nvPr>
+            <p:ph idx="1"/>
+          </p:nvPr>
+        </p:nvSpPr>
+        <p:spPr>
+          <a:xfrm>
+            <a:off x="457200" y="1447800"/>
+            <a:ext cx="7620000" cy="4800600"/>
+          </a:xfrm>
+        </p:spPr>
+        <p:txBody>
+          <a:bodyPr/>
+          <a:lstStyle/>
+          <a:p>
+            <a:r>
+              <a:rPr lang="en-US" dirty="0"/>
+              <a:t>I</a:t>
+            </a:r>
+            <a:r>
+              <a:rPr lang="en-US" dirty="0" smtClean="0"/>
+              <a:t>f I can pass in variables like X, Y, and Z, I can keep my </a:t>
+            </a:r>
+            <a:r>
+              <a:rPr lang="en-US" b="1" i="1" dirty="0" smtClean="0"/>
+              <a:t>place</a:t>
+            </a:r>
+            <a:r>
+              <a:rPr lang="en-US" dirty="0" smtClean="0"/>
+              <a:t> and continue with a new workflow.</a:t>
+            </a:r>
+          </a:p>
+          <a:p>
+            <a:r>
+              <a:rPr lang="en-US" dirty="0" smtClean="0"/>
+              <a:t>I have done this sort of thing with PHP and $_GET.</a:t>
+            </a:r>
+          </a:p>
+          <a:p>
+            <a:endParaRPr lang="en-US" dirty="0"/>
+          </a:p>
+        </p:txBody>
+      </p:sp>
+      <p:sp>
+        <p:nvSpPr>
           <p:cNvPr id="4" name="Date Placeholder 3"/>
           <p:cNvSpPr>
             <a:spLocks noGrp="1"/>
@@ -6177,7 +6479,8 @@
           <a:p>
             <a:fld id="{E403B45D-E03C-4404-9C98-312B8AD2E868}" type="datetime1">
               <a:rPr lang="en-US" smtClean="0"/>
-              <a:t>4/13/2015</a:t>
+              <a:pPr/>
+              <a:t>4/13/15</a:t>
             </a:fld>
             <a:endParaRPr lang="en-US"/>
           </a:p>
@@ -6223,7 +6526,226 @@
           <a:p>
             <a:fld id="{A247F51C-6885-4705-B1ED-C00AAEF6CB3D}" type="slidenum">
               <a:rPr lang="en-US" smtClean="0"/>
+              <a:pPr/>
               <a:t>12</a:t>
+            </a:fld>
+            <a:endParaRPr lang="en-US"/>
+          </a:p>
+        </p:txBody>
+      </p:sp>
+      <p:pic>
+        <p:nvPicPr>
+          <p:cNvPr id="2050" name="Picture 2"/>
+          <p:cNvPicPr>
+            <a:picLocks noChangeAspect="1" noChangeArrowheads="1"/>
+          </p:cNvPicPr>
+          <p:nvPr/>
+        </p:nvPicPr>
+        <p:blipFill>
+          <a:blip r:embed="rId3">
+            <a:extLst>
+              <a:ext uri="{28A0092B-C50C-407E-A947-70E740481C1C}">
+                <a14:useLocalDpi xmlns:a14="http://schemas.microsoft.com/office/drawing/2010/main" xmlns:p="http://schemas.openxmlformats.org/presentationml/2006/main" xmlns:r="http://schemas.openxmlformats.org/officeDocument/2006/relationships" xmlns:a="http://schemas.openxmlformats.org/drawingml/2006/main" xmlns="" val="0"/>
+              </a:ext>
+            </a:extLst>
+          </a:blip>
+          <a:srcRect/>
+          <a:stretch>
+            <a:fillRect/>
+          </a:stretch>
+        </p:blipFill>
+        <p:spPr bwMode="auto">
+          <a:xfrm>
+            <a:off x="2619375" y="2819400"/>
+            <a:ext cx="4772025" cy="3616620"/>
+          </a:xfrm>
+          <a:prstGeom prst="rect">
+            <a:avLst/>
+          </a:prstGeom>
+          <a:noFill/>
+          <a:ln w="19050">
+            <a:solidFill>
+              <a:schemeClr val="tx1"/>
+            </a:solidFill>
+            <a:miter lim="800000"/>
+            <a:headEnd/>
+            <a:tailEnd/>
+          </a:ln>
+          <a:extLst>
+            <a:ext uri="{909E8E84-426E-40DD-AFC4-6F175D3DCCD1}">
+              <a14:hiddenFill xmlns:a14="http://schemas.microsoft.com/office/drawing/2010/main" xmlns:p="http://schemas.openxmlformats.org/presentationml/2006/main" xmlns:r="http://schemas.openxmlformats.org/officeDocument/2006/relationships" xmlns:a="http://schemas.openxmlformats.org/drawingml/2006/main" xmlns="">
+                <a:solidFill>
+                  <a:schemeClr val="accent1"/>
+                </a:solidFill>
+              </a14:hiddenFill>
+            </a:ext>
+          </a:extLst>
+        </p:spPr>
+      </p:pic>
+      <p:pic>
+        <p:nvPicPr>
+          <p:cNvPr id="8" name="Picture 7"/>
+          <p:cNvPicPr>
+            <a:picLocks noChangeAspect="1"/>
+          </p:cNvPicPr>
+          <p:nvPr/>
+        </p:nvPicPr>
+        <p:blipFill>
+          <a:blip r:embed="rId4">
+            <a:extLst>
+              <a:ext uri="{28A0092B-C50C-407E-A947-70E740481C1C}">
+                <a14:useLocalDpi xmlns:a14="http://schemas.microsoft.com/office/drawing/2010/main" xmlns:p="http://schemas.openxmlformats.org/presentationml/2006/main" xmlns:r="http://schemas.openxmlformats.org/officeDocument/2006/relationships" xmlns:a="http://schemas.openxmlformats.org/drawingml/2006/main" xmlns="" val="0"/>
+              </a:ext>
+            </a:extLst>
+          </a:blip>
+          <a:stretch>
+            <a:fillRect/>
+          </a:stretch>
+        </p:blipFill>
+        <p:spPr>
+          <a:xfrm>
+            <a:off x="7620000" y="6096000"/>
+            <a:ext cx="678180" cy="632460"/>
+          </a:xfrm>
+          <a:prstGeom prst="rect">
+            <a:avLst/>
+          </a:prstGeom>
+          <a:ln w="15875">
+            <a:solidFill>
+              <a:schemeClr val="tx2">
+                <a:lumMod val="40000"/>
+                <a:lumOff val="60000"/>
+              </a:schemeClr>
+            </a:solidFill>
+          </a:ln>
+        </p:spPr>
+      </p:pic>
+    </p:spTree>
+    <p:extLst>
+      <p:ext uri="{BB962C8B-B14F-4D97-AF65-F5344CB8AC3E}">
+        <p14:creationId xmlns:p14="http://schemas.microsoft.com/office/powerpoint/2010/main" xmlns:p="http://schemas.openxmlformats.org/presentationml/2006/main" xmlns:r="http://schemas.openxmlformats.org/officeDocument/2006/relationships" xmlns:a="http://schemas.openxmlformats.org/drawingml/2006/main" xmlns="" val="3401016301"/>
+      </p:ext>
+    </p:extLst>
+  </p:cSld>
+  <p:clrMapOvr>
+    <a:masterClrMapping/>
+  </p:clrMapOvr>
+  <p:timing>
+    <p:tnLst>
+      <p:par>
+        <p:cTn id="1" dur="indefinite" restart="never" nodeType="tmRoot"/>
+      </p:par>
+    </p:tnLst>
+  </p:timing>
+</p:sld>
+</file>
+
+<file path=ppt/slides/slide13.xml><?xml version="1.0" encoding="utf-8"?>
+<p:sld xmlns:a="http://schemas.openxmlformats.org/drawingml/2006/main" xmlns:r="http://schemas.openxmlformats.org/officeDocument/2006/relationships" xmlns:mc="http://schemas.openxmlformats.org/markup-compatibility/2006" xmlns:mv="urn:schemas-microsoft-com:mac:vml" xmlns:p="http://schemas.openxmlformats.org/presentationml/2006/main" mc:Ignorable="mv" mc:PreserveAttributes="mv:*">
+  <p:cSld>
+    <p:spTree>
+      <p:nvGrpSpPr>
+        <p:cNvPr id="1" name=""/>
+        <p:cNvGrpSpPr/>
+        <p:nvPr/>
+      </p:nvGrpSpPr>
+      <p:grpSpPr>
+        <a:xfrm>
+          <a:off x="0" y="0"/>
+          <a:ext cx="0" cy="0"/>
+          <a:chOff x="0" y="0"/>
+          <a:chExt cx="0" cy="0"/>
+        </a:xfrm>
+      </p:grpSpPr>
+      <p:sp>
+        <p:nvSpPr>
+          <p:cNvPr id="2" name="Title 1"/>
+          <p:cNvSpPr>
+            <a:spLocks noGrp="1"/>
+          </p:cNvSpPr>
+          <p:nvPr>
+            <p:ph type="title"/>
+          </p:nvPr>
+        </p:nvSpPr>
+        <p:spPr/>
+        <p:txBody>
+          <a:bodyPr/>
+          <a:lstStyle/>
+          <a:p>
+            <a:r>
+              <a:rPr lang="en-US" dirty="0" smtClean="0"/>
+              <a:t>PHP and $_GET</a:t>
+            </a:r>
+            <a:endParaRPr lang="en-US" dirty="0"/>
+          </a:p>
+        </p:txBody>
+      </p:sp>
+      <p:sp>
+        <p:nvSpPr>
+          <p:cNvPr id="4" name="Date Placeholder 3"/>
+          <p:cNvSpPr>
+            <a:spLocks noGrp="1"/>
+          </p:cNvSpPr>
+          <p:nvPr>
+            <p:ph type="dt" sz="half" idx="10"/>
+          </p:nvPr>
+        </p:nvSpPr>
+        <p:spPr/>
+        <p:txBody>
+          <a:bodyPr/>
+          <a:lstStyle/>
+          <a:p>
+            <a:fld id="{E403B45D-E03C-4404-9C98-312B8AD2E868}" type="datetime1">
+              <a:rPr lang="en-US" smtClean="0"/>
+              <a:pPr/>
+              <a:t>4/13/15</a:t>
+            </a:fld>
+            <a:endParaRPr lang="en-US"/>
+          </a:p>
+        </p:txBody>
+      </p:sp>
+      <p:sp>
+        <p:nvSpPr>
+          <p:cNvPr id="5" name="Footer Placeholder 4"/>
+          <p:cNvSpPr>
+            <a:spLocks noGrp="1"/>
+          </p:cNvSpPr>
+          <p:nvPr>
+            <p:ph type="ftr" sz="quarter" idx="11"/>
+          </p:nvPr>
+        </p:nvSpPr>
+        <p:spPr/>
+        <p:txBody>
+          <a:bodyPr/>
+          <a:lstStyle/>
+          <a:p>
+            <a:r>
+              <a:rPr lang="en-US" smtClean="0"/>
+              <a:t>MSGIC Quarterly Meeting</a:t>
+            </a:r>
+            <a:endParaRPr lang="en-US"/>
+          </a:p>
+        </p:txBody>
+      </p:sp>
+      <p:sp>
+        <p:nvSpPr>
+          <p:cNvPr id="6" name="Slide Number Placeholder 5"/>
+          <p:cNvSpPr>
+            <a:spLocks noGrp="1"/>
+          </p:cNvSpPr>
+          <p:nvPr>
+            <p:ph type="sldNum" sz="quarter" idx="12"/>
+          </p:nvPr>
+        </p:nvSpPr>
+        <p:spPr/>
+        <p:txBody>
+          <a:bodyPr/>
+          <a:lstStyle/>
+          <a:p>
+            <a:fld id="{A247F51C-6885-4705-B1ED-C00AAEF6CB3D}" type="slidenum">
+              <a:rPr lang="en-US" smtClean="0"/>
+              <a:pPr/>
+              <a:t>13</a:t>
             </a:fld>
             <a:endParaRPr lang="en-US"/>
           </a:p>
@@ -6280,7 +6802,7 @@
           <a:blip r:embed="rId3">
             <a:extLst>
               <a:ext uri="{28A0092B-C50C-407E-A947-70E740481C1C}">
-                <a14:useLocalDpi xmlns:a14="http://schemas.microsoft.com/office/drawing/2010/main" val="0"/>
+                <a14:useLocalDpi xmlns:a14="http://schemas.microsoft.com/office/drawing/2010/main" xmlns:p="http://schemas.openxmlformats.org/presentationml/2006/main" xmlns:r="http://schemas.openxmlformats.org/officeDocument/2006/relationships" xmlns:a="http://schemas.openxmlformats.org/drawingml/2006/main" xmlns="" val="0"/>
               </a:ext>
             </a:extLst>
           </a:blip>
@@ -6308,7 +6830,7 @@
           </a:ln>
           <a:extLst>
             <a:ext uri="{909E8E84-426E-40DD-AFC4-6F175D3DCCD1}">
-              <a14:hiddenFill xmlns:a14="http://schemas.microsoft.com/office/drawing/2010/main">
+              <a14:hiddenFill xmlns:a14="http://schemas.microsoft.com/office/drawing/2010/main" xmlns:p="http://schemas.openxmlformats.org/presentationml/2006/main" xmlns:r="http://schemas.openxmlformats.org/officeDocument/2006/relationships" xmlns:a="http://schemas.openxmlformats.org/drawingml/2006/main" xmlns="">
                 <a:solidFill>
                   <a:schemeClr val="accent1"/>
                 </a:solidFill>
@@ -6329,7 +6851,7 @@
           <a:blip r:embed="rId4">
             <a:extLst>
               <a:ext uri="{28A0092B-C50C-407E-A947-70E740481C1C}">
-                <a14:useLocalDpi xmlns:a14="http://schemas.microsoft.com/office/drawing/2010/main" val="0"/>
+                <a14:useLocalDpi xmlns:a14="http://schemas.microsoft.com/office/drawing/2010/main" xmlns:p="http://schemas.openxmlformats.org/presentationml/2006/main" xmlns:r="http://schemas.openxmlformats.org/officeDocument/2006/relationships" xmlns:a="http://schemas.openxmlformats.org/drawingml/2006/main" xmlns="" val="0"/>
               </a:ext>
             </a:extLst>
           </a:blip>
@@ -6357,7 +6879,7 @@
           </a:ln>
           <a:extLst>
             <a:ext uri="{909E8E84-426E-40DD-AFC4-6F175D3DCCD1}">
-              <a14:hiddenFill xmlns:a14="http://schemas.microsoft.com/office/drawing/2010/main">
+              <a14:hiddenFill xmlns:a14="http://schemas.microsoft.com/office/drawing/2010/main" xmlns:p="http://schemas.openxmlformats.org/presentationml/2006/main" xmlns:r="http://schemas.openxmlformats.org/officeDocument/2006/relationships" xmlns:a="http://schemas.openxmlformats.org/drawingml/2006/main" xmlns="">
                 <a:solidFill>
                   <a:schemeClr val="accent1"/>
                 </a:solidFill>
@@ -6378,7 +6900,7 @@
           <a:blip r:embed="rId5">
             <a:extLst>
               <a:ext uri="{28A0092B-C50C-407E-A947-70E740481C1C}">
-                <a14:useLocalDpi xmlns:a14="http://schemas.microsoft.com/office/drawing/2010/main" val="0"/>
+                <a14:useLocalDpi xmlns:a14="http://schemas.microsoft.com/office/drawing/2010/main" xmlns:p="http://schemas.openxmlformats.org/presentationml/2006/main" xmlns:r="http://schemas.openxmlformats.org/officeDocument/2006/relationships" xmlns:a="http://schemas.openxmlformats.org/drawingml/2006/main" xmlns="" val="0"/>
               </a:ext>
             </a:extLst>
           </a:blip>
@@ -6406,7 +6928,7 @@
           </a:ln>
           <a:extLst>
             <a:ext uri="{909E8E84-426E-40DD-AFC4-6F175D3DCCD1}">
-              <a14:hiddenFill xmlns:a14="http://schemas.microsoft.com/office/drawing/2010/main">
+              <a14:hiddenFill xmlns:a14="http://schemas.microsoft.com/office/drawing/2010/main" xmlns:p="http://schemas.openxmlformats.org/presentationml/2006/main" xmlns:r="http://schemas.openxmlformats.org/officeDocument/2006/relationships" xmlns:a="http://schemas.openxmlformats.org/drawingml/2006/main" xmlns="">
                 <a:solidFill>
                   <a:schemeClr val="accent1"/>
                 </a:solidFill>
@@ -6586,7 +7108,7 @@
     </p:spTree>
     <p:extLst>
       <p:ext uri="{BB962C8B-B14F-4D97-AF65-F5344CB8AC3E}">
-        <p14:creationId xmlns:p14="http://schemas.microsoft.com/office/powerpoint/2010/main" val="4159319186"/>
+        <p14:creationId xmlns:p14="http://schemas.microsoft.com/office/powerpoint/2010/main" xmlns:p="http://schemas.openxmlformats.org/presentationml/2006/main" xmlns:r="http://schemas.openxmlformats.org/officeDocument/2006/relationships" xmlns:a="http://schemas.openxmlformats.org/drawingml/2006/main" xmlns="" val="4159319186"/>
       </p:ext>
     </p:extLst>
   </p:cSld>
@@ -6603,8 +7125,8 @@
 </p:sld>
 </file>
 
-<file path=ppt/slides/slide13.xml><?xml version="1.0" encoding="utf-8"?>
-<p:sld xmlns:a="http://schemas.openxmlformats.org/drawingml/2006/main" xmlns:r="http://schemas.openxmlformats.org/officeDocument/2006/relationships" xmlns:p="http://schemas.openxmlformats.org/presentationml/2006/main">
+<file path=ppt/slides/slide14.xml><?xml version="1.0" encoding="utf-8"?>
+<p:sld xmlns:a="http://schemas.openxmlformats.org/drawingml/2006/main" xmlns:r="http://schemas.openxmlformats.org/officeDocument/2006/relationships" xmlns:mc="http://schemas.openxmlformats.org/markup-compatibility/2006" xmlns:mv="urn:schemas-microsoft-com:mac:vml" xmlns:p="http://schemas.openxmlformats.org/presentationml/2006/main" mc:Ignorable="mv" mc:PreserveAttributes="mv:*">
   <p:cSld>
     <p:spTree>
       <p:nvGrpSpPr>
@@ -6679,7 +7201,8 @@
           <a:p>
             <a:fld id="{E403B45D-E03C-4404-9C98-312B8AD2E868}" type="datetime1">
               <a:rPr lang="en-US" smtClean="0"/>
-              <a:t>4/13/2015</a:t>
+              <a:pPr/>
+              <a:t>4/13/15</a:t>
             </a:fld>
             <a:endParaRPr lang="en-US"/>
           </a:p>
@@ -6725,7 +7248,8 @@
           <a:p>
             <a:fld id="{A247F51C-6885-4705-B1ED-C00AAEF6CB3D}" type="slidenum">
               <a:rPr lang="en-US" smtClean="0"/>
-              <a:t>13</a:t>
+              <a:pPr/>
+              <a:t>14</a:t>
             </a:fld>
             <a:endParaRPr lang="en-US"/>
           </a:p>
@@ -6743,7 +7267,7 @@
           <a:blip r:embed="rId3">
             <a:extLst>
               <a:ext uri="{28A0092B-C50C-407E-A947-70E740481C1C}">
-                <a14:useLocalDpi xmlns:a14="http://schemas.microsoft.com/office/drawing/2010/main" val="0"/>
+                <a14:useLocalDpi xmlns:a14="http://schemas.microsoft.com/office/drawing/2010/main" xmlns:p="http://schemas.openxmlformats.org/presentationml/2006/main" xmlns:r="http://schemas.openxmlformats.org/officeDocument/2006/relationships" xmlns:a="http://schemas.openxmlformats.org/drawingml/2006/main" xmlns="" val="0"/>
               </a:ext>
             </a:extLst>
           </a:blip>
@@ -6772,7 +7296,7 @@
     </p:spTree>
     <p:extLst>
       <p:ext uri="{BB962C8B-B14F-4D97-AF65-F5344CB8AC3E}">
-        <p14:creationId xmlns:p14="http://schemas.microsoft.com/office/powerpoint/2010/main" val="1861191303"/>
+        <p14:creationId xmlns:p14="http://schemas.microsoft.com/office/powerpoint/2010/main" xmlns:p="http://schemas.openxmlformats.org/presentationml/2006/main" xmlns:r="http://schemas.openxmlformats.org/officeDocument/2006/relationships" xmlns:a="http://schemas.openxmlformats.org/drawingml/2006/main" xmlns="" val="1861191303"/>
       </p:ext>
     </p:extLst>
   </p:cSld>
@@ -6789,8 +7313,8 @@
 </p:sld>
 </file>
 
-<file path=ppt/slides/slide14.xml><?xml version="1.0" encoding="utf-8"?>
-<p:sld xmlns:a="http://schemas.openxmlformats.org/drawingml/2006/main" xmlns:r="http://schemas.openxmlformats.org/officeDocument/2006/relationships" xmlns:p="http://schemas.openxmlformats.org/presentationml/2006/main">
+<file path=ppt/slides/slide15.xml><?xml version="1.0" encoding="utf-8"?>
+<p:sld xmlns:a="http://schemas.openxmlformats.org/drawingml/2006/main" xmlns:r="http://schemas.openxmlformats.org/officeDocument/2006/relationships" xmlns:mc="http://schemas.openxmlformats.org/markup-compatibility/2006" xmlns:mv="urn:schemas-microsoft-com:mac:vml" xmlns:p="http://schemas.openxmlformats.org/presentationml/2006/main" mc:Ignorable="mv" mc:PreserveAttributes="mv:*">
   <p:cSld>
     <p:spTree>
       <p:nvGrpSpPr>
@@ -6940,7 +7464,8 @@
           <a:p>
             <a:fld id="{E403B45D-E03C-4404-9C98-312B8AD2E868}" type="datetime1">
               <a:rPr lang="en-US" smtClean="0"/>
-              <a:t>4/13/2015</a:t>
+              <a:pPr/>
+              <a:t>4/13/15</a:t>
             </a:fld>
             <a:endParaRPr lang="en-US"/>
           </a:p>
@@ -6986,7 +7511,8 @@
           <a:p>
             <a:fld id="{A247F51C-6885-4705-B1ED-C00AAEF6CB3D}" type="slidenum">
               <a:rPr lang="en-US" smtClean="0"/>
-              <a:t>14</a:t>
+              <a:pPr/>
+              <a:t>15</a:t>
             </a:fld>
             <a:endParaRPr lang="en-US"/>
           </a:p>
@@ -7004,7 +7530,7 @@
           <a:blip r:embed="rId3">
             <a:extLst>
               <a:ext uri="{28A0092B-C50C-407E-A947-70E740481C1C}">
-                <a14:useLocalDpi xmlns:a14="http://schemas.microsoft.com/office/drawing/2010/main" val="0"/>
+                <a14:useLocalDpi xmlns:a14="http://schemas.microsoft.com/office/drawing/2010/main" xmlns:p="http://schemas.openxmlformats.org/presentationml/2006/main" xmlns:r="http://schemas.openxmlformats.org/officeDocument/2006/relationships" xmlns:a="http://schemas.openxmlformats.org/drawingml/2006/main" xmlns="" val="0"/>
               </a:ext>
             </a:extLst>
           </a:blip>
@@ -7033,7 +7559,7 @@
     </p:spTree>
     <p:extLst>
       <p:ext uri="{BB962C8B-B14F-4D97-AF65-F5344CB8AC3E}">
-        <p14:creationId xmlns:p14="http://schemas.microsoft.com/office/powerpoint/2010/main" val="1227899179"/>
+        <p14:creationId xmlns:p14="http://schemas.microsoft.com/office/powerpoint/2010/main" xmlns:p="http://schemas.openxmlformats.org/presentationml/2006/main" xmlns:r="http://schemas.openxmlformats.org/officeDocument/2006/relationships" xmlns:a="http://schemas.openxmlformats.org/drawingml/2006/main" xmlns="" val="1227899179"/>
       </p:ext>
     </p:extLst>
   </p:cSld>
@@ -7050,8 +7576,8 @@
 </p:sld>
 </file>
 
-<file path=ppt/slides/slide15.xml><?xml version="1.0" encoding="utf-8"?>
-<p:sld xmlns:a="http://schemas.openxmlformats.org/drawingml/2006/main" xmlns:r="http://schemas.openxmlformats.org/officeDocument/2006/relationships" xmlns:p="http://schemas.openxmlformats.org/presentationml/2006/main">
+<file path=ppt/slides/slide16.xml><?xml version="1.0" encoding="utf-8"?>
+<p:sld xmlns:a="http://schemas.openxmlformats.org/drawingml/2006/main" xmlns:r="http://schemas.openxmlformats.org/officeDocument/2006/relationships" xmlns:mc="http://schemas.openxmlformats.org/markup-compatibility/2006" xmlns:mv="urn:schemas-microsoft-com:mac:vml" xmlns:p="http://schemas.openxmlformats.org/presentationml/2006/main" mc:Ignorable="mv" mc:PreserveAttributes="mv:*">
   <p:cSld>
     <p:spTree>
       <p:nvGrpSpPr>
@@ -7107,7 +7633,8 @@
           <a:p>
             <a:fld id="{E403B45D-E03C-4404-9C98-312B8AD2E868}" type="datetime1">
               <a:rPr lang="en-US" smtClean="0"/>
-              <a:t>4/13/2015</a:t>
+              <a:pPr/>
+              <a:t>4/13/15</a:t>
             </a:fld>
             <a:endParaRPr lang="en-US"/>
           </a:p>
@@ -7153,7 +7680,8 @@
           <a:p>
             <a:fld id="{A247F51C-6885-4705-B1ED-C00AAEF6CB3D}" type="slidenum">
               <a:rPr lang="en-US" smtClean="0"/>
-              <a:t>15</a:t>
+              <a:pPr/>
+              <a:t>16</a:t>
             </a:fld>
             <a:endParaRPr lang="en-US"/>
           </a:p>
@@ -7173,7 +7701,7 @@
           <a:blip r:embed="rId3">
             <a:extLst>
               <a:ext uri="{28A0092B-C50C-407E-A947-70E740481C1C}">
-                <a14:useLocalDpi xmlns:a14="http://schemas.microsoft.com/office/drawing/2010/main" val="0"/>
+                <a14:useLocalDpi xmlns:a14="http://schemas.microsoft.com/office/drawing/2010/main" xmlns:p="http://schemas.openxmlformats.org/presentationml/2006/main" xmlns:r="http://schemas.openxmlformats.org/officeDocument/2006/relationships" xmlns:a="http://schemas.openxmlformats.org/drawingml/2006/main" xmlns="" val="0"/>
               </a:ext>
             </a:extLst>
           </a:blip>
@@ -7196,14 +7724,14 @@
           </a:ln>
           <a:extLst>
             <a:ext uri="{909E8E84-426E-40DD-AFC4-6F175D3DCCD1}">
-              <a14:hiddenFill xmlns:a14="http://schemas.microsoft.com/office/drawing/2010/main">
+              <a14:hiddenFill xmlns:a14="http://schemas.microsoft.com/office/drawing/2010/main" xmlns:p="http://schemas.openxmlformats.org/presentationml/2006/main" xmlns:r="http://schemas.openxmlformats.org/officeDocument/2006/relationships" xmlns:a="http://schemas.openxmlformats.org/drawingml/2006/main" xmlns="">
                 <a:solidFill>
                   <a:schemeClr val="accent1"/>
                 </a:solidFill>
               </a14:hiddenFill>
             </a:ext>
             <a:ext uri="{91240B29-F687-4F45-9708-019B960494DF}">
-              <a14:hiddenLine xmlns:a14="http://schemas.microsoft.com/office/drawing/2010/main" w="9525">
+              <a14:hiddenLine xmlns:a14="http://schemas.microsoft.com/office/drawing/2010/main" xmlns:p="http://schemas.openxmlformats.org/presentationml/2006/main" xmlns:r="http://schemas.openxmlformats.org/officeDocument/2006/relationships" xmlns:a="http://schemas.openxmlformats.org/drawingml/2006/main" xmlns="" w="9525">
                 <a:solidFill>
                   <a:schemeClr val="tx1"/>
                 </a:solidFill>
@@ -7227,7 +7755,7 @@
           <a:blip r:embed="rId4">
             <a:extLst>
               <a:ext uri="{28A0092B-C50C-407E-A947-70E740481C1C}">
-                <a14:useLocalDpi xmlns:a14="http://schemas.microsoft.com/office/drawing/2010/main" val="0"/>
+                <a14:useLocalDpi xmlns:a14="http://schemas.microsoft.com/office/drawing/2010/main" xmlns:p="http://schemas.openxmlformats.org/presentationml/2006/main" xmlns:r="http://schemas.openxmlformats.org/officeDocument/2006/relationships" xmlns:a="http://schemas.openxmlformats.org/drawingml/2006/main" xmlns="" val="0"/>
               </a:ext>
             </a:extLst>
           </a:blip>
@@ -7313,7 +7841,7 @@
             <a:blip r:embed="rId5">
               <a:extLst>
                 <a:ext uri="{28A0092B-C50C-407E-A947-70E740481C1C}">
-                  <a14:useLocalDpi xmlns:a14="http://schemas.microsoft.com/office/drawing/2010/main" val="0"/>
+                  <a14:useLocalDpi xmlns:a14="http://schemas.microsoft.com/office/drawing/2010/main" xmlns:p="http://schemas.openxmlformats.org/presentationml/2006/main" xmlns:r="http://schemas.openxmlformats.org/officeDocument/2006/relationships" xmlns:a="http://schemas.openxmlformats.org/drawingml/2006/main" xmlns="" val="0"/>
                 </a:ext>
               </a:extLst>
             </a:blip>
@@ -7336,14 +7864,14 @@
             </a:ln>
             <a:extLst>
               <a:ext uri="{909E8E84-426E-40DD-AFC4-6F175D3DCCD1}">
-                <a14:hiddenFill xmlns:a14="http://schemas.microsoft.com/office/drawing/2010/main">
+                <a14:hiddenFill xmlns:a14="http://schemas.microsoft.com/office/drawing/2010/main" xmlns:p="http://schemas.openxmlformats.org/presentationml/2006/main" xmlns:r="http://schemas.openxmlformats.org/officeDocument/2006/relationships" xmlns:a="http://schemas.openxmlformats.org/drawingml/2006/main" xmlns="">
                   <a:solidFill>
                     <a:schemeClr val="accent1"/>
                   </a:solidFill>
                 </a14:hiddenFill>
               </a:ext>
               <a:ext uri="{91240B29-F687-4F45-9708-019B960494DF}">
-                <a14:hiddenLine xmlns:a14="http://schemas.microsoft.com/office/drawing/2010/main" w="9525">
+                <a14:hiddenLine xmlns:a14="http://schemas.microsoft.com/office/drawing/2010/main" xmlns:p="http://schemas.openxmlformats.org/presentationml/2006/main" xmlns:r="http://schemas.openxmlformats.org/officeDocument/2006/relationships" xmlns:a="http://schemas.openxmlformats.org/drawingml/2006/main" xmlns="" w="9525">
                   <a:solidFill>
                     <a:schemeClr val="tx1"/>
                   </a:solidFill>
@@ -7396,7 +7924,7 @@
           <a:blip r:embed="rId6">
             <a:extLst>
               <a:ext uri="{28A0092B-C50C-407E-A947-70E740481C1C}">
-                <a14:useLocalDpi xmlns:a14="http://schemas.microsoft.com/office/drawing/2010/main" val="0"/>
+                <a14:useLocalDpi xmlns:a14="http://schemas.microsoft.com/office/drawing/2010/main" xmlns:p="http://schemas.openxmlformats.org/presentationml/2006/main" xmlns:r="http://schemas.openxmlformats.org/officeDocument/2006/relationships" xmlns:a="http://schemas.openxmlformats.org/drawingml/2006/main" xmlns="" val="0"/>
               </a:ext>
             </a:extLst>
           </a:blip>
@@ -7419,14 +7947,14 @@
           </a:ln>
           <a:extLst>
             <a:ext uri="{909E8E84-426E-40DD-AFC4-6F175D3DCCD1}">
-              <a14:hiddenFill xmlns:a14="http://schemas.microsoft.com/office/drawing/2010/main">
+              <a14:hiddenFill xmlns:a14="http://schemas.microsoft.com/office/drawing/2010/main" xmlns:p="http://schemas.openxmlformats.org/presentationml/2006/main" xmlns:r="http://schemas.openxmlformats.org/officeDocument/2006/relationships" xmlns:a="http://schemas.openxmlformats.org/drawingml/2006/main" xmlns="">
                 <a:solidFill>
                   <a:schemeClr val="accent1"/>
                 </a:solidFill>
               </a14:hiddenFill>
             </a:ext>
             <a:ext uri="{91240B29-F687-4F45-9708-019B960494DF}">
-              <a14:hiddenLine xmlns:a14="http://schemas.microsoft.com/office/drawing/2010/main" w="9525">
+              <a14:hiddenLine xmlns:a14="http://schemas.microsoft.com/office/drawing/2010/main" xmlns:p="http://schemas.openxmlformats.org/presentationml/2006/main" xmlns:r="http://schemas.openxmlformats.org/officeDocument/2006/relationships" xmlns:a="http://schemas.openxmlformats.org/drawingml/2006/main" xmlns="" w="9525">
                 <a:solidFill>
                   <a:schemeClr val="tx1"/>
                 </a:solidFill>
@@ -7536,7 +8064,7 @@
           <a:blip r:embed="rId7">
             <a:extLst>
               <a:ext uri="{28A0092B-C50C-407E-A947-70E740481C1C}">
-                <a14:useLocalDpi xmlns:a14="http://schemas.microsoft.com/office/drawing/2010/main" val="0"/>
+                <a14:useLocalDpi xmlns:a14="http://schemas.microsoft.com/office/drawing/2010/main" xmlns:p="http://schemas.openxmlformats.org/presentationml/2006/main" xmlns:r="http://schemas.openxmlformats.org/officeDocument/2006/relationships" xmlns:a="http://schemas.openxmlformats.org/drawingml/2006/main" xmlns="" val="0"/>
               </a:ext>
             </a:extLst>
           </a:blip>
@@ -7556,7 +8084,7 @@
           <a:noFill/>
           <a:extLst>
             <a:ext uri="{909E8E84-426E-40DD-AFC4-6F175D3DCCD1}">
-              <a14:hiddenFill xmlns:a14="http://schemas.microsoft.com/office/drawing/2010/main">
+              <a14:hiddenFill xmlns:a14="http://schemas.microsoft.com/office/drawing/2010/main" xmlns:p="http://schemas.openxmlformats.org/presentationml/2006/main" xmlns:r="http://schemas.openxmlformats.org/officeDocument/2006/relationships" xmlns:a="http://schemas.openxmlformats.org/drawingml/2006/main" xmlns="">
                 <a:solidFill>
                   <a:srgbClr val="FFFFFF"/>
                 </a:solidFill>
@@ -7568,7 +8096,7 @@
     </p:spTree>
     <p:extLst>
       <p:ext uri="{BB962C8B-B14F-4D97-AF65-F5344CB8AC3E}">
-        <p14:creationId xmlns:p14="http://schemas.microsoft.com/office/powerpoint/2010/main" val="3417441451"/>
+        <p14:creationId xmlns:p14="http://schemas.microsoft.com/office/powerpoint/2010/main" xmlns:p="http://schemas.openxmlformats.org/presentationml/2006/main" xmlns:r="http://schemas.openxmlformats.org/officeDocument/2006/relationships" xmlns:a="http://schemas.openxmlformats.org/drawingml/2006/main" xmlns="" val="3417441451"/>
       </p:ext>
     </p:extLst>
   </p:cSld>
@@ -7586,7 +8114,7 @@
 </file>
 
 <file path=ppt/slides/slide2.xml><?xml version="1.0" encoding="utf-8"?>
-<p:sld xmlns:a="http://schemas.openxmlformats.org/drawingml/2006/main" xmlns:r="http://schemas.openxmlformats.org/officeDocument/2006/relationships" xmlns:p="http://schemas.openxmlformats.org/presentationml/2006/main">
+<p:sld xmlns:a="http://schemas.openxmlformats.org/drawingml/2006/main" xmlns:r="http://schemas.openxmlformats.org/officeDocument/2006/relationships" xmlns:mc="http://schemas.openxmlformats.org/markup-compatibility/2006" xmlns:mv="urn:schemas-microsoft-com:mac:vml" xmlns:p="http://schemas.openxmlformats.org/presentationml/2006/main" mc:Ignorable="mv" mc:PreserveAttributes="mv:*">
   <p:cSld>
     <p:spTree>
       <p:nvGrpSpPr>
@@ -7614,7 +8142,7 @@
           <a:blip r:embed="rId3" cstate="print">
             <a:extLst>
               <a:ext uri="{28A0092B-C50C-407E-A947-70E740481C1C}">
-                <a14:useLocalDpi xmlns:a14="http://schemas.microsoft.com/office/drawing/2010/main" val="0"/>
+                <a14:useLocalDpi xmlns:a14="http://schemas.microsoft.com/office/drawing/2010/main" xmlns:p="http://schemas.openxmlformats.org/presentationml/2006/main" xmlns:r="http://schemas.openxmlformats.org/officeDocument/2006/relationships" xmlns:a="http://schemas.openxmlformats.org/drawingml/2006/main" xmlns="" val="0"/>
               </a:ext>
             </a:extLst>
           </a:blip>
@@ -7637,14 +8165,14 @@
           </a:ln>
           <a:extLst>
             <a:ext uri="{909E8E84-426E-40DD-AFC4-6F175D3DCCD1}">
-              <a14:hiddenFill xmlns:a14="http://schemas.microsoft.com/office/drawing/2010/main">
+              <a14:hiddenFill xmlns:a14="http://schemas.microsoft.com/office/drawing/2010/main" xmlns:p="http://schemas.openxmlformats.org/presentationml/2006/main" xmlns:r="http://schemas.openxmlformats.org/officeDocument/2006/relationships" xmlns:a="http://schemas.openxmlformats.org/drawingml/2006/main" xmlns="">
                 <a:solidFill>
                   <a:schemeClr val="accent1"/>
                 </a:solidFill>
               </a14:hiddenFill>
             </a:ext>
             <a:ext uri="{91240B29-F687-4F45-9708-019B960494DF}">
-              <a14:hiddenLine xmlns:a14="http://schemas.microsoft.com/office/drawing/2010/main" w="9525">
+              <a14:hiddenLine xmlns:a14="http://schemas.microsoft.com/office/drawing/2010/main" xmlns:p="http://schemas.openxmlformats.org/presentationml/2006/main" xmlns:r="http://schemas.openxmlformats.org/officeDocument/2006/relationships" xmlns:a="http://schemas.openxmlformats.org/drawingml/2006/main" xmlns="" w="9525">
                 <a:solidFill>
                   <a:schemeClr val="tx1"/>
                 </a:solidFill>
@@ -7668,7 +8196,7 @@
           <a:blip r:embed="rId4" cstate="print">
             <a:extLst>
               <a:ext uri="{28A0092B-C50C-407E-A947-70E740481C1C}">
-                <a14:useLocalDpi xmlns:a14="http://schemas.microsoft.com/office/drawing/2010/main" val="0"/>
+                <a14:useLocalDpi xmlns:a14="http://schemas.microsoft.com/office/drawing/2010/main" xmlns:p="http://schemas.openxmlformats.org/presentationml/2006/main" xmlns:r="http://schemas.openxmlformats.org/officeDocument/2006/relationships" xmlns:a="http://schemas.openxmlformats.org/drawingml/2006/main" xmlns="" val="0"/>
               </a:ext>
             </a:extLst>
           </a:blip>
@@ -7688,7 +8216,7 @@
           <a:noFill/>
           <a:extLst>
             <a:ext uri="{909E8E84-426E-40DD-AFC4-6F175D3DCCD1}">
-              <a14:hiddenFill xmlns:a14="http://schemas.microsoft.com/office/drawing/2010/main">
+              <a14:hiddenFill xmlns:a14="http://schemas.microsoft.com/office/drawing/2010/main" xmlns:p="http://schemas.openxmlformats.org/presentationml/2006/main" xmlns:r="http://schemas.openxmlformats.org/officeDocument/2006/relationships" xmlns:a="http://schemas.openxmlformats.org/drawingml/2006/main" xmlns="">
                 <a:solidFill>
                   <a:srgbClr val="FFFFFF"/>
                 </a:solidFill>
@@ -7834,6 +8362,7 @@
           <a:p>
             <a:fld id="{A247F51C-6885-4705-B1ED-C00AAEF6CB3D}" type="slidenum">
               <a:rPr lang="en-US" smtClean="0"/>
+              <a:pPr/>
               <a:t>2</a:t>
             </a:fld>
             <a:endParaRPr lang="en-US"/>
@@ -7857,7 +8386,8 @@
           <a:p>
             <a:fld id="{8668D83A-7F5E-41DA-8AAA-3A38E79B858E}" type="datetime1">
               <a:rPr lang="en-US" smtClean="0"/>
-              <a:t>4/13/2015</a:t>
+              <a:pPr/>
+              <a:t>4/13/15</a:t>
             </a:fld>
             <a:endParaRPr lang="en-US"/>
           </a:p>
@@ -7875,7 +8405,7 @@
           <a:blip r:embed="rId5">
             <a:extLst>
               <a:ext uri="{28A0092B-C50C-407E-A947-70E740481C1C}">
-                <a14:useLocalDpi xmlns:a14="http://schemas.microsoft.com/office/drawing/2010/main" val="0"/>
+                <a14:useLocalDpi xmlns:a14="http://schemas.microsoft.com/office/drawing/2010/main" xmlns:p="http://schemas.openxmlformats.org/presentationml/2006/main" xmlns:r="http://schemas.openxmlformats.org/officeDocument/2006/relationships" xmlns:a="http://schemas.openxmlformats.org/drawingml/2006/main" xmlns="" val="0"/>
               </a:ext>
             </a:extLst>
           </a:blip>
@@ -7924,96 +8454,6 @@
           </a:p>
         </p:txBody>
       </p:sp>
-      <p:sp>
-        <p:nvSpPr>
-          <p:cNvPr id="8" name="Rectangle 7"/>
-          <p:cNvSpPr/>
-          <p:nvPr/>
-        </p:nvSpPr>
-        <p:spPr>
-          <a:xfrm>
-            <a:off x="6456578" y="842069"/>
-            <a:ext cx="1453896" cy="2414016"/>
-          </a:xfrm>
-          <a:prstGeom prst="rect">
-            <a:avLst/>
-          </a:prstGeom>
-          <a:blipFill dpi="0" rotWithShape="1">
-            <a:blip r:embed="rId6">
-              <a:alphaModFix amt="39000"/>
-            </a:blip>
-            <a:srcRect/>
-            <a:stretch>
-              <a:fillRect/>
-            </a:stretch>
-          </a:blipFill>
-          <a:ln>
-            <a:noFill/>
-          </a:ln>
-        </p:spPr>
-        <p:style>
-          <a:lnRef idx="2">
-            <a:schemeClr val="accent1">
-              <a:shade val="50000"/>
-            </a:schemeClr>
-          </a:lnRef>
-          <a:fillRef idx="1">
-            <a:schemeClr val="accent1"/>
-          </a:fillRef>
-          <a:effectRef idx="0">
-            <a:schemeClr val="accent1"/>
-          </a:effectRef>
-          <a:fontRef idx="minor">
-            <a:schemeClr val="lt1"/>
-          </a:fontRef>
-        </p:style>
-        <p:txBody>
-          <a:bodyPr rtlCol="0" anchor="ctr"/>
-          <a:lstStyle/>
-          <a:p>
-            <a:pPr algn="ctr"/>
-            <a:endParaRPr lang="en-US"/>
-          </a:p>
-        </p:txBody>
-      </p:sp>
-      <p:sp>
-        <p:nvSpPr>
-          <p:cNvPr id="9" name="TextBox 8"/>
-          <p:cNvSpPr txBox="1"/>
-          <p:nvPr/>
-        </p:nvSpPr>
-        <p:spPr>
-          <a:xfrm>
-            <a:off x="6069351" y="1219200"/>
-            <a:ext cx="1817677" cy="369332"/>
-          </a:xfrm>
-          <a:prstGeom prst="rect">
-            <a:avLst/>
-          </a:prstGeom>
-          <a:noFill/>
-        </p:spPr>
-        <p:txBody>
-          <a:bodyPr wrap="none" rtlCol="0">
-            <a:spAutoFit/>
-          </a:bodyPr>
-          <a:lstStyle/>
-          <a:p>
-            <a:r>
-              <a:rPr lang="en-US" dirty="0" smtClean="0">
-                <a:solidFill>
-                  <a:srgbClr val="FF0000"/>
-                </a:solidFill>
-              </a:rPr>
-              <a:t>FIX THIS IT SUCKS</a:t>
-            </a:r>
-            <a:endParaRPr lang="en-US" dirty="0">
-              <a:solidFill>
-                <a:srgbClr val="FF0000"/>
-              </a:solidFill>
-            </a:endParaRPr>
-          </a:p>
-        </p:txBody>
-      </p:sp>
       <p:pic>
         <p:nvPicPr>
           <p:cNvPr id="10" name="Picture 9"/>
@@ -8023,10 +8463,10 @@
           <p:nvPr/>
         </p:nvPicPr>
         <p:blipFill>
-          <a:blip r:embed="rId7">
+          <a:blip r:embed="rId6">
             <a:extLst>
               <a:ext uri="{28A0092B-C50C-407E-A947-70E740481C1C}">
-                <a14:useLocalDpi xmlns:a14="http://schemas.microsoft.com/office/drawing/2010/main" val="0"/>
+                <a14:useLocalDpi xmlns:a14="http://schemas.microsoft.com/office/drawing/2010/main" xmlns:p="http://schemas.openxmlformats.org/presentationml/2006/main" xmlns:r="http://schemas.openxmlformats.org/officeDocument/2006/relationships" xmlns:a="http://schemas.openxmlformats.org/drawingml/2006/main" xmlns="" val="0"/>
               </a:ext>
             </a:extLst>
           </a:blip>
@@ -8049,10 +8489,34 @@
           </a:ln>
         </p:spPr>
       </p:pic>
+      <p:pic>
+        <p:nvPicPr>
+          <p:cNvPr id="13" name="Picture 12" descr="247.JPG"/>
+          <p:cNvPicPr>
+            <a:picLocks noChangeAspect="1"/>
+          </p:cNvPicPr>
+          <p:nvPr/>
+        </p:nvPicPr>
+        <p:blipFill>
+          <a:blip r:embed="rId7"/>
+          <a:stretch>
+            <a:fillRect/>
+          </a:stretch>
+        </p:blipFill>
+        <p:spPr>
+          <a:xfrm>
+            <a:off x="6096000" y="2590800"/>
+            <a:ext cx="1981200" cy="1258667"/>
+          </a:xfrm>
+          <a:prstGeom prst="rect">
+            <a:avLst/>
+          </a:prstGeom>
+        </p:spPr>
+      </p:pic>
     </p:spTree>
     <p:extLst>
       <p:ext uri="{BB962C8B-B14F-4D97-AF65-F5344CB8AC3E}">
-        <p14:creationId xmlns:p14="http://schemas.microsoft.com/office/powerpoint/2010/main" val="3361284808"/>
+        <p14:creationId xmlns:p14="http://schemas.microsoft.com/office/powerpoint/2010/main" xmlns:p="http://schemas.openxmlformats.org/presentationml/2006/main" xmlns:r="http://schemas.openxmlformats.org/officeDocument/2006/relationships" xmlns:a="http://schemas.openxmlformats.org/drawingml/2006/main" xmlns="" val="3361284808"/>
       </p:ext>
     </p:extLst>
   </p:cSld>
@@ -8070,7 +8534,7 @@
 </file>
 
 <file path=ppt/slides/slide3.xml><?xml version="1.0" encoding="utf-8"?>
-<p:sld xmlns:a="http://schemas.openxmlformats.org/drawingml/2006/main" xmlns:r="http://schemas.openxmlformats.org/officeDocument/2006/relationships" xmlns:p="http://schemas.openxmlformats.org/presentationml/2006/main">
+<p:sld xmlns:a="http://schemas.openxmlformats.org/drawingml/2006/main" xmlns:r="http://schemas.openxmlformats.org/officeDocument/2006/relationships" xmlns:mc="http://schemas.openxmlformats.org/markup-compatibility/2006" xmlns:mv="urn:schemas-microsoft-com:mac:vml" xmlns:p="http://schemas.openxmlformats.org/presentationml/2006/main" mc:Ignorable="mv" mc:PreserveAttributes="mv:*">
   <p:cSld>
     <p:spTree>
       <p:nvGrpSpPr>
@@ -8207,7 +8671,8 @@
           <a:p>
             <a:fld id="{E403B45D-E03C-4404-9C98-312B8AD2E868}" type="datetime1">
               <a:rPr lang="en-US" smtClean="0"/>
-              <a:t>4/13/2015</a:t>
+              <a:pPr/>
+              <a:t>4/13/15</a:t>
             </a:fld>
             <a:endParaRPr lang="en-US"/>
           </a:p>
@@ -8253,6 +8718,7 @@
           <a:p>
             <a:fld id="{A247F51C-6885-4705-B1ED-C00AAEF6CB3D}" type="slidenum">
               <a:rPr lang="en-US" smtClean="0"/>
+              <a:pPr/>
               <a:t>3</a:t>
             </a:fld>
             <a:endParaRPr lang="en-US"/>
@@ -8469,8 +8935,13 @@
           <a:p>
             <a:r>
               <a:rPr lang="en-US" dirty="0" smtClean="0"/>
-              <a:t>PHP</a:t>
-            </a:r>
+              <a:t>PHP &amp; </a:t>
+            </a:r>
+            <a:r>
+              <a:rPr lang="en-US" dirty="0" err="1" smtClean="0"/>
+              <a:t>MySQL</a:t>
+            </a:r>
+            <a:endParaRPr lang="en-US" dirty="0" smtClean="0"/>
           </a:p>
           <a:p>
             <a:r>
@@ -8496,7 +8967,7 @@
           <a:blip r:embed="rId3">
             <a:extLst>
               <a:ext uri="{28A0092B-C50C-407E-A947-70E740481C1C}">
-                <a14:useLocalDpi xmlns:a14="http://schemas.microsoft.com/office/drawing/2010/main" val="0"/>
+                <a14:useLocalDpi xmlns:a14="http://schemas.microsoft.com/office/drawing/2010/main" xmlns:p="http://schemas.openxmlformats.org/presentationml/2006/main" xmlns:r="http://schemas.openxmlformats.org/officeDocument/2006/relationships" xmlns:a="http://schemas.openxmlformats.org/drawingml/2006/main" xmlns="" val="0"/>
               </a:ext>
             </a:extLst>
           </a:blip>
@@ -8534,7 +9005,7 @@
           <a:blip r:embed="rId4">
             <a:extLst>
               <a:ext uri="{28A0092B-C50C-407E-A947-70E740481C1C}">
-                <a14:useLocalDpi xmlns:a14="http://schemas.microsoft.com/office/drawing/2010/main" val="0"/>
+                <a14:useLocalDpi xmlns:a14="http://schemas.microsoft.com/office/drawing/2010/main" xmlns:p="http://schemas.openxmlformats.org/presentationml/2006/main" xmlns:r="http://schemas.openxmlformats.org/officeDocument/2006/relationships" xmlns:a="http://schemas.openxmlformats.org/drawingml/2006/main" xmlns="" val="0"/>
               </a:ext>
             </a:extLst>
           </a:blip>
@@ -8562,7 +9033,7 @@
           </a:ln>
           <a:extLst>
             <a:ext uri="{909E8E84-426E-40DD-AFC4-6F175D3DCCD1}">
-              <a14:hiddenFill xmlns:a14="http://schemas.microsoft.com/office/drawing/2010/main">
+              <a14:hiddenFill xmlns:a14="http://schemas.microsoft.com/office/drawing/2010/main" xmlns:p="http://schemas.openxmlformats.org/presentationml/2006/main" xmlns:r="http://schemas.openxmlformats.org/officeDocument/2006/relationships" xmlns:a="http://schemas.openxmlformats.org/drawingml/2006/main" xmlns="">
                 <a:solidFill>
                   <a:schemeClr val="accent1"/>
                 </a:solidFill>
@@ -8574,7 +9045,7 @@
     </p:spTree>
     <p:extLst>
       <p:ext uri="{BB962C8B-B14F-4D97-AF65-F5344CB8AC3E}">
-        <p14:creationId xmlns:p14="http://schemas.microsoft.com/office/powerpoint/2010/main" val="1244211757"/>
+        <p14:creationId xmlns:p14="http://schemas.microsoft.com/office/powerpoint/2010/main" xmlns:p="http://schemas.openxmlformats.org/presentationml/2006/main" xmlns:r="http://schemas.openxmlformats.org/officeDocument/2006/relationships" xmlns:a="http://schemas.openxmlformats.org/drawingml/2006/main" xmlns="" val="1244211757"/>
       </p:ext>
     </p:extLst>
   </p:cSld>
@@ -8592,7 +9063,7 @@
 </file>
 
 <file path=ppt/slides/slide4.xml><?xml version="1.0" encoding="utf-8"?>
-<p:sld xmlns:a="http://schemas.openxmlformats.org/drawingml/2006/main" xmlns:r="http://schemas.openxmlformats.org/officeDocument/2006/relationships" xmlns:p="http://schemas.openxmlformats.org/presentationml/2006/main">
+<p:sld xmlns:a="http://schemas.openxmlformats.org/drawingml/2006/main" xmlns:r="http://schemas.openxmlformats.org/officeDocument/2006/relationships" xmlns:mc="http://schemas.openxmlformats.org/markup-compatibility/2006" xmlns:mv="urn:schemas-microsoft-com:mac:vml" xmlns:p="http://schemas.openxmlformats.org/presentationml/2006/main" mc:Ignorable="mv" mc:PreserveAttributes="mv:*">
   <p:cSld>
     <p:spTree>
       <p:nvGrpSpPr>
@@ -8620,7 +9091,7 @@
           <a:blip r:embed="rId3">
             <a:extLst>
               <a:ext uri="{28A0092B-C50C-407E-A947-70E740481C1C}">
-                <a14:useLocalDpi xmlns:a14="http://schemas.microsoft.com/office/drawing/2010/main" val="0"/>
+                <a14:useLocalDpi xmlns:a14="http://schemas.microsoft.com/office/drawing/2010/main" xmlns:p="http://schemas.openxmlformats.org/presentationml/2006/main" xmlns:r="http://schemas.openxmlformats.org/officeDocument/2006/relationships" xmlns:a="http://schemas.openxmlformats.org/drawingml/2006/main" xmlns="" val="0"/>
               </a:ext>
             </a:extLst>
           </a:blip>
@@ -8652,7 +9123,7 @@
           <a:effectLst/>
           <a:extLst>
             <a:ext uri="{909E8E84-426E-40DD-AFC4-6F175D3DCCD1}">
-              <a14:hiddenFill xmlns:a14="http://schemas.microsoft.com/office/drawing/2010/main">
+              <a14:hiddenFill xmlns:a14="http://schemas.microsoft.com/office/drawing/2010/main" xmlns:p="http://schemas.openxmlformats.org/presentationml/2006/main" xmlns:r="http://schemas.openxmlformats.org/officeDocument/2006/relationships" xmlns:a="http://schemas.openxmlformats.org/drawingml/2006/main" xmlns="">
                 <a:solidFill>
                   <a:schemeClr val="accent1"/>
                 </a:solidFill>
@@ -8673,7 +9144,7 @@
           <a:blip r:embed="rId4">
             <a:extLst>
               <a:ext uri="{28A0092B-C50C-407E-A947-70E740481C1C}">
-                <a14:useLocalDpi xmlns:a14="http://schemas.microsoft.com/office/drawing/2010/main" val="0"/>
+                <a14:useLocalDpi xmlns:a14="http://schemas.microsoft.com/office/drawing/2010/main" xmlns:p="http://schemas.openxmlformats.org/presentationml/2006/main" xmlns:r="http://schemas.openxmlformats.org/officeDocument/2006/relationships" xmlns:a="http://schemas.openxmlformats.org/drawingml/2006/main" xmlns="" val="0"/>
               </a:ext>
             </a:extLst>
           </a:blip>
@@ -8696,14 +9167,14 @@
           </a:ln>
           <a:extLst>
             <a:ext uri="{909E8E84-426E-40DD-AFC4-6F175D3DCCD1}">
-              <a14:hiddenFill xmlns:a14="http://schemas.microsoft.com/office/drawing/2010/main">
+              <a14:hiddenFill xmlns:a14="http://schemas.microsoft.com/office/drawing/2010/main" xmlns:p="http://schemas.openxmlformats.org/presentationml/2006/main" xmlns:r="http://schemas.openxmlformats.org/officeDocument/2006/relationships" xmlns:a="http://schemas.openxmlformats.org/drawingml/2006/main" xmlns="">
                 <a:solidFill>
                   <a:schemeClr val="accent1"/>
                 </a:solidFill>
               </a14:hiddenFill>
             </a:ext>
             <a:ext uri="{91240B29-F687-4F45-9708-019B960494DF}">
-              <a14:hiddenLine xmlns:a14="http://schemas.microsoft.com/office/drawing/2010/main" w="9525">
+              <a14:hiddenLine xmlns:a14="http://schemas.microsoft.com/office/drawing/2010/main" xmlns:p="http://schemas.openxmlformats.org/presentationml/2006/main" xmlns:r="http://schemas.openxmlformats.org/officeDocument/2006/relationships" xmlns:a="http://schemas.openxmlformats.org/drawingml/2006/main" xmlns="" w="9525">
                 <a:solidFill>
                   <a:schemeClr val="tx1"/>
                 </a:solidFill>
@@ -8727,7 +9198,7 @@
           <a:blip r:embed="rId5">
             <a:extLst>
               <a:ext uri="{28A0092B-C50C-407E-A947-70E740481C1C}">
-                <a14:useLocalDpi xmlns:a14="http://schemas.microsoft.com/office/drawing/2010/main" val="0"/>
+                <a14:useLocalDpi xmlns:a14="http://schemas.microsoft.com/office/drawing/2010/main" xmlns:p="http://schemas.openxmlformats.org/presentationml/2006/main" xmlns:r="http://schemas.openxmlformats.org/officeDocument/2006/relationships" xmlns:a="http://schemas.openxmlformats.org/drawingml/2006/main" xmlns="" val="0"/>
               </a:ext>
             </a:extLst>
           </a:blip>
@@ -8758,7 +9229,7 @@
           </a:ln>
           <a:extLst>
             <a:ext uri="{909E8E84-426E-40DD-AFC4-6F175D3DCCD1}">
-              <a14:hiddenFill xmlns:a14="http://schemas.microsoft.com/office/drawing/2010/main">
+              <a14:hiddenFill xmlns:a14="http://schemas.microsoft.com/office/drawing/2010/main" xmlns:p="http://schemas.openxmlformats.org/presentationml/2006/main" xmlns:r="http://schemas.openxmlformats.org/officeDocument/2006/relationships" xmlns:a="http://schemas.openxmlformats.org/drawingml/2006/main" xmlns="">
                 <a:solidFill>
                   <a:schemeClr val="accent1"/>
                 </a:solidFill>
@@ -8779,7 +9250,7 @@
           <a:blip r:embed="rId6">
             <a:extLst>
               <a:ext uri="{28A0092B-C50C-407E-A947-70E740481C1C}">
-                <a14:useLocalDpi xmlns:a14="http://schemas.microsoft.com/office/drawing/2010/main" val="0"/>
+                <a14:useLocalDpi xmlns:a14="http://schemas.microsoft.com/office/drawing/2010/main" xmlns:p="http://schemas.openxmlformats.org/presentationml/2006/main" xmlns:r="http://schemas.openxmlformats.org/officeDocument/2006/relationships" xmlns:a="http://schemas.openxmlformats.org/drawingml/2006/main" xmlns="" val="0"/>
               </a:ext>
             </a:extLst>
           </a:blip>
@@ -8802,14 +9273,14 @@
           </a:ln>
           <a:extLst>
             <a:ext uri="{909E8E84-426E-40DD-AFC4-6F175D3DCCD1}">
-              <a14:hiddenFill xmlns:a14="http://schemas.microsoft.com/office/drawing/2010/main">
+              <a14:hiddenFill xmlns:a14="http://schemas.microsoft.com/office/drawing/2010/main" xmlns:p="http://schemas.openxmlformats.org/presentationml/2006/main" xmlns:r="http://schemas.openxmlformats.org/officeDocument/2006/relationships" xmlns:a="http://schemas.openxmlformats.org/drawingml/2006/main" xmlns="">
                 <a:solidFill>
                   <a:schemeClr val="accent1"/>
                 </a:solidFill>
               </a14:hiddenFill>
             </a:ext>
             <a:ext uri="{91240B29-F687-4F45-9708-019B960494DF}">
-              <a14:hiddenLine xmlns:a14="http://schemas.microsoft.com/office/drawing/2010/main" w="9525">
+              <a14:hiddenLine xmlns:a14="http://schemas.microsoft.com/office/drawing/2010/main" xmlns:p="http://schemas.openxmlformats.org/presentationml/2006/main" xmlns:r="http://schemas.openxmlformats.org/officeDocument/2006/relationships" xmlns:a="http://schemas.openxmlformats.org/drawingml/2006/main" xmlns="" w="9525">
                 <a:solidFill>
                   <a:schemeClr val="tx1"/>
                 </a:solidFill>
@@ -8879,7 +9350,7 @@
           <a:blip r:embed="rId7">
             <a:extLst>
               <a:ext uri="{28A0092B-C50C-407E-A947-70E740481C1C}">
-                <a14:useLocalDpi xmlns:a14="http://schemas.microsoft.com/office/drawing/2010/main" val="0"/>
+                <a14:useLocalDpi xmlns:a14="http://schemas.microsoft.com/office/drawing/2010/main" xmlns:p="http://schemas.openxmlformats.org/presentationml/2006/main" xmlns:r="http://schemas.openxmlformats.org/officeDocument/2006/relationships" xmlns:a="http://schemas.openxmlformats.org/drawingml/2006/main" xmlns="" val="0"/>
               </a:ext>
             </a:extLst>
           </a:blip>
@@ -8903,7 +9374,7 @@
           <a:effectLst/>
           <a:extLst>
             <a:ext uri="{909E8E84-426E-40DD-AFC4-6F175D3DCCD1}">
-              <a14:hiddenFill xmlns:a14="http://schemas.microsoft.com/office/drawing/2010/main">
+              <a14:hiddenFill xmlns:a14="http://schemas.microsoft.com/office/drawing/2010/main" xmlns:p="http://schemas.openxmlformats.org/presentationml/2006/main" xmlns:r="http://schemas.openxmlformats.org/officeDocument/2006/relationships" xmlns:a="http://schemas.openxmlformats.org/drawingml/2006/main" xmlns="">
                 <a:solidFill>
                   <a:srgbClr val="FFFFFF"/>
                 </a:solidFill>
@@ -8924,7 +9395,7 @@
           <a:blip r:embed="rId8">
             <a:extLst>
               <a:ext uri="{28A0092B-C50C-407E-A947-70E740481C1C}">
-                <a14:useLocalDpi xmlns:a14="http://schemas.microsoft.com/office/drawing/2010/main" val="0"/>
+                <a14:useLocalDpi xmlns:a14="http://schemas.microsoft.com/office/drawing/2010/main" xmlns:p="http://schemas.openxmlformats.org/presentationml/2006/main" xmlns:r="http://schemas.openxmlformats.org/officeDocument/2006/relationships" xmlns:a="http://schemas.openxmlformats.org/drawingml/2006/main" xmlns="" val="0"/>
               </a:ext>
             </a:extLst>
           </a:blip>
@@ -8952,7 +9423,7 @@
           </a:ln>
           <a:extLst>
             <a:ext uri="{909E8E84-426E-40DD-AFC4-6F175D3DCCD1}">
-              <a14:hiddenFill xmlns:a14="http://schemas.microsoft.com/office/drawing/2010/main">
+              <a14:hiddenFill xmlns:a14="http://schemas.microsoft.com/office/drawing/2010/main" xmlns:p="http://schemas.openxmlformats.org/presentationml/2006/main" xmlns:r="http://schemas.openxmlformats.org/officeDocument/2006/relationships" xmlns:a="http://schemas.openxmlformats.org/drawingml/2006/main" xmlns="">
                 <a:solidFill>
                   <a:schemeClr val="accent1"/>
                 </a:solidFill>
@@ -9019,7 +9490,7 @@
           <a:blip r:embed="rId9">
             <a:extLst>
               <a:ext uri="{28A0092B-C50C-407E-A947-70E740481C1C}">
-                <a14:useLocalDpi xmlns:a14="http://schemas.microsoft.com/office/drawing/2010/main" val="0"/>
+                <a14:useLocalDpi xmlns:a14="http://schemas.microsoft.com/office/drawing/2010/main" xmlns:p="http://schemas.openxmlformats.org/presentationml/2006/main" xmlns:r="http://schemas.openxmlformats.org/officeDocument/2006/relationships" xmlns:a="http://schemas.openxmlformats.org/drawingml/2006/main" xmlns="" val="0"/>
               </a:ext>
             </a:extLst>
           </a:blip>
@@ -9062,6 +9533,7 @@
           <a:p>
             <a:fld id="{A247F51C-6885-4705-B1ED-C00AAEF6CB3D}" type="slidenum">
               <a:rPr lang="en-US" smtClean="0"/>
+              <a:pPr/>
               <a:t>4</a:t>
             </a:fld>
             <a:endParaRPr lang="en-US"/>
@@ -9085,7 +9557,8 @@
           <a:p>
             <a:fld id="{F1145CE5-2D07-497F-B5A3-6DE6B12B2B46}" type="datetime1">
               <a:rPr lang="en-US" smtClean="0"/>
-              <a:t>4/13/2015</a:t>
+              <a:pPr/>
+              <a:t>4/13/15</a:t>
             </a:fld>
             <a:endParaRPr lang="en-US"/>
           </a:p>
@@ -9126,7 +9599,7 @@
           <a:blip r:embed="rId10">
             <a:extLst>
               <a:ext uri="{28A0092B-C50C-407E-A947-70E740481C1C}">
-                <a14:useLocalDpi xmlns:a14="http://schemas.microsoft.com/office/drawing/2010/main" val="0"/>
+                <a14:useLocalDpi xmlns:a14="http://schemas.microsoft.com/office/drawing/2010/main" xmlns:p="http://schemas.openxmlformats.org/presentationml/2006/main" xmlns:r="http://schemas.openxmlformats.org/officeDocument/2006/relationships" xmlns:a="http://schemas.openxmlformats.org/drawingml/2006/main" xmlns="" val="0"/>
               </a:ext>
             </a:extLst>
           </a:blip>
@@ -9154,7 +9627,7 @@
           </a:ln>
           <a:extLst>
             <a:ext uri="{909E8E84-426E-40DD-AFC4-6F175D3DCCD1}">
-              <a14:hiddenFill xmlns:a14="http://schemas.microsoft.com/office/drawing/2010/main">
+              <a14:hiddenFill xmlns:a14="http://schemas.microsoft.com/office/drawing/2010/main" xmlns:p="http://schemas.openxmlformats.org/presentationml/2006/main" xmlns:r="http://schemas.openxmlformats.org/officeDocument/2006/relationships" xmlns:a="http://schemas.openxmlformats.org/drawingml/2006/main" xmlns="">
                 <a:solidFill>
                   <a:schemeClr val="accent1"/>
                 </a:solidFill>
@@ -9166,7 +9639,7 @@
     </p:spTree>
     <p:extLst>
       <p:ext uri="{BB962C8B-B14F-4D97-AF65-F5344CB8AC3E}">
-        <p14:creationId xmlns:p14="http://schemas.microsoft.com/office/powerpoint/2010/main" val="71700943"/>
+        <p14:creationId xmlns:p14="http://schemas.microsoft.com/office/powerpoint/2010/main" xmlns:p="http://schemas.openxmlformats.org/presentationml/2006/main" xmlns:r="http://schemas.openxmlformats.org/officeDocument/2006/relationships" xmlns:a="http://schemas.openxmlformats.org/drawingml/2006/main" xmlns="" val="71700943"/>
       </p:ext>
     </p:extLst>
   </p:cSld>
@@ -9393,7 +9866,7 @@
 </file>
 
 <file path=ppt/slides/slide5.xml><?xml version="1.0" encoding="utf-8"?>
-<p:sld xmlns:a="http://schemas.openxmlformats.org/drawingml/2006/main" xmlns:r="http://schemas.openxmlformats.org/officeDocument/2006/relationships" xmlns:p="http://schemas.openxmlformats.org/presentationml/2006/main">
+<p:sld xmlns:a="http://schemas.openxmlformats.org/drawingml/2006/main" xmlns:r="http://schemas.openxmlformats.org/officeDocument/2006/relationships" xmlns:mc="http://schemas.openxmlformats.org/markup-compatibility/2006" xmlns:mv="urn:schemas-microsoft-com:mac:vml" xmlns:p="http://schemas.openxmlformats.org/presentationml/2006/main" mc:Ignorable="mv" mc:PreserveAttributes="mv:*">
   <p:cSld>
     <p:spTree>
       <p:nvGrpSpPr>
@@ -9457,7 +9930,8 @@
           <a:p>
             <a:fld id="{E403B45D-E03C-4404-9C98-312B8AD2E868}" type="datetime1">
               <a:rPr lang="en-US" smtClean="0"/>
-              <a:t>4/13/2015</a:t>
+              <a:pPr/>
+              <a:t>4/13/15</a:t>
             </a:fld>
             <a:endParaRPr lang="en-US"/>
           </a:p>
@@ -9503,6 +9977,7 @@
           <a:p>
             <a:fld id="{A247F51C-6885-4705-B1ED-C00AAEF6CB3D}" type="slidenum">
               <a:rPr lang="en-US" smtClean="0"/>
+              <a:pPr/>
               <a:t>5</a:t>
             </a:fld>
             <a:endParaRPr lang="en-US"/>
@@ -9521,7 +9996,7 @@
           <a:blip r:embed="rId3">
             <a:extLst>
               <a:ext uri="{28A0092B-C50C-407E-A947-70E740481C1C}">
-                <a14:useLocalDpi xmlns:a14="http://schemas.microsoft.com/office/drawing/2010/main" val="0"/>
+                <a14:useLocalDpi xmlns:a14="http://schemas.microsoft.com/office/drawing/2010/main" xmlns:p="http://schemas.openxmlformats.org/presentationml/2006/main" xmlns:r="http://schemas.openxmlformats.org/officeDocument/2006/relationships" xmlns:a="http://schemas.openxmlformats.org/drawingml/2006/main" xmlns="" val="0"/>
               </a:ext>
             </a:extLst>
           </a:blip>
@@ -9544,14 +10019,14 @@
           </a:ln>
           <a:extLst>
             <a:ext uri="{909E8E84-426E-40DD-AFC4-6F175D3DCCD1}">
-              <a14:hiddenFill xmlns:a14="http://schemas.microsoft.com/office/drawing/2010/main">
+              <a14:hiddenFill xmlns:a14="http://schemas.microsoft.com/office/drawing/2010/main" xmlns:p="http://schemas.openxmlformats.org/presentationml/2006/main" xmlns:r="http://schemas.openxmlformats.org/officeDocument/2006/relationships" xmlns:a="http://schemas.openxmlformats.org/drawingml/2006/main" xmlns="">
                 <a:solidFill>
                   <a:schemeClr val="accent1"/>
                 </a:solidFill>
               </a14:hiddenFill>
             </a:ext>
             <a:ext uri="{91240B29-F687-4F45-9708-019B960494DF}">
-              <a14:hiddenLine xmlns:a14="http://schemas.microsoft.com/office/drawing/2010/main" w="9525">
+              <a14:hiddenLine xmlns:a14="http://schemas.microsoft.com/office/drawing/2010/main" xmlns:p="http://schemas.openxmlformats.org/presentationml/2006/main" xmlns:r="http://schemas.openxmlformats.org/officeDocument/2006/relationships" xmlns:a="http://schemas.openxmlformats.org/drawingml/2006/main" xmlns="" w="9525">
                 <a:solidFill>
                   <a:schemeClr val="tx1"/>
                 </a:solidFill>
@@ -9582,7 +10057,7 @@
           <a:noFill/>
           <a:extLst>
             <a:ext uri="{909E8E84-426E-40DD-AFC4-6F175D3DCCD1}">
-              <a14:hiddenFill xmlns:a14="http://schemas.microsoft.com/office/drawing/2010/main">
+              <a14:hiddenFill xmlns:a14="http://schemas.microsoft.com/office/drawing/2010/main" xmlns:p="http://schemas.openxmlformats.org/presentationml/2006/main" xmlns:r="http://schemas.openxmlformats.org/officeDocument/2006/relationships" xmlns:a="http://schemas.openxmlformats.org/drawingml/2006/main" xmlns="">
                 <a:solidFill>
                   <a:srgbClr val="FFFFFF"/>
                 </a:solidFill>
@@ -9621,7 +10096,7 @@
           <a:noFill/>
           <a:extLst>
             <a:ext uri="{909E8E84-426E-40DD-AFC4-6F175D3DCCD1}">
-              <a14:hiddenFill xmlns:a14="http://schemas.microsoft.com/office/drawing/2010/main">
+              <a14:hiddenFill xmlns:a14="http://schemas.microsoft.com/office/drawing/2010/main" xmlns:p="http://schemas.openxmlformats.org/presentationml/2006/main" xmlns:r="http://schemas.openxmlformats.org/officeDocument/2006/relationships" xmlns:a="http://schemas.openxmlformats.org/drawingml/2006/main" xmlns="">
                 <a:solidFill>
                   <a:srgbClr val="FFFFFF"/>
                 </a:solidFill>
@@ -9660,7 +10135,7 @@
           <a:noFill/>
           <a:extLst>
             <a:ext uri="{909E8E84-426E-40DD-AFC4-6F175D3DCCD1}">
-              <a14:hiddenFill xmlns:a14="http://schemas.microsoft.com/office/drawing/2010/main">
+              <a14:hiddenFill xmlns:a14="http://schemas.microsoft.com/office/drawing/2010/main" xmlns:p="http://schemas.openxmlformats.org/presentationml/2006/main" xmlns:r="http://schemas.openxmlformats.org/officeDocument/2006/relationships" xmlns:a="http://schemas.openxmlformats.org/drawingml/2006/main" xmlns="">
                 <a:solidFill>
                   <a:srgbClr val="FFFFFF"/>
                 </a:solidFill>
@@ -9692,7 +10167,7 @@
           <a:blip r:embed="rId4">
             <a:extLst>
               <a:ext uri="{28A0092B-C50C-407E-A947-70E740481C1C}">
-                <a14:useLocalDpi xmlns:a14="http://schemas.microsoft.com/office/drawing/2010/main" val="0"/>
+                <a14:useLocalDpi xmlns:a14="http://schemas.microsoft.com/office/drawing/2010/main" xmlns:p="http://schemas.openxmlformats.org/presentationml/2006/main" xmlns:r="http://schemas.openxmlformats.org/officeDocument/2006/relationships" xmlns:a="http://schemas.openxmlformats.org/drawingml/2006/main" xmlns="" val="0"/>
               </a:ext>
             </a:extLst>
           </a:blip>
@@ -9776,7 +10251,7 @@
           <a:blip r:embed="rId6">
             <a:extLst>
               <a:ext uri="{28A0092B-C50C-407E-A947-70E740481C1C}">
-                <a14:useLocalDpi xmlns:a14="http://schemas.microsoft.com/office/drawing/2010/main" val="0"/>
+                <a14:useLocalDpi xmlns:a14="http://schemas.microsoft.com/office/drawing/2010/main" xmlns:p="http://schemas.openxmlformats.org/presentationml/2006/main" xmlns:r="http://schemas.openxmlformats.org/officeDocument/2006/relationships" xmlns:a="http://schemas.openxmlformats.org/drawingml/2006/main" xmlns="" val="0"/>
               </a:ext>
             </a:extLst>
           </a:blip>
@@ -9799,14 +10274,14 @@
           </a:ln>
           <a:extLst>
             <a:ext uri="{909E8E84-426E-40DD-AFC4-6F175D3DCCD1}">
-              <a14:hiddenFill xmlns:a14="http://schemas.microsoft.com/office/drawing/2010/main">
+              <a14:hiddenFill xmlns:a14="http://schemas.microsoft.com/office/drawing/2010/main" xmlns:p="http://schemas.openxmlformats.org/presentationml/2006/main" xmlns:r="http://schemas.openxmlformats.org/officeDocument/2006/relationships" xmlns:a="http://schemas.openxmlformats.org/drawingml/2006/main" xmlns="">
                 <a:solidFill>
                   <a:schemeClr val="accent1"/>
                 </a:solidFill>
               </a14:hiddenFill>
             </a:ext>
             <a:ext uri="{91240B29-F687-4F45-9708-019B960494DF}">
-              <a14:hiddenLine xmlns:a14="http://schemas.microsoft.com/office/drawing/2010/main" w="9525">
+              <a14:hiddenLine xmlns:a14="http://schemas.microsoft.com/office/drawing/2010/main" xmlns:p="http://schemas.openxmlformats.org/presentationml/2006/main" xmlns:r="http://schemas.openxmlformats.org/officeDocument/2006/relationships" xmlns:a="http://schemas.openxmlformats.org/drawingml/2006/main" xmlns="" w="9525">
                 <a:solidFill>
                   <a:schemeClr val="tx1"/>
                 </a:solidFill>
@@ -9830,7 +10305,7 @@
           <a:blip r:embed="rId7">
             <a:extLst>
               <a:ext uri="{28A0092B-C50C-407E-A947-70E740481C1C}">
-                <a14:useLocalDpi xmlns:a14="http://schemas.microsoft.com/office/drawing/2010/main" val="0"/>
+                <a14:useLocalDpi xmlns:a14="http://schemas.microsoft.com/office/drawing/2010/main" xmlns:p="http://schemas.openxmlformats.org/presentationml/2006/main" xmlns:r="http://schemas.openxmlformats.org/officeDocument/2006/relationships" xmlns:a="http://schemas.openxmlformats.org/drawingml/2006/main" xmlns="" val="0"/>
               </a:ext>
             </a:extLst>
           </a:blip>
@@ -9859,7 +10334,7 @@
     </p:spTree>
     <p:extLst>
       <p:ext uri="{BB962C8B-B14F-4D97-AF65-F5344CB8AC3E}">
-        <p14:creationId xmlns:p14="http://schemas.microsoft.com/office/powerpoint/2010/main" val="3969968718"/>
+        <p14:creationId xmlns:p14="http://schemas.microsoft.com/office/powerpoint/2010/main" xmlns:p="http://schemas.openxmlformats.org/presentationml/2006/main" xmlns:r="http://schemas.openxmlformats.org/officeDocument/2006/relationships" xmlns:a="http://schemas.openxmlformats.org/drawingml/2006/main" xmlns="" val="3969968718"/>
       </p:ext>
     </p:extLst>
   </p:cSld>
@@ -9877,7 +10352,7 @@
 </file>
 
 <file path=ppt/slides/slide6.xml><?xml version="1.0" encoding="utf-8"?>
-<p:sld xmlns:a="http://schemas.openxmlformats.org/drawingml/2006/main" xmlns:r="http://schemas.openxmlformats.org/officeDocument/2006/relationships" xmlns:p="http://schemas.openxmlformats.org/presentationml/2006/main">
+<p:sld xmlns:a="http://schemas.openxmlformats.org/drawingml/2006/main" xmlns:r="http://schemas.openxmlformats.org/officeDocument/2006/relationships" xmlns:mc="http://schemas.openxmlformats.org/markup-compatibility/2006" xmlns:mv="urn:schemas-microsoft-com:mac:vml" xmlns:p="http://schemas.openxmlformats.org/presentationml/2006/main" mc:Ignorable="mv" mc:PreserveAttributes="mv:*">
   <p:cSld>
     <p:spTree>
       <p:nvGrpSpPr>
@@ -9930,7 +10405,7 @@
           <a:blip r:embed="rId3">
             <a:extLst>
               <a:ext uri="{28A0092B-C50C-407E-A947-70E740481C1C}">
-                <a14:useLocalDpi xmlns:a14="http://schemas.microsoft.com/office/drawing/2010/main" val="0"/>
+                <a14:useLocalDpi xmlns:a14="http://schemas.microsoft.com/office/drawing/2010/main" xmlns:p="http://schemas.openxmlformats.org/presentationml/2006/main" xmlns:r="http://schemas.openxmlformats.org/officeDocument/2006/relationships" xmlns:a="http://schemas.openxmlformats.org/drawingml/2006/main" xmlns="" val="0"/>
               </a:ext>
             </a:extLst>
           </a:blip>
@@ -9962,7 +10437,8 @@
           <a:p>
             <a:fld id="{E403B45D-E03C-4404-9C98-312B8AD2E868}" type="datetime1">
               <a:rPr lang="en-US" smtClean="0"/>
-              <a:t>4/13/2015</a:t>
+              <a:pPr/>
+              <a:t>4/13/15</a:t>
             </a:fld>
             <a:endParaRPr lang="en-US"/>
           </a:p>
@@ -10008,6 +10484,7 @@
           <a:p>
             <a:fld id="{A247F51C-6885-4705-B1ED-C00AAEF6CB3D}" type="slidenum">
               <a:rPr lang="en-US" smtClean="0"/>
+              <a:pPr/>
               <a:t>6</a:t>
             </a:fld>
             <a:endParaRPr lang="en-US"/>
@@ -10026,7 +10503,7 @@
           <a:blip r:embed="rId4">
             <a:extLst>
               <a:ext uri="{28A0092B-C50C-407E-A947-70E740481C1C}">
-                <a14:useLocalDpi xmlns:a14="http://schemas.microsoft.com/office/drawing/2010/main" val="0"/>
+                <a14:useLocalDpi xmlns:a14="http://schemas.microsoft.com/office/drawing/2010/main" xmlns:p="http://schemas.openxmlformats.org/presentationml/2006/main" xmlns:r="http://schemas.openxmlformats.org/officeDocument/2006/relationships" xmlns:a="http://schemas.openxmlformats.org/drawingml/2006/main" xmlns="" val="0"/>
               </a:ext>
             </a:extLst>
           </a:blip>
@@ -10053,7 +10530,7 @@
           </a:ln>
           <a:extLst>
             <a:ext uri="{909E8E84-426E-40DD-AFC4-6F175D3DCCD1}">
-              <a14:hiddenFill xmlns:a14="http://schemas.microsoft.com/office/drawing/2010/main">
+              <a14:hiddenFill xmlns:a14="http://schemas.microsoft.com/office/drawing/2010/main" xmlns:p="http://schemas.openxmlformats.org/presentationml/2006/main" xmlns:r="http://schemas.openxmlformats.org/officeDocument/2006/relationships" xmlns:a="http://schemas.openxmlformats.org/drawingml/2006/main" xmlns="">
                 <a:solidFill>
                   <a:srgbClr val="FFFFFF"/>
                 </a:solidFill>
@@ -10081,7 +10558,7 @@
           <a:noFill/>
           <a:extLst>
             <a:ext uri="{909E8E84-426E-40DD-AFC4-6F175D3DCCD1}">
-              <a14:hiddenFill xmlns:a14="http://schemas.microsoft.com/office/drawing/2010/main">
+              <a14:hiddenFill xmlns:a14="http://schemas.microsoft.com/office/drawing/2010/main" xmlns:p="http://schemas.openxmlformats.org/presentationml/2006/main" xmlns:r="http://schemas.openxmlformats.org/officeDocument/2006/relationships" xmlns:a="http://schemas.openxmlformats.org/drawingml/2006/main" xmlns="">
                 <a:solidFill>
                   <a:srgbClr val="FFFFFF"/>
                 </a:solidFill>
@@ -10120,7 +10597,7 @@
           <a:noFill/>
           <a:extLst>
             <a:ext uri="{909E8E84-426E-40DD-AFC4-6F175D3DCCD1}">
-              <a14:hiddenFill xmlns:a14="http://schemas.microsoft.com/office/drawing/2010/main">
+              <a14:hiddenFill xmlns:a14="http://schemas.microsoft.com/office/drawing/2010/main" xmlns:p="http://schemas.openxmlformats.org/presentationml/2006/main" xmlns:r="http://schemas.openxmlformats.org/officeDocument/2006/relationships" xmlns:a="http://schemas.openxmlformats.org/drawingml/2006/main" xmlns="">
                 <a:solidFill>
                   <a:srgbClr val="FFFFFF"/>
                 </a:solidFill>
@@ -10159,7 +10636,7 @@
           <a:noFill/>
           <a:extLst>
             <a:ext uri="{909E8E84-426E-40DD-AFC4-6F175D3DCCD1}">
-              <a14:hiddenFill xmlns:a14="http://schemas.microsoft.com/office/drawing/2010/main">
+              <a14:hiddenFill xmlns:a14="http://schemas.microsoft.com/office/drawing/2010/main" xmlns:p="http://schemas.openxmlformats.org/presentationml/2006/main" xmlns:r="http://schemas.openxmlformats.org/officeDocument/2006/relationships" xmlns:a="http://schemas.openxmlformats.org/drawingml/2006/main" xmlns="">
                 <a:solidFill>
                   <a:srgbClr val="FFFFFF"/>
                 </a:solidFill>
@@ -10198,7 +10675,7 @@
           <a:noFill/>
           <a:extLst>
             <a:ext uri="{909E8E84-426E-40DD-AFC4-6F175D3DCCD1}">
-              <a14:hiddenFill xmlns:a14="http://schemas.microsoft.com/office/drawing/2010/main">
+              <a14:hiddenFill xmlns:a14="http://schemas.microsoft.com/office/drawing/2010/main" xmlns:p="http://schemas.openxmlformats.org/presentationml/2006/main" xmlns:r="http://schemas.openxmlformats.org/officeDocument/2006/relationships" xmlns:a="http://schemas.openxmlformats.org/drawingml/2006/main" xmlns="">
                 <a:solidFill>
                   <a:srgbClr val="FFFFFF"/>
                 </a:solidFill>
@@ -10230,7 +10707,7 @@
           <a:blip r:embed="rId5">
             <a:extLst>
               <a:ext uri="{28A0092B-C50C-407E-A947-70E740481C1C}">
-                <a14:useLocalDpi xmlns:a14="http://schemas.microsoft.com/office/drawing/2010/main" val="0"/>
+                <a14:useLocalDpi xmlns:a14="http://schemas.microsoft.com/office/drawing/2010/main" xmlns:p="http://schemas.openxmlformats.org/presentationml/2006/main" xmlns:r="http://schemas.openxmlformats.org/officeDocument/2006/relationships" xmlns:a="http://schemas.openxmlformats.org/drawingml/2006/main" xmlns="" val="0"/>
               </a:ext>
             </a:extLst>
           </a:blip>
@@ -10250,7 +10727,7 @@
           <a:noFill/>
           <a:extLst>
             <a:ext uri="{909E8E84-426E-40DD-AFC4-6F175D3DCCD1}">
-              <a14:hiddenFill xmlns:a14="http://schemas.microsoft.com/office/drawing/2010/main">
+              <a14:hiddenFill xmlns:a14="http://schemas.microsoft.com/office/drawing/2010/main" xmlns:p="http://schemas.openxmlformats.org/presentationml/2006/main" xmlns:r="http://schemas.openxmlformats.org/officeDocument/2006/relationships" xmlns:a="http://schemas.openxmlformats.org/drawingml/2006/main" xmlns="">
                 <a:solidFill>
                   <a:srgbClr val="FFFFFF"/>
                 </a:solidFill>
@@ -10310,7 +10787,7 @@
           <a:blip r:embed="rId6">
             <a:extLst>
               <a:ext uri="{28A0092B-C50C-407E-A947-70E740481C1C}">
-                <a14:useLocalDpi xmlns:a14="http://schemas.microsoft.com/office/drawing/2010/main" val="0"/>
+                <a14:useLocalDpi xmlns:a14="http://schemas.microsoft.com/office/drawing/2010/main" xmlns:p="http://schemas.openxmlformats.org/presentationml/2006/main" xmlns:r="http://schemas.openxmlformats.org/officeDocument/2006/relationships" xmlns:a="http://schemas.openxmlformats.org/drawingml/2006/main" xmlns="" val="0"/>
               </a:ext>
             </a:extLst>
           </a:blip>
@@ -10348,7 +10825,7 @@
           <a:blip r:embed="rId7">
             <a:extLst>
               <a:ext uri="{28A0092B-C50C-407E-A947-70E740481C1C}">
-                <a14:useLocalDpi xmlns:a14="http://schemas.microsoft.com/office/drawing/2010/main" val="0"/>
+                <a14:useLocalDpi xmlns:a14="http://schemas.microsoft.com/office/drawing/2010/main" xmlns:p="http://schemas.openxmlformats.org/presentationml/2006/main" xmlns:r="http://schemas.openxmlformats.org/officeDocument/2006/relationships" xmlns:a="http://schemas.openxmlformats.org/drawingml/2006/main" xmlns="" val="0"/>
               </a:ext>
             </a:extLst>
           </a:blip>
@@ -10376,7 +10853,7 @@
           </a:ln>
           <a:extLst>
             <a:ext uri="{909E8E84-426E-40DD-AFC4-6F175D3DCCD1}">
-              <a14:hiddenFill xmlns:a14="http://schemas.microsoft.com/office/drawing/2010/main">
+              <a14:hiddenFill xmlns:a14="http://schemas.microsoft.com/office/drawing/2010/main" xmlns:p="http://schemas.openxmlformats.org/presentationml/2006/main" xmlns:r="http://schemas.openxmlformats.org/officeDocument/2006/relationships" xmlns:a="http://schemas.openxmlformats.org/drawingml/2006/main" xmlns="">
                 <a:solidFill>
                   <a:schemeClr val="accent1"/>
                 </a:solidFill>
@@ -10388,7 +10865,7 @@
     </p:spTree>
     <p:extLst>
       <p:ext uri="{BB962C8B-B14F-4D97-AF65-F5344CB8AC3E}">
-        <p14:creationId xmlns:p14="http://schemas.microsoft.com/office/powerpoint/2010/main" val="2871662541"/>
+        <p14:creationId xmlns:p14="http://schemas.microsoft.com/office/powerpoint/2010/main" xmlns:p="http://schemas.openxmlformats.org/presentationml/2006/main" xmlns:r="http://schemas.openxmlformats.org/officeDocument/2006/relationships" xmlns:a="http://schemas.openxmlformats.org/drawingml/2006/main" xmlns="" val="2871662541"/>
       </p:ext>
     </p:extLst>
   </p:cSld>
@@ -10406,7 +10883,7 @@
 </file>
 
 <file path=ppt/slides/slide7.xml><?xml version="1.0" encoding="utf-8"?>
-<p:sld xmlns:a="http://schemas.openxmlformats.org/drawingml/2006/main" xmlns:r="http://schemas.openxmlformats.org/officeDocument/2006/relationships" xmlns:p="http://schemas.openxmlformats.org/presentationml/2006/main">
+<p:sld xmlns:a="http://schemas.openxmlformats.org/drawingml/2006/main" xmlns:r="http://schemas.openxmlformats.org/officeDocument/2006/relationships" xmlns:mc="http://schemas.openxmlformats.org/markup-compatibility/2006" xmlns:mv="urn:schemas-microsoft-com:mac:vml" xmlns:p="http://schemas.openxmlformats.org/presentationml/2006/main" mc:Ignorable="mv" mc:PreserveAttributes="mv:*">
   <p:cSld>
     <p:spTree>
       <p:nvGrpSpPr>
@@ -10439,6 +10916,244 @@
           <a:p>
             <a:r>
               <a:rPr lang="en-US" dirty="0" smtClean="0"/>
+              <a:t>Developer Tools</a:t>
+            </a:r>
+            <a:endParaRPr lang="en-US" dirty="0"/>
+          </a:p>
+        </p:txBody>
+      </p:sp>
+      <p:sp>
+        <p:nvSpPr>
+          <p:cNvPr id="3" name="Content Placeholder 2"/>
+          <p:cNvSpPr>
+            <a:spLocks noGrp="1"/>
+          </p:cNvSpPr>
+          <p:nvPr>
+            <p:ph idx="1"/>
+          </p:nvPr>
+        </p:nvSpPr>
+        <p:spPr/>
+        <p:txBody>
+          <a:bodyPr/>
+          <a:lstStyle/>
+          <a:p>
+            <a:r>
+              <a:rPr lang="en-US" dirty="0" smtClean="0"/>
+              <a:t>Chrome has “Developer Tools” (shown below).</a:t>
+            </a:r>
+          </a:p>
+          <a:p>
+            <a:r>
+              <a:rPr lang="en-US" dirty="0" smtClean="0"/>
+              <a:t>Firefox has the “Developer Toolbar”.</a:t>
+            </a:r>
+          </a:p>
+          <a:p>
+            <a:r>
+              <a:rPr lang="en-US" dirty="0" smtClean="0"/>
+              <a:t>Print variable values to </a:t>
+            </a:r>
+            <a:r>
+              <a:rPr lang="en-US" dirty="0" err="1" smtClean="0"/>
+              <a:t>console.log</a:t>
+            </a:r>
+            <a:endParaRPr lang="en-US" dirty="0" smtClean="0"/>
+          </a:p>
+          <a:p>
+            <a:r>
+              <a:rPr lang="en-US" dirty="0" smtClean="0"/>
+              <a:t>Determine line numbers where errors occur.</a:t>
+            </a:r>
+          </a:p>
+          <a:p>
+            <a:r>
+              <a:rPr lang="en-US" dirty="0" smtClean="0"/>
+              <a:t>Determine whether errors occur “before” or “after” some point.</a:t>
+            </a:r>
+            <a:endParaRPr lang="en-US" dirty="0"/>
+          </a:p>
+        </p:txBody>
+      </p:sp>
+      <p:sp>
+        <p:nvSpPr>
+          <p:cNvPr id="4" name="Date Placeholder 3"/>
+          <p:cNvSpPr>
+            <a:spLocks noGrp="1"/>
+          </p:cNvSpPr>
+          <p:nvPr>
+            <p:ph type="dt" sz="half" idx="10"/>
+          </p:nvPr>
+        </p:nvSpPr>
+        <p:spPr/>
+        <p:txBody>
+          <a:bodyPr/>
+          <a:lstStyle/>
+          <a:p>
+            <a:fld id="{E403B45D-E03C-4404-9C98-312B8AD2E868}" type="datetime1">
+              <a:rPr lang="en-US" smtClean="0"/>
+              <a:pPr/>
+              <a:t>4/13/15</a:t>
+            </a:fld>
+            <a:endParaRPr lang="en-US"/>
+          </a:p>
+        </p:txBody>
+      </p:sp>
+      <p:sp>
+        <p:nvSpPr>
+          <p:cNvPr id="5" name="Footer Placeholder 4"/>
+          <p:cNvSpPr>
+            <a:spLocks noGrp="1"/>
+          </p:cNvSpPr>
+          <p:nvPr>
+            <p:ph type="ftr" sz="quarter" idx="11"/>
+          </p:nvPr>
+        </p:nvSpPr>
+        <p:spPr/>
+        <p:txBody>
+          <a:bodyPr/>
+          <a:lstStyle/>
+          <a:p>
+            <a:r>
+              <a:rPr lang="en-US" smtClean="0"/>
+              <a:t>MSGIC Quarterly Meeting</a:t>
+            </a:r>
+            <a:endParaRPr lang="en-US"/>
+          </a:p>
+        </p:txBody>
+      </p:sp>
+      <p:sp>
+        <p:nvSpPr>
+          <p:cNvPr id="6" name="Slide Number Placeholder 5"/>
+          <p:cNvSpPr>
+            <a:spLocks noGrp="1"/>
+          </p:cNvSpPr>
+          <p:nvPr>
+            <p:ph type="sldNum" sz="quarter" idx="12"/>
+          </p:nvPr>
+        </p:nvSpPr>
+        <p:spPr/>
+        <p:txBody>
+          <a:bodyPr/>
+          <a:lstStyle/>
+          <a:p>
+            <a:fld id="{A247F51C-6885-4705-B1ED-C00AAEF6CB3D}" type="slidenum">
+              <a:rPr lang="en-US" smtClean="0"/>
+              <a:pPr/>
+              <a:t>7</a:t>
+            </a:fld>
+            <a:endParaRPr lang="en-US"/>
+          </a:p>
+        </p:txBody>
+      </p:sp>
+      <p:pic>
+        <p:nvPicPr>
+          <p:cNvPr id="7" name="Picture 6"/>
+          <p:cNvPicPr>
+            <a:picLocks noChangeAspect="1"/>
+          </p:cNvPicPr>
+          <p:nvPr/>
+        </p:nvPicPr>
+        <p:blipFill>
+          <a:blip r:embed="rId3"/>
+          <a:stretch>
+            <a:fillRect/>
+          </a:stretch>
+        </p:blipFill>
+        <p:spPr>
+          <a:xfrm>
+            <a:off x="292100" y="4343400"/>
+            <a:ext cx="7099300" cy="2008239"/>
+          </a:xfrm>
+          <a:prstGeom prst="rect">
+            <a:avLst/>
+          </a:prstGeom>
+          <a:ln>
+            <a:solidFill>
+              <a:schemeClr val="bg2"/>
+            </a:solidFill>
+          </a:ln>
+        </p:spPr>
+      </p:pic>
+      <p:pic>
+        <p:nvPicPr>
+          <p:cNvPr id="8" name="Picture 7"/>
+          <p:cNvPicPr>
+            <a:picLocks noChangeAspect="1"/>
+          </p:cNvPicPr>
+          <p:nvPr/>
+        </p:nvPicPr>
+        <p:blipFill>
+          <a:blip r:embed="rId4">
+            <a:extLst>
+              <a:ext uri="{28A0092B-C50C-407E-A947-70E740481C1C}">
+                <a14:useLocalDpi xmlns:a14="http://schemas.microsoft.com/office/drawing/2010/main" xmlns:p="http://schemas.openxmlformats.org/presentationml/2006/main" xmlns:r="http://schemas.openxmlformats.org/officeDocument/2006/relationships" xmlns:a="http://schemas.openxmlformats.org/drawingml/2006/main" xmlns="" val="0"/>
+              </a:ext>
+            </a:extLst>
+          </a:blip>
+          <a:stretch>
+            <a:fillRect/>
+          </a:stretch>
+        </p:blipFill>
+        <p:spPr>
+          <a:xfrm>
+            <a:off x="7620000" y="6096000"/>
+            <a:ext cx="678180" cy="632460"/>
+          </a:xfrm>
+          <a:prstGeom prst="rect">
+            <a:avLst/>
+          </a:prstGeom>
+          <a:ln w="15875">
+            <a:solidFill>
+              <a:schemeClr val="tx2">
+                <a:lumMod val="40000"/>
+                <a:lumOff val="60000"/>
+              </a:schemeClr>
+            </a:solidFill>
+          </a:ln>
+        </p:spPr>
+      </p:pic>
+    </p:spTree>
+  </p:cSld>
+  <p:clrMapOvr>
+    <a:masterClrMapping/>
+  </p:clrMapOvr>
+</p:sld>
+</file>
+
+<file path=ppt/slides/slide8.xml><?xml version="1.0" encoding="utf-8"?>
+<p:sld xmlns:a="http://schemas.openxmlformats.org/drawingml/2006/main" xmlns:r="http://schemas.openxmlformats.org/officeDocument/2006/relationships" xmlns:mc="http://schemas.openxmlformats.org/markup-compatibility/2006" xmlns:mv="urn:schemas-microsoft-com:mac:vml" xmlns:p="http://schemas.openxmlformats.org/presentationml/2006/main" mc:Ignorable="mv" mc:PreserveAttributes="mv:*">
+  <p:cSld>
+    <p:spTree>
+      <p:nvGrpSpPr>
+        <p:cNvPr id="1" name=""/>
+        <p:cNvGrpSpPr/>
+        <p:nvPr/>
+      </p:nvGrpSpPr>
+      <p:grpSpPr>
+        <a:xfrm>
+          <a:off x="0" y="0"/>
+          <a:ext cx="0" cy="0"/>
+          <a:chOff x="0" y="0"/>
+          <a:chExt cx="0" cy="0"/>
+        </a:xfrm>
+      </p:grpSpPr>
+      <p:sp>
+        <p:nvSpPr>
+          <p:cNvPr id="2" name="Title 1"/>
+          <p:cNvSpPr>
+            <a:spLocks noGrp="1"/>
+          </p:cNvSpPr>
+          <p:nvPr>
+            <p:ph type="title"/>
+          </p:nvPr>
+        </p:nvSpPr>
+        <p:spPr/>
+        <p:txBody>
+          <a:bodyPr/>
+          <a:lstStyle/>
+          <a:p>
+            <a:r>
+              <a:rPr lang="en-US" dirty="0" smtClean="0"/>
               <a:t>Code </a:t>
             </a:r>
             <a:r>
@@ -10466,7 +11181,8 @@
           <a:p>
             <a:fld id="{E403B45D-E03C-4404-9C98-312B8AD2E868}" type="datetime1">
               <a:rPr lang="en-US" smtClean="0"/>
-              <a:t>4/13/2015</a:t>
+              <a:pPr/>
+              <a:t>4/13/15</a:t>
             </a:fld>
             <a:endParaRPr lang="en-US"/>
           </a:p>
@@ -10512,7 +11228,8 @@
           <a:p>
             <a:fld id="{A247F51C-6885-4705-B1ED-C00AAEF6CB3D}" type="slidenum">
               <a:rPr lang="en-US" smtClean="0"/>
-              <a:t>7</a:t>
+              <a:pPr/>
+              <a:t>8</a:t>
             </a:fld>
             <a:endParaRPr lang="en-US"/>
           </a:p>
@@ -10530,7 +11247,7 @@
           <a:blip r:embed="rId3">
             <a:extLst>
               <a:ext uri="{28A0092B-C50C-407E-A947-70E740481C1C}">
-                <a14:useLocalDpi xmlns:a14="http://schemas.microsoft.com/office/drawing/2010/main" val="0"/>
+                <a14:useLocalDpi xmlns:a14="http://schemas.microsoft.com/office/drawing/2010/main" xmlns:p="http://schemas.openxmlformats.org/presentationml/2006/main" xmlns:r="http://schemas.openxmlformats.org/officeDocument/2006/relationships" xmlns:a="http://schemas.openxmlformats.org/drawingml/2006/main" xmlns="" val="0"/>
               </a:ext>
             </a:extLst>
           </a:blip>
@@ -10553,14 +11270,14 @@
           </a:ln>
           <a:extLst>
             <a:ext uri="{909E8E84-426E-40DD-AFC4-6F175D3DCCD1}">
-              <a14:hiddenFill xmlns:a14="http://schemas.microsoft.com/office/drawing/2010/main">
+              <a14:hiddenFill xmlns:a14="http://schemas.microsoft.com/office/drawing/2010/main" xmlns:p="http://schemas.openxmlformats.org/presentationml/2006/main" xmlns:r="http://schemas.openxmlformats.org/officeDocument/2006/relationships" xmlns:a="http://schemas.openxmlformats.org/drawingml/2006/main" xmlns="">
                 <a:solidFill>
                   <a:schemeClr val="accent1"/>
                 </a:solidFill>
               </a14:hiddenFill>
             </a:ext>
             <a:ext uri="{91240B29-F687-4F45-9708-019B960494DF}">
-              <a14:hiddenLine xmlns:a14="http://schemas.microsoft.com/office/drawing/2010/main" w="9525">
+              <a14:hiddenLine xmlns:a14="http://schemas.microsoft.com/office/drawing/2010/main" xmlns:p="http://schemas.openxmlformats.org/presentationml/2006/main" xmlns:r="http://schemas.openxmlformats.org/officeDocument/2006/relationships" xmlns:a="http://schemas.openxmlformats.org/drawingml/2006/main" xmlns="" w="9525">
                 <a:solidFill>
                   <a:schemeClr val="tx1"/>
                 </a:solidFill>
@@ -10614,7 +11331,7 @@
           <a:blip r:embed="rId4">
             <a:extLst>
               <a:ext uri="{28A0092B-C50C-407E-A947-70E740481C1C}">
-                <a14:useLocalDpi xmlns:a14="http://schemas.microsoft.com/office/drawing/2010/main" val="0"/>
+                <a14:useLocalDpi xmlns:a14="http://schemas.microsoft.com/office/drawing/2010/main" xmlns:p="http://schemas.openxmlformats.org/presentationml/2006/main" xmlns:r="http://schemas.openxmlformats.org/officeDocument/2006/relationships" xmlns:a="http://schemas.openxmlformats.org/drawingml/2006/main" xmlns="" val="0"/>
               </a:ext>
             </a:extLst>
           </a:blip>
@@ -10637,14 +11354,14 @@
           </a:ln>
           <a:extLst>
             <a:ext uri="{909E8E84-426E-40DD-AFC4-6F175D3DCCD1}">
-              <a14:hiddenFill xmlns:a14="http://schemas.microsoft.com/office/drawing/2010/main">
+              <a14:hiddenFill xmlns:a14="http://schemas.microsoft.com/office/drawing/2010/main" xmlns:p="http://schemas.openxmlformats.org/presentationml/2006/main" xmlns:r="http://schemas.openxmlformats.org/officeDocument/2006/relationships" xmlns:a="http://schemas.openxmlformats.org/drawingml/2006/main" xmlns="">
                 <a:solidFill>
                   <a:schemeClr val="accent1"/>
                 </a:solidFill>
               </a14:hiddenFill>
             </a:ext>
             <a:ext uri="{91240B29-F687-4F45-9708-019B960494DF}">
-              <a14:hiddenLine xmlns:a14="http://schemas.microsoft.com/office/drawing/2010/main" w="9525">
+              <a14:hiddenLine xmlns:a14="http://schemas.microsoft.com/office/drawing/2010/main" xmlns:p="http://schemas.openxmlformats.org/presentationml/2006/main" xmlns:r="http://schemas.openxmlformats.org/officeDocument/2006/relationships" xmlns:a="http://schemas.openxmlformats.org/drawingml/2006/main" xmlns="" w="9525">
                 <a:solidFill>
                   <a:schemeClr val="tx1"/>
                 </a:solidFill>
@@ -10698,7 +11415,7 @@
           <a:blip r:embed="rId5">
             <a:extLst>
               <a:ext uri="{28A0092B-C50C-407E-A947-70E740481C1C}">
-                <a14:useLocalDpi xmlns:a14="http://schemas.microsoft.com/office/drawing/2010/main" val="0"/>
+                <a14:useLocalDpi xmlns:a14="http://schemas.microsoft.com/office/drawing/2010/main" xmlns:p="http://schemas.openxmlformats.org/presentationml/2006/main" xmlns:r="http://schemas.openxmlformats.org/officeDocument/2006/relationships" xmlns:a="http://schemas.openxmlformats.org/drawingml/2006/main" xmlns="" val="0"/>
               </a:ext>
             </a:extLst>
           </a:blip>
@@ -10727,7 +11444,7 @@
     </p:spTree>
     <p:extLst>
       <p:ext uri="{BB962C8B-B14F-4D97-AF65-F5344CB8AC3E}">
-        <p14:creationId xmlns:p14="http://schemas.microsoft.com/office/powerpoint/2010/main" val="3762219724"/>
+        <p14:creationId xmlns:p14="http://schemas.microsoft.com/office/powerpoint/2010/main" xmlns:p="http://schemas.openxmlformats.org/presentationml/2006/main" xmlns:r="http://schemas.openxmlformats.org/officeDocument/2006/relationships" xmlns:a="http://schemas.openxmlformats.org/drawingml/2006/main" xmlns="" val="3762219724"/>
       </p:ext>
     </p:extLst>
   </p:cSld>
@@ -10744,8 +11461,8 @@
 </p:sld>
 </file>
 
-<file path=ppt/slides/slide8.xml><?xml version="1.0" encoding="utf-8"?>
-<p:sld xmlns:a="http://schemas.openxmlformats.org/drawingml/2006/main" xmlns:r="http://schemas.openxmlformats.org/officeDocument/2006/relationships" xmlns:p="http://schemas.openxmlformats.org/presentationml/2006/main">
+<file path=ppt/slides/slide9.xml><?xml version="1.0" encoding="utf-8"?>
+<p:sld xmlns:a="http://schemas.openxmlformats.org/drawingml/2006/main" xmlns:r="http://schemas.openxmlformats.org/officeDocument/2006/relationships" xmlns:mc="http://schemas.openxmlformats.org/markup-compatibility/2006" xmlns:mv="urn:schemas-microsoft-com:mac:vml" xmlns:p="http://schemas.openxmlformats.org/presentationml/2006/main" mc:Ignorable="mv" mc:PreserveAttributes="mv:*">
   <p:cSld>
     <p:spTree>
       <p:nvGrpSpPr>
@@ -10966,7 +11683,8 @@
           <a:p>
             <a:fld id="{E403B45D-E03C-4404-9C98-312B8AD2E868}" type="datetime1">
               <a:rPr lang="en-US" smtClean="0"/>
-              <a:t>4/13/2015</a:t>
+              <a:pPr/>
+              <a:t>4/13/15</a:t>
             </a:fld>
             <a:endParaRPr lang="en-US"/>
           </a:p>
@@ -11012,7 +11730,8 @@
           <a:p>
             <a:fld id="{A247F51C-6885-4705-B1ED-C00AAEF6CB3D}" type="slidenum">
               <a:rPr lang="en-US" smtClean="0"/>
-              <a:t>8</a:t>
+              <a:pPr/>
+              <a:t>9</a:t>
             </a:fld>
             <a:endParaRPr lang="en-US"/>
           </a:p>
@@ -11030,7 +11749,7 @@
           <a:blip r:embed="rId5">
             <a:extLst>
               <a:ext uri="{28A0092B-C50C-407E-A947-70E740481C1C}">
-                <a14:useLocalDpi xmlns:a14="http://schemas.microsoft.com/office/drawing/2010/main" val="0"/>
+                <a14:useLocalDpi xmlns:a14="http://schemas.microsoft.com/office/drawing/2010/main" xmlns:p="http://schemas.openxmlformats.org/presentationml/2006/main" xmlns:r="http://schemas.openxmlformats.org/officeDocument/2006/relationships" xmlns:a="http://schemas.openxmlformats.org/drawingml/2006/main" xmlns="" val="0"/>
               </a:ext>
             </a:extLst>
           </a:blip>
@@ -11059,265 +11778,7 @@
     </p:spTree>
     <p:extLst>
       <p:ext uri="{BB962C8B-B14F-4D97-AF65-F5344CB8AC3E}">
-        <p14:creationId xmlns:p14="http://schemas.microsoft.com/office/powerpoint/2010/main" val="375941510"/>
-      </p:ext>
-    </p:extLst>
-  </p:cSld>
-  <p:clrMapOvr>
-    <a:masterClrMapping/>
-  </p:clrMapOvr>
-  <p:timing>
-    <p:tnLst>
-      <p:par>
-        <p:cTn id="1" dur="indefinite" restart="never" nodeType="tmRoot"/>
-      </p:par>
-    </p:tnLst>
-  </p:timing>
-</p:sld>
-</file>
-
-<file path=ppt/slides/slide9.xml><?xml version="1.0" encoding="utf-8"?>
-<p:sld xmlns:a="http://schemas.openxmlformats.org/drawingml/2006/main" xmlns:r="http://schemas.openxmlformats.org/officeDocument/2006/relationships" xmlns:p="http://schemas.openxmlformats.org/presentationml/2006/main">
-  <p:cSld>
-    <p:spTree>
-      <p:nvGrpSpPr>
-        <p:cNvPr id="1" name=""/>
-        <p:cNvGrpSpPr/>
-        <p:nvPr/>
-      </p:nvGrpSpPr>
-      <p:grpSpPr>
-        <a:xfrm>
-          <a:off x="0" y="0"/>
-          <a:ext cx="0" cy="0"/>
-          <a:chOff x="0" y="0"/>
-          <a:chExt cx="0" cy="0"/>
-        </a:xfrm>
-      </p:grpSpPr>
-      <p:sp>
-        <p:nvSpPr>
-          <p:cNvPr id="2" name="Title 1"/>
-          <p:cNvSpPr>
-            <a:spLocks noGrp="1"/>
-          </p:cNvSpPr>
-          <p:nvPr>
-            <p:ph type="title"/>
-          </p:nvPr>
-        </p:nvSpPr>
-        <p:spPr/>
-        <p:txBody>
-          <a:bodyPr/>
-          <a:lstStyle/>
-          <a:p>
-            <a:r>
-              <a:rPr lang="en-US" dirty="0" err="1" smtClean="0"/>
-              <a:t>Minification</a:t>
-            </a:r>
-            <a:endParaRPr lang="en-US" dirty="0"/>
-          </a:p>
-        </p:txBody>
-      </p:sp>
-      <p:sp>
-        <p:nvSpPr>
-          <p:cNvPr id="4" name="Date Placeholder 3"/>
-          <p:cNvSpPr>
-            <a:spLocks noGrp="1"/>
-          </p:cNvSpPr>
-          <p:nvPr>
-            <p:ph type="dt" sz="half" idx="10"/>
-          </p:nvPr>
-        </p:nvSpPr>
-        <p:spPr/>
-        <p:txBody>
-          <a:bodyPr/>
-          <a:lstStyle/>
-          <a:p>
-            <a:fld id="{E403B45D-E03C-4404-9C98-312B8AD2E868}" type="datetime1">
-              <a:rPr lang="en-US" smtClean="0"/>
-              <a:t>4/13/2015</a:t>
-            </a:fld>
-            <a:endParaRPr lang="en-US"/>
-          </a:p>
-        </p:txBody>
-      </p:sp>
-      <p:sp>
-        <p:nvSpPr>
-          <p:cNvPr id="5" name="Footer Placeholder 4"/>
-          <p:cNvSpPr>
-            <a:spLocks noGrp="1"/>
-          </p:cNvSpPr>
-          <p:nvPr>
-            <p:ph type="ftr" sz="quarter" idx="11"/>
-          </p:nvPr>
-        </p:nvSpPr>
-        <p:spPr/>
-        <p:txBody>
-          <a:bodyPr/>
-          <a:lstStyle/>
-          <a:p>
-            <a:r>
-              <a:rPr lang="en-US" smtClean="0"/>
-              <a:t>MSGIC Quarterly Meeting</a:t>
-            </a:r>
-            <a:endParaRPr lang="en-US"/>
-          </a:p>
-        </p:txBody>
-      </p:sp>
-      <p:sp>
-        <p:nvSpPr>
-          <p:cNvPr id="6" name="Slide Number Placeholder 5"/>
-          <p:cNvSpPr>
-            <a:spLocks noGrp="1"/>
-          </p:cNvSpPr>
-          <p:nvPr>
-            <p:ph type="sldNum" sz="quarter" idx="12"/>
-          </p:nvPr>
-        </p:nvSpPr>
-        <p:spPr/>
-        <p:txBody>
-          <a:bodyPr/>
-          <a:lstStyle/>
-          <a:p>
-            <a:fld id="{A247F51C-6885-4705-B1ED-C00AAEF6CB3D}" type="slidenum">
-              <a:rPr lang="en-US" smtClean="0"/>
-              <a:t>9</a:t>
-            </a:fld>
-            <a:endParaRPr lang="en-US"/>
-          </a:p>
-        </p:txBody>
-      </p:sp>
-      <p:pic>
-        <p:nvPicPr>
-          <p:cNvPr id="7" name="Picture 2"/>
-          <p:cNvPicPr>
-            <a:picLocks noChangeAspect="1" noChangeArrowheads="1"/>
-          </p:cNvPicPr>
-          <p:nvPr/>
-        </p:nvPicPr>
-        <p:blipFill>
-          <a:blip r:embed="rId3">
-            <a:extLst>
-              <a:ext uri="{28A0092B-C50C-407E-A947-70E740481C1C}">
-                <a14:useLocalDpi xmlns:a14="http://schemas.microsoft.com/office/drawing/2010/main" val="0"/>
-              </a:ext>
-            </a:extLst>
-          </a:blip>
-          <a:srcRect/>
-          <a:stretch>
-            <a:fillRect/>
-          </a:stretch>
-        </p:blipFill>
-        <p:spPr bwMode="auto">
-          <a:xfrm>
-            <a:off x="847726" y="1371600"/>
-            <a:ext cx="6057900" cy="2381990"/>
-          </a:xfrm>
-          <a:prstGeom prst="rect">
-            <a:avLst/>
-          </a:prstGeom>
-          <a:noFill/>
-          <a:ln w="15875">
-            <a:solidFill>
-              <a:schemeClr val="tx1"/>
-            </a:solidFill>
-            <a:miter lim="800000"/>
-            <a:headEnd/>
-            <a:tailEnd/>
-          </a:ln>
-          <a:extLst>
-            <a:ext uri="{909E8E84-426E-40DD-AFC4-6F175D3DCCD1}">
-              <a14:hiddenFill xmlns:a14="http://schemas.microsoft.com/office/drawing/2010/main">
-                <a:solidFill>
-                  <a:schemeClr val="accent1"/>
-                </a:solidFill>
-              </a14:hiddenFill>
-            </a:ext>
-          </a:extLst>
-        </p:spPr>
-      </p:pic>
-      <p:pic>
-        <p:nvPicPr>
-          <p:cNvPr id="8" name="Picture 3"/>
-          <p:cNvPicPr>
-            <a:picLocks noChangeAspect="1" noChangeArrowheads="1"/>
-          </p:cNvPicPr>
-          <p:nvPr/>
-        </p:nvPicPr>
-        <p:blipFill>
-          <a:blip r:embed="rId4">
-            <a:extLst>
-              <a:ext uri="{28A0092B-C50C-407E-A947-70E740481C1C}">
-                <a14:useLocalDpi xmlns:a14="http://schemas.microsoft.com/office/drawing/2010/main" val="0"/>
-              </a:ext>
-            </a:extLst>
-          </a:blip>
-          <a:srcRect/>
-          <a:stretch>
-            <a:fillRect/>
-          </a:stretch>
-        </p:blipFill>
-        <p:spPr bwMode="auto">
-          <a:xfrm>
-            <a:off x="838200" y="3976529"/>
-            <a:ext cx="6067426" cy="2500471"/>
-          </a:xfrm>
-          <a:prstGeom prst="rect">
-            <a:avLst/>
-          </a:prstGeom>
-          <a:solidFill>
-            <a:schemeClr val="accent1"/>
-          </a:solidFill>
-          <a:ln w="15875">
-            <a:solidFill>
-              <a:schemeClr val="tx1"/>
-            </a:solidFill>
-            <a:miter lim="800000"/>
-            <a:headEnd/>
-            <a:tailEnd/>
-          </a:ln>
-        </p:spPr>
-      </p:pic>
-      <p:pic>
-        <p:nvPicPr>
-          <p:cNvPr id="9" name="Picture 8"/>
-          <p:cNvPicPr>
-            <a:picLocks noChangeAspect="1"/>
-          </p:cNvPicPr>
-          <p:nvPr/>
-        </p:nvPicPr>
-        <p:blipFill>
-          <a:blip r:embed="rId5">
-            <a:extLst>
-              <a:ext uri="{28A0092B-C50C-407E-A947-70E740481C1C}">
-                <a14:useLocalDpi xmlns:a14="http://schemas.microsoft.com/office/drawing/2010/main" val="0"/>
-              </a:ext>
-            </a:extLst>
-          </a:blip>
-          <a:stretch>
-            <a:fillRect/>
-          </a:stretch>
-        </p:blipFill>
-        <p:spPr>
-          <a:xfrm>
-            <a:off x="7620000" y="6096000"/>
-            <a:ext cx="678180" cy="632460"/>
-          </a:xfrm>
-          <a:prstGeom prst="rect">
-            <a:avLst/>
-          </a:prstGeom>
-          <a:ln w="15875">
-            <a:solidFill>
-              <a:schemeClr val="tx2">
-                <a:lumMod val="40000"/>
-                <a:lumOff val="60000"/>
-              </a:schemeClr>
-            </a:solidFill>
-          </a:ln>
-        </p:spPr>
-      </p:pic>
-    </p:spTree>
-    <p:extLst>
-      <p:ext uri="{BB962C8B-B14F-4D97-AF65-F5344CB8AC3E}">
-        <p14:creationId xmlns:p14="http://schemas.microsoft.com/office/powerpoint/2010/main" val="72292095"/>
+        <p14:creationId xmlns:p14="http://schemas.microsoft.com/office/powerpoint/2010/main" xmlns:p="http://schemas.openxmlformats.org/presentationml/2006/main" xmlns:r="http://schemas.openxmlformats.org/officeDocument/2006/relationships" xmlns:a="http://schemas.openxmlformats.org/drawingml/2006/main" xmlns="" val="375941510"/>
       </p:ext>
     </p:extLst>
   </p:cSld>
@@ -12154,6 +12615,38 @@
 </file>
 
 <file path=customXml/itemProps1.xml><?xml version="1.0" encoding="utf-8"?>
+<ds:datastoreItem xmlns:ds="http://schemas.openxmlformats.org/officeDocument/2006/customXml" ds:itemID="{83974DC6-CB2F-4517-86F2-33E59245989F}">
+  <ds:schemaRefs>
+    <ds:schemaRef ds:uri="ESRI.ArcGIS.Mapping.OfficeIntegration.PowerPointInfo"/>
+  </ds:schemaRefs>
+</ds:datastoreItem>
+</file>
+
+<file path=customXml/itemProps10.xml><?xml version="1.0" encoding="utf-8"?>
+<ds:datastoreItem xmlns:ds="http://schemas.openxmlformats.org/officeDocument/2006/customXml" ds:itemID="{839FF567-9385-4072-BE8E-5A95B5D2DB22}">
+  <ds:schemaRefs>
+    <ds:schemaRef ds:uri="ESRI.ArcGIS.Mapping.OfficeIntegration.PowerPointInfo"/>
+  </ds:schemaRefs>
+</ds:datastoreItem>
+</file>
+
+<file path=customXml/itemProps11.xml><?xml version="1.0" encoding="utf-8"?>
+<ds:datastoreItem xmlns:ds="http://schemas.openxmlformats.org/officeDocument/2006/customXml" ds:itemID="{5FF9A27B-6208-4E08-B8E9-D7B065964FA8}">
+  <ds:schemaRefs>
+    <ds:schemaRef ds:uri="ESRI.ArcGIS.Mapping.OfficeIntegration.PowerPointInfo"/>
+  </ds:schemaRefs>
+</ds:datastoreItem>
+</file>
+
+<file path=customXml/itemProps12.xml><?xml version="1.0" encoding="utf-8"?>
+<ds:datastoreItem xmlns:ds="http://schemas.openxmlformats.org/officeDocument/2006/customXml" ds:itemID="{D8775224-10B5-4B78-86A0-52415DB4EC1D}">
+  <ds:schemaRefs>
+    <ds:schemaRef ds:uri="ESRI.ArcGIS.Mapping.OfficeIntegration.PowerPointInfo"/>
+  </ds:schemaRefs>
+</ds:datastoreItem>
+</file>
+
+<file path=customXml/itemProps13.xml><?xml version="1.0" encoding="utf-8"?>
 <ds:datastoreItem xmlns:ds="http://schemas.openxmlformats.org/officeDocument/2006/customXml" ds:itemID="{9730E0C9-5C74-48D1-84FA-FF9B0943B0F7}">
   <ds:schemaRefs>
     <ds:schemaRef ds:uri="ESRI.ArcGIS.Mapping.OfficeIntegration.PowerPointInfo"/>
@@ -12161,7 +12654,255 @@
 </ds:datastoreItem>
 </file>
 
-<file path=customXml/itemProps10.xml><?xml version="1.0" encoding="utf-8"?>
+<file path=customXml/itemProps14.xml><?xml version="1.0" encoding="utf-8"?>
+<ds:datastoreItem xmlns:ds="http://schemas.openxmlformats.org/officeDocument/2006/customXml" ds:itemID="{27F72A04-DC93-4420-B9AA-16544E1D787F}">
+  <ds:schemaRefs>
+    <ds:schemaRef ds:uri="ESRI.ArcGIS.Mapping.OfficeIntegration.PowerPointInfo"/>
+  </ds:schemaRefs>
+</ds:datastoreItem>
+</file>
+
+<file path=customXml/itemProps15.xml><?xml version="1.0" encoding="utf-8"?>
+<ds:datastoreItem xmlns:ds="http://schemas.openxmlformats.org/officeDocument/2006/customXml" ds:itemID="{CEEB83A3-0CE5-467C-97CC-85CF0B212256}">
+  <ds:schemaRefs>
+    <ds:schemaRef ds:uri="ESRI.ArcGIS.Mapping.OfficeIntegration.PowerPointInfo"/>
+  </ds:schemaRefs>
+</ds:datastoreItem>
+</file>
+
+<file path=customXml/itemProps16.xml><?xml version="1.0" encoding="utf-8"?>
+<ds:datastoreItem xmlns:ds="http://schemas.openxmlformats.org/officeDocument/2006/customXml" ds:itemID="{C15A61A2-FD38-4F9C-9700-5BD05E348FBC}">
+  <ds:schemaRefs>
+    <ds:schemaRef ds:uri="ESRI.ArcGIS.Mapping.OfficeIntegration.PowerPointInfo"/>
+  </ds:schemaRefs>
+</ds:datastoreItem>
+</file>
+
+<file path=customXml/itemProps17.xml><?xml version="1.0" encoding="utf-8"?>
+<ds:datastoreItem xmlns:ds="http://schemas.openxmlformats.org/officeDocument/2006/customXml" ds:itemID="{0B03EEBA-7331-46BB-A922-0167D17802B9}">
+  <ds:schemaRefs>
+    <ds:schemaRef ds:uri="ESRI.ArcGIS.Mapping.OfficeIntegration.PowerPointInfo"/>
+  </ds:schemaRefs>
+</ds:datastoreItem>
+</file>
+
+<file path=customXml/itemProps18.xml><?xml version="1.0" encoding="utf-8"?>
+<ds:datastoreItem xmlns:ds="http://schemas.openxmlformats.org/officeDocument/2006/customXml" ds:itemID="{04A8E672-C7F5-4701-83FF-060A750AB340}">
+  <ds:schemaRefs>
+    <ds:schemaRef ds:uri="ESRI.ArcGIS.Mapping.OfficeIntegration.PowerPointInfo"/>
+  </ds:schemaRefs>
+</ds:datastoreItem>
+</file>
+
+<file path=customXml/itemProps19.xml><?xml version="1.0" encoding="utf-8"?>
+<ds:datastoreItem xmlns:ds="http://schemas.openxmlformats.org/officeDocument/2006/customXml" ds:itemID="{77FFA8CA-6F86-4AAE-AB32-C2CAAD29A366}">
+  <ds:schemaRefs>
+    <ds:schemaRef ds:uri="ESRI.ArcGIS.Mapping.OfficeIntegration.PowerPointInfo"/>
+  </ds:schemaRefs>
+</ds:datastoreItem>
+</file>
+
+<file path=customXml/itemProps2.xml><?xml version="1.0" encoding="utf-8"?>
+<ds:datastoreItem xmlns:ds="http://schemas.openxmlformats.org/officeDocument/2006/customXml" ds:itemID="{F09F0585-C5E6-4468-9701-0744CD4F4932}">
+  <ds:schemaRefs>
+    <ds:schemaRef ds:uri="ESRI.ArcGIS.Mapping.OfficeIntegration.PowerPointInfo"/>
+  </ds:schemaRefs>
+</ds:datastoreItem>
+</file>
+
+<file path=customXml/itemProps20.xml><?xml version="1.0" encoding="utf-8"?>
+<ds:datastoreItem xmlns:ds="http://schemas.openxmlformats.org/officeDocument/2006/customXml" ds:itemID="{F8E7C3E6-C19D-42D0-B945-70D19F2AC60A}">
+  <ds:schemaRefs>
+    <ds:schemaRef ds:uri="ESRI.ArcGIS.Mapping.OfficeIntegration.PowerPointInfo"/>
+  </ds:schemaRefs>
+</ds:datastoreItem>
+</file>
+
+<file path=customXml/itemProps21.xml><?xml version="1.0" encoding="utf-8"?>
+<ds:datastoreItem xmlns:ds="http://schemas.openxmlformats.org/officeDocument/2006/customXml" ds:itemID="{56FE11E1-D6FB-43BB-B924-E2D84E8F5C1F}">
+  <ds:schemaRefs>
+    <ds:schemaRef ds:uri="ESRI.ArcGIS.Mapping.OfficeIntegration.PowerPointInfo"/>
+  </ds:schemaRefs>
+</ds:datastoreItem>
+</file>
+
+<file path=customXml/itemProps22.xml><?xml version="1.0" encoding="utf-8"?>
+<ds:datastoreItem xmlns:ds="http://schemas.openxmlformats.org/officeDocument/2006/customXml" ds:itemID="{B4DF1E66-6ACC-4157-9168-FDAC5054F24F}">
+  <ds:schemaRefs>
+    <ds:schemaRef ds:uri="ESRI.ArcGIS.Mapping.OfficeIntegration.PowerPointInfo"/>
+  </ds:schemaRefs>
+</ds:datastoreItem>
+</file>
+
+<file path=customXml/itemProps23.xml><?xml version="1.0" encoding="utf-8"?>
+<ds:datastoreItem xmlns:ds="http://schemas.openxmlformats.org/officeDocument/2006/customXml" ds:itemID="{8DD72995-77DA-4521-827B-4BD3BBB010F0}">
+  <ds:schemaRefs>
+    <ds:schemaRef ds:uri="ESRI.ArcGIS.Mapping.OfficeIntegration.PowerPointInfo"/>
+  </ds:schemaRefs>
+</ds:datastoreItem>
+</file>
+
+<file path=customXml/itemProps24.xml><?xml version="1.0" encoding="utf-8"?>
+<ds:datastoreItem xmlns:ds="http://schemas.openxmlformats.org/officeDocument/2006/customXml" ds:itemID="{F23DD629-EDE2-45D7-B65A-1A52D83473FE}">
+  <ds:schemaRefs>
+    <ds:schemaRef ds:uri="ESRI.ArcGIS.Mapping.OfficeIntegration.PowerPointInfo"/>
+  </ds:schemaRefs>
+</ds:datastoreItem>
+</file>
+
+<file path=customXml/itemProps25.xml><?xml version="1.0" encoding="utf-8"?>
+<ds:datastoreItem xmlns:ds="http://schemas.openxmlformats.org/officeDocument/2006/customXml" ds:itemID="{7E7A34CD-1270-4891-901E-7EE49A903375}">
+  <ds:schemaRefs>
+    <ds:schemaRef ds:uri="ESRI.ArcGIS.Mapping.OfficeIntegration.PowerPointInfo"/>
+  </ds:schemaRefs>
+</ds:datastoreItem>
+</file>
+
+<file path=customXml/itemProps26.xml><?xml version="1.0" encoding="utf-8"?>
+<ds:datastoreItem xmlns:ds="http://schemas.openxmlformats.org/officeDocument/2006/customXml" ds:itemID="{AD4BFB44-6200-429A-A4FE-9B7752513BCC}">
+  <ds:schemaRefs>
+    <ds:schemaRef ds:uri="ESRI.ArcGIS.Mapping.OfficeIntegration.PowerPointInfo"/>
+  </ds:schemaRefs>
+</ds:datastoreItem>
+</file>
+
+<file path=customXml/itemProps27.xml><?xml version="1.0" encoding="utf-8"?>
+<ds:datastoreItem xmlns:ds="http://schemas.openxmlformats.org/officeDocument/2006/customXml" ds:itemID="{A9460852-5164-4FAC-8557-C35D5DB0B8FD}">
+  <ds:schemaRefs>
+    <ds:schemaRef ds:uri="ESRI.ArcGIS.Mapping.OfficeIntegration.PowerPointInfo"/>
+  </ds:schemaRefs>
+</ds:datastoreItem>
+</file>
+
+<file path=customXml/itemProps28.xml><?xml version="1.0" encoding="utf-8"?>
+<ds:datastoreItem xmlns:ds="http://schemas.openxmlformats.org/officeDocument/2006/customXml" ds:itemID="{FA24E1D0-79A0-4D4F-BC2C-5ED533E69815}">
+  <ds:schemaRefs>
+    <ds:schemaRef ds:uri="ESRI.ArcGIS.Mapping.OfficeIntegration.PowerPointInfo"/>
+  </ds:schemaRefs>
+</ds:datastoreItem>
+</file>
+
+<file path=customXml/itemProps29.xml><?xml version="1.0" encoding="utf-8"?>
+<ds:datastoreItem xmlns:ds="http://schemas.openxmlformats.org/officeDocument/2006/customXml" ds:itemID="{782AA18B-5D17-4AD0-8334-EE1CCEA13C31}">
+  <ds:schemaRefs>
+    <ds:schemaRef ds:uri="ESRI.ArcGIS.Mapping.OfficeIntegration.PowerPointInfo"/>
+  </ds:schemaRefs>
+</ds:datastoreItem>
+</file>
+
+<file path=customXml/itemProps3.xml><?xml version="1.0" encoding="utf-8"?>
+<ds:datastoreItem xmlns:ds="http://schemas.openxmlformats.org/officeDocument/2006/customXml" ds:itemID="{00E1C324-B4E4-4EE6-A30B-DC7DD5A0A3B3}">
+  <ds:schemaRefs>
+    <ds:schemaRef ds:uri="ESRI.ArcGIS.Mapping.OfficeIntegration.PowerPointInfo"/>
+  </ds:schemaRefs>
+</ds:datastoreItem>
+</file>
+
+<file path=customXml/itemProps30.xml><?xml version="1.0" encoding="utf-8"?>
+<ds:datastoreItem xmlns:ds="http://schemas.openxmlformats.org/officeDocument/2006/customXml" ds:itemID="{A2D91898-2C69-4203-B96D-7244D52798AC}">
+  <ds:schemaRefs>
+    <ds:schemaRef ds:uri="ESRI.ArcGIS.Mapping.OfficeIntegration.PowerPointInfo"/>
+  </ds:schemaRefs>
+</ds:datastoreItem>
+</file>
+
+<file path=customXml/itemProps31.xml><?xml version="1.0" encoding="utf-8"?>
+<ds:datastoreItem xmlns:ds="http://schemas.openxmlformats.org/officeDocument/2006/customXml" ds:itemID="{4D0FF0A2-5A08-4E00-8A6C-45A3FC7EC409}">
+  <ds:schemaRefs>
+    <ds:schemaRef ds:uri="ESRI.ArcGIS.Mapping.OfficeIntegration.PowerPointInfo"/>
+  </ds:schemaRefs>
+</ds:datastoreItem>
+</file>
+
+<file path=customXml/itemProps32.xml><?xml version="1.0" encoding="utf-8"?>
+<ds:datastoreItem xmlns:ds="http://schemas.openxmlformats.org/officeDocument/2006/customXml" ds:itemID="{86DC43B7-A651-470F-9D9B-5DC681960331}">
+  <ds:schemaRefs>
+    <ds:schemaRef ds:uri="ESRI.ArcGIS.Mapping.OfficeIntegration.PowerPointInfo"/>
+  </ds:schemaRefs>
+</ds:datastoreItem>
+</file>
+
+<file path=customXml/itemProps33.xml><?xml version="1.0" encoding="utf-8"?>
+<ds:datastoreItem xmlns:ds="http://schemas.openxmlformats.org/officeDocument/2006/customXml" ds:itemID="{96BCEFA7-7F62-4103-ABA4-659F062669D7}">
+  <ds:schemaRefs>
+    <ds:schemaRef ds:uri="ESRI.ArcGIS.Mapping.OfficeIntegration.PowerPointInfo"/>
+  </ds:schemaRefs>
+</ds:datastoreItem>
+</file>
+
+<file path=customXml/itemProps34.xml><?xml version="1.0" encoding="utf-8"?>
+<ds:datastoreItem xmlns:ds="http://schemas.openxmlformats.org/officeDocument/2006/customXml" ds:itemID="{540CCE14-1146-4215-A3E5-6738A9581ACF}">
+  <ds:schemaRefs>
+    <ds:schemaRef ds:uri="ESRI.ArcGIS.Mapping.OfficeIntegration.PowerPointInfo"/>
+  </ds:schemaRefs>
+</ds:datastoreItem>
+</file>
+
+<file path=customXml/itemProps35.xml><?xml version="1.0" encoding="utf-8"?>
+<ds:datastoreItem xmlns:ds="http://schemas.openxmlformats.org/officeDocument/2006/customXml" ds:itemID="{23F09B40-FB7D-4EB2-86FC-27C42F6B3BAE}">
+  <ds:schemaRefs>
+    <ds:schemaRef ds:uri="ESRI.ArcGIS.Mapping.OfficeIntegration.PowerPointInfo"/>
+  </ds:schemaRefs>
+</ds:datastoreItem>
+</file>
+
+<file path=customXml/itemProps36.xml><?xml version="1.0" encoding="utf-8"?>
+<ds:datastoreItem xmlns:ds="http://schemas.openxmlformats.org/officeDocument/2006/customXml" ds:itemID="{0431B50E-6780-4CC1-8294-54F8A3D2A2DA}">
+  <ds:schemaRefs>
+    <ds:schemaRef ds:uri="ESRI.ArcGIS.Mapping.OfficeIntegration.PowerPointInfo"/>
+  </ds:schemaRefs>
+</ds:datastoreItem>
+</file>
+
+<file path=customXml/itemProps37.xml><?xml version="1.0" encoding="utf-8"?>
+<ds:datastoreItem xmlns:ds="http://schemas.openxmlformats.org/officeDocument/2006/customXml" ds:itemID="{64669553-C2C7-4A05-BDE6-5784BDC500B9}">
+  <ds:schemaRefs>
+    <ds:schemaRef ds:uri="ESRI.ArcGIS.Mapping.OfficeIntegration.PowerPointInfo"/>
+  </ds:schemaRefs>
+</ds:datastoreItem>
+</file>
+
+<file path=customXml/itemProps38.xml><?xml version="1.0" encoding="utf-8"?>
+<ds:datastoreItem xmlns:ds="http://schemas.openxmlformats.org/officeDocument/2006/customXml" ds:itemID="{0377085A-A759-4413-9BB8-639DE09D4BA4}">
+  <ds:schemaRefs>
+    <ds:schemaRef ds:uri="ESRI.ArcGIS.Mapping.OfficeIntegration.PowerPointInfo"/>
+  </ds:schemaRefs>
+</ds:datastoreItem>
+</file>
+
+<file path=customXml/itemProps39.xml><?xml version="1.0" encoding="utf-8"?>
+<ds:datastoreItem xmlns:ds="http://schemas.openxmlformats.org/officeDocument/2006/customXml" ds:itemID="{87F8066A-C73F-4211-BBF8-2B75D61A5F4E}">
+  <ds:schemaRefs>
+    <ds:schemaRef ds:uri="ESRI.ArcGIS.Mapping.OfficeIntegration.PowerPointInfo"/>
+  </ds:schemaRefs>
+</ds:datastoreItem>
+</file>
+
+<file path=customXml/itemProps4.xml><?xml version="1.0" encoding="utf-8"?>
+<ds:datastoreItem xmlns:ds="http://schemas.openxmlformats.org/officeDocument/2006/customXml" ds:itemID="{AD63EA22-DABD-41F1-A4E5-34B37D8534FF}">
+  <ds:schemaRefs>
+    <ds:schemaRef ds:uri="ESRI.ArcGIS.Mapping.OfficeIntegration.PowerPointInfo"/>
+  </ds:schemaRefs>
+</ds:datastoreItem>
+</file>
+
+<file path=customXml/itemProps40.xml><?xml version="1.0" encoding="utf-8"?>
+<ds:datastoreItem xmlns:ds="http://schemas.openxmlformats.org/officeDocument/2006/customXml" ds:itemID="{58581E56-8E64-479C-BC10-3D52028645B6}">
+  <ds:schemaRefs>
+    <ds:schemaRef ds:uri="ESRI.ArcGIS.Mapping.OfficeIntegration.PowerPointInfo"/>
+  </ds:schemaRefs>
+</ds:datastoreItem>
+</file>
+
+<file path=customXml/itemProps41.xml><?xml version="1.0" encoding="utf-8"?>
+<ds:datastoreItem xmlns:ds="http://schemas.openxmlformats.org/officeDocument/2006/customXml" ds:itemID="{FCA828EF-2A69-46C1-A149-8E968648AFCC}">
+  <ds:schemaRefs>
+    <ds:schemaRef ds:uri="ESRI.ArcGIS.Mapping.OfficeIntegration.PowerPointInfo"/>
+  </ds:schemaRefs>
+</ds:datastoreItem>
+</file>
+
+<file path=customXml/itemProps42.xml><?xml version="1.0" encoding="utf-8"?>
 <ds:datastoreItem xmlns:ds="http://schemas.openxmlformats.org/officeDocument/2006/customXml" ds:itemID="{4653446B-1A4F-4E6E-9E77-86F6CF5DFD82}">
   <ds:schemaRefs>
     <ds:schemaRef ds:uri="ESRI.ArcGIS.Mapping.OfficeIntegration.PowerPointInfo"/>
@@ -12169,7 +12910,7 @@
 </ds:datastoreItem>
 </file>
 
-<file path=customXml/itemProps11.xml><?xml version="1.0" encoding="utf-8"?>
+<file path=customXml/itemProps43.xml><?xml version="1.0" encoding="utf-8"?>
 <ds:datastoreItem xmlns:ds="http://schemas.openxmlformats.org/officeDocument/2006/customXml" ds:itemID="{928A6BAA-790D-4F1F-BECE-7C09BD898062}">
   <ds:schemaRefs>
     <ds:schemaRef ds:uri="ESRI.ArcGIS.Mapping.OfficeIntegration.PowerPointInfo"/>
@@ -12177,7 +12918,23 @@
 </ds:datastoreItem>
 </file>
 
-<file path=customXml/itemProps12.xml><?xml version="1.0" encoding="utf-8"?>
+<file path=customXml/itemProps5.xml><?xml version="1.0" encoding="utf-8"?>
+<ds:datastoreItem xmlns:ds="http://schemas.openxmlformats.org/officeDocument/2006/customXml" ds:itemID="{9122C9B7-BB9E-425E-961E-A6F32BC00961}">
+  <ds:schemaRefs>
+    <ds:schemaRef ds:uri="ESRI.ArcGIS.Mapping.OfficeIntegration.PowerPointInfo"/>
+  </ds:schemaRefs>
+</ds:datastoreItem>
+</file>
+
+<file path=customXml/itemProps6.xml><?xml version="1.0" encoding="utf-8"?>
+<ds:datastoreItem xmlns:ds="http://schemas.openxmlformats.org/officeDocument/2006/customXml" ds:itemID="{0952A776-CA14-47CA-8E8C-F3628B9BB702}">
+  <ds:schemaRefs>
+    <ds:schemaRef ds:uri="ESRI.ArcGIS.Mapping.OfficeIntegration.PowerPointInfo"/>
+  </ds:schemaRefs>
+</ds:datastoreItem>
+</file>
+
+<file path=customXml/itemProps7.xml><?xml version="1.0" encoding="utf-8"?>
 <ds:datastoreItem xmlns:ds="http://schemas.openxmlformats.org/officeDocument/2006/customXml" ds:itemID="{D8A32350-3CF1-48E4-99DC-93F6339304AC}">
   <ds:schemaRefs>
     <ds:schemaRef ds:uri="ESRI.ArcGIS.Mapping.OfficeIntegration.PowerPointInfo"/>
@@ -12185,39 +12942,7 @@
 </ds:datastoreItem>
 </file>
 
-<file path=customXml/itemProps13.xml><?xml version="1.0" encoding="utf-8"?>
-<ds:datastoreItem xmlns:ds="http://schemas.openxmlformats.org/officeDocument/2006/customXml" ds:itemID="{83974DC6-CB2F-4517-86F2-33E59245989F}">
-  <ds:schemaRefs>
-    <ds:schemaRef ds:uri="ESRI.ArcGIS.Mapping.OfficeIntegration.PowerPointInfo"/>
-  </ds:schemaRefs>
-</ds:datastoreItem>
-</file>
-
-<file path=customXml/itemProps14.xml><?xml version="1.0" encoding="utf-8"?>
-<ds:datastoreItem xmlns:ds="http://schemas.openxmlformats.org/officeDocument/2006/customXml" ds:itemID="{F09F0585-C5E6-4468-9701-0744CD4F4932}">
-  <ds:schemaRefs>
-    <ds:schemaRef ds:uri="ESRI.ArcGIS.Mapping.OfficeIntegration.PowerPointInfo"/>
-  </ds:schemaRefs>
-</ds:datastoreItem>
-</file>
-
-<file path=customXml/itemProps15.xml><?xml version="1.0" encoding="utf-8"?>
-<ds:datastoreItem xmlns:ds="http://schemas.openxmlformats.org/officeDocument/2006/customXml" ds:itemID="{00E1C324-B4E4-4EE6-A30B-DC7DD5A0A3B3}">
-  <ds:schemaRefs>
-    <ds:schemaRef ds:uri="ESRI.ArcGIS.Mapping.OfficeIntegration.PowerPointInfo"/>
-  </ds:schemaRefs>
-</ds:datastoreItem>
-</file>
-
-<file path=customXml/itemProps16.xml><?xml version="1.0" encoding="utf-8"?>
-<ds:datastoreItem xmlns:ds="http://schemas.openxmlformats.org/officeDocument/2006/customXml" ds:itemID="{AD63EA22-DABD-41F1-A4E5-34B37D8534FF}">
-  <ds:schemaRefs>
-    <ds:schemaRef ds:uri="ESRI.ArcGIS.Mapping.OfficeIntegration.PowerPointInfo"/>
-  </ds:schemaRefs>
-</ds:datastoreItem>
-</file>
-
-<file path=customXml/itemProps17.xml><?xml version="1.0" encoding="utf-8"?>
+<file path=customXml/itemProps8.xml><?xml version="1.0" encoding="utf-8"?>
 <ds:datastoreItem xmlns:ds="http://schemas.openxmlformats.org/officeDocument/2006/customXml" ds:itemID="{0C0BFD7F-DBBE-403E-8CC3-D687E604BAAB}">
   <ds:schemaRefs>
     <ds:schemaRef ds:uri="ESRI.ArcGIS.Mapping.OfficeIntegration.PowerPointInfo"/>
@@ -12225,274 +12950,10 @@
 </ds:datastoreItem>
 </file>
 
-<file path=customXml/itemProps18.xml><?xml version="1.0" encoding="utf-8"?>
-<ds:datastoreItem xmlns:ds="http://schemas.openxmlformats.org/officeDocument/2006/customXml" ds:itemID="{9122C9B7-BB9E-425E-961E-A6F32BC00961}">
-  <ds:schemaRefs>
-    <ds:schemaRef ds:uri="ESRI.ArcGIS.Mapping.OfficeIntegration.PowerPointInfo"/>
-  </ds:schemaRefs>
-</ds:datastoreItem>
-</file>
-
-<file path=customXml/itemProps19.xml><?xml version="1.0" encoding="utf-8"?>
-<ds:datastoreItem xmlns:ds="http://schemas.openxmlformats.org/officeDocument/2006/customXml" ds:itemID="{0952A776-CA14-47CA-8E8C-F3628B9BB702}">
-  <ds:schemaRefs>
-    <ds:schemaRef ds:uri="ESRI.ArcGIS.Mapping.OfficeIntegration.PowerPointInfo"/>
-  </ds:schemaRefs>
-</ds:datastoreItem>
-</file>
-
-<file path=customXml/itemProps2.xml><?xml version="1.0" encoding="utf-8"?>
-<ds:datastoreItem xmlns:ds="http://schemas.openxmlformats.org/officeDocument/2006/customXml" ds:itemID="{27F72A04-DC93-4420-B9AA-16544E1D787F}">
-  <ds:schemaRefs>
-    <ds:schemaRef ds:uri="ESRI.ArcGIS.Mapping.OfficeIntegration.PowerPointInfo"/>
-  </ds:schemaRefs>
-</ds:datastoreItem>
-</file>
-
-<file path=customXml/itemProps20.xml><?xml version="1.0" encoding="utf-8"?>
-<ds:datastoreItem xmlns:ds="http://schemas.openxmlformats.org/officeDocument/2006/customXml" ds:itemID="{86DC43B7-A651-470F-9D9B-5DC681960331}">
-  <ds:schemaRefs>
-    <ds:schemaRef ds:uri="ESRI.ArcGIS.Mapping.OfficeIntegration.PowerPointInfo"/>
-  </ds:schemaRefs>
-</ds:datastoreItem>
-</file>
-
-<file path=customXml/itemProps21.xml><?xml version="1.0" encoding="utf-8"?>
-<ds:datastoreItem xmlns:ds="http://schemas.openxmlformats.org/officeDocument/2006/customXml" ds:itemID="{96BCEFA7-7F62-4103-ABA4-659F062669D7}">
-  <ds:schemaRefs>
-    <ds:schemaRef ds:uri="ESRI.ArcGIS.Mapping.OfficeIntegration.PowerPointInfo"/>
-  </ds:schemaRefs>
-</ds:datastoreItem>
-</file>
-
-<file path=customXml/itemProps22.xml><?xml version="1.0" encoding="utf-8"?>
-<ds:datastoreItem xmlns:ds="http://schemas.openxmlformats.org/officeDocument/2006/customXml" ds:itemID="{540CCE14-1146-4215-A3E5-6738A9581ACF}">
-  <ds:schemaRefs>
-    <ds:schemaRef ds:uri="ESRI.ArcGIS.Mapping.OfficeIntegration.PowerPointInfo"/>
-  </ds:schemaRefs>
-</ds:datastoreItem>
-</file>
-
-<file path=customXml/itemProps23.xml><?xml version="1.0" encoding="utf-8"?>
-<ds:datastoreItem xmlns:ds="http://schemas.openxmlformats.org/officeDocument/2006/customXml" ds:itemID="{23F09B40-FB7D-4EB2-86FC-27C42F6B3BAE}">
-  <ds:schemaRefs>
-    <ds:schemaRef ds:uri="ESRI.ArcGIS.Mapping.OfficeIntegration.PowerPointInfo"/>
-  </ds:schemaRefs>
-</ds:datastoreItem>
-</file>
-
-<file path=customXml/itemProps24.xml><?xml version="1.0" encoding="utf-8"?>
-<ds:datastoreItem xmlns:ds="http://schemas.openxmlformats.org/officeDocument/2006/customXml" ds:itemID="{0431B50E-6780-4CC1-8294-54F8A3D2A2DA}">
-  <ds:schemaRefs>
-    <ds:schemaRef ds:uri="ESRI.ArcGIS.Mapping.OfficeIntegration.PowerPointInfo"/>
-  </ds:schemaRefs>
-</ds:datastoreItem>
-</file>
-
-<file path=customXml/itemProps25.xml><?xml version="1.0" encoding="utf-8"?>
-<ds:datastoreItem xmlns:ds="http://schemas.openxmlformats.org/officeDocument/2006/customXml" ds:itemID="{64669553-C2C7-4A05-BDE6-5784BDC500B9}">
-  <ds:schemaRefs>
-    <ds:schemaRef ds:uri="ESRI.ArcGIS.Mapping.OfficeIntegration.PowerPointInfo"/>
-  </ds:schemaRefs>
-</ds:datastoreItem>
-</file>
-
-<file path=customXml/itemProps26.xml><?xml version="1.0" encoding="utf-8"?>
-<ds:datastoreItem xmlns:ds="http://schemas.openxmlformats.org/officeDocument/2006/customXml" ds:itemID="{0377085A-A759-4413-9BB8-639DE09D4BA4}">
-  <ds:schemaRefs>
-    <ds:schemaRef ds:uri="ESRI.ArcGIS.Mapping.OfficeIntegration.PowerPointInfo"/>
-  </ds:schemaRefs>
-</ds:datastoreItem>
-</file>
-
-<file path=customXml/itemProps27.xml><?xml version="1.0" encoding="utf-8"?>
-<ds:datastoreItem xmlns:ds="http://schemas.openxmlformats.org/officeDocument/2006/customXml" ds:itemID="{87F8066A-C73F-4211-BBF8-2B75D61A5F4E}">
-  <ds:schemaRefs>
-    <ds:schemaRef ds:uri="ESRI.ArcGIS.Mapping.OfficeIntegration.PowerPointInfo"/>
-  </ds:schemaRefs>
-</ds:datastoreItem>
-</file>
-
-<file path=customXml/itemProps28.xml><?xml version="1.0" encoding="utf-8"?>
-<ds:datastoreItem xmlns:ds="http://schemas.openxmlformats.org/officeDocument/2006/customXml" ds:itemID="{58581E56-8E64-479C-BC10-3D52028645B6}">
-  <ds:schemaRefs>
-    <ds:schemaRef ds:uri="ESRI.ArcGIS.Mapping.OfficeIntegration.PowerPointInfo"/>
-  </ds:schemaRefs>
-</ds:datastoreItem>
-</file>
-
-<file path=customXml/itemProps29.xml><?xml version="1.0" encoding="utf-8"?>
-<ds:datastoreItem xmlns:ds="http://schemas.openxmlformats.org/officeDocument/2006/customXml" ds:itemID="{FCA828EF-2A69-46C1-A149-8E968648AFCC}">
-  <ds:schemaRefs>
-    <ds:schemaRef ds:uri="ESRI.ArcGIS.Mapping.OfficeIntegration.PowerPointInfo"/>
-  </ds:schemaRefs>
-</ds:datastoreItem>
-</file>
-
-<file path=customXml/itemProps3.xml><?xml version="1.0" encoding="utf-8"?>
-<ds:datastoreItem xmlns:ds="http://schemas.openxmlformats.org/officeDocument/2006/customXml" ds:itemID="{CEEB83A3-0CE5-467C-97CC-85CF0B212256}">
-  <ds:schemaRefs>
-    <ds:schemaRef ds:uri="ESRI.ArcGIS.Mapping.OfficeIntegration.PowerPointInfo"/>
-  </ds:schemaRefs>
-</ds:datastoreItem>
-</file>
-
-<file path=customXml/itemProps30.xml><?xml version="1.0" encoding="utf-8"?>
-<ds:datastoreItem xmlns:ds="http://schemas.openxmlformats.org/officeDocument/2006/customXml" ds:itemID="{B4DF1E66-6ACC-4157-9168-FDAC5054F24F}">
-  <ds:schemaRefs>
-    <ds:schemaRef ds:uri="ESRI.ArcGIS.Mapping.OfficeIntegration.PowerPointInfo"/>
-  </ds:schemaRefs>
-</ds:datastoreItem>
-</file>
-
-<file path=customXml/itemProps31.xml><?xml version="1.0" encoding="utf-8"?>
-<ds:datastoreItem xmlns:ds="http://schemas.openxmlformats.org/officeDocument/2006/customXml" ds:itemID="{8DD72995-77DA-4521-827B-4BD3BBB010F0}">
-  <ds:schemaRefs>
-    <ds:schemaRef ds:uri="ESRI.ArcGIS.Mapping.OfficeIntegration.PowerPointInfo"/>
-  </ds:schemaRefs>
-</ds:datastoreItem>
-</file>
-
-<file path=customXml/itemProps32.xml><?xml version="1.0" encoding="utf-8"?>
-<ds:datastoreItem xmlns:ds="http://schemas.openxmlformats.org/officeDocument/2006/customXml" ds:itemID="{F23DD629-EDE2-45D7-B65A-1A52D83473FE}">
-  <ds:schemaRefs>
-    <ds:schemaRef ds:uri="ESRI.ArcGIS.Mapping.OfficeIntegration.PowerPointInfo"/>
-  </ds:schemaRefs>
-</ds:datastoreItem>
-</file>
-
-<file path=customXml/itemProps33.xml><?xml version="1.0" encoding="utf-8"?>
-<ds:datastoreItem xmlns:ds="http://schemas.openxmlformats.org/officeDocument/2006/customXml" ds:itemID="{7E7A34CD-1270-4891-901E-7EE49A903375}">
-  <ds:schemaRefs>
-    <ds:schemaRef ds:uri="ESRI.ArcGIS.Mapping.OfficeIntegration.PowerPointInfo"/>
-  </ds:schemaRefs>
-</ds:datastoreItem>
-</file>
-
-<file path=customXml/itemProps34.xml><?xml version="1.0" encoding="utf-8"?>
-<ds:datastoreItem xmlns:ds="http://schemas.openxmlformats.org/officeDocument/2006/customXml" ds:itemID="{AD4BFB44-6200-429A-A4FE-9B7752513BCC}">
-  <ds:schemaRefs>
-    <ds:schemaRef ds:uri="ESRI.ArcGIS.Mapping.OfficeIntegration.PowerPointInfo"/>
-  </ds:schemaRefs>
-</ds:datastoreItem>
-</file>
-
-<file path=customXml/itemProps35.xml><?xml version="1.0" encoding="utf-8"?>
-<ds:datastoreItem xmlns:ds="http://schemas.openxmlformats.org/officeDocument/2006/customXml" ds:itemID="{A9460852-5164-4FAC-8557-C35D5DB0B8FD}">
-  <ds:schemaRefs>
-    <ds:schemaRef ds:uri="ESRI.ArcGIS.Mapping.OfficeIntegration.PowerPointInfo"/>
-  </ds:schemaRefs>
-</ds:datastoreItem>
-</file>
-
-<file path=customXml/itemProps36.xml><?xml version="1.0" encoding="utf-8"?>
-<ds:datastoreItem xmlns:ds="http://schemas.openxmlformats.org/officeDocument/2006/customXml" ds:itemID="{FA24E1D0-79A0-4D4F-BC2C-5ED533E69815}">
-  <ds:schemaRefs>
-    <ds:schemaRef ds:uri="ESRI.ArcGIS.Mapping.OfficeIntegration.PowerPointInfo"/>
-  </ds:schemaRefs>
-</ds:datastoreItem>
-</file>
-
-<file path=customXml/itemProps37.xml><?xml version="1.0" encoding="utf-8"?>
-<ds:datastoreItem xmlns:ds="http://schemas.openxmlformats.org/officeDocument/2006/customXml" ds:itemID="{782AA18B-5D17-4AD0-8334-EE1CCEA13C31}">
-  <ds:schemaRefs>
-    <ds:schemaRef ds:uri="ESRI.ArcGIS.Mapping.OfficeIntegration.PowerPointInfo"/>
-  </ds:schemaRefs>
-</ds:datastoreItem>
-</file>
-
-<file path=customXml/itemProps38.xml><?xml version="1.0" encoding="utf-8"?>
-<ds:datastoreItem xmlns:ds="http://schemas.openxmlformats.org/officeDocument/2006/customXml" ds:itemID="{A2D91898-2C69-4203-B96D-7244D52798AC}">
-  <ds:schemaRefs>
-    <ds:schemaRef ds:uri="ESRI.ArcGIS.Mapping.OfficeIntegration.PowerPointInfo"/>
-  </ds:schemaRefs>
-</ds:datastoreItem>
-</file>
-
-<file path=customXml/itemProps39.xml><?xml version="1.0" encoding="utf-8"?>
-<ds:datastoreItem xmlns:ds="http://schemas.openxmlformats.org/officeDocument/2006/customXml" ds:itemID="{4D0FF0A2-5A08-4E00-8A6C-45A3FC7EC409}">
-  <ds:schemaRefs>
-    <ds:schemaRef ds:uri="ESRI.ArcGIS.Mapping.OfficeIntegration.PowerPointInfo"/>
-  </ds:schemaRefs>
-</ds:datastoreItem>
-</file>
-
-<file path=customXml/itemProps4.xml><?xml version="1.0" encoding="utf-8"?>
-<ds:datastoreItem xmlns:ds="http://schemas.openxmlformats.org/officeDocument/2006/customXml" ds:itemID="{C15A61A2-FD38-4F9C-9700-5BD05E348FBC}">
-  <ds:schemaRefs>
-    <ds:schemaRef ds:uri="ESRI.ArcGIS.Mapping.OfficeIntegration.PowerPointInfo"/>
-  </ds:schemaRefs>
-</ds:datastoreItem>
-</file>
-
-<file path=customXml/itemProps40.xml><?xml version="1.0" encoding="utf-8"?>
+<file path=customXml/itemProps9.xml><?xml version="1.0" encoding="utf-8"?>
 <ds:datastoreItem xmlns:ds="http://schemas.openxmlformats.org/officeDocument/2006/customXml" ds:itemID="{24618B94-7520-442D-858F-D581437D99B4}">
   <ds:schemaRefs>
     <ds:schemaRef ds:uri="ESRI.ArcGIS.Mapping.OfficeIntegration.PowerPointInfo"/>
   </ds:schemaRefs>
 </ds:datastoreItem>
-</file>
-
-<file path=customXml/itemProps41.xml><?xml version="1.0" encoding="utf-8"?>
-<ds:datastoreItem xmlns:ds="http://schemas.openxmlformats.org/officeDocument/2006/customXml" ds:itemID="{839FF567-9385-4072-BE8E-5A95B5D2DB22}">
-  <ds:schemaRefs>
-    <ds:schemaRef ds:uri="ESRI.ArcGIS.Mapping.OfficeIntegration.PowerPointInfo"/>
-  </ds:schemaRefs>
-</ds:datastoreItem>
-</file>
-
-<file path=customXml/itemProps42.xml><?xml version="1.0" encoding="utf-8"?>
-<ds:datastoreItem xmlns:ds="http://schemas.openxmlformats.org/officeDocument/2006/customXml" ds:itemID="{5FF9A27B-6208-4E08-B8E9-D7B065964FA8}">
-  <ds:schemaRefs>
-    <ds:schemaRef ds:uri="ESRI.ArcGIS.Mapping.OfficeIntegration.PowerPointInfo"/>
-  </ds:schemaRefs>
-</ds:datastoreItem>
-</file>
-
-<file path=customXml/itemProps43.xml><?xml version="1.0" encoding="utf-8"?>
-<ds:datastoreItem xmlns:ds="http://schemas.openxmlformats.org/officeDocument/2006/customXml" ds:itemID="{D8775224-10B5-4B78-86A0-52415DB4EC1D}">
-  <ds:schemaRefs>
-    <ds:schemaRef ds:uri="ESRI.ArcGIS.Mapping.OfficeIntegration.PowerPointInfo"/>
-  </ds:schemaRefs>
-</ds:datastoreItem>
-</file>
-
-<file path=customXml/itemProps5.xml><?xml version="1.0" encoding="utf-8"?>
-<ds:datastoreItem xmlns:ds="http://schemas.openxmlformats.org/officeDocument/2006/customXml" ds:itemID="{0B03EEBA-7331-46BB-A922-0167D17802B9}">
-  <ds:schemaRefs>
-    <ds:schemaRef ds:uri="ESRI.ArcGIS.Mapping.OfficeIntegration.PowerPointInfo"/>
-  </ds:schemaRefs>
-</ds:datastoreItem>
-</file>
-
-<file path=customXml/itemProps6.xml><?xml version="1.0" encoding="utf-8"?>
-<ds:datastoreItem xmlns:ds="http://schemas.openxmlformats.org/officeDocument/2006/customXml" ds:itemID="{04A8E672-C7F5-4701-83FF-060A750AB340}">
-  <ds:schemaRefs>
-    <ds:schemaRef ds:uri="ESRI.ArcGIS.Mapping.OfficeIntegration.PowerPointInfo"/>
-  </ds:schemaRefs>
-</ds:datastoreItem>
-</file>
-
-<file path=customXml/itemProps7.xml><?xml version="1.0" encoding="utf-8"?>
-<ds:datastoreItem xmlns:ds="http://schemas.openxmlformats.org/officeDocument/2006/customXml" ds:itemID="{77FFA8CA-6F86-4AAE-AB32-C2CAAD29A366}">
-  <ds:schemaRefs>
-    <ds:schemaRef ds:uri="ESRI.ArcGIS.Mapping.OfficeIntegration.PowerPointInfo"/>
-  </ds:schemaRefs>
-</ds:datastoreItem>
-</file>
-
-<file path=customXml/itemProps8.xml><?xml version="1.0" encoding="utf-8"?>
-<ds:datastoreItem xmlns:ds="http://schemas.openxmlformats.org/officeDocument/2006/customXml" ds:itemID="{F8E7C3E6-C19D-42D0-B945-70D19F2AC60A}">
-  <ds:schemaRefs>
-    <ds:schemaRef ds:uri="ESRI.ArcGIS.Mapping.OfficeIntegration.PowerPointInfo"/>
-  </ds:schemaRefs>
-</ds:datastoreItem>
-</file>
-
-<file path=customXml/itemProps9.xml><?xml version="1.0" encoding="utf-8"?>
-<ds:datastoreItem xmlns:ds="http://schemas.openxmlformats.org/officeDocument/2006/customXml" ds:itemID="{56FE11E1-D6FB-43BB-B924-E2D84E8F5C1F}">
-  <ds:schemaRefs>
-    <ds:schemaRef ds:uri="ESRI.ArcGIS.Mapping.OfficeIntegration.PowerPointInfo"/>
-  </ds:schemaRefs>
-</ds:datastoreItem>
 </file>